--- a/# lecture_slides/ch07/ch07_OOP.pptx
+++ b/# lecture_slides/ch07/ch07_OOP.pptx
@@ -48,13 +48,6 @@
   </p:sldIdLst>
   <p:sldSz cx="9144000" cy="6858000" type="screen4x3"/>
   <p:notesSz cx="6805613" cy="9939338"/>
-  <p:embeddedFontLst>
-    <p:embeddedFont>
-      <p:font typeface="맑은 고딕" pitchFamily="50" charset="-127"/>
-      <p:regular r:id="rId38"/>
-      <p:bold r:id="rId39"/>
-    </p:embeddedFont>
-  </p:embeddedFontLst>
   <p:defaultTextStyle>
     <a:defPPr>
       <a:defRPr lang="ko-KR"/>
@@ -152,7 +145,7 @@
   </p:defaultTextStyle>
   <p:extLst>
     <p:ext uri="{EFAFB233-063F-42B5-8137-9DF3F51BA10A}">
-      <p15:sldGuideLst xmlns:p15="http://schemas.microsoft.com/office/powerpoint/2012/main" xmlns="">
+      <p15:sldGuideLst xmlns:p15="http://schemas.microsoft.com/office/powerpoint/2012/main">
         <p15:guide id="1" orient="horz" pos="2166">
           <p15:clr>
             <a:srgbClr val="A4A3A4"/>
@@ -236,7 +229,7 @@
       </p15:sldGuideLst>
     </p:ext>
     <p:ext uri="{2D200454-40CA-4A62-9FC3-DE9A4176ACB9}">
-      <p15:notesGuideLst xmlns:p15="http://schemas.microsoft.com/office/powerpoint/2012/main" xmlns="">
+      <p15:notesGuideLst xmlns:p15="http://schemas.microsoft.com/office/powerpoint/2012/main">
         <p15:guide id="1" orient="horz" pos="3131">
           <p15:clr>
             <a:srgbClr val="A4A3A4"/>
@@ -336,7 +329,7 @@
             <a:fld id="{207F23D9-DF40-4811-9C78-A2E2A32398DD}" type="datetimeFigureOut">
               <a:rPr lang="ko-KR" altLang="en-US" smtClean="0"/>
               <a:pPr/>
-              <a:t>2018-06-13</a:t>
+              <a:t>2018. 6. 14.</a:t>
             </a:fld>
             <a:endParaRPr lang="ko-KR" altLang="en-US"/>
           </a:p>
@@ -412,7 +405,7 @@
     </p:spTree>
     <p:extLst>
       <p:ext uri="{BB962C8B-B14F-4D97-AF65-F5344CB8AC3E}">
-        <p14:creationId xmlns:p14="http://schemas.microsoft.com/office/powerpoint/2010/main" xmlns="" val="2891599686"/>
+        <p14:creationId xmlns:p14="http://schemas.microsoft.com/office/powerpoint/2010/main" val="2891599686"/>
       </p:ext>
     </p:extLst>
   </p:cSld>
@@ -503,7 +496,7 @@
             <a:fld id="{F3AF6795-A612-454E-AF7A-9192B1BEBB13}" type="datetimeFigureOut">
               <a:rPr lang="ko-KR" altLang="en-US" smtClean="0"/>
               <a:pPr/>
-              <a:t>2018-06-13</a:t>
+              <a:t>2018. 6. 14.</a:t>
             </a:fld>
             <a:endParaRPr lang="ko-KR" altLang="en-US"/>
           </a:p>
@@ -569,38 +562,37 @@
           <a:p>
             <a:pPr lvl="0"/>
             <a:r>
-              <a:rPr lang="ko-KR" altLang="en-US" smtClean="0"/>
+              <a:rPr lang="ko-KR" altLang="en-US"/>
               <a:t>마스터 텍스트 스타일을 편집합니다</a:t>
             </a:r>
           </a:p>
           <a:p>
             <a:pPr lvl="1"/>
             <a:r>
-              <a:rPr lang="ko-KR" altLang="en-US" smtClean="0"/>
+              <a:rPr lang="ko-KR" altLang="en-US"/>
               <a:t>둘째 수준</a:t>
             </a:r>
           </a:p>
           <a:p>
             <a:pPr lvl="2"/>
             <a:r>
-              <a:rPr lang="ko-KR" altLang="en-US" smtClean="0"/>
+              <a:rPr lang="ko-KR" altLang="en-US"/>
               <a:t>셋째 수준</a:t>
             </a:r>
           </a:p>
           <a:p>
             <a:pPr lvl="3"/>
             <a:r>
-              <a:rPr lang="ko-KR" altLang="en-US" smtClean="0"/>
+              <a:rPr lang="ko-KR" altLang="en-US"/>
               <a:t>넷째 수준</a:t>
             </a:r>
           </a:p>
           <a:p>
             <a:pPr lvl="4"/>
             <a:r>
-              <a:rPr lang="ko-KR" altLang="en-US" smtClean="0"/>
+              <a:rPr lang="ko-KR" altLang="en-US"/>
               <a:t>다섯째 수준</a:t>
             </a:r>
-            <a:endParaRPr lang="ko-KR" altLang="en-US"/>
           </a:p>
         </p:txBody>
       </p:sp>
@@ -674,7 +666,7 @@
     </p:spTree>
     <p:extLst>
       <p:ext uri="{BB962C8B-B14F-4D97-AF65-F5344CB8AC3E}">
-        <p14:creationId xmlns:p14="http://schemas.microsoft.com/office/powerpoint/2010/main" xmlns="" val="1587304990"/>
+        <p14:creationId xmlns:p14="http://schemas.microsoft.com/office/powerpoint/2010/main" val="1587304990"/>
       </p:ext>
     </p:extLst>
   </p:cSld>
@@ -851,7 +843,7 @@
     </p:spTree>
     <p:extLst>
       <p:ext uri="{BB962C8B-B14F-4D97-AF65-F5344CB8AC3E}">
-        <p14:creationId xmlns:p14="http://schemas.microsoft.com/office/powerpoint/2010/main" xmlns="" val="23495583"/>
+        <p14:creationId xmlns:p14="http://schemas.microsoft.com/office/powerpoint/2010/main" val="23495583"/>
       </p:ext>
     </p:extLst>
   </p:cSld>
@@ -936,7 +928,7 @@
     </p:spTree>
     <p:extLst>
       <p:ext uri="{BB962C8B-B14F-4D97-AF65-F5344CB8AC3E}">
-        <p14:creationId xmlns:p14="http://schemas.microsoft.com/office/powerpoint/2010/main" xmlns="" val="1308647804"/>
+        <p14:creationId xmlns:p14="http://schemas.microsoft.com/office/powerpoint/2010/main" val="1308647804"/>
       </p:ext>
     </p:extLst>
   </p:cSld>
@@ -1021,7 +1013,7 @@
     </p:spTree>
     <p:extLst>
       <p:ext uri="{BB962C8B-B14F-4D97-AF65-F5344CB8AC3E}">
-        <p14:creationId xmlns:p14="http://schemas.microsoft.com/office/powerpoint/2010/main" xmlns="" val="1119335186"/>
+        <p14:creationId xmlns:p14="http://schemas.microsoft.com/office/powerpoint/2010/main" val="1119335186"/>
       </p:ext>
     </p:extLst>
   </p:cSld>
@@ -1106,7 +1098,7 @@
     </p:spTree>
     <p:extLst>
       <p:ext uri="{BB962C8B-B14F-4D97-AF65-F5344CB8AC3E}">
-        <p14:creationId xmlns:p14="http://schemas.microsoft.com/office/powerpoint/2010/main" xmlns="" val="3050468187"/>
+        <p14:creationId xmlns:p14="http://schemas.microsoft.com/office/powerpoint/2010/main" val="3050468187"/>
       </p:ext>
     </p:extLst>
   </p:cSld>
@@ -1191,7 +1183,7 @@
     </p:spTree>
     <p:extLst>
       <p:ext uri="{BB962C8B-B14F-4D97-AF65-F5344CB8AC3E}">
-        <p14:creationId xmlns:p14="http://schemas.microsoft.com/office/powerpoint/2010/main" xmlns="" val="3732295661"/>
+        <p14:creationId xmlns:p14="http://schemas.microsoft.com/office/powerpoint/2010/main" val="3732295661"/>
       </p:ext>
     </p:extLst>
   </p:cSld>
@@ -1276,7 +1268,7 @@
     </p:spTree>
     <p:extLst>
       <p:ext uri="{BB962C8B-B14F-4D97-AF65-F5344CB8AC3E}">
-        <p14:creationId xmlns:p14="http://schemas.microsoft.com/office/powerpoint/2010/main" xmlns="" val="1483826568"/>
+        <p14:creationId xmlns:p14="http://schemas.microsoft.com/office/powerpoint/2010/main" val="1483826568"/>
       </p:ext>
     </p:extLst>
   </p:cSld>
@@ -1361,7 +1353,7 @@
     </p:spTree>
     <p:extLst>
       <p:ext uri="{BB962C8B-B14F-4D97-AF65-F5344CB8AC3E}">
-        <p14:creationId xmlns:p14="http://schemas.microsoft.com/office/powerpoint/2010/main" xmlns="" val="2298713272"/>
+        <p14:creationId xmlns:p14="http://schemas.microsoft.com/office/powerpoint/2010/main" val="2298713272"/>
       </p:ext>
     </p:extLst>
   </p:cSld>
@@ -1446,7 +1438,7 @@
     </p:spTree>
     <p:extLst>
       <p:ext uri="{BB962C8B-B14F-4D97-AF65-F5344CB8AC3E}">
-        <p14:creationId xmlns:p14="http://schemas.microsoft.com/office/powerpoint/2010/main" xmlns="" val="888993259"/>
+        <p14:creationId xmlns:p14="http://schemas.microsoft.com/office/powerpoint/2010/main" val="888993259"/>
       </p:ext>
     </p:extLst>
   </p:cSld>
@@ -1531,7 +1523,7 @@
     </p:spTree>
     <p:extLst>
       <p:ext uri="{BB962C8B-B14F-4D97-AF65-F5344CB8AC3E}">
-        <p14:creationId xmlns:p14="http://schemas.microsoft.com/office/powerpoint/2010/main" xmlns="" val="737027485"/>
+        <p14:creationId xmlns:p14="http://schemas.microsoft.com/office/powerpoint/2010/main" val="737027485"/>
       </p:ext>
     </p:extLst>
   </p:cSld>
@@ -1616,7 +1608,7 @@
     </p:spTree>
     <p:extLst>
       <p:ext uri="{BB962C8B-B14F-4D97-AF65-F5344CB8AC3E}">
-        <p14:creationId xmlns:p14="http://schemas.microsoft.com/office/powerpoint/2010/main" xmlns="" val="2501020034"/>
+        <p14:creationId xmlns:p14="http://schemas.microsoft.com/office/powerpoint/2010/main" val="2501020034"/>
       </p:ext>
     </p:extLst>
   </p:cSld>
@@ -1701,7 +1693,7 @@
     </p:spTree>
     <p:extLst>
       <p:ext uri="{BB962C8B-B14F-4D97-AF65-F5344CB8AC3E}">
-        <p14:creationId xmlns:p14="http://schemas.microsoft.com/office/powerpoint/2010/main" xmlns="" val="3521675212"/>
+        <p14:creationId xmlns:p14="http://schemas.microsoft.com/office/powerpoint/2010/main" val="3521675212"/>
       </p:ext>
     </p:extLst>
   </p:cSld>
@@ -1788,7 +1780,7 @@
     </p:spTree>
     <p:extLst>
       <p:ext uri="{BB962C8B-B14F-4D97-AF65-F5344CB8AC3E}">
-        <p14:creationId xmlns:p14="http://schemas.microsoft.com/office/powerpoint/2010/main" xmlns="" val="1169602917"/>
+        <p14:creationId xmlns:p14="http://schemas.microsoft.com/office/powerpoint/2010/main" val="1169602917"/>
       </p:ext>
     </p:extLst>
   </p:cSld>
@@ -1875,7 +1867,7 @@
     </p:spTree>
     <p:extLst>
       <p:ext uri="{BB962C8B-B14F-4D97-AF65-F5344CB8AC3E}">
-        <p14:creationId xmlns:p14="http://schemas.microsoft.com/office/powerpoint/2010/main" xmlns="" val="526745339"/>
+        <p14:creationId xmlns:p14="http://schemas.microsoft.com/office/powerpoint/2010/main" val="526745339"/>
       </p:ext>
     </p:extLst>
   </p:cSld>
@@ -1960,7 +1952,7 @@
     </p:spTree>
     <p:extLst>
       <p:ext uri="{BB962C8B-B14F-4D97-AF65-F5344CB8AC3E}">
-        <p14:creationId xmlns:p14="http://schemas.microsoft.com/office/powerpoint/2010/main" xmlns="" val="2696939215"/>
+        <p14:creationId xmlns:p14="http://schemas.microsoft.com/office/powerpoint/2010/main" val="2696939215"/>
       </p:ext>
     </p:extLst>
   </p:cSld>
@@ -2045,7 +2037,7 @@
     </p:spTree>
     <p:extLst>
       <p:ext uri="{BB962C8B-B14F-4D97-AF65-F5344CB8AC3E}">
-        <p14:creationId xmlns:p14="http://schemas.microsoft.com/office/powerpoint/2010/main" xmlns="" val="1167738977"/>
+        <p14:creationId xmlns:p14="http://schemas.microsoft.com/office/powerpoint/2010/main" val="1167738977"/>
       </p:ext>
     </p:extLst>
   </p:cSld>
@@ -2130,7 +2122,7 @@
     </p:spTree>
     <p:extLst>
       <p:ext uri="{BB962C8B-B14F-4D97-AF65-F5344CB8AC3E}">
-        <p14:creationId xmlns:p14="http://schemas.microsoft.com/office/powerpoint/2010/main" xmlns="" val="4065058281"/>
+        <p14:creationId xmlns:p14="http://schemas.microsoft.com/office/powerpoint/2010/main" val="4065058281"/>
       </p:ext>
     </p:extLst>
   </p:cSld>
@@ -2215,7 +2207,7 @@
     </p:spTree>
     <p:extLst>
       <p:ext uri="{BB962C8B-B14F-4D97-AF65-F5344CB8AC3E}">
-        <p14:creationId xmlns:p14="http://schemas.microsoft.com/office/powerpoint/2010/main" xmlns="" val="1991319448"/>
+        <p14:creationId xmlns:p14="http://schemas.microsoft.com/office/powerpoint/2010/main" val="1991319448"/>
       </p:ext>
     </p:extLst>
   </p:cSld>
@@ -2300,7 +2292,7 @@
     </p:spTree>
     <p:extLst>
       <p:ext uri="{BB962C8B-B14F-4D97-AF65-F5344CB8AC3E}">
-        <p14:creationId xmlns:p14="http://schemas.microsoft.com/office/powerpoint/2010/main" xmlns="" val="1908486305"/>
+        <p14:creationId xmlns:p14="http://schemas.microsoft.com/office/powerpoint/2010/main" val="1908486305"/>
       </p:ext>
     </p:extLst>
   </p:cSld>
@@ -2385,7 +2377,7 @@
     </p:spTree>
     <p:extLst>
       <p:ext uri="{BB962C8B-B14F-4D97-AF65-F5344CB8AC3E}">
-        <p14:creationId xmlns:p14="http://schemas.microsoft.com/office/powerpoint/2010/main" xmlns="" val="2467651555"/>
+        <p14:creationId xmlns:p14="http://schemas.microsoft.com/office/powerpoint/2010/main" val="2467651555"/>
       </p:ext>
     </p:extLst>
   </p:cSld>
@@ -2470,7 +2462,7 @@
     </p:spTree>
     <p:extLst>
       <p:ext uri="{BB962C8B-B14F-4D97-AF65-F5344CB8AC3E}">
-        <p14:creationId xmlns:p14="http://schemas.microsoft.com/office/powerpoint/2010/main" xmlns="" val="85460686"/>
+        <p14:creationId xmlns:p14="http://schemas.microsoft.com/office/powerpoint/2010/main" val="85460686"/>
       </p:ext>
     </p:extLst>
   </p:cSld>
@@ -2555,7 +2547,7 @@
     </p:spTree>
     <p:extLst>
       <p:ext uri="{BB962C8B-B14F-4D97-AF65-F5344CB8AC3E}">
-        <p14:creationId xmlns:p14="http://schemas.microsoft.com/office/powerpoint/2010/main" xmlns="" val="3273561838"/>
+        <p14:creationId xmlns:p14="http://schemas.microsoft.com/office/powerpoint/2010/main" val="3273561838"/>
       </p:ext>
     </p:extLst>
   </p:cSld>
@@ -2640,7 +2632,7 @@
     </p:spTree>
     <p:extLst>
       <p:ext uri="{BB962C8B-B14F-4D97-AF65-F5344CB8AC3E}">
-        <p14:creationId xmlns:p14="http://schemas.microsoft.com/office/powerpoint/2010/main" xmlns="" val="1739587745"/>
+        <p14:creationId xmlns:p14="http://schemas.microsoft.com/office/powerpoint/2010/main" val="1739587745"/>
       </p:ext>
     </p:extLst>
   </p:cSld>
@@ -2725,7 +2717,7 @@
     </p:spTree>
     <p:extLst>
       <p:ext uri="{BB962C8B-B14F-4D97-AF65-F5344CB8AC3E}">
-        <p14:creationId xmlns:p14="http://schemas.microsoft.com/office/powerpoint/2010/main" xmlns="" val="2116255064"/>
+        <p14:creationId xmlns:p14="http://schemas.microsoft.com/office/powerpoint/2010/main" val="2116255064"/>
       </p:ext>
     </p:extLst>
   </p:cSld>
@@ -2812,7 +2804,7 @@
     </p:spTree>
     <p:extLst>
       <p:ext uri="{BB962C8B-B14F-4D97-AF65-F5344CB8AC3E}">
-        <p14:creationId xmlns:p14="http://schemas.microsoft.com/office/powerpoint/2010/main" xmlns="" val="2300346714"/>
+        <p14:creationId xmlns:p14="http://schemas.microsoft.com/office/powerpoint/2010/main" val="2300346714"/>
       </p:ext>
     </p:extLst>
   </p:cSld>
@@ -2897,7 +2889,7 @@
     </p:spTree>
     <p:extLst>
       <p:ext uri="{BB962C8B-B14F-4D97-AF65-F5344CB8AC3E}">
-        <p14:creationId xmlns:p14="http://schemas.microsoft.com/office/powerpoint/2010/main" xmlns="" val="3912679147"/>
+        <p14:creationId xmlns:p14="http://schemas.microsoft.com/office/powerpoint/2010/main" val="3912679147"/>
       </p:ext>
     </p:extLst>
   </p:cSld>
@@ -2982,7 +2974,7 @@
     </p:spTree>
     <p:extLst>
       <p:ext uri="{BB962C8B-B14F-4D97-AF65-F5344CB8AC3E}">
-        <p14:creationId xmlns:p14="http://schemas.microsoft.com/office/powerpoint/2010/main" xmlns="" val="2431832015"/>
+        <p14:creationId xmlns:p14="http://schemas.microsoft.com/office/powerpoint/2010/main" val="2431832015"/>
       </p:ext>
     </p:extLst>
   </p:cSld>
@@ -3067,7 +3059,7 @@
     </p:spTree>
     <p:extLst>
       <p:ext uri="{BB962C8B-B14F-4D97-AF65-F5344CB8AC3E}">
-        <p14:creationId xmlns:p14="http://schemas.microsoft.com/office/powerpoint/2010/main" xmlns="" val="3770758469"/>
+        <p14:creationId xmlns:p14="http://schemas.microsoft.com/office/powerpoint/2010/main" val="3770758469"/>
       </p:ext>
     </p:extLst>
   </p:cSld>
@@ -3154,7 +3146,7 @@
     </p:spTree>
     <p:extLst>
       <p:ext uri="{BB962C8B-B14F-4D97-AF65-F5344CB8AC3E}">
-        <p14:creationId xmlns:p14="http://schemas.microsoft.com/office/powerpoint/2010/main" xmlns="" val="289883203"/>
+        <p14:creationId xmlns:p14="http://schemas.microsoft.com/office/powerpoint/2010/main" val="289883203"/>
       </p:ext>
     </p:extLst>
   </p:cSld>
@@ -3239,7 +3231,7 @@
     </p:spTree>
     <p:extLst>
       <p:ext uri="{BB962C8B-B14F-4D97-AF65-F5344CB8AC3E}">
-        <p14:creationId xmlns:p14="http://schemas.microsoft.com/office/powerpoint/2010/main" xmlns="" val="276807091"/>
+        <p14:creationId xmlns:p14="http://schemas.microsoft.com/office/powerpoint/2010/main" val="276807091"/>
       </p:ext>
     </p:extLst>
   </p:cSld>
@@ -3324,7 +3316,7 @@
     </p:spTree>
     <p:extLst>
       <p:ext uri="{BB962C8B-B14F-4D97-AF65-F5344CB8AC3E}">
-        <p14:creationId xmlns:p14="http://schemas.microsoft.com/office/powerpoint/2010/main" xmlns="" val="968176951"/>
+        <p14:creationId xmlns:p14="http://schemas.microsoft.com/office/powerpoint/2010/main" val="968176951"/>
       </p:ext>
     </p:extLst>
   </p:cSld>
@@ -3409,7 +3401,7 @@
     </p:spTree>
     <p:extLst>
       <p:ext uri="{BB962C8B-B14F-4D97-AF65-F5344CB8AC3E}">
-        <p14:creationId xmlns:p14="http://schemas.microsoft.com/office/powerpoint/2010/main" xmlns="" val="2998788965"/>
+        <p14:creationId xmlns:p14="http://schemas.microsoft.com/office/powerpoint/2010/main" val="2998788965"/>
       </p:ext>
     </p:extLst>
   </p:cSld>
@@ -3494,7 +3486,7 @@
     </p:spTree>
     <p:extLst>
       <p:ext uri="{BB962C8B-B14F-4D97-AF65-F5344CB8AC3E}">
-        <p14:creationId xmlns:p14="http://schemas.microsoft.com/office/powerpoint/2010/main" xmlns="" val="3876042972"/>
+        <p14:creationId xmlns:p14="http://schemas.microsoft.com/office/powerpoint/2010/main" val="3876042972"/>
       </p:ext>
     </p:extLst>
   </p:cSld>
@@ -3579,7 +3571,7 @@
     </p:spTree>
     <p:extLst>
       <p:ext uri="{BB962C8B-B14F-4D97-AF65-F5344CB8AC3E}">
-        <p14:creationId xmlns:p14="http://schemas.microsoft.com/office/powerpoint/2010/main" xmlns="" val="4245219467"/>
+        <p14:creationId xmlns:p14="http://schemas.microsoft.com/office/powerpoint/2010/main" val="4245219467"/>
       </p:ext>
     </p:extLst>
   </p:cSld>
@@ -3666,7 +3658,7 @@
     </p:spTree>
     <p:extLst>
       <p:ext uri="{BB962C8B-B14F-4D97-AF65-F5344CB8AC3E}">
-        <p14:creationId xmlns:p14="http://schemas.microsoft.com/office/powerpoint/2010/main" xmlns="" val="1066432834"/>
+        <p14:creationId xmlns:p14="http://schemas.microsoft.com/office/powerpoint/2010/main" val="1066432834"/>
       </p:ext>
     </p:extLst>
   </p:cSld>
@@ -3913,7 +3905,7 @@
               </a:lnSpc>
             </a:pPr>
             <a:r>
-              <a:rPr lang="ko-KR" altLang="en-US" sz="800" spc="-20" dirty="0" smtClean="0">
+              <a:rPr lang="ko-KR" altLang="en-US" sz="800" spc="-20" dirty="0">
                 <a:solidFill>
                   <a:schemeClr val="bg1">
                     <a:lumMod val="50000"/>
@@ -3925,7 +3917,7 @@
               <a:t>이 문서는 나눔글꼴로 작성되었습니다</a:t>
             </a:r>
             <a:r>
-              <a:rPr lang="en-US" altLang="ko-KR" sz="800" spc="-20" dirty="0" smtClean="0">
+              <a:rPr lang="en-US" altLang="ko-KR" sz="800" spc="-20" dirty="0">
                 <a:solidFill>
                   <a:schemeClr val="bg1">
                     <a:lumMod val="50000"/>
@@ -3937,7 +3929,7 @@
               <a:t>. </a:t>
             </a:r>
             <a:r>
-              <a:rPr lang="ko-KR" altLang="en-US" sz="800" u="sng" spc="-20" dirty="0" smtClean="0">
+              <a:rPr lang="ko-KR" altLang="en-US" sz="800" u="sng" spc="-20" dirty="0">
                 <a:solidFill>
                   <a:srgbClr val="4495D2"/>
                 </a:solidFill>
@@ -4176,7 +4168,7 @@
             <a:fld id="{8761FD00-3F21-42CF-9EF5-8F6D81CE3AFD}" type="datetimeFigureOut">
               <a:rPr lang="ko-KR" altLang="en-US" smtClean="0"/>
               <a:pPr/>
-              <a:t>2018-06-13</a:t>
+              <a:t>2018. 6. 14.</a:t>
             </a:fld>
             <a:endParaRPr lang="ko-KR" altLang="en-US"/>
           </a:p>
@@ -4596,14 +4588,14 @@
           <a:p>
             <a:pPr lvl="0"/>
             <a:r>
-              <a:rPr lang="ko-KR" altLang="en-US" dirty="0" smtClean="0"/>
+              <a:rPr lang="ko-KR" altLang="en-US" dirty="0"/>
               <a:t>제목을 입력하세요</a:t>
             </a:r>
-            <a:endParaRPr lang="en-US" altLang="ko-KR" dirty="0" smtClean="0"/>
+            <a:endParaRPr lang="en-US" altLang="ko-KR" dirty="0"/>
           </a:p>
           <a:p>
             <a:pPr lvl="0"/>
-            <a:endParaRPr lang="ko-KR" altLang="en-US" dirty="0" smtClean="0"/>
+            <a:endParaRPr lang="ko-KR" altLang="en-US" dirty="0"/>
           </a:p>
         </p:txBody>
       </p:sp>
@@ -4645,10 +4637,9 @@
           </a:lstStyle>
           <a:p>
             <a:r>
-              <a:rPr lang="ko-KR" altLang="en-US" dirty="0" smtClean="0"/>
+              <a:rPr lang="ko-KR" altLang="en-US" dirty="0"/>
               <a:t>마스터 제목 스타일 편집</a:t>
             </a:r>
-            <a:endParaRPr lang="ko-KR" altLang="en-US" dirty="0"/>
           </a:p>
         </p:txBody>
       </p:sp>
@@ -4835,7 +4826,7 @@
               </a:lnSpc>
             </a:pPr>
             <a:r>
-              <a:rPr lang="ko-KR" altLang="en-US" sz="800" spc="-20" dirty="0" smtClean="0">
+              <a:rPr lang="ko-KR" altLang="en-US" sz="800" spc="-20" dirty="0">
                 <a:solidFill>
                   <a:schemeClr val="bg1">
                     <a:lumMod val="50000"/>
@@ -4847,7 +4838,7 @@
               <a:t>이 문서는 나눔글꼴로 작성되었습니다</a:t>
             </a:r>
             <a:r>
-              <a:rPr lang="en-US" altLang="ko-KR" sz="800" spc="-20" dirty="0" smtClean="0">
+              <a:rPr lang="en-US" altLang="ko-KR" sz="800" spc="-20" dirty="0">
                 <a:solidFill>
                   <a:schemeClr val="bg1">
                     <a:lumMod val="50000"/>
@@ -4859,7 +4850,7 @@
               <a:t>. </a:t>
             </a:r>
             <a:r>
-              <a:rPr lang="ko-KR" altLang="en-US" sz="800" u="sng" spc="-20" dirty="0" smtClean="0">
+              <a:rPr lang="ko-KR" altLang="en-US" sz="800" u="sng" spc="-20" dirty="0">
                 <a:solidFill>
                   <a:srgbClr val="4495D2"/>
                 </a:solidFill>
@@ -4922,7 +4913,7 @@
             <a:fld id="{8761FD00-3F21-42CF-9EF5-8F6D81CE3AFD}" type="datetimeFigureOut">
               <a:rPr lang="ko-KR" altLang="en-US" smtClean="0"/>
               <a:pPr/>
-              <a:t>2018-06-13</a:t>
+              <a:t>2018. 6. 14.</a:t>
             </a:fld>
             <a:endParaRPr lang="ko-KR" altLang="en-US"/>
           </a:p>
@@ -5067,10 +5058,9 @@
           </a:lstStyle>
           <a:p>
             <a:r>
-              <a:rPr lang="ko-KR" altLang="en-US" dirty="0" smtClean="0"/>
+              <a:rPr lang="ko-KR" altLang="en-US" dirty="0"/>
               <a:t>마스터 제목 스타일 편집</a:t>
             </a:r>
-            <a:endParaRPr lang="ko-KR" altLang="en-US" dirty="0"/>
           </a:p>
         </p:txBody>
       </p:sp>
@@ -5128,7 +5118,7 @@
           <a:p>
             <a:pPr lvl="0"/>
             <a:r>
-              <a:rPr lang="ko-KR" altLang="en-US" smtClean="0"/>
+              <a:rPr lang="ko-KR" altLang="en-US"/>
               <a:t>내용제목</a:t>
             </a:r>
           </a:p>
@@ -5181,14 +5171,14 @@
           <a:p>
             <a:pPr lvl="0"/>
             <a:r>
-              <a:rPr lang="ko-KR" altLang="en-US" dirty="0" smtClean="0"/>
+              <a:rPr lang="ko-KR" altLang="en-US" dirty="0"/>
               <a:t>내용을 입력하십시오</a:t>
             </a:r>
             <a:r>
-              <a:rPr lang="en-US" altLang="ko-KR" dirty="0" smtClean="0"/>
+              <a:rPr lang="en-US" altLang="ko-KR" dirty="0"/>
               <a:t>.</a:t>
             </a:r>
-            <a:endParaRPr lang="ko-KR" altLang="en-US" dirty="0" smtClean="0"/>
+            <a:endParaRPr lang="ko-KR" altLang="en-US" dirty="0"/>
           </a:p>
         </p:txBody>
       </p:sp>
@@ -5235,7 +5225,7 @@
             <a:fld id="{8761FD00-3F21-42CF-9EF5-8F6D81CE3AFD}" type="datetimeFigureOut">
               <a:rPr lang="ko-KR" altLang="en-US" smtClean="0"/>
               <a:pPr/>
-              <a:t>2018-06-13</a:t>
+              <a:t>2018. 6. 14.</a:t>
             </a:fld>
             <a:endParaRPr lang="ko-KR" altLang="en-US"/>
           </a:p>
@@ -5337,10 +5327,9 @@
           </a:lstStyle>
           <a:p>
             <a:r>
-              <a:rPr lang="ko-KR" altLang="en-US" dirty="0" smtClean="0"/>
+              <a:rPr lang="ko-KR" altLang="en-US" dirty="0"/>
               <a:t>마스터 제목 스타일 편집</a:t>
             </a:r>
-            <a:endParaRPr lang="ko-KR" altLang="en-US" dirty="0"/>
           </a:p>
         </p:txBody>
       </p:sp>
@@ -5458,10 +5447,9 @@
           </a:lstStyle>
           <a:p>
             <a:r>
-              <a:rPr lang="ko-KR" altLang="en-US" dirty="0" smtClean="0"/>
+              <a:rPr lang="ko-KR" altLang="en-US" dirty="0"/>
               <a:t>마스터 부제목 스타일 편집</a:t>
             </a:r>
-            <a:endParaRPr lang="ko-KR" altLang="en-US" dirty="0"/>
           </a:p>
         </p:txBody>
       </p:sp>
@@ -5490,7 +5478,7 @@
             <a:fld id="{8761FD00-3F21-42CF-9EF5-8F6D81CE3AFD}" type="datetimeFigureOut">
               <a:rPr lang="ko-KR" altLang="en-US" smtClean="0"/>
               <a:pPr/>
-              <a:t>2018-06-13</a:t>
+              <a:t>2018. 6. 14.</a:t>
             </a:fld>
             <a:endParaRPr lang="ko-KR" altLang="en-US" dirty="0"/>
           </a:p>
@@ -5601,10 +5589,9 @@
           </a:lstStyle>
           <a:p>
             <a:r>
-              <a:rPr lang="ko-KR" altLang="en-US" dirty="0" smtClean="0"/>
+              <a:rPr lang="ko-KR" altLang="en-US" dirty="0"/>
               <a:t>마스터 제목 스타일 편집</a:t>
             </a:r>
-            <a:endParaRPr lang="ko-KR" altLang="en-US" dirty="0"/>
           </a:p>
         </p:txBody>
       </p:sp>
@@ -5656,38 +5643,37 @@
           <a:p>
             <a:pPr lvl="0"/>
             <a:r>
-              <a:rPr lang="ko-KR" altLang="en-US" dirty="0" smtClean="0"/>
+              <a:rPr lang="ko-KR" altLang="en-US" dirty="0"/>
               <a:t>마스터 텍스트 스타일을 편집합니다</a:t>
             </a:r>
           </a:p>
           <a:p>
             <a:pPr lvl="1"/>
             <a:r>
-              <a:rPr lang="ko-KR" altLang="en-US" dirty="0" smtClean="0"/>
+              <a:rPr lang="ko-KR" altLang="en-US" dirty="0"/>
               <a:t>둘째 수준</a:t>
             </a:r>
           </a:p>
           <a:p>
             <a:pPr lvl="2"/>
             <a:r>
-              <a:rPr lang="ko-KR" altLang="en-US" dirty="0" smtClean="0"/>
+              <a:rPr lang="ko-KR" altLang="en-US" dirty="0"/>
               <a:t>셋째 수준</a:t>
             </a:r>
           </a:p>
           <a:p>
             <a:pPr lvl="3"/>
             <a:r>
-              <a:rPr lang="ko-KR" altLang="en-US" dirty="0" smtClean="0"/>
+              <a:rPr lang="ko-KR" altLang="en-US" dirty="0"/>
               <a:t>넷째 수준</a:t>
             </a:r>
           </a:p>
           <a:p>
             <a:pPr lvl="4"/>
             <a:r>
-              <a:rPr lang="ko-KR" altLang="en-US" dirty="0" smtClean="0"/>
+              <a:rPr lang="ko-KR" altLang="en-US" dirty="0"/>
               <a:t>다섯째 수준</a:t>
             </a:r>
-            <a:endParaRPr lang="ko-KR" altLang="en-US" dirty="0"/>
           </a:p>
         </p:txBody>
       </p:sp>
@@ -5716,7 +5702,7 @@
             <a:fld id="{8761FD00-3F21-42CF-9EF5-8F6D81CE3AFD}" type="datetimeFigureOut">
               <a:rPr lang="ko-KR" altLang="en-US" smtClean="0"/>
               <a:pPr/>
-              <a:t>2018-06-13</a:t>
+              <a:t>2018. 6. 14.</a:t>
             </a:fld>
             <a:endParaRPr lang="ko-KR" altLang="en-US" dirty="0"/>
           </a:p>
@@ -5835,10 +5821,9 @@
           <a:lstStyle/>
           <a:p>
             <a:r>
-              <a:rPr lang="ko-KR" altLang="en-US" dirty="0" smtClean="0"/>
+              <a:rPr lang="ko-KR" altLang="en-US" dirty="0"/>
               <a:t>마스터 제목 스타일 편집</a:t>
             </a:r>
-            <a:endParaRPr lang="ko-KR" altLang="en-US" dirty="0"/>
           </a:p>
         </p:txBody>
       </p:sp>
@@ -5869,38 +5854,37 @@
           <a:p>
             <a:pPr lvl="0"/>
             <a:r>
-              <a:rPr lang="ko-KR" altLang="en-US" dirty="0" smtClean="0"/>
+              <a:rPr lang="ko-KR" altLang="en-US" dirty="0"/>
               <a:t>마스터 텍스트 스타일을 편집합니다</a:t>
             </a:r>
           </a:p>
           <a:p>
             <a:pPr lvl="1"/>
             <a:r>
-              <a:rPr lang="ko-KR" altLang="en-US" dirty="0" smtClean="0"/>
+              <a:rPr lang="ko-KR" altLang="en-US" dirty="0"/>
               <a:t>둘째 수준</a:t>
             </a:r>
           </a:p>
           <a:p>
             <a:pPr lvl="2"/>
             <a:r>
-              <a:rPr lang="ko-KR" altLang="en-US" dirty="0" smtClean="0"/>
+              <a:rPr lang="ko-KR" altLang="en-US" dirty="0"/>
               <a:t>셋째 수준</a:t>
             </a:r>
           </a:p>
           <a:p>
             <a:pPr lvl="3"/>
             <a:r>
-              <a:rPr lang="ko-KR" altLang="en-US" dirty="0" smtClean="0"/>
+              <a:rPr lang="ko-KR" altLang="en-US" dirty="0"/>
               <a:t>넷째 수준</a:t>
             </a:r>
           </a:p>
           <a:p>
             <a:pPr lvl="4"/>
             <a:r>
-              <a:rPr lang="ko-KR" altLang="en-US" dirty="0" smtClean="0"/>
+              <a:rPr lang="ko-KR" altLang="en-US" dirty="0"/>
               <a:t>다섯째 수준</a:t>
             </a:r>
-            <a:endParaRPr lang="ko-KR" altLang="en-US" dirty="0"/>
           </a:p>
         </p:txBody>
       </p:sp>
@@ -5942,7 +5926,7 @@
             <a:fld id="{8761FD00-3F21-42CF-9EF5-8F6D81CE3AFD}" type="datetimeFigureOut">
               <a:rPr lang="ko-KR" altLang="en-US" smtClean="0"/>
               <a:pPr/>
-              <a:t>2018-06-13</a:t>
+              <a:t>2018. 6. 14.</a:t>
             </a:fld>
             <a:endParaRPr lang="ko-KR" altLang="en-US" dirty="0"/>
           </a:p>
@@ -6443,25 +6427,8 @@
                   </a:schemeClr>
                 </a:solidFill>
               </a:rPr>
-              <a:t>맹 윤 </a:t>
-            </a:r>
-            <a:r>
-              <a:rPr lang="ko-KR" altLang="en-US" sz="2800" b="1" spc="-150" dirty="0" smtClean="0">
-                <a:solidFill>
-                  <a:schemeClr val="bg1">
-                    <a:lumMod val="50000"/>
-                  </a:schemeClr>
-                </a:solidFill>
-              </a:rPr>
-              <a:t>호 </a:t>
-            </a:r>
-            <a:endParaRPr lang="ko-KR" altLang="en-US" sz="2800" b="1" spc="-150" dirty="0">
-              <a:solidFill>
-                <a:schemeClr val="bg1">
-                  <a:lumMod val="50000"/>
-                </a:schemeClr>
-              </a:solidFill>
-            </a:endParaRPr>
+              <a:t>맹 윤 호 </a:t>
+            </a:r>
           </a:p>
           <a:p>
             <a:pPr>
@@ -6477,25 +6444,8 @@
                   </a:schemeClr>
                 </a:solidFill>
               </a:rPr>
-              <a:t>Yunho </a:t>
-            </a:r>
-            <a:r>
-              <a:rPr lang="en-US" altLang="ko-KR" sz="2800" b="1" spc="-150" dirty="0" smtClean="0">
-                <a:solidFill>
-                  <a:schemeClr val="bg1">
-                    <a:lumMod val="50000"/>
-                  </a:schemeClr>
-                </a:solidFill>
-              </a:rPr>
-              <a:t>Maeng</a:t>
-            </a:r>
-            <a:endParaRPr lang="en-US" altLang="ko-KR" sz="2800" b="1" spc="-150" dirty="0">
-              <a:solidFill>
-                <a:schemeClr val="bg1">
-                  <a:lumMod val="50000"/>
-                </a:schemeClr>
-              </a:solidFill>
-            </a:endParaRPr>
+              <a:t>Yunho Maeng</a:t>
+            </a:r>
           </a:p>
           <a:p>
             <a:pPr>
@@ -6562,17 +6512,7 @@
                   </a:schemeClr>
                 </a:solidFill>
               </a:rPr>
-              <a:t>Graduate School of </a:t>
-            </a:r>
-            <a:r>
-              <a:rPr lang="en-US" altLang="ko-KR" sz="2000" b="1" spc="-150" dirty="0" smtClean="0">
-                <a:solidFill>
-                  <a:schemeClr val="bg1">
-                    <a:lumMod val="50000"/>
-                  </a:schemeClr>
-                </a:solidFill>
-              </a:rPr>
-              <a:t>Information </a:t>
+              <a:t>Graduate School of Information </a:t>
             </a:r>
           </a:p>
           <a:p>
@@ -6582,7 +6522,7 @@
               </a:lnSpc>
             </a:pPr>
             <a:r>
-              <a:rPr lang="en-US" altLang="ko-KR" sz="2000" b="1" spc="-150" dirty="0" smtClean="0">
+              <a:rPr lang="en-US" altLang="ko-KR" sz="2000" b="1" spc="-150" dirty="0">
                 <a:solidFill>
                   <a:schemeClr val="bg1">
                     <a:lumMod val="50000"/>
@@ -6593,7 +6533,7 @@
               <a:t>myh0130@yonsei.ac.kr</a:t>
             </a:r>
             <a:r>
-              <a:rPr lang="en-US" altLang="ko-KR" sz="2000" b="1" spc="-150" dirty="0" smtClean="0">
+              <a:rPr lang="en-US" altLang="ko-KR" sz="2000" b="1" spc="-150" dirty="0">
                 <a:solidFill>
                   <a:schemeClr val="bg1">
                     <a:lumMod val="50000"/>
@@ -6610,13 +6550,6 @@
   <p:clrMapOvr>
     <a:masterClrMapping/>
   </p:clrMapOvr>
-  <p:timing>
-    <p:tnLst>
-      <p:par>
-        <p:cTn id="1" dur="indefinite" restart="never" nodeType="tmRoot"/>
-      </p:par>
-    </p:tnLst>
-  </p:timing>
 </p:sld>
 </file>
 
@@ -6698,7 +6631,7 @@
           <a:p>
             <a:pPr algn="l"/>
             <a:r>
-              <a:rPr lang="en-US" altLang="ko-KR" sz="2400" b="1" spc="-150" dirty="0" smtClean="0">
+              <a:rPr lang="en-US" altLang="ko-KR" sz="2400" b="1" spc="-150" dirty="0">
                 <a:solidFill>
                   <a:schemeClr val="accent4">
                     <a:lumMod val="50000"/>
@@ -6816,7 +6749,7 @@
           <a:p>
             <a:pPr algn="ctr"/>
             <a:r>
-              <a:rPr lang="en-US" altLang="ko-KR" sz="1000" dirty="0" smtClean="0">
+              <a:rPr lang="en-US" altLang="ko-KR" sz="1000" dirty="0">
                 <a:solidFill>
                   <a:schemeClr val="bg1"/>
                 </a:solidFill>
@@ -6824,7 +6757,7 @@
               <a:t>2016 </a:t>
             </a:r>
             <a:r>
-              <a:rPr lang="ko-KR" altLang="en-US" sz="1000" dirty="0" smtClean="0">
+              <a:rPr lang="ko-KR" altLang="en-US" sz="1000" dirty="0">
                 <a:solidFill>
                   <a:schemeClr val="bg1"/>
                 </a:solidFill>
@@ -6832,7 +6765,7 @@
               <a:t>중앙대학교</a:t>
             </a:r>
             <a:r>
-              <a:rPr lang="en-US" sz="1000" dirty="0" smtClean="0">
+              <a:rPr lang="en-US" sz="1000" dirty="0">
                 <a:solidFill>
                   <a:schemeClr val="bg1"/>
                 </a:solidFill>
@@ -6840,7 +6773,7 @@
               <a:t> Python </a:t>
             </a:r>
             <a:r>
-              <a:rPr lang="ko-KR" altLang="en-US" sz="1000" dirty="0" smtClean="0">
+              <a:rPr lang="ko-KR" altLang="en-US" sz="1000" dirty="0">
                 <a:solidFill>
                   <a:schemeClr val="bg1"/>
                 </a:solidFill>
@@ -6879,7 +6812,7 @@
           <a:p>
             <a:pPr algn="r"/>
             <a:r>
-              <a:rPr lang="en-US" altLang="ko-KR" sz="800" b="1" spc="-30" dirty="0" smtClean="0">
+              <a:rPr lang="en-US" altLang="ko-KR" sz="800" b="1" spc="-30" dirty="0">
                 <a:solidFill>
                   <a:schemeClr val="bg1"/>
                 </a:solidFill>
@@ -6900,7 +6833,7 @@
               <a:t>10</a:t>
             </a:fld>
             <a:r>
-              <a:rPr lang="en-US" altLang="ko-KR" sz="800" b="1" spc="-30" dirty="0" smtClean="0">
+              <a:rPr lang="en-US" altLang="ko-KR" sz="800" b="1" spc="-30" dirty="0">
                 <a:solidFill>
                   <a:schemeClr val="bg1"/>
                 </a:solidFill>
@@ -6909,13 +6842,6 @@
               </a:rPr>
               <a:t> -</a:t>
             </a:r>
-            <a:endParaRPr lang="en-US" altLang="ko-KR" sz="800" b="1" spc="-30" dirty="0">
-              <a:solidFill>
-                <a:schemeClr val="bg1"/>
-              </a:solidFill>
-              <a:latin typeface="맑은 고딕" panose="020B0503020000020004" pitchFamily="50" charset="-127"/>
-              <a:ea typeface="맑은 고딕" panose="020B0503020000020004" pitchFamily="50" charset="-127"/>
-            </a:endParaRPr>
           </a:p>
         </p:txBody>
       </p:sp>
@@ -6970,7 +6896,7 @@
               </a:lnSpc>
             </a:pPr>
             <a:r>
-              <a:rPr lang="en-US" altLang="ko-KR" sz="1600" b="1" spc="-150" dirty="0" smtClean="0">
+              <a:rPr lang="en-US" altLang="ko-KR" sz="1600" b="1" spc="-150" dirty="0">
                 <a:solidFill>
                   <a:srgbClr val="000000"/>
                 </a:solidFill>
@@ -6979,7 +6905,7 @@
               <a:t>Ch07&gt;code</a:t>
             </a:r>
             <a:r>
-              <a:rPr lang="ko-KR" altLang="en-US" sz="1600" b="1" spc="-150" dirty="0" smtClean="0">
+              <a:rPr lang="ko-KR" altLang="en-US" sz="1600" b="1" spc="-150" dirty="0">
                 <a:solidFill>
                   <a:srgbClr val="000000"/>
                 </a:solidFill>
@@ -7210,31 +7136,8 @@
                   </a:outerShdw>
                 </a:effectLst>
               </a:rPr>
-              <a:t>. </a:t>
-            </a:r>
-            <a:r>
-              <a:rPr lang="en-US" altLang="ko-KR" sz="1600" spc="-150" dirty="0" smtClean="0">
-                <a:ln w="0"/>
-                <a:effectLst>
-                  <a:outerShdw blurRad="38100" dist="19050" dir="2700000" algn="tl" rotWithShape="0">
-                    <a:schemeClr val="dk1">
-                      <a:alpha val="40000"/>
-                    </a:schemeClr>
-                  </a:outerShdw>
-                </a:effectLst>
-              </a:rPr>
-              <a:t>[2]</a:t>
-            </a:r>
-            <a:endParaRPr lang="en-US" altLang="ko-KR" sz="1600" spc="-150" dirty="0">
-              <a:ln w="0"/>
-              <a:effectLst>
-                <a:outerShdw blurRad="38100" dist="19050" dir="2700000" algn="tl" rotWithShape="0">
-                  <a:schemeClr val="dk1">
-                    <a:alpha val="40000"/>
-                  </a:schemeClr>
-                </a:outerShdw>
-              </a:effectLst>
-            </a:endParaRPr>
+              <a:t>. [2]</a:t>
+            </a:r>
           </a:p>
           <a:p>
             <a:pPr marL="285750" indent="-285750">
@@ -7242,19 +7145,6 @@
               <a:buChar char="ü"/>
             </a:pPr>
             <a:r>
-              <a:rPr lang="ko-KR" altLang="en-US" sz="1600" spc="-150" dirty="0" smtClean="0">
-                <a:ln w="0"/>
-                <a:effectLst>
-                  <a:outerShdw blurRad="38100" dist="19050" dir="2700000" algn="tl" rotWithShape="0">
-                    <a:schemeClr val="dk1">
-                      <a:alpha val="40000"/>
-                    </a:schemeClr>
-                  </a:outerShdw>
-                </a:effectLst>
-              </a:rPr>
-              <a:t>만약 </a:t>
-            </a:r>
-            <a:r>
               <a:rPr lang="ko-KR" altLang="en-US" sz="1600" spc="-150" dirty="0">
                 <a:ln w="0"/>
                 <a:effectLst>
@@ -7265,7 +7155,7 @@
                   </a:outerShdw>
                 </a:effectLst>
               </a:rPr>
-              <a:t>어떤 새가 오리처럼 걷고</a:t>
+              <a:t>만약 어떤 새가 오리처럼 걷고</a:t>
             </a:r>
             <a:r>
               <a:rPr lang="en-US" altLang="ko-KR" sz="1600" spc="-150" dirty="0">
@@ -7320,7 +7210,7 @@
               <a:t>꽥꽥거리는 소리를 낸다면 나는 그 새를 오리라고 부를 것이다</a:t>
             </a:r>
             <a:r>
-              <a:rPr lang="en-US" altLang="ko-KR" sz="1600" spc="-150" dirty="0" smtClean="0">
+              <a:rPr lang="en-US" altLang="ko-KR" sz="1600" spc="-150" dirty="0">
                 <a:ln w="0"/>
                 <a:effectLst>
                   <a:outerShdw blurRad="38100" dist="19050" dir="2700000" algn="tl" rotWithShape="0">
@@ -7368,27 +7258,17 @@
           <a:lstStyle/>
           <a:p>
             <a:r>
-              <a:rPr lang="en-US" altLang="ko-KR" sz="950" dirty="0" smtClean="0"/>
-              <a:t>[1</a:t>
-            </a:r>
-            <a:r>
               <a:rPr lang="en-US" altLang="ko-KR" sz="950" dirty="0"/>
-              <a:t>] </a:t>
+              <a:t>[1] </a:t>
             </a:r>
             <a:r>
               <a:rPr lang="en-US" altLang="ko-KR" sz="950" dirty="0">
                 <a:hlinkClick r:id="rId3"/>
               </a:rPr>
-              <a:t>https://</a:t>
-            </a:r>
-            <a:r>
-              <a:rPr lang="en-US" altLang="ko-KR" sz="950" dirty="0" smtClean="0">
-                <a:hlinkClick r:id="rId3"/>
-              </a:rPr>
-              <a:t>docs.sencha.com/extjs/6.0.2/guides/other_resources/oop_concepts.html</a:t>
-            </a:r>
-            <a:r>
-              <a:rPr lang="en-US" altLang="ko-KR" sz="950" dirty="0" smtClean="0"/>
+              <a:t>https://docs.sencha.com/extjs/6.0.2/guides/other_resources/oop_concepts.html</a:t>
+            </a:r>
+            <a:r>
+              <a:rPr lang="en-US" altLang="ko-KR" sz="950" dirty="0"/>
               <a:t> </a:t>
             </a:r>
           </a:p>
@@ -7401,16 +7281,10 @@
               <a:rPr lang="en-US" altLang="ko-KR" sz="950" dirty="0">
                 <a:hlinkClick r:id="rId4"/>
               </a:rPr>
-              <a:t>https://ko.wikipedia.org/wiki/%EA%B0%9D%EC%B2%B4_%EC%A7%80%ED%96%A5_%</a:t>
-            </a:r>
-            <a:r>
-              <a:rPr lang="en-US" altLang="ko-KR" sz="950" dirty="0" smtClean="0">
-                <a:hlinkClick r:id="rId4"/>
-              </a:rPr>
-              <a:t>ED%94%84%EB%A1%9C%EA%B7%B8%EB%9E%98%EB%B0%8D</a:t>
-            </a:r>
-            <a:r>
-              <a:rPr lang="en-US" altLang="ko-KR" sz="950" dirty="0" smtClean="0"/>
+              <a:t>https://ko.wikipedia.org/wiki/%EA%B0%9D%EC%B2%B4_%EC%A7%80%ED%96%A5_%ED%94%84%EB%A1%9C%EA%B7%B8%EB%9E%98%EB%B0%8D</a:t>
+            </a:r>
+            <a:r>
+              <a:rPr lang="en-US" altLang="ko-KR" sz="950" dirty="0"/>
               <a:t> </a:t>
             </a:r>
             <a:endParaRPr lang="ko-KR" altLang="en-US" sz="950" dirty="0"/>
@@ -7429,7 +7303,7 @@
           <a:blip r:embed="rId5">
             <a:extLst>
               <a:ext uri="{28A0092B-C50C-407E-A947-70E740481C1C}">
-                <a14:useLocalDpi xmlns:a14="http://schemas.microsoft.com/office/drawing/2010/main" xmlns="" val="0"/>
+                <a14:useLocalDpi xmlns:a14="http://schemas.microsoft.com/office/drawing/2010/main" val="0"/>
               </a:ext>
             </a:extLst>
           </a:blip>
@@ -7449,7 +7323,7 @@
           <a:noFill/>
           <a:extLst>
             <a:ext uri="{909E8E84-426E-40DD-AFC4-6F175D3DCCD1}">
-              <a14:hiddenFill xmlns:a14="http://schemas.microsoft.com/office/drawing/2010/main" xmlns="">
+              <a14:hiddenFill xmlns:a14="http://schemas.microsoft.com/office/drawing/2010/main">
                 <a:solidFill>
                   <a:srgbClr val="FFFFFF"/>
                 </a:solidFill>
@@ -7480,7 +7354,7 @@
           <a:lstStyle/>
           <a:p>
             <a:r>
-              <a:rPr lang="en-US" altLang="ko-KR" sz="1600" spc="-150" dirty="0" smtClean="0">
+              <a:rPr lang="en-US" altLang="ko-KR" sz="1600" spc="-150" dirty="0">
                 <a:ln w="0"/>
                 <a:effectLst>
                   <a:outerShdw blurRad="38100" dist="19050" dir="2700000" algn="tl" rotWithShape="0">
@@ -7493,17 +7367,6 @@
               </a:rPr>
               <a:t>[1]</a:t>
             </a:r>
-            <a:endParaRPr lang="en-US" altLang="ko-KR" sz="1600" spc="-150" dirty="0">
-              <a:ln w="0"/>
-              <a:effectLst>
-                <a:outerShdw blurRad="38100" dist="19050" dir="2700000" algn="tl" rotWithShape="0">
-                  <a:schemeClr val="dk1">
-                    <a:alpha val="40000"/>
-                  </a:schemeClr>
-                </a:outerShdw>
-              </a:effectLst>
-              <a:ea typeface="맑은 고딕" panose="020B0503020000020004" pitchFamily="50" charset="-127"/>
-            </a:endParaRPr>
           </a:p>
         </p:txBody>
       </p:sp>
@@ -7519,7 +7382,7 @@
           <a:blip r:embed="rId6">
             <a:extLst>
               <a:ext uri="{28A0092B-C50C-407E-A947-70E740481C1C}">
-                <a14:useLocalDpi xmlns:a14="http://schemas.microsoft.com/office/drawing/2010/main" xmlns="" val="0"/>
+                <a14:useLocalDpi xmlns:a14="http://schemas.microsoft.com/office/drawing/2010/main" val="0"/>
               </a:ext>
             </a:extLst>
           </a:blip>
@@ -7539,7 +7402,7 @@
           <a:noFill/>
           <a:extLst>
             <a:ext uri="{909E8E84-426E-40DD-AFC4-6F175D3DCCD1}">
-              <a14:hiddenFill xmlns:a14="http://schemas.microsoft.com/office/drawing/2010/main" xmlns="">
+              <a14:hiddenFill xmlns:a14="http://schemas.microsoft.com/office/drawing/2010/main">
                 <a:solidFill>
                   <a:srgbClr val="FFFFFF"/>
                 </a:solidFill>
@@ -7551,20 +7414,13 @@
     </p:spTree>
     <p:extLst>
       <p:ext uri="{BB962C8B-B14F-4D97-AF65-F5344CB8AC3E}">
-        <p14:creationId xmlns:p14="http://schemas.microsoft.com/office/powerpoint/2010/main" xmlns="" val="3986730168"/>
+        <p14:creationId xmlns:p14="http://schemas.microsoft.com/office/powerpoint/2010/main" val="3986730168"/>
       </p:ext>
     </p:extLst>
   </p:cSld>
   <p:clrMapOvr>
     <a:masterClrMapping/>
   </p:clrMapOvr>
-  <p:timing>
-    <p:tnLst>
-      <p:par>
-        <p:cTn id="1" dur="indefinite" restart="never" nodeType="tmRoot"/>
-      </p:par>
-    </p:tnLst>
-  </p:timing>
 </p:sld>
 </file>
 
@@ -7646,7 +7502,7 @@
           <a:p>
             <a:pPr algn="l"/>
             <a:r>
-              <a:rPr lang="en-US" altLang="ko-KR" sz="2400" b="1" spc="-150" dirty="0" smtClean="0">
+              <a:rPr lang="en-US" altLang="ko-KR" sz="2400" b="1" spc="-150" dirty="0">
                 <a:solidFill>
                   <a:schemeClr val="accent4">
                     <a:lumMod val="50000"/>
@@ -7764,7 +7620,7 @@
           <a:p>
             <a:pPr algn="ctr"/>
             <a:r>
-              <a:rPr lang="en-US" altLang="ko-KR" sz="1000" dirty="0" smtClean="0">
+              <a:rPr lang="en-US" altLang="ko-KR" sz="1000" dirty="0">
                 <a:solidFill>
                   <a:schemeClr val="bg1"/>
                 </a:solidFill>
@@ -7772,7 +7628,7 @@
               <a:t>2016 </a:t>
             </a:r>
             <a:r>
-              <a:rPr lang="ko-KR" altLang="en-US" sz="1000" dirty="0" smtClean="0">
+              <a:rPr lang="ko-KR" altLang="en-US" sz="1000" dirty="0">
                 <a:solidFill>
                   <a:schemeClr val="bg1"/>
                 </a:solidFill>
@@ -7780,7 +7636,7 @@
               <a:t>중앙대학교</a:t>
             </a:r>
             <a:r>
-              <a:rPr lang="en-US" sz="1000" dirty="0" smtClean="0">
+              <a:rPr lang="en-US" sz="1000" dirty="0">
                 <a:solidFill>
                   <a:schemeClr val="bg1"/>
                 </a:solidFill>
@@ -7788,7 +7644,7 @@
               <a:t> Python </a:t>
             </a:r>
             <a:r>
-              <a:rPr lang="ko-KR" altLang="en-US" sz="1000" dirty="0" smtClean="0">
+              <a:rPr lang="ko-KR" altLang="en-US" sz="1000" dirty="0">
                 <a:solidFill>
                   <a:schemeClr val="bg1"/>
                 </a:solidFill>
@@ -7827,7 +7683,7 @@
           <a:p>
             <a:pPr algn="r"/>
             <a:r>
-              <a:rPr lang="en-US" altLang="ko-KR" sz="800" b="1" spc="-30" dirty="0" smtClean="0">
+              <a:rPr lang="en-US" altLang="ko-KR" sz="800" b="1" spc="-30" dirty="0">
                 <a:solidFill>
                   <a:schemeClr val="bg1"/>
                 </a:solidFill>
@@ -7848,7 +7704,7 @@
               <a:t>11</a:t>
             </a:fld>
             <a:r>
-              <a:rPr lang="en-US" altLang="ko-KR" sz="800" b="1" spc="-30" dirty="0" smtClean="0">
+              <a:rPr lang="en-US" altLang="ko-KR" sz="800" b="1" spc="-30" dirty="0">
                 <a:solidFill>
                   <a:schemeClr val="bg1"/>
                 </a:solidFill>
@@ -7857,13 +7713,6 @@
               </a:rPr>
               <a:t> -</a:t>
             </a:r>
-            <a:endParaRPr lang="en-US" altLang="ko-KR" sz="800" b="1" spc="-30" dirty="0">
-              <a:solidFill>
-                <a:schemeClr val="bg1"/>
-              </a:solidFill>
-              <a:latin typeface="맑은 고딕" panose="020B0503020000020004" pitchFamily="50" charset="-127"/>
-              <a:ea typeface="맑은 고딕" panose="020B0503020000020004" pitchFamily="50" charset="-127"/>
-            </a:endParaRPr>
           </a:p>
         </p:txBody>
       </p:sp>
@@ -7918,7 +7767,7 @@
               </a:lnSpc>
             </a:pPr>
             <a:r>
-              <a:rPr lang="en-US" altLang="ko-KR" sz="1600" b="1" spc="-150" dirty="0" smtClean="0">
+              <a:rPr lang="en-US" altLang="ko-KR" sz="1600" b="1" spc="-150" dirty="0">
                 <a:solidFill>
                   <a:srgbClr val="000000"/>
                 </a:solidFill>
@@ -7927,7 +7776,7 @@
               <a:t>Ch07&gt;code</a:t>
             </a:r>
             <a:r>
-              <a:rPr lang="ko-KR" altLang="en-US" sz="1600" b="1" spc="-150" dirty="0" smtClean="0">
+              <a:rPr lang="ko-KR" altLang="en-US" sz="1600" b="1" spc="-150" dirty="0">
                 <a:solidFill>
                   <a:srgbClr val="000000"/>
                 </a:solidFill>
@@ -7942,16 +7791,7 @@
                 </a:solidFill>
                 <a:latin typeface="맑은 고딕" pitchFamily="50" charset="-127"/>
               </a:rPr>
-              <a:t>&gt; </a:t>
-            </a:r>
-            <a:r>
-              <a:rPr lang="en-US" altLang="ko-KR" sz="1600" b="1" spc="-150" dirty="0" smtClean="0">
-                <a:solidFill>
-                  <a:srgbClr val="000000"/>
-                </a:solidFill>
-                <a:latin typeface="맑은 고딕" pitchFamily="50" charset="-127"/>
-              </a:rPr>
-              <a:t>oop_simplestclass.py, oop_init.py</a:t>
+              <a:t>&gt; oop_simplestclass.py, oop_init.py</a:t>
             </a:r>
             <a:endParaRPr lang="ko-KR" altLang="en-US" sz="1600" b="1" spc="-150" dirty="0">
               <a:solidFill>
@@ -7988,46 +7828,20 @@
               <a:buChar char="ü"/>
             </a:pPr>
             <a:r>
-              <a:rPr lang="ko-KR" altLang="en-US" sz="1600" spc="-150" dirty="0" smtClean="0">
-                <a:ln w="0"/>
-                <a:effectLst>
-                  <a:outerShdw blurRad="38100" dist="19050" dir="2700000" algn="tl" rotWithShape="0">
-                    <a:schemeClr val="dk1">
-                      <a:alpha val="40000"/>
-                    </a:schemeClr>
-                  </a:outerShdw>
-                </a:effectLst>
-              </a:rPr>
-              <a:t>클래스는 </a:t>
-            </a:r>
-            <a:r>
-              <a:rPr lang="ko-KR" altLang="en-US" sz="1600" spc="-150" dirty="0" smtClean="0">
-                <a:ln w="0"/>
-                <a:effectLst>
-                  <a:outerShdw blurRad="38100" dist="19050" dir="2700000" algn="tl" rotWithShape="0">
-                    <a:schemeClr val="dk1">
-                      <a:alpha val="40000"/>
-                    </a:schemeClr>
-                  </a:outerShdw>
-                </a:effectLst>
-              </a:rPr>
-              <a:t>선언 시 </a:t>
-            </a:r>
-            <a:r>
-              <a:rPr lang="ko-KR" altLang="en-US" sz="1600" spc="-150" dirty="0" smtClean="0">
-                <a:ln w="0"/>
-                <a:effectLst>
-                  <a:outerShdw blurRad="38100" dist="19050" dir="2700000" algn="tl" rotWithShape="0">
-                    <a:schemeClr val="dk1">
-                      <a:alpha val="40000"/>
-                    </a:schemeClr>
-                  </a:outerShdw>
-                </a:effectLst>
-              </a:rPr>
-              <a:t>파스칼 표기법을 따름</a:t>
-            </a:r>
-            <a:r>
-              <a:rPr lang="en-US" altLang="ko-KR" sz="1600" spc="-150" dirty="0" smtClean="0">
+              <a:rPr lang="ko-KR" altLang="en-US" sz="1600" spc="-150" dirty="0">
+                <a:ln w="0"/>
+                <a:effectLst>
+                  <a:outerShdw blurRad="38100" dist="19050" dir="2700000" algn="tl" rotWithShape="0">
+                    <a:schemeClr val="dk1">
+                      <a:alpha val="40000"/>
+                    </a:schemeClr>
+                  </a:outerShdw>
+                </a:effectLst>
+              </a:rPr>
+              <a:t>클래스는 선언 시 파스칼 표기법을 따름</a:t>
+            </a:r>
+            <a:r>
+              <a:rPr lang="en-US" altLang="ko-KR" sz="1600" spc="-150" dirty="0">
                 <a:ln w="0"/>
                 <a:effectLst>
                   <a:outerShdw blurRad="38100" dist="19050" dir="2700000" algn="tl" rotWithShape="0">
@@ -8163,7 +7977,7 @@
               <a:t>this </a:t>
             </a:r>
             <a:r>
-              <a:rPr lang="ko-KR" altLang="en-US" sz="1600" spc="-150" dirty="0" smtClean="0">
+              <a:rPr lang="ko-KR" altLang="en-US" sz="1600" spc="-150" dirty="0">
                 <a:ln w="0"/>
                 <a:effectLst>
                   <a:outerShdw blurRad="38100" dist="19050" dir="2700000" algn="tl" rotWithShape="0">
@@ -8175,7 +7989,7 @@
               </a:rPr>
               <a:t>참조</a:t>
             </a:r>
-            <a:endParaRPr lang="en-US" altLang="ko-KR" sz="1600" spc="-150" dirty="0" smtClean="0">
+            <a:endParaRPr lang="en-US" altLang="ko-KR" sz="1600" spc="-150" dirty="0">
               <a:ln w="0"/>
               <a:effectLst>
                 <a:outerShdw blurRad="38100" dist="19050" dir="2700000" algn="tl" rotWithShape="0">
@@ -8192,7 +8006,7 @@
               <a:buChar char="ü"/>
             </a:pPr>
             <a:r>
-              <a:rPr lang="en-US" altLang="ko-KR" sz="1600" spc="-150" dirty="0" smtClean="0">
+              <a:rPr lang="en-US" altLang="ko-KR" sz="1600" spc="-150" dirty="0">
                 <a:ln w="0"/>
                 <a:effectLst>
                   <a:outerShdw blurRad="38100" dist="19050" dir="2700000" algn="tl" rotWithShape="0">
@@ -8205,7 +8019,7 @@
               <a:t>__</a:t>
             </a:r>
             <a:r>
-              <a:rPr lang="en-US" altLang="ko-KR" sz="1600" spc="-150" dirty="0" err="1" smtClean="0">
+              <a:rPr lang="en-US" altLang="ko-KR" sz="1600" spc="-150" dirty="0" err="1">
                 <a:ln w="0"/>
                 <a:effectLst>
                   <a:outerShdw blurRad="38100" dist="19050" dir="2700000" algn="tl" rotWithShape="0">
@@ -8218,7 +8032,7 @@
               <a:t>init</a:t>
             </a:r>
             <a:r>
-              <a:rPr lang="en-US" altLang="ko-KR" sz="1600" spc="-150" dirty="0" smtClean="0">
+              <a:rPr lang="en-US" altLang="ko-KR" sz="1600" spc="-150" dirty="0">
                 <a:ln w="0"/>
                 <a:effectLst>
                   <a:outerShdw blurRad="38100" dist="19050" dir="2700000" algn="tl" rotWithShape="0">
@@ -8231,7 +8045,7 @@
               <a:t>__ </a:t>
             </a:r>
             <a:r>
-              <a:rPr lang="ko-KR" altLang="en-US" sz="1600" spc="-150" dirty="0" err="1" smtClean="0">
+              <a:rPr lang="ko-KR" altLang="en-US" sz="1600" spc="-150" dirty="0" err="1">
                 <a:ln w="0"/>
                 <a:effectLst>
                   <a:outerShdw blurRad="38100" dist="19050" dir="2700000" algn="tl" rotWithShape="0">
@@ -8244,7 +8058,7 @@
               <a:t>메소드</a:t>
             </a:r>
             <a:r>
-              <a:rPr lang="en-US" altLang="ko-KR" sz="1600" spc="-150" dirty="0" smtClean="0">
+              <a:rPr lang="en-US" altLang="ko-KR" sz="1600" spc="-150" dirty="0">
                 <a:ln w="0"/>
                 <a:effectLst>
                   <a:outerShdw blurRad="38100" dist="19050" dir="2700000" algn="tl" rotWithShape="0">
@@ -8267,36 +8081,10 @@
                   </a:outerShdw>
                 </a:effectLst>
               </a:rPr>
-              <a:t>객체가 </a:t>
-            </a:r>
-            <a:r>
-              <a:rPr lang="ko-KR" altLang="en-US" sz="1600" spc="-150" dirty="0" smtClean="0">
-                <a:ln w="0"/>
-                <a:effectLst>
-                  <a:outerShdw blurRad="38100" dist="19050" dir="2700000" algn="tl" rotWithShape="0">
-                    <a:schemeClr val="dk1">
-                      <a:alpha val="40000"/>
-                    </a:schemeClr>
-                  </a:outerShdw>
-                </a:effectLst>
-              </a:rPr>
-              <a:t>생성될 때 </a:t>
-            </a:r>
-            <a:r>
-              <a:rPr lang="ko-KR" altLang="en-US" sz="1600" spc="-150" dirty="0">
-                <a:ln w="0"/>
-                <a:effectLst>
-                  <a:outerShdw blurRad="38100" dist="19050" dir="2700000" algn="tl" rotWithShape="0">
-                    <a:schemeClr val="dk1">
-                      <a:alpha val="40000"/>
-                    </a:schemeClr>
-                  </a:outerShdw>
-                </a:effectLst>
-              </a:rPr>
-              <a:t>초기화에 사용</a:t>
-            </a:r>
-            <a:r>
-              <a:rPr lang="en-US" altLang="ko-KR" sz="1600" spc="-150" dirty="0" smtClean="0">
+              <a:t>객체가 생성될 때 초기화에 사용</a:t>
+            </a:r>
+            <a:r>
+              <a:rPr lang="en-US" altLang="ko-KR" sz="1600" spc="-150" dirty="0">
                 <a:ln w="0"/>
                 <a:effectLst>
                   <a:outerShdw blurRad="38100" dist="19050" dir="2700000" algn="tl" rotWithShape="0">
@@ -8344,26 +8132,14 @@
           <a:lstStyle/>
           <a:p>
             <a:r>
-              <a:rPr lang="en-US" altLang="ko-KR" sz="950" dirty="0" smtClean="0"/>
+              <a:rPr lang="en-US" altLang="ko-KR" sz="950" dirty="0"/>
               <a:t>[1] </a:t>
-            </a:r>
-            <a:r>
-              <a:rPr lang="en-US" altLang="ko-KR" sz="950" dirty="0" smtClean="0">
-                <a:hlinkClick r:id="rId3"/>
-              </a:rPr>
-              <a:t>https</a:t>
             </a:r>
             <a:r>
               <a:rPr lang="en-US" altLang="ko-KR" sz="950" dirty="0">
                 <a:hlinkClick r:id="rId3"/>
               </a:rPr>
-              <a:t>://</a:t>
-            </a:r>
-            <a:r>
-              <a:rPr lang="en-US" altLang="ko-KR" sz="950" dirty="0" smtClean="0">
-                <a:hlinkClick r:id="rId3"/>
-              </a:rPr>
-              <a:t>goo.gl/Ehp8IL</a:t>
+              <a:t>https://goo.gl/Ehp8IL</a:t>
             </a:r>
             <a:endParaRPr lang="ko-KR" altLang="en-US" sz="950" dirty="0"/>
           </a:p>
@@ -8420,20 +8196,13 @@
     </p:spTree>
     <p:extLst>
       <p:ext uri="{BB962C8B-B14F-4D97-AF65-F5344CB8AC3E}">
-        <p14:creationId xmlns:p14="http://schemas.microsoft.com/office/powerpoint/2010/main" xmlns="" val="2560776823"/>
+        <p14:creationId xmlns:p14="http://schemas.microsoft.com/office/powerpoint/2010/main" val="2560776823"/>
       </p:ext>
     </p:extLst>
   </p:cSld>
   <p:clrMapOvr>
     <a:masterClrMapping/>
   </p:clrMapOvr>
-  <p:timing>
-    <p:tnLst>
-      <p:par>
-        <p:cTn id="1" dur="indefinite" restart="never" nodeType="tmRoot"/>
-      </p:par>
-    </p:tnLst>
-  </p:timing>
 </p:sld>
 </file>
 
@@ -8515,7 +8284,7 @@
           <a:p>
             <a:pPr algn="l"/>
             <a:r>
-              <a:rPr lang="en-US" altLang="ko-KR" sz="2400" b="1" spc="-150" dirty="0" smtClean="0">
+              <a:rPr lang="en-US" altLang="ko-KR" sz="2400" b="1" spc="-150" dirty="0">
                 <a:solidFill>
                   <a:schemeClr val="accent4">
                     <a:lumMod val="50000"/>
@@ -8633,7 +8402,7 @@
           <a:p>
             <a:pPr algn="ctr"/>
             <a:r>
-              <a:rPr lang="en-US" altLang="ko-KR" sz="1000" dirty="0" smtClean="0">
+              <a:rPr lang="en-US" altLang="ko-KR" sz="1000" dirty="0">
                 <a:solidFill>
                   <a:schemeClr val="bg1"/>
                 </a:solidFill>
@@ -8641,7 +8410,7 @@
               <a:t>2016 </a:t>
             </a:r>
             <a:r>
-              <a:rPr lang="ko-KR" altLang="en-US" sz="1000" dirty="0" smtClean="0">
+              <a:rPr lang="ko-KR" altLang="en-US" sz="1000" dirty="0">
                 <a:solidFill>
                   <a:schemeClr val="bg1"/>
                 </a:solidFill>
@@ -8649,7 +8418,7 @@
               <a:t>중앙대학교</a:t>
             </a:r>
             <a:r>
-              <a:rPr lang="en-US" sz="1000" dirty="0" smtClean="0">
+              <a:rPr lang="en-US" sz="1000" dirty="0">
                 <a:solidFill>
                   <a:schemeClr val="bg1"/>
                 </a:solidFill>
@@ -8657,7 +8426,7 @@
               <a:t> Python </a:t>
             </a:r>
             <a:r>
-              <a:rPr lang="ko-KR" altLang="en-US" sz="1000" dirty="0" smtClean="0">
+              <a:rPr lang="ko-KR" altLang="en-US" sz="1000" dirty="0">
                 <a:solidFill>
                   <a:schemeClr val="bg1"/>
                 </a:solidFill>
@@ -8696,7 +8465,7 @@
           <a:p>
             <a:pPr algn="r"/>
             <a:r>
-              <a:rPr lang="en-US" altLang="ko-KR" sz="800" b="1" spc="-30" dirty="0" smtClean="0">
+              <a:rPr lang="en-US" altLang="ko-KR" sz="800" b="1" spc="-30" dirty="0">
                 <a:solidFill>
                   <a:schemeClr val="bg1"/>
                 </a:solidFill>
@@ -8717,7 +8486,7 @@
               <a:t>12</a:t>
             </a:fld>
             <a:r>
-              <a:rPr lang="en-US" altLang="ko-KR" sz="800" b="1" spc="-30" dirty="0" smtClean="0">
+              <a:rPr lang="en-US" altLang="ko-KR" sz="800" b="1" spc="-30" dirty="0">
                 <a:solidFill>
                   <a:schemeClr val="bg1"/>
                 </a:solidFill>
@@ -8726,13 +8495,6 @@
               </a:rPr>
               <a:t> -</a:t>
             </a:r>
-            <a:endParaRPr lang="en-US" altLang="ko-KR" sz="800" b="1" spc="-30" dirty="0">
-              <a:solidFill>
-                <a:schemeClr val="bg1"/>
-              </a:solidFill>
-              <a:latin typeface="맑은 고딕" panose="020B0503020000020004" pitchFamily="50" charset="-127"/>
-              <a:ea typeface="맑은 고딕" panose="020B0503020000020004" pitchFamily="50" charset="-127"/>
-            </a:endParaRPr>
           </a:p>
         </p:txBody>
       </p:sp>
@@ -8787,7 +8549,7 @@
               </a:lnSpc>
             </a:pPr>
             <a:r>
-              <a:rPr lang="en-US" altLang="ko-KR" sz="1600" b="1" spc="-150" dirty="0" smtClean="0">
+              <a:rPr lang="en-US" altLang="ko-KR" sz="1600" b="1" spc="-150" dirty="0">
                 <a:solidFill>
                   <a:srgbClr val="000000"/>
                 </a:solidFill>
@@ -8796,7 +8558,7 @@
               <a:t>Ch07&gt;code</a:t>
             </a:r>
             <a:r>
-              <a:rPr lang="ko-KR" altLang="en-US" sz="1600" b="1" spc="-150" dirty="0" smtClean="0">
+              <a:rPr lang="ko-KR" altLang="en-US" sz="1600" b="1" spc="-150" dirty="0">
                 <a:solidFill>
                   <a:srgbClr val="000000"/>
                 </a:solidFill>
@@ -8811,16 +8573,7 @@
                 </a:solidFill>
                 <a:latin typeface="맑은 고딕" pitchFamily="50" charset="-127"/>
               </a:rPr>
-              <a:t>&gt; </a:t>
-            </a:r>
-            <a:r>
-              <a:rPr lang="en-US" altLang="ko-KR" sz="1600" b="1" spc="-150" dirty="0" smtClean="0">
-                <a:solidFill>
-                  <a:srgbClr val="000000"/>
-                </a:solidFill>
-                <a:latin typeface="맑은 고딕" pitchFamily="50" charset="-127"/>
-              </a:rPr>
-              <a:t>oop_method.py</a:t>
+              <a:t>&gt; oop_method.py</a:t>
             </a:r>
             <a:endParaRPr lang="ko-KR" altLang="en-US" sz="1600" b="1" spc="-150" dirty="0">
               <a:solidFill>
@@ -8857,7 +8610,7 @@
               <a:buChar char="ü"/>
             </a:pPr>
             <a:r>
-              <a:rPr lang="ko-KR" altLang="en-US" sz="1600" spc="-150" dirty="0" smtClean="0">
+              <a:rPr lang="ko-KR" altLang="en-US" sz="1600" spc="-150" dirty="0">
                 <a:ln w="0"/>
                 <a:effectLst>
                   <a:outerShdw blurRad="38100" dist="19050" dir="2700000" algn="tl" rotWithShape="0">
@@ -8870,7 +8623,7 @@
               <a:t>클래스 안에 함수가 선언되어 있으면 해당 함수를 </a:t>
             </a:r>
             <a:r>
-              <a:rPr lang="en-US" altLang="ko-KR" sz="1600" spc="-150" dirty="0" smtClean="0">
+              <a:rPr lang="en-US" altLang="ko-KR" sz="1600" spc="-150" dirty="0">
                 <a:ln w="0"/>
                 <a:effectLst>
                   <a:outerShdw blurRad="38100" dist="19050" dir="2700000" algn="tl" rotWithShape="0">
@@ -8883,7 +8636,7 @@
               <a:t>Method</a:t>
             </a:r>
             <a:r>
-              <a:rPr lang="ko-KR" altLang="en-US" sz="1600" spc="-150" dirty="0" smtClean="0">
+              <a:rPr lang="ko-KR" altLang="en-US" sz="1600" spc="-150" dirty="0">
                 <a:ln w="0"/>
                 <a:effectLst>
                   <a:outerShdw blurRad="38100" dist="19050" dir="2700000" algn="tl" rotWithShape="0">
@@ -8896,7 +8649,7 @@
               <a:t>라고 부른다</a:t>
             </a:r>
             <a:r>
-              <a:rPr lang="en-US" altLang="ko-KR" sz="1600" spc="-150" dirty="0" smtClean="0">
+              <a:rPr lang="en-US" altLang="ko-KR" sz="1600" spc="-150" dirty="0">
                 <a:ln w="0"/>
                 <a:effectLst>
                   <a:outerShdw blurRad="38100" dist="19050" dir="2700000" algn="tl" rotWithShape="0">
@@ -8915,7 +8668,7 @@
               <a:buChar char="ü"/>
             </a:pPr>
             <a:r>
-              <a:rPr lang="ko-KR" altLang="en-US" sz="1600" spc="-150" dirty="0" err="1" smtClean="0">
+              <a:rPr lang="ko-KR" altLang="en-US" sz="1600" spc="-150" dirty="0" err="1">
                 <a:ln w="0"/>
                 <a:effectLst>
                   <a:outerShdw blurRad="38100" dist="19050" dir="2700000" algn="tl" rotWithShape="0">
@@ -8928,7 +8681,7 @@
               <a:t>인스턴스</a:t>
             </a:r>
             <a:r>
-              <a:rPr lang="ko-KR" altLang="en-US" sz="1600" spc="-150" dirty="0" smtClean="0">
+              <a:rPr lang="ko-KR" altLang="en-US" sz="1600" spc="-150" dirty="0">
                 <a:ln w="0"/>
                 <a:effectLst>
                   <a:outerShdw blurRad="38100" dist="19050" dir="2700000" algn="tl" rotWithShape="0">
@@ -8941,7 +8694,7 @@
               <a:t> </a:t>
             </a:r>
             <a:r>
-              <a:rPr lang="ko-KR" altLang="en-US" sz="1600" spc="-150" dirty="0" err="1" smtClean="0">
+              <a:rPr lang="ko-KR" altLang="en-US" sz="1600" spc="-150" dirty="0" err="1">
                 <a:ln w="0"/>
                 <a:effectLst>
                   <a:outerShdw blurRad="38100" dist="19050" dir="2700000" algn="tl" rotWithShape="0">
@@ -8954,7 +8707,7 @@
               <a:t>메소드</a:t>
             </a:r>
             <a:r>
-              <a:rPr lang="en-US" altLang="ko-KR" sz="1600" spc="-150" dirty="0" smtClean="0">
+              <a:rPr lang="en-US" altLang="ko-KR" sz="1600" spc="-150" dirty="0">
                 <a:ln w="0"/>
                 <a:effectLst>
                   <a:outerShdw blurRad="38100" dist="19050" dir="2700000" algn="tl" rotWithShape="0">
@@ -8967,7 +8720,7 @@
               <a:t>: </a:t>
             </a:r>
             <a:r>
-              <a:rPr lang="ko-KR" altLang="en-US" sz="1600" spc="-150" dirty="0" err="1" smtClean="0">
+              <a:rPr lang="ko-KR" altLang="en-US" sz="1600" spc="-150" dirty="0" err="1">
                 <a:ln w="0"/>
                 <a:effectLst>
                   <a:outerShdw blurRad="38100" dist="19050" dir="2700000" algn="tl" rotWithShape="0">
@@ -8980,7 +8733,7 @@
               <a:t>파라미터로</a:t>
             </a:r>
             <a:r>
-              <a:rPr lang="ko-KR" altLang="en-US" sz="1600" spc="-150" dirty="0" smtClean="0">
+              <a:rPr lang="ko-KR" altLang="en-US" sz="1600" spc="-150" dirty="0">
                 <a:ln w="0"/>
                 <a:effectLst>
                   <a:outerShdw blurRad="38100" dist="19050" dir="2700000" algn="tl" rotWithShape="0">
@@ -8993,7 +8746,7 @@
               <a:t> </a:t>
             </a:r>
             <a:r>
-              <a:rPr lang="en-US" altLang="ko-KR" sz="1600" spc="-150" dirty="0" smtClean="0">
+              <a:rPr lang="en-US" altLang="ko-KR" sz="1600" spc="-150" dirty="0">
                 <a:ln w="0"/>
                 <a:effectLst>
                   <a:outerShdw blurRad="38100" dist="19050" dir="2700000" algn="tl" rotWithShape="0">
@@ -9006,7 +8759,7 @@
               <a:t>self</a:t>
             </a:r>
             <a:r>
-              <a:rPr lang="ko-KR" altLang="en-US" sz="1600" spc="-150" dirty="0" smtClean="0">
+              <a:rPr lang="ko-KR" altLang="en-US" sz="1600" spc="-150" dirty="0">
                 <a:ln w="0"/>
                 <a:effectLst>
                   <a:outerShdw blurRad="38100" dist="19050" dir="2700000" algn="tl" rotWithShape="0">
@@ -9019,7 +8772,7 @@
               <a:t>를 사용하고</a:t>
             </a:r>
             <a:r>
-              <a:rPr lang="en-US" altLang="ko-KR" sz="1600" spc="-150" dirty="0" smtClean="0">
+              <a:rPr lang="en-US" altLang="ko-KR" sz="1600" spc="-150" dirty="0">
                 <a:ln w="0"/>
                 <a:effectLst>
                   <a:outerShdw blurRad="38100" dist="19050" dir="2700000" algn="tl" rotWithShape="0">
@@ -9032,7 +8785,7 @@
               <a:t>, </a:t>
             </a:r>
             <a:r>
-              <a:rPr lang="ko-KR" altLang="en-US" sz="1600" spc="-150" dirty="0" smtClean="0">
+              <a:rPr lang="ko-KR" altLang="en-US" sz="1600" spc="-150" dirty="0">
                 <a:ln w="0"/>
                 <a:effectLst>
                   <a:outerShdw blurRad="38100" dist="19050" dir="2700000" algn="tl" rotWithShape="0">
@@ -9045,7 +8798,7 @@
               <a:t>각 개별 객체의 </a:t>
             </a:r>
             <a:r>
-              <a:rPr lang="en-US" altLang="ko-KR" sz="1600" spc="-150" dirty="0" smtClean="0">
+              <a:rPr lang="en-US" altLang="ko-KR" sz="1600" spc="-150" dirty="0">
                 <a:ln w="0"/>
                 <a:effectLst>
                   <a:outerShdw blurRad="38100" dist="19050" dir="2700000" algn="tl" rotWithShape="0">
@@ -9058,7 +8811,7 @@
               <a:t>attribute</a:t>
             </a:r>
             <a:r>
-              <a:rPr lang="ko-KR" altLang="en-US" sz="1600" spc="-150" dirty="0" smtClean="0">
+              <a:rPr lang="ko-KR" altLang="en-US" sz="1600" spc="-150" dirty="0">
                 <a:ln w="0"/>
                 <a:effectLst>
                   <a:outerShdw blurRad="38100" dist="19050" dir="2700000" algn="tl" rotWithShape="0">
@@ -9087,7 +8840,7 @@
               <a:buChar char="ü"/>
             </a:pPr>
             <a:r>
-              <a:rPr lang="ko-KR" altLang="en-US" sz="1600" spc="-150" dirty="0" smtClean="0">
+              <a:rPr lang="ko-KR" altLang="en-US" sz="1600" spc="-150" dirty="0">
                 <a:ln w="0"/>
                 <a:effectLst>
                   <a:outerShdw blurRad="38100" dist="19050" dir="2700000" algn="tl" rotWithShape="0">
@@ -9100,7 +8853,7 @@
               <a:t>클래스 </a:t>
             </a:r>
             <a:r>
-              <a:rPr lang="ko-KR" altLang="en-US" sz="1600" spc="-150" dirty="0" err="1" smtClean="0">
+              <a:rPr lang="ko-KR" altLang="en-US" sz="1600" spc="-150" dirty="0" err="1">
                 <a:ln w="0"/>
                 <a:effectLst>
                   <a:outerShdw blurRad="38100" dist="19050" dir="2700000" algn="tl" rotWithShape="0">
@@ -9113,7 +8866,7 @@
               <a:t>메소드</a:t>
             </a:r>
             <a:r>
-              <a:rPr lang="en-US" altLang="ko-KR" sz="1600" spc="-150" dirty="0" smtClean="0">
+              <a:rPr lang="en-US" altLang="ko-KR" sz="1600" spc="-150" dirty="0">
                 <a:ln w="0"/>
                 <a:effectLst>
                   <a:outerShdw blurRad="38100" dist="19050" dir="2700000" algn="tl" rotWithShape="0">
@@ -9126,7 +8879,7 @@
               <a:t>: </a:t>
             </a:r>
             <a:r>
-              <a:rPr lang="ko-KR" altLang="en-US" sz="1600" spc="-150" dirty="0" err="1" smtClean="0">
+              <a:rPr lang="ko-KR" altLang="en-US" sz="1600" spc="-150" dirty="0" err="1">
                 <a:ln w="0"/>
                 <a:effectLst>
                   <a:outerShdw blurRad="38100" dist="19050" dir="2700000" algn="tl" rotWithShape="0">
@@ -9139,7 +8892,7 @@
               <a:t>파라미터로</a:t>
             </a:r>
             <a:r>
-              <a:rPr lang="ko-KR" altLang="en-US" sz="1600" spc="-150" dirty="0" smtClean="0">
+              <a:rPr lang="ko-KR" altLang="en-US" sz="1600" spc="-150" dirty="0">
                 <a:ln w="0"/>
                 <a:effectLst>
                   <a:outerShdw blurRad="38100" dist="19050" dir="2700000" algn="tl" rotWithShape="0">
@@ -9152,7 +8905,7 @@
               <a:t> </a:t>
             </a:r>
             <a:r>
-              <a:rPr lang="en-US" altLang="ko-KR" sz="1600" spc="-150" dirty="0" err="1" smtClean="0">
+              <a:rPr lang="en-US" altLang="ko-KR" sz="1600" spc="-150" dirty="0" err="1">
                 <a:ln w="0"/>
                 <a:effectLst>
                   <a:outerShdw blurRad="38100" dist="19050" dir="2700000" algn="tl" rotWithShape="0">
@@ -9165,7 +8918,7 @@
               <a:t>cls</a:t>
             </a:r>
             <a:r>
-              <a:rPr lang="en-US" altLang="ko-KR" sz="1600" spc="-150" dirty="0" smtClean="0">
+              <a:rPr lang="en-US" altLang="ko-KR" sz="1600" spc="-150" dirty="0">
                 <a:ln w="0"/>
                 <a:effectLst>
                   <a:outerShdw blurRad="38100" dist="19050" dir="2700000" algn="tl" rotWithShape="0">
@@ -9178,7 +8931,7 @@
               <a:t> </a:t>
             </a:r>
             <a:r>
-              <a:rPr lang="ko-KR" altLang="en-US" sz="1600" spc="-150" dirty="0" smtClean="0">
+              <a:rPr lang="ko-KR" altLang="en-US" sz="1600" spc="-150" dirty="0">
                 <a:ln w="0"/>
                 <a:effectLst>
                   <a:outerShdw blurRad="38100" dist="19050" dir="2700000" algn="tl" rotWithShape="0">
@@ -9191,7 +8944,7 @@
               <a:t>를 사용하고</a:t>
             </a:r>
             <a:r>
-              <a:rPr lang="en-US" altLang="ko-KR" sz="1600" spc="-150" dirty="0" smtClean="0">
+              <a:rPr lang="en-US" altLang="ko-KR" sz="1600" spc="-150" dirty="0">
                 <a:ln w="0"/>
                 <a:effectLst>
                   <a:outerShdw blurRad="38100" dist="19050" dir="2700000" algn="tl" rotWithShape="0">
@@ -9204,7 +8957,7 @@
               <a:t>, @</a:t>
             </a:r>
             <a:r>
-              <a:rPr lang="en-US" altLang="ko-KR" sz="1600" spc="-150" dirty="0" err="1" smtClean="0">
+              <a:rPr lang="en-US" altLang="ko-KR" sz="1600" spc="-150" dirty="0" err="1">
                 <a:ln w="0"/>
                 <a:effectLst>
                   <a:outerShdw blurRad="38100" dist="19050" dir="2700000" algn="tl" rotWithShape="0">
@@ -9217,7 +8970,7 @@
               <a:t>classmethod</a:t>
             </a:r>
             <a:r>
-              <a:rPr lang="en-US" altLang="ko-KR" sz="1600" spc="-150" dirty="0" smtClean="0">
+              <a:rPr lang="en-US" altLang="ko-KR" sz="1600" spc="-150" dirty="0">
                 <a:ln w="0"/>
                 <a:effectLst>
                   <a:outerShdw blurRad="38100" dist="19050" dir="2700000" algn="tl" rotWithShape="0">
@@ -9230,7 +8983,7 @@
               <a:t> </a:t>
             </a:r>
             <a:r>
-              <a:rPr lang="ko-KR" altLang="en-US" sz="1600" spc="-150" dirty="0" err="1" smtClean="0">
+              <a:rPr lang="ko-KR" altLang="en-US" sz="1600" spc="-150" dirty="0" err="1">
                 <a:ln w="0"/>
                 <a:effectLst>
                   <a:outerShdw blurRad="38100" dist="19050" dir="2700000" algn="tl" rotWithShape="0">
@@ -9243,7 +8996,7 @@
               <a:t>데코레이터와</a:t>
             </a:r>
             <a:r>
-              <a:rPr lang="ko-KR" altLang="en-US" sz="1600" spc="-150" dirty="0" smtClean="0">
+              <a:rPr lang="ko-KR" altLang="en-US" sz="1600" spc="-150" dirty="0">
                 <a:ln w="0"/>
                 <a:effectLst>
                   <a:outerShdw blurRad="38100" dist="19050" dir="2700000" algn="tl" rotWithShape="0">
@@ -9256,7 +9009,7 @@
               <a:t> 함께 사용하며</a:t>
             </a:r>
             <a:r>
-              <a:rPr lang="en-US" altLang="ko-KR" sz="1600" spc="-150" dirty="0" smtClean="0">
+              <a:rPr lang="en-US" altLang="ko-KR" sz="1600" spc="-150" dirty="0">
                 <a:ln w="0"/>
                 <a:effectLst>
                   <a:outerShdw blurRad="38100" dist="19050" dir="2700000" algn="tl" rotWithShape="0">
@@ -9269,7 +9022,7 @@
               <a:t>, </a:t>
             </a:r>
             <a:r>
-              <a:rPr lang="ko-KR" altLang="en-US" sz="1600" spc="-150" dirty="0" smtClean="0">
+              <a:rPr lang="ko-KR" altLang="en-US" sz="1600" spc="-150" dirty="0">
                 <a:ln w="0"/>
                 <a:effectLst>
                   <a:outerShdw blurRad="38100" dist="19050" dir="2700000" algn="tl" rotWithShape="0">
@@ -9282,7 +9035,7 @@
               <a:t>객체간 공유하는 </a:t>
             </a:r>
             <a:r>
-              <a:rPr lang="en-US" altLang="ko-KR" sz="1600" spc="-150" dirty="0" smtClean="0">
+              <a:rPr lang="en-US" altLang="ko-KR" sz="1600" spc="-150" dirty="0">
                 <a:ln w="0"/>
                 <a:effectLst>
                   <a:outerShdw blurRad="38100" dist="19050" dir="2700000" algn="tl" rotWithShape="0">
@@ -9295,7 +9048,7 @@
               <a:t>attribute</a:t>
             </a:r>
             <a:r>
-              <a:rPr lang="ko-KR" altLang="en-US" sz="1600" spc="-150" dirty="0" smtClean="0">
+              <a:rPr lang="ko-KR" altLang="en-US" sz="1600" spc="-150" dirty="0">
                 <a:ln w="0"/>
                 <a:effectLst>
                   <a:outerShdw blurRad="38100" dist="19050" dir="2700000" algn="tl" rotWithShape="0">
@@ -9308,7 +9061,7 @@
               <a:t>를 조작할 때 사용한다</a:t>
             </a:r>
             <a:r>
-              <a:rPr lang="en-US" altLang="ko-KR" sz="1600" spc="-150" dirty="0" smtClean="0">
+              <a:rPr lang="en-US" altLang="ko-KR" sz="1600" spc="-150" dirty="0">
                 <a:ln w="0"/>
                 <a:effectLst>
                   <a:outerShdw blurRad="38100" dist="19050" dir="2700000" algn="tl" rotWithShape="0">
@@ -9320,16 +9073,6 @@
               </a:rPr>
               <a:t>.</a:t>
             </a:r>
-            <a:endParaRPr lang="en-US" altLang="ko-KR" sz="1600" spc="-150" dirty="0">
-              <a:ln w="0"/>
-              <a:effectLst>
-                <a:outerShdw blurRad="38100" dist="19050" dir="2700000" algn="tl" rotWithShape="0">
-                  <a:schemeClr val="dk1">
-                    <a:alpha val="40000"/>
-                  </a:schemeClr>
-                </a:outerShdw>
-              </a:effectLst>
-            </a:endParaRPr>
           </a:p>
           <a:p>
             <a:pPr marL="285750" indent="-285750">
@@ -9337,7 +9080,7 @@
               <a:buChar char="ü"/>
             </a:pPr>
             <a:r>
-              <a:rPr lang="ko-KR" altLang="en-US" sz="1600" spc="-150" dirty="0" err="1" smtClean="0">
+              <a:rPr lang="ko-KR" altLang="en-US" sz="1600" spc="-150" dirty="0" err="1">
                 <a:ln w="0"/>
                 <a:effectLst>
                   <a:outerShdw blurRad="38100" dist="19050" dir="2700000" algn="tl" rotWithShape="0">
@@ -9350,7 +9093,7 @@
               <a:t>스태틱</a:t>
             </a:r>
             <a:r>
-              <a:rPr lang="ko-KR" altLang="en-US" sz="1600" spc="-150" dirty="0" smtClean="0">
+              <a:rPr lang="ko-KR" altLang="en-US" sz="1600" spc="-150" dirty="0">
                 <a:ln w="0"/>
                 <a:effectLst>
                   <a:outerShdw blurRad="38100" dist="19050" dir="2700000" algn="tl" rotWithShape="0">
@@ -9363,7 +9106,7 @@
               <a:t> </a:t>
             </a:r>
             <a:r>
-              <a:rPr lang="ko-KR" altLang="en-US" sz="1600" spc="-150" dirty="0" err="1" smtClean="0">
+              <a:rPr lang="ko-KR" altLang="en-US" sz="1600" spc="-150" dirty="0" err="1">
                 <a:ln w="0"/>
                 <a:effectLst>
                   <a:outerShdw blurRad="38100" dist="19050" dir="2700000" algn="tl" rotWithShape="0">
@@ -9376,7 +9119,7 @@
               <a:t>메소드</a:t>
             </a:r>
             <a:r>
-              <a:rPr lang="en-US" altLang="ko-KR" sz="1600" spc="-150" dirty="0" smtClean="0">
+              <a:rPr lang="en-US" altLang="ko-KR" sz="1600" spc="-150" dirty="0">
                 <a:ln w="0"/>
                 <a:effectLst>
                   <a:outerShdw blurRad="38100" dist="19050" dir="2700000" algn="tl" rotWithShape="0">
@@ -9389,7 +9132,7 @@
               <a:t>:</a:t>
             </a:r>
             <a:r>
-              <a:rPr lang="ko-KR" altLang="en-US" sz="1600" spc="-150" dirty="0" smtClean="0">
+              <a:rPr lang="ko-KR" altLang="en-US" sz="1600" spc="-150" dirty="0">
                 <a:ln w="0"/>
                 <a:effectLst>
                   <a:outerShdw blurRad="38100" dist="19050" dir="2700000" algn="tl" rotWithShape="0">
@@ -9402,7 +9145,7 @@
               <a:t>일반 함수와 동일하나 </a:t>
             </a:r>
             <a:r>
-              <a:rPr lang="en-US" altLang="ko-KR" sz="1600" spc="-150" dirty="0" smtClean="0">
+              <a:rPr lang="en-US" altLang="ko-KR" sz="1600" spc="-150" dirty="0">
                 <a:ln w="0"/>
                 <a:effectLst>
                   <a:outerShdw blurRad="38100" dist="19050" dir="2700000" algn="tl" rotWithShape="0">
@@ -9415,7 +9158,7 @@
               <a:t>@</a:t>
             </a:r>
             <a:r>
-              <a:rPr lang="en-US" altLang="ko-KR" sz="1600" spc="-150" dirty="0" err="1" smtClean="0">
+              <a:rPr lang="en-US" altLang="ko-KR" sz="1600" spc="-150" dirty="0" err="1">
                 <a:ln w="0"/>
                 <a:effectLst>
                   <a:outerShdw blurRad="38100" dist="19050" dir="2700000" algn="tl" rotWithShape="0">
@@ -9428,7 +9171,7 @@
               <a:t>staticmethod</a:t>
             </a:r>
             <a:r>
-              <a:rPr lang="en-US" altLang="ko-KR" sz="1600" spc="-150" dirty="0" smtClean="0">
+              <a:rPr lang="en-US" altLang="ko-KR" sz="1600" spc="-150" dirty="0">
                 <a:ln w="0"/>
                 <a:effectLst>
                   <a:outerShdw blurRad="38100" dist="19050" dir="2700000" algn="tl" rotWithShape="0">
@@ -9441,7 +9184,7 @@
               <a:t> </a:t>
             </a:r>
             <a:r>
-              <a:rPr lang="ko-KR" altLang="en-US" sz="1600" spc="-150" dirty="0" err="1" smtClean="0">
+              <a:rPr lang="ko-KR" altLang="en-US" sz="1600" spc="-150" dirty="0" err="1">
                 <a:ln w="0"/>
                 <a:effectLst>
                   <a:outerShdw blurRad="38100" dist="19050" dir="2700000" algn="tl" rotWithShape="0">
@@ -9454,7 +9197,7 @@
               <a:t>데코레이터가</a:t>
             </a:r>
             <a:r>
-              <a:rPr lang="ko-KR" altLang="en-US" sz="1600" spc="-150" dirty="0" smtClean="0">
+              <a:rPr lang="ko-KR" altLang="en-US" sz="1600" spc="-150" dirty="0">
                 <a:ln w="0"/>
                 <a:effectLst>
                   <a:outerShdw blurRad="38100" dist="19050" dir="2700000" algn="tl" rotWithShape="0">
@@ -9480,7 +9223,7 @@
               <a:t> </a:t>
             </a:r>
             <a:r>
-              <a:rPr lang="ko-KR" altLang="en-US" sz="1600" spc="-150" dirty="0" smtClean="0">
+              <a:rPr lang="ko-KR" altLang="en-US" sz="1600" spc="-150" dirty="0">
                 <a:ln w="0"/>
                 <a:effectLst>
                   <a:outerShdw blurRad="38100" dist="19050" dir="2700000" algn="tl" rotWithShape="0">
@@ -9493,7 +9236,7 @@
               <a:t>단지 편의를 위해 존재한다</a:t>
             </a:r>
             <a:r>
-              <a:rPr lang="en-US" altLang="ko-KR" sz="1600" spc="-150" dirty="0" smtClean="0">
+              <a:rPr lang="en-US" altLang="ko-KR" sz="1600" spc="-150" dirty="0">
                 <a:ln w="0"/>
                 <a:effectLst>
                   <a:outerShdw blurRad="38100" dist="19050" dir="2700000" algn="tl" rotWithShape="0">
@@ -9541,7 +9284,7 @@
           <a:lstStyle/>
           <a:p>
             <a:r>
-              <a:rPr lang="en-US" altLang="ko-KR" sz="950" dirty="0" smtClean="0"/>
+              <a:rPr lang="en-US" altLang="ko-KR" sz="950" dirty="0"/>
               <a:t>Bill(2015), O’Reilly, “Introducing Python”</a:t>
             </a:r>
             <a:endParaRPr lang="ko-KR" altLang="en-US" sz="950" dirty="0"/>
@@ -9575,20 +9318,13 @@
     </p:spTree>
     <p:extLst>
       <p:ext uri="{BB962C8B-B14F-4D97-AF65-F5344CB8AC3E}">
-        <p14:creationId xmlns:p14="http://schemas.microsoft.com/office/powerpoint/2010/main" xmlns="" val="1740824978"/>
+        <p14:creationId xmlns:p14="http://schemas.microsoft.com/office/powerpoint/2010/main" val="1740824978"/>
       </p:ext>
     </p:extLst>
   </p:cSld>
   <p:clrMapOvr>
     <a:masterClrMapping/>
   </p:clrMapOvr>
-  <p:timing>
-    <p:tnLst>
-      <p:par>
-        <p:cTn id="1" dur="indefinite" restart="never" nodeType="tmRoot"/>
-      </p:par>
-    </p:tnLst>
-  </p:timing>
 </p:sld>
 </file>
 
@@ -9670,7 +9406,7 @@
           <a:p>
             <a:pPr algn="l"/>
             <a:r>
-              <a:rPr lang="en-US" altLang="ko-KR" sz="2400" b="1" spc="-150" dirty="0" smtClean="0">
+              <a:rPr lang="en-US" altLang="ko-KR" sz="2400" b="1" spc="-150" dirty="0">
                 <a:solidFill>
                   <a:schemeClr val="accent4">
                     <a:lumMod val="50000"/>
@@ -9788,7 +9524,7 @@
           <a:p>
             <a:pPr algn="ctr"/>
             <a:r>
-              <a:rPr lang="en-US" altLang="ko-KR" sz="1000" dirty="0" smtClean="0">
+              <a:rPr lang="en-US" altLang="ko-KR" sz="1000" dirty="0">
                 <a:solidFill>
                   <a:schemeClr val="bg1"/>
                 </a:solidFill>
@@ -9796,7 +9532,7 @@
               <a:t>2016 </a:t>
             </a:r>
             <a:r>
-              <a:rPr lang="ko-KR" altLang="en-US" sz="1000" dirty="0" smtClean="0">
+              <a:rPr lang="ko-KR" altLang="en-US" sz="1000" dirty="0">
                 <a:solidFill>
                   <a:schemeClr val="bg1"/>
                 </a:solidFill>
@@ -9804,7 +9540,7 @@
               <a:t>중앙대학교</a:t>
             </a:r>
             <a:r>
-              <a:rPr lang="en-US" sz="1000" dirty="0" smtClean="0">
+              <a:rPr lang="en-US" sz="1000" dirty="0">
                 <a:solidFill>
                   <a:schemeClr val="bg1"/>
                 </a:solidFill>
@@ -9812,7 +9548,7 @@
               <a:t> Python </a:t>
             </a:r>
             <a:r>
-              <a:rPr lang="ko-KR" altLang="en-US" sz="1000" dirty="0" smtClean="0">
+              <a:rPr lang="ko-KR" altLang="en-US" sz="1000" dirty="0">
                 <a:solidFill>
                   <a:schemeClr val="bg1"/>
                 </a:solidFill>
@@ -9851,7 +9587,7 @@
           <a:p>
             <a:pPr algn="r"/>
             <a:r>
-              <a:rPr lang="en-US" altLang="ko-KR" sz="800" b="1" spc="-30" dirty="0" smtClean="0">
+              <a:rPr lang="en-US" altLang="ko-KR" sz="800" b="1" spc="-30" dirty="0">
                 <a:solidFill>
                   <a:schemeClr val="bg1"/>
                 </a:solidFill>
@@ -9872,7 +9608,7 @@
               <a:t>13</a:t>
             </a:fld>
             <a:r>
-              <a:rPr lang="en-US" altLang="ko-KR" sz="800" b="1" spc="-30" dirty="0" smtClean="0">
+              <a:rPr lang="en-US" altLang="ko-KR" sz="800" b="1" spc="-30" dirty="0">
                 <a:solidFill>
                   <a:schemeClr val="bg1"/>
                 </a:solidFill>
@@ -9881,13 +9617,6 @@
               </a:rPr>
               <a:t> -</a:t>
             </a:r>
-            <a:endParaRPr lang="en-US" altLang="ko-KR" sz="800" b="1" spc="-30" dirty="0">
-              <a:solidFill>
-                <a:schemeClr val="bg1"/>
-              </a:solidFill>
-              <a:latin typeface="맑은 고딕" panose="020B0503020000020004" pitchFamily="50" charset="-127"/>
-              <a:ea typeface="맑은 고딕" panose="020B0503020000020004" pitchFamily="50" charset="-127"/>
-            </a:endParaRPr>
           </a:p>
         </p:txBody>
       </p:sp>
@@ -9942,7 +9671,7 @@
               </a:lnSpc>
             </a:pPr>
             <a:r>
-              <a:rPr lang="en-US" altLang="ko-KR" sz="1600" b="1" spc="-150" dirty="0" smtClean="0">
+              <a:rPr lang="en-US" altLang="ko-KR" sz="1600" b="1" spc="-150" dirty="0">
                 <a:solidFill>
                   <a:srgbClr val="000000"/>
                 </a:solidFill>
@@ -9951,7 +9680,7 @@
               <a:t>Ch07&gt;code</a:t>
             </a:r>
             <a:r>
-              <a:rPr lang="ko-KR" altLang="en-US" sz="1600" b="1" spc="-150" dirty="0" smtClean="0">
+              <a:rPr lang="ko-KR" altLang="en-US" sz="1600" b="1" spc="-150" dirty="0">
                 <a:solidFill>
                   <a:srgbClr val="000000"/>
                 </a:solidFill>
@@ -10068,7 +9797,7 @@
               <a:t>꽥꽥거리는 소리를 낸다면 나는 그 새를 오리라고 부를 것이다</a:t>
             </a:r>
             <a:r>
-              <a:rPr lang="en-US" altLang="ko-KR" sz="1600" spc="-150" dirty="0" smtClean="0">
+              <a:rPr lang="en-US" altLang="ko-KR" sz="1600" spc="-150" dirty="0">
                 <a:ln w="0"/>
                 <a:effectLst>
                   <a:outerShdw blurRad="38100" dist="19050" dir="2700000" algn="tl" rotWithShape="0">
@@ -10469,7 +10198,7 @@
               <a:buFont typeface="Wingdings" panose="05000000000000000000" pitchFamily="2" charset="2"/>
               <a:buChar char="ü"/>
             </a:pPr>
-            <a:endParaRPr lang="en-US" altLang="ko-KR" sz="1600" spc="-150" dirty="0" smtClean="0">
+            <a:endParaRPr lang="en-US" altLang="ko-KR" sz="1600" spc="-150" dirty="0">
               <a:ln w="0"/>
               <a:effectLst>
                 <a:outerShdw blurRad="38100" dist="19050" dir="2700000" algn="tl" rotWithShape="0">
@@ -10527,26 +10256,14 @@
           <a:lstStyle/>
           <a:p>
             <a:r>
-              <a:rPr lang="en-US" altLang="ko-KR" sz="950" dirty="0" smtClean="0"/>
+              <a:rPr lang="en-US" altLang="ko-KR" sz="950" dirty="0"/>
               <a:t>[1] </a:t>
-            </a:r>
-            <a:r>
-              <a:rPr lang="en-US" altLang="ko-KR" sz="950" dirty="0" smtClean="0">
-                <a:hlinkClick r:id="rId4"/>
-              </a:rPr>
-              <a:t>https</a:t>
             </a:r>
             <a:r>
               <a:rPr lang="en-US" altLang="ko-KR" sz="950" dirty="0">
                 <a:hlinkClick r:id="rId4"/>
               </a:rPr>
-              <a:t>://</a:t>
-            </a:r>
-            <a:r>
-              <a:rPr lang="en-US" altLang="ko-KR" sz="950" dirty="0" smtClean="0">
-                <a:hlinkClick r:id="rId4"/>
-              </a:rPr>
-              <a:t>goo.gl/Ehp8IL</a:t>
+              <a:t>https://goo.gl/Ehp8IL</a:t>
             </a:r>
             <a:endParaRPr lang="ko-KR" altLang="en-US" sz="950" dirty="0"/>
           </a:p>
@@ -10555,20 +10272,13 @@
     </p:spTree>
     <p:extLst>
       <p:ext uri="{BB962C8B-B14F-4D97-AF65-F5344CB8AC3E}">
-        <p14:creationId xmlns:p14="http://schemas.microsoft.com/office/powerpoint/2010/main" xmlns="" val="4150761388"/>
+        <p14:creationId xmlns:p14="http://schemas.microsoft.com/office/powerpoint/2010/main" val="4150761388"/>
       </p:ext>
     </p:extLst>
   </p:cSld>
   <p:clrMapOvr>
     <a:masterClrMapping/>
   </p:clrMapOvr>
-  <p:timing>
-    <p:tnLst>
-      <p:par>
-        <p:cTn id="1" dur="indefinite" restart="never" nodeType="tmRoot"/>
-      </p:par>
-    </p:tnLst>
-  </p:timing>
 </p:sld>
 </file>
 
@@ -10650,7 +10360,7 @@
           <a:p>
             <a:pPr algn="l"/>
             <a:r>
-              <a:rPr lang="en-US" altLang="ko-KR" sz="2400" b="1" spc="-150" dirty="0" smtClean="0">
+              <a:rPr lang="en-US" altLang="ko-KR" sz="2400" b="1" spc="-150" dirty="0">
                 <a:solidFill>
                   <a:schemeClr val="accent4">
                     <a:lumMod val="50000"/>
@@ -10768,7 +10478,7 @@
           <a:p>
             <a:pPr algn="ctr"/>
             <a:r>
-              <a:rPr lang="en-US" altLang="ko-KR" sz="1000" dirty="0" smtClean="0">
+              <a:rPr lang="en-US" altLang="ko-KR" sz="1000" dirty="0">
                 <a:solidFill>
                   <a:schemeClr val="bg1"/>
                 </a:solidFill>
@@ -10776,7 +10486,7 @@
               <a:t>2016 </a:t>
             </a:r>
             <a:r>
-              <a:rPr lang="ko-KR" altLang="en-US" sz="1000" dirty="0" smtClean="0">
+              <a:rPr lang="ko-KR" altLang="en-US" sz="1000" dirty="0">
                 <a:solidFill>
                   <a:schemeClr val="bg1"/>
                 </a:solidFill>
@@ -10784,7 +10494,7 @@
               <a:t>중앙대학교</a:t>
             </a:r>
             <a:r>
-              <a:rPr lang="en-US" sz="1000" dirty="0" smtClean="0">
+              <a:rPr lang="en-US" sz="1000" dirty="0">
                 <a:solidFill>
                   <a:schemeClr val="bg1"/>
                 </a:solidFill>
@@ -10792,7 +10502,7 @@
               <a:t> Python </a:t>
             </a:r>
             <a:r>
-              <a:rPr lang="ko-KR" altLang="en-US" sz="1000" dirty="0" smtClean="0">
+              <a:rPr lang="ko-KR" altLang="en-US" sz="1000" dirty="0">
                 <a:solidFill>
                   <a:schemeClr val="bg1"/>
                 </a:solidFill>
@@ -10831,7 +10541,7 @@
           <a:p>
             <a:pPr algn="r"/>
             <a:r>
-              <a:rPr lang="en-US" altLang="ko-KR" sz="800" b="1" spc="-30" dirty="0" smtClean="0">
+              <a:rPr lang="en-US" altLang="ko-KR" sz="800" b="1" spc="-30" dirty="0">
                 <a:solidFill>
                   <a:schemeClr val="bg1"/>
                 </a:solidFill>
@@ -10852,7 +10562,7 @@
               <a:t>14</a:t>
             </a:fld>
             <a:r>
-              <a:rPr lang="en-US" altLang="ko-KR" sz="800" b="1" spc="-30" dirty="0" smtClean="0">
+              <a:rPr lang="en-US" altLang="ko-KR" sz="800" b="1" spc="-30" dirty="0">
                 <a:solidFill>
                   <a:schemeClr val="bg1"/>
                 </a:solidFill>
@@ -10861,13 +10571,6 @@
               </a:rPr>
               <a:t> -</a:t>
             </a:r>
-            <a:endParaRPr lang="en-US" altLang="ko-KR" sz="800" b="1" spc="-30" dirty="0">
-              <a:solidFill>
-                <a:schemeClr val="bg1"/>
-              </a:solidFill>
-              <a:latin typeface="맑은 고딕" panose="020B0503020000020004" pitchFamily="50" charset="-127"/>
-              <a:ea typeface="맑은 고딕" panose="020B0503020000020004" pitchFamily="50" charset="-127"/>
-            </a:endParaRPr>
           </a:p>
         </p:txBody>
       </p:sp>
@@ -10922,7 +10625,7 @@
               </a:lnSpc>
             </a:pPr>
             <a:r>
-              <a:rPr lang="en-US" altLang="ko-KR" sz="1600" b="1" spc="-150" dirty="0" smtClean="0">
+              <a:rPr lang="en-US" altLang="ko-KR" sz="1600" b="1" spc="-150" dirty="0">
                 <a:solidFill>
                   <a:srgbClr val="000000"/>
                 </a:solidFill>
@@ -10931,7 +10634,7 @@
               <a:t>Ch07&gt;code</a:t>
             </a:r>
             <a:r>
-              <a:rPr lang="ko-KR" altLang="en-US" sz="1600" b="1" spc="-150" dirty="0" smtClean="0">
+              <a:rPr lang="ko-KR" altLang="en-US" sz="1600" b="1" spc="-150" dirty="0">
                 <a:solidFill>
                   <a:srgbClr val="000000"/>
                 </a:solidFill>
@@ -10983,7 +10686,7 @@
               <a:buChar char="ü"/>
             </a:pPr>
             <a:r>
-              <a:rPr lang="en-US" altLang="ko-KR" sz="1600" spc="-150" dirty="0" smtClean="0">
+              <a:rPr lang="en-US" altLang="ko-KR" sz="1600" spc="-150" dirty="0">
                 <a:ln w="0"/>
                 <a:effectLst>
                   <a:outerShdw blurRad="38100" dist="19050" dir="2700000" algn="tl" rotWithShape="0">
@@ -10997,7 +10700,7 @@
               <a:t>Overloading – </a:t>
             </a:r>
             <a:r>
-              <a:rPr lang="ko-KR" altLang="en-US" sz="1600" spc="-150" dirty="0" smtClean="0">
+              <a:rPr lang="ko-KR" altLang="en-US" sz="1600" spc="-150" dirty="0">
                 <a:ln w="0"/>
                 <a:effectLst>
                   <a:outerShdw blurRad="38100" dist="19050" dir="2700000" algn="tl" rotWithShape="0">
@@ -11011,7 +10714,7 @@
               <a:t>같은 </a:t>
             </a:r>
             <a:r>
-              <a:rPr lang="ko-KR" altLang="en-US" sz="1600" spc="-150" dirty="0" err="1" smtClean="0">
+              <a:rPr lang="ko-KR" altLang="en-US" sz="1600" spc="-150" dirty="0" err="1">
                 <a:ln w="0"/>
                 <a:effectLst>
                   <a:outerShdw blurRad="38100" dist="19050" dir="2700000" algn="tl" rotWithShape="0">
@@ -11025,7 +10728,7 @@
               <a:t>메소드</a:t>
             </a:r>
             <a:r>
-              <a:rPr lang="ko-KR" altLang="en-US" sz="1600" spc="-150" dirty="0" smtClean="0">
+              <a:rPr lang="ko-KR" altLang="en-US" sz="1600" spc="-150" dirty="0">
                 <a:ln w="0"/>
                 <a:effectLst>
                   <a:outerShdw blurRad="38100" dist="19050" dir="2700000" algn="tl" rotWithShape="0">
@@ -11039,7 +10742,7 @@
               <a:t> 네임</a:t>
             </a:r>
             <a:r>
-              <a:rPr lang="en-US" altLang="ko-KR" sz="1600" spc="-150" dirty="0" smtClean="0">
+              <a:rPr lang="en-US" altLang="ko-KR" sz="1600" spc="-150" dirty="0">
                 <a:ln w="0"/>
                 <a:effectLst>
                   <a:outerShdw blurRad="38100" dist="19050" dir="2700000" algn="tl" rotWithShape="0">
@@ -11053,7 +10756,7 @@
               <a:t>, </a:t>
             </a:r>
             <a:r>
-              <a:rPr lang="ko-KR" altLang="en-US" sz="1600" spc="-150" dirty="0" err="1" smtClean="0">
+              <a:rPr lang="ko-KR" altLang="en-US" sz="1600" spc="-150" dirty="0" err="1">
                 <a:ln w="0"/>
                 <a:effectLst>
                   <a:outerShdw blurRad="38100" dist="19050" dir="2700000" algn="tl" rotWithShape="0">
@@ -11067,7 +10770,7 @@
               <a:t>파라미터의</a:t>
             </a:r>
             <a:r>
-              <a:rPr lang="ko-KR" altLang="en-US" sz="1600" spc="-150" dirty="0" smtClean="0">
+              <a:rPr lang="ko-KR" altLang="en-US" sz="1600" spc="-150" dirty="0">
                 <a:ln w="0"/>
                 <a:effectLst>
                   <a:outerShdw blurRad="38100" dist="19050" dir="2700000" algn="tl" rotWithShape="0">
@@ -11079,113 +10782,6 @@
                 <a:ea typeface="맑은 고딕" panose="020B0503020000020004" pitchFamily="50" charset="-127"/>
               </a:rPr>
               <a:t> 개수나 타입에 따라 다르게 지정</a:t>
-            </a:r>
-            <a:endParaRPr lang="en-US" altLang="ko-KR" sz="1600" spc="-150" dirty="0" smtClean="0">
-              <a:ln w="0"/>
-              <a:effectLst>
-                <a:outerShdw blurRad="38100" dist="19050" dir="2700000" algn="tl" rotWithShape="0">
-                  <a:schemeClr val="dk1">
-                    <a:alpha val="40000"/>
-                  </a:schemeClr>
-                </a:outerShdw>
-              </a:effectLst>
-              <a:ea typeface="맑은 고딕" panose="020B0503020000020004" pitchFamily="50" charset="-127"/>
-            </a:endParaRPr>
-          </a:p>
-          <a:p>
-            <a:pPr marL="285750" indent="-285750">
-              <a:buFont typeface="Wingdings" panose="05000000000000000000" pitchFamily="2" charset="2"/>
-              <a:buChar char="ü"/>
-            </a:pPr>
-            <a:r>
-              <a:rPr lang="en-US" altLang="ko-KR" sz="1600" spc="-150" dirty="0" smtClean="0">
-                <a:ln w="0"/>
-                <a:effectLst>
-                  <a:outerShdw blurRad="38100" dist="19050" dir="2700000" algn="tl" rotWithShape="0">
-                    <a:schemeClr val="dk1">
-                      <a:alpha val="40000"/>
-                    </a:schemeClr>
-                  </a:outerShdw>
-                </a:effectLst>
-                <a:ea typeface="맑은 고딕" panose="020B0503020000020004" pitchFamily="50" charset="-127"/>
-              </a:rPr>
-              <a:t>Overriding – </a:t>
-            </a:r>
-            <a:r>
-              <a:rPr lang="ko-KR" altLang="en-US" sz="1600" spc="-150" dirty="0" smtClean="0">
-                <a:ln w="0"/>
-                <a:effectLst>
-                  <a:outerShdw blurRad="38100" dist="19050" dir="2700000" algn="tl" rotWithShape="0">
-                    <a:schemeClr val="dk1">
-                      <a:alpha val="40000"/>
-                    </a:schemeClr>
-                  </a:outerShdw>
-                </a:effectLst>
-                <a:ea typeface="맑은 고딕" panose="020B0503020000020004" pitchFamily="50" charset="-127"/>
-              </a:rPr>
-              <a:t>상속관계에서 하위 클래스가 상위 클래스의 같은 이름의 </a:t>
-            </a:r>
-            <a:r>
-              <a:rPr lang="ko-KR" altLang="en-US" sz="1600" spc="-150" dirty="0" err="1" smtClean="0">
-                <a:ln w="0"/>
-                <a:effectLst>
-                  <a:outerShdw blurRad="38100" dist="19050" dir="2700000" algn="tl" rotWithShape="0">
-                    <a:schemeClr val="dk1">
-                      <a:alpha val="40000"/>
-                    </a:schemeClr>
-                  </a:outerShdw>
-                </a:effectLst>
-                <a:ea typeface="맑은 고딕" panose="020B0503020000020004" pitchFamily="50" charset="-127"/>
-              </a:rPr>
-              <a:t>메소드를</a:t>
-            </a:r>
-            <a:r>
-              <a:rPr lang="ko-KR" altLang="en-US" sz="1600" spc="-150" dirty="0" smtClean="0">
-                <a:ln w="0"/>
-                <a:effectLst>
-                  <a:outerShdw blurRad="38100" dist="19050" dir="2700000" algn="tl" rotWithShape="0">
-                    <a:schemeClr val="dk1">
-                      <a:alpha val="40000"/>
-                    </a:schemeClr>
-                  </a:outerShdw>
-                </a:effectLst>
-                <a:ea typeface="맑은 고딕" panose="020B0503020000020004" pitchFamily="50" charset="-127"/>
-              </a:rPr>
-              <a:t> 재지정</a:t>
-            </a:r>
-            <a:r>
-              <a:rPr lang="en-US" altLang="ko-KR" sz="1600" spc="-150" dirty="0" smtClean="0">
-                <a:ln w="0"/>
-                <a:effectLst>
-                  <a:outerShdw blurRad="38100" dist="19050" dir="2700000" algn="tl" rotWithShape="0">
-                    <a:schemeClr val="dk1">
-                      <a:alpha val="40000"/>
-                    </a:schemeClr>
-                  </a:outerShdw>
-                </a:effectLst>
-                <a:ea typeface="맑은 고딕" panose="020B0503020000020004" pitchFamily="50" charset="-127"/>
-              </a:rPr>
-              <a:t>.</a:t>
-            </a:r>
-          </a:p>
-          <a:p>
-            <a:pPr marL="285750" indent="-285750">
-              <a:buFont typeface="Wingdings" panose="05000000000000000000" pitchFamily="2" charset="2"/>
-              <a:buChar char="ü"/>
-            </a:pPr>
-            <a:r>
-              <a:rPr lang="en-US" altLang="ko-KR" sz="1600" spc="-150" dirty="0" smtClean="0">
-                <a:ln w="0"/>
-                <a:effectLst>
-                  <a:outerShdw blurRad="38100" dist="19050" dir="2700000" algn="tl" rotWithShape="0">
-                    <a:schemeClr val="dk1">
-                      <a:alpha val="40000"/>
-                    </a:schemeClr>
-                  </a:outerShdw>
-                </a:effectLst>
-                <a:ea typeface="맑은 고딕" panose="020B0503020000020004" pitchFamily="50" charset="-127"/>
-              </a:rPr>
-              <a:t>Encapsulation</a:t>
             </a:r>
             <a:endParaRPr lang="en-US" altLang="ko-KR" sz="1600" spc="-150" dirty="0">
               <a:ln w="0"/>
@@ -11199,6 +10795,102 @@
               <a:ea typeface="맑은 고딕" panose="020B0503020000020004" pitchFamily="50" charset="-127"/>
             </a:endParaRPr>
           </a:p>
+          <a:p>
+            <a:pPr marL="285750" indent="-285750">
+              <a:buFont typeface="Wingdings" panose="05000000000000000000" pitchFamily="2" charset="2"/>
+              <a:buChar char="ü"/>
+            </a:pPr>
+            <a:r>
+              <a:rPr lang="en-US" altLang="ko-KR" sz="1600" spc="-150" dirty="0">
+                <a:ln w="0"/>
+                <a:effectLst>
+                  <a:outerShdw blurRad="38100" dist="19050" dir="2700000" algn="tl" rotWithShape="0">
+                    <a:schemeClr val="dk1">
+                      <a:alpha val="40000"/>
+                    </a:schemeClr>
+                  </a:outerShdw>
+                </a:effectLst>
+                <a:ea typeface="맑은 고딕" panose="020B0503020000020004" pitchFamily="50" charset="-127"/>
+              </a:rPr>
+              <a:t>Overriding – </a:t>
+            </a:r>
+            <a:r>
+              <a:rPr lang="ko-KR" altLang="en-US" sz="1600" spc="-150" dirty="0">
+                <a:ln w="0"/>
+                <a:effectLst>
+                  <a:outerShdw blurRad="38100" dist="19050" dir="2700000" algn="tl" rotWithShape="0">
+                    <a:schemeClr val="dk1">
+                      <a:alpha val="40000"/>
+                    </a:schemeClr>
+                  </a:outerShdw>
+                </a:effectLst>
+                <a:ea typeface="맑은 고딕" panose="020B0503020000020004" pitchFamily="50" charset="-127"/>
+              </a:rPr>
+              <a:t>상속관계에서 하위 클래스가 상위 클래스의 같은 이름의 </a:t>
+            </a:r>
+            <a:r>
+              <a:rPr lang="ko-KR" altLang="en-US" sz="1600" spc="-150" dirty="0" err="1">
+                <a:ln w="0"/>
+                <a:effectLst>
+                  <a:outerShdw blurRad="38100" dist="19050" dir="2700000" algn="tl" rotWithShape="0">
+                    <a:schemeClr val="dk1">
+                      <a:alpha val="40000"/>
+                    </a:schemeClr>
+                  </a:outerShdw>
+                </a:effectLst>
+                <a:ea typeface="맑은 고딕" panose="020B0503020000020004" pitchFamily="50" charset="-127"/>
+              </a:rPr>
+              <a:t>메소드를</a:t>
+            </a:r>
+            <a:r>
+              <a:rPr lang="ko-KR" altLang="en-US" sz="1600" spc="-150" dirty="0">
+                <a:ln w="0"/>
+                <a:effectLst>
+                  <a:outerShdw blurRad="38100" dist="19050" dir="2700000" algn="tl" rotWithShape="0">
+                    <a:schemeClr val="dk1">
+                      <a:alpha val="40000"/>
+                    </a:schemeClr>
+                  </a:outerShdw>
+                </a:effectLst>
+                <a:ea typeface="맑은 고딕" panose="020B0503020000020004" pitchFamily="50" charset="-127"/>
+              </a:rPr>
+              <a:t> 재지정</a:t>
+            </a:r>
+            <a:r>
+              <a:rPr lang="en-US" altLang="ko-KR" sz="1600" spc="-150" dirty="0">
+                <a:ln w="0"/>
+                <a:effectLst>
+                  <a:outerShdw blurRad="38100" dist="19050" dir="2700000" algn="tl" rotWithShape="0">
+                    <a:schemeClr val="dk1">
+                      <a:alpha val="40000"/>
+                    </a:schemeClr>
+                  </a:outerShdw>
+                </a:effectLst>
+                <a:ea typeface="맑은 고딕" panose="020B0503020000020004" pitchFamily="50" charset="-127"/>
+              </a:rPr>
+              <a:t>.</a:t>
+            </a:r>
+          </a:p>
+          <a:p>
+            <a:pPr marL="285750" indent="-285750">
+              <a:buFont typeface="Wingdings" panose="05000000000000000000" pitchFamily="2" charset="2"/>
+              <a:buChar char="ü"/>
+            </a:pPr>
+            <a:r>
+              <a:rPr lang="en-US" altLang="ko-KR" sz="1600" spc="-150" dirty="0">
+                <a:ln w="0"/>
+                <a:effectLst>
+                  <a:outerShdw blurRad="38100" dist="19050" dir="2700000" algn="tl" rotWithShape="0">
+                    <a:schemeClr val="dk1">
+                      <a:alpha val="40000"/>
+                    </a:schemeClr>
+                  </a:outerShdw>
+                </a:effectLst>
+                <a:ea typeface="맑은 고딕" panose="020B0503020000020004" pitchFamily="50" charset="-127"/>
+              </a:rPr>
+              <a:t>Encapsulation</a:t>
+            </a:r>
+          </a:p>
         </p:txBody>
       </p:sp>
       <p:sp>
@@ -11223,27 +10915,17 @@
           <a:lstStyle/>
           <a:p>
             <a:r>
-              <a:rPr lang="en-US" altLang="ko-KR" sz="950" dirty="0" smtClean="0"/>
-              <a:t>[1</a:t>
-            </a:r>
-            <a:r>
               <a:rPr lang="en-US" altLang="ko-KR" sz="950" dirty="0"/>
-              <a:t>] </a:t>
+              <a:t>[1] </a:t>
             </a:r>
             <a:r>
               <a:rPr lang="en-US" altLang="ko-KR" sz="950" dirty="0">
                 <a:hlinkClick r:id="rId3"/>
               </a:rPr>
-              <a:t>https://</a:t>
-            </a:r>
-            <a:r>
-              <a:rPr lang="en-US" altLang="ko-KR" sz="950" dirty="0" smtClean="0">
-                <a:hlinkClick r:id="rId3"/>
-              </a:rPr>
-              <a:t>docs.sencha.com/extjs/6.0.2/guides/other_resources/oop_concepts.html</a:t>
-            </a:r>
-            <a:r>
-              <a:rPr lang="en-US" altLang="ko-KR" sz="950" dirty="0" smtClean="0"/>
+              <a:t>https://docs.sencha.com/extjs/6.0.2/guides/other_resources/oop_concepts.html</a:t>
+            </a:r>
+            <a:r>
+              <a:rPr lang="en-US" altLang="ko-KR" sz="950" dirty="0"/>
               <a:t> </a:t>
             </a:r>
             <a:endParaRPr lang="ko-KR" altLang="en-US" sz="950" dirty="0"/>
@@ -11262,7 +10944,7 @@
           <a:blip r:embed="rId4">
             <a:extLst>
               <a:ext uri="{28A0092B-C50C-407E-A947-70E740481C1C}">
-                <a14:useLocalDpi xmlns:a14="http://schemas.microsoft.com/office/drawing/2010/main" xmlns="" val="0"/>
+                <a14:useLocalDpi xmlns:a14="http://schemas.microsoft.com/office/drawing/2010/main" val="0"/>
               </a:ext>
             </a:extLst>
           </a:blip>
@@ -11331,20 +11013,13 @@
     </p:spTree>
     <p:extLst>
       <p:ext uri="{BB962C8B-B14F-4D97-AF65-F5344CB8AC3E}">
-        <p14:creationId xmlns:p14="http://schemas.microsoft.com/office/powerpoint/2010/main" xmlns="" val="1872730528"/>
+        <p14:creationId xmlns:p14="http://schemas.microsoft.com/office/powerpoint/2010/main" val="1872730528"/>
       </p:ext>
     </p:extLst>
   </p:cSld>
   <p:clrMapOvr>
     <a:masterClrMapping/>
   </p:clrMapOvr>
-  <p:timing>
-    <p:tnLst>
-      <p:par>
-        <p:cTn id="1" dur="indefinite" restart="never" nodeType="tmRoot"/>
-      </p:par>
-    </p:tnLst>
-  </p:timing>
 </p:sld>
 </file>
 
@@ -11426,7 +11101,7 @@
           <a:p>
             <a:pPr algn="l"/>
             <a:r>
-              <a:rPr lang="en-US" altLang="ko-KR" sz="2400" b="1" spc="-150" dirty="0" smtClean="0">
+              <a:rPr lang="en-US" altLang="ko-KR" sz="2400" b="1" spc="-150" dirty="0">
                 <a:solidFill>
                   <a:schemeClr val="accent4">
                     <a:lumMod val="50000"/>
@@ -11544,7 +11219,7 @@
           <a:p>
             <a:pPr algn="ctr"/>
             <a:r>
-              <a:rPr lang="en-US" altLang="ko-KR" sz="1000" dirty="0" smtClean="0">
+              <a:rPr lang="en-US" altLang="ko-KR" sz="1000" dirty="0">
                 <a:solidFill>
                   <a:schemeClr val="bg1"/>
                 </a:solidFill>
@@ -11552,7 +11227,7 @@
               <a:t>2016 </a:t>
             </a:r>
             <a:r>
-              <a:rPr lang="ko-KR" altLang="en-US" sz="1000" dirty="0" smtClean="0">
+              <a:rPr lang="ko-KR" altLang="en-US" sz="1000" dirty="0">
                 <a:solidFill>
                   <a:schemeClr val="bg1"/>
                 </a:solidFill>
@@ -11560,7 +11235,7 @@
               <a:t>중앙대학교</a:t>
             </a:r>
             <a:r>
-              <a:rPr lang="en-US" sz="1000" dirty="0" smtClean="0">
+              <a:rPr lang="en-US" sz="1000" dirty="0">
                 <a:solidFill>
                   <a:schemeClr val="bg1"/>
                 </a:solidFill>
@@ -11568,7 +11243,7 @@
               <a:t> Python </a:t>
             </a:r>
             <a:r>
-              <a:rPr lang="ko-KR" altLang="en-US" sz="1000" dirty="0" smtClean="0">
+              <a:rPr lang="ko-KR" altLang="en-US" sz="1000" dirty="0">
                 <a:solidFill>
                   <a:schemeClr val="bg1"/>
                 </a:solidFill>
@@ -11607,7 +11282,7 @@
           <a:p>
             <a:pPr algn="r"/>
             <a:r>
-              <a:rPr lang="en-US" altLang="ko-KR" sz="800" b="1" spc="-30" dirty="0" smtClean="0">
+              <a:rPr lang="en-US" altLang="ko-KR" sz="800" b="1" spc="-30" dirty="0">
                 <a:solidFill>
                   <a:schemeClr val="bg1"/>
                 </a:solidFill>
@@ -11628,7 +11303,7 @@
               <a:t>15</a:t>
             </a:fld>
             <a:r>
-              <a:rPr lang="en-US" altLang="ko-KR" sz="800" b="1" spc="-30" dirty="0" smtClean="0">
+              <a:rPr lang="en-US" altLang="ko-KR" sz="800" b="1" spc="-30" dirty="0">
                 <a:solidFill>
                   <a:schemeClr val="bg1"/>
                 </a:solidFill>
@@ -11637,13 +11312,6 @@
               </a:rPr>
               <a:t> -</a:t>
             </a:r>
-            <a:endParaRPr lang="en-US" altLang="ko-KR" sz="800" b="1" spc="-30" dirty="0">
-              <a:solidFill>
-                <a:schemeClr val="bg1"/>
-              </a:solidFill>
-              <a:latin typeface="맑은 고딕" panose="020B0503020000020004" pitchFamily="50" charset="-127"/>
-              <a:ea typeface="맑은 고딕" panose="020B0503020000020004" pitchFamily="50" charset="-127"/>
-            </a:endParaRPr>
           </a:p>
         </p:txBody>
       </p:sp>
@@ -11698,7 +11366,7 @@
               </a:lnSpc>
             </a:pPr>
             <a:r>
-              <a:rPr lang="en-US" altLang="ko-KR" sz="1600" b="1" spc="-150" dirty="0" smtClean="0">
+              <a:rPr lang="en-US" altLang="ko-KR" sz="1600" b="1" spc="-150" dirty="0">
                 <a:solidFill>
                   <a:srgbClr val="000000"/>
                 </a:solidFill>
@@ -11707,7 +11375,7 @@
               <a:t>Ch07&gt;code</a:t>
             </a:r>
             <a:r>
-              <a:rPr lang="ko-KR" altLang="en-US" sz="1600" b="1" spc="-150" dirty="0" smtClean="0">
+              <a:rPr lang="ko-KR" altLang="en-US" sz="1600" b="1" spc="-150" dirty="0">
                 <a:solidFill>
                   <a:srgbClr val="000000"/>
                 </a:solidFill>
@@ -11722,16 +11390,7 @@
                 </a:solidFill>
                 <a:latin typeface="맑은 고딕" pitchFamily="50" charset="-127"/>
               </a:rPr>
-              <a:t>&gt; </a:t>
-            </a:r>
-            <a:r>
-              <a:rPr lang="en-US" altLang="ko-KR" sz="1600" b="1" spc="-150" dirty="0" smtClean="0">
-                <a:solidFill>
-                  <a:srgbClr val="000000"/>
-                </a:solidFill>
-                <a:latin typeface="맑은 고딕" pitchFamily="50" charset="-127"/>
-              </a:rPr>
-              <a:t>oop_objvar.py</a:t>
+              <a:t>&gt; oop_objvar.py</a:t>
             </a:r>
             <a:endParaRPr lang="ko-KR" altLang="en-US" sz="1600" b="1" spc="-150" dirty="0">
               <a:solidFill>
@@ -11768,7 +11427,7 @@
               <a:buChar char="ü"/>
             </a:pPr>
             <a:r>
-              <a:rPr lang="ko-KR" altLang="en-US" sz="1600" spc="-150" dirty="0" smtClean="0">
+              <a:rPr lang="ko-KR" altLang="en-US" sz="1600" spc="-150" dirty="0">
                 <a:ln w="0"/>
                 <a:effectLst>
                   <a:outerShdw blurRad="38100" dist="19050" dir="2700000" algn="tl" rotWithShape="0">
@@ -11781,7 +11440,7 @@
               <a:t>로봇의 인구인 </a:t>
             </a:r>
             <a:r>
-              <a:rPr lang="en-US" altLang="ko-KR" sz="1600" spc="-150" dirty="0" smtClean="0">
+              <a:rPr lang="en-US" altLang="ko-KR" sz="1600" spc="-150" dirty="0">
                 <a:ln w="0"/>
                 <a:effectLst>
                   <a:outerShdw blurRad="38100" dist="19050" dir="2700000" algn="tl" rotWithShape="0">
@@ -11794,7 +11453,7 @@
               <a:t>population</a:t>
             </a:r>
             <a:r>
-              <a:rPr lang="ko-KR" altLang="en-US" sz="1600" spc="-150" dirty="0" smtClean="0">
+              <a:rPr lang="ko-KR" altLang="en-US" sz="1600" spc="-150" dirty="0">
                 <a:ln w="0"/>
                 <a:effectLst>
                   <a:outerShdw blurRad="38100" dist="19050" dir="2700000" algn="tl" rotWithShape="0">
@@ -11806,7 +11465,7 @@
               </a:rPr>
               <a:t>이 어떻게 변화하는지 잘 살펴볼 것</a:t>
             </a:r>
-            <a:endParaRPr lang="en-US" altLang="ko-KR" sz="1600" spc="-150" dirty="0" smtClean="0">
+            <a:endParaRPr lang="en-US" altLang="ko-KR" sz="1600" spc="-150" dirty="0">
               <a:ln w="0"/>
               <a:effectLst>
                 <a:outerShdw blurRad="38100" dist="19050" dir="2700000" algn="tl" rotWithShape="0">
@@ -11874,7 +11533,175 @@
               </a:rPr>
               <a:t>. </a:t>
             </a:r>
-            <a:endParaRPr lang="en-US" altLang="ko-KR" sz="1600" spc="-150" dirty="0" smtClean="0">
+          </a:p>
+          <a:p>
+            <a:pPr marL="285750" indent="-285750">
+              <a:buFont typeface="Wingdings" panose="05000000000000000000" pitchFamily="2" charset="2"/>
+              <a:buChar char="ü"/>
+            </a:pPr>
+            <a:r>
+              <a:rPr lang="ko-KR" altLang="en-US" sz="1600" spc="-150" dirty="0">
+                <a:ln w="0"/>
+                <a:effectLst>
+                  <a:outerShdw blurRad="38100" dist="19050" dir="2700000" algn="tl" rotWithShape="0">
+                    <a:schemeClr val="dk1">
+                      <a:alpha val="40000"/>
+                    </a:schemeClr>
+                  </a:outerShdw>
+                </a:effectLst>
+              </a:rPr>
+              <a:t>클래스 변수 </a:t>
+            </a:r>
+            <a:r>
+              <a:rPr lang="en-US" altLang="ko-KR" sz="1600" spc="-150" dirty="0" err="1">
+                <a:ln w="0"/>
+                <a:effectLst>
+                  <a:outerShdw blurRad="38100" dist="19050" dir="2700000" algn="tl" rotWithShape="0">
+                    <a:schemeClr val="dk1">
+                      <a:alpha val="40000"/>
+                    </a:schemeClr>
+                  </a:outerShdw>
+                </a:effectLst>
+              </a:rPr>
+              <a:t>Robot.populcation</a:t>
+            </a:r>
+            <a:r>
+              <a:rPr lang="en-US" altLang="ko-KR" sz="1600" spc="-150" dirty="0">
+                <a:ln w="0"/>
+                <a:effectLst>
+                  <a:outerShdw blurRad="38100" dist="19050" dir="2700000" algn="tl" rotWithShape="0">
+                    <a:schemeClr val="dk1">
+                      <a:alpha val="40000"/>
+                    </a:schemeClr>
+                  </a:outerShdw>
+                </a:effectLst>
+              </a:rPr>
+              <a:t> = </a:t>
+            </a:r>
+            <a:r>
+              <a:rPr lang="en-US" altLang="ko-KR" sz="1600" spc="-150" dirty="0" err="1">
+                <a:ln w="0"/>
+                <a:effectLst>
+                  <a:outerShdw blurRad="38100" dist="19050" dir="2700000" algn="tl" rotWithShape="0">
+                    <a:schemeClr val="dk1">
+                      <a:alpha val="40000"/>
+                    </a:schemeClr>
+                  </a:outerShdw>
+                </a:effectLst>
+              </a:rPr>
+              <a:t>self.class.population</a:t>
+            </a:r>
+            <a:r>
+              <a:rPr lang="en-US" altLang="ko-KR" sz="1600" spc="-150" dirty="0">
+                <a:ln w="0"/>
+                <a:effectLst>
+                  <a:outerShdw blurRad="38100" dist="19050" dir="2700000" algn="tl" rotWithShape="0">
+                    <a:schemeClr val="dk1">
+                      <a:alpha val="40000"/>
+                    </a:schemeClr>
+                  </a:outerShdw>
+                </a:effectLst>
+              </a:rPr>
+              <a:t> (</a:t>
+            </a:r>
+            <a:r>
+              <a:rPr lang="ko-KR" altLang="en-US" sz="1600" spc="-150" dirty="0">
+                <a:ln w="0"/>
+                <a:effectLst>
+                  <a:outerShdw blurRad="38100" dist="19050" dir="2700000" algn="tl" rotWithShape="0">
+                    <a:schemeClr val="dk1">
+                      <a:alpha val="40000"/>
+                    </a:schemeClr>
+                  </a:outerShdw>
+                </a:effectLst>
+              </a:rPr>
+              <a:t>공유된다</a:t>
+            </a:r>
+            <a:r>
+              <a:rPr lang="en-US" altLang="ko-KR" sz="1600" spc="-150" dirty="0">
+                <a:ln w="0"/>
+                <a:effectLst>
+                  <a:outerShdw blurRad="38100" dist="19050" dir="2700000" algn="tl" rotWithShape="0">
+                    <a:schemeClr val="dk1">
+                      <a:alpha val="40000"/>
+                    </a:schemeClr>
+                  </a:outerShdw>
+                </a:effectLst>
+              </a:rPr>
+              <a:t>)</a:t>
+            </a:r>
+          </a:p>
+          <a:p>
+            <a:pPr marL="285750" indent="-285750">
+              <a:buFont typeface="Wingdings" panose="05000000000000000000" pitchFamily="2" charset="2"/>
+              <a:buChar char="ü"/>
+            </a:pPr>
+            <a:r>
+              <a:rPr lang="ko-KR" altLang="en-US" sz="1600" spc="-150" dirty="0">
+                <a:ln w="0"/>
+                <a:effectLst>
+                  <a:outerShdw blurRad="38100" dist="19050" dir="2700000" algn="tl" rotWithShape="0">
+                    <a:schemeClr val="dk1">
+                      <a:alpha val="40000"/>
+                    </a:schemeClr>
+                  </a:outerShdw>
+                </a:effectLst>
+              </a:rPr>
+              <a:t>클래스 </a:t>
+            </a:r>
+            <a:r>
+              <a:rPr lang="ko-KR" altLang="en-US" sz="1600" spc="-150" dirty="0" err="1">
+                <a:ln w="0"/>
+                <a:effectLst>
+                  <a:outerShdw blurRad="38100" dist="19050" dir="2700000" algn="tl" rotWithShape="0">
+                    <a:schemeClr val="dk1">
+                      <a:alpha val="40000"/>
+                    </a:schemeClr>
+                  </a:outerShdw>
+                </a:effectLst>
+              </a:rPr>
+              <a:t>메소드</a:t>
+            </a:r>
+            <a:r>
+              <a:rPr lang="ko-KR" altLang="en-US" sz="1600" spc="-150" dirty="0">
+                <a:ln w="0"/>
+                <a:effectLst>
+                  <a:outerShdw blurRad="38100" dist="19050" dir="2700000" algn="tl" rotWithShape="0">
+                    <a:schemeClr val="dk1">
+                      <a:alpha val="40000"/>
+                    </a:schemeClr>
+                  </a:outerShdw>
+                </a:effectLst>
+              </a:rPr>
+              <a:t> </a:t>
+            </a:r>
+            <a:r>
+              <a:rPr lang="en-US" altLang="ko-KR" sz="1600" spc="-150" dirty="0">
+                <a:ln w="0"/>
+                <a:effectLst>
+                  <a:outerShdw blurRad="38100" dist="19050" dir="2700000" algn="tl" rotWithShape="0">
+                    <a:schemeClr val="dk1">
+                      <a:alpha val="40000"/>
+                    </a:schemeClr>
+                  </a:outerShdw>
+                </a:effectLst>
+              </a:rPr>
+              <a:t>@</a:t>
+            </a:r>
+            <a:r>
+              <a:rPr lang="en-US" altLang="ko-KR" sz="1600" spc="-150" dirty="0" err="1">
+                <a:ln w="0"/>
+                <a:effectLst>
+                  <a:outerShdw blurRad="38100" dist="19050" dir="2700000" algn="tl" rotWithShape="0">
+                    <a:schemeClr val="dk1">
+                      <a:alpha val="40000"/>
+                    </a:schemeClr>
+                  </a:outerShdw>
+                </a:effectLst>
+              </a:rPr>
+              <a:t>classmethod</a:t>
+            </a:r>
+            <a:endParaRPr lang="en-US" altLang="ko-KR" sz="1600" spc="-150" dirty="0">
               <a:ln w="0"/>
               <a:effectLst>
                 <a:outerShdw blurRad="38100" dist="19050" dir="2700000" algn="tl" rotWithShape="0">
@@ -11901,20 +11728,7 @@
                   </a:outerShdw>
                 </a:effectLst>
               </a:rPr>
-              <a:t>클래스 변수 </a:t>
-            </a:r>
-            <a:r>
-              <a:rPr lang="en-US" altLang="ko-KR" sz="1600" spc="-150" dirty="0" err="1">
-                <a:ln w="0"/>
-                <a:effectLst>
-                  <a:outerShdw blurRad="38100" dist="19050" dir="2700000" algn="tl" rotWithShape="0">
-                    <a:schemeClr val="dk1">
-                      <a:alpha val="40000"/>
-                    </a:schemeClr>
-                  </a:outerShdw>
-                </a:effectLst>
-              </a:rPr>
-              <a:t>Robot.populcation</a:t>
+              <a:t>속성 참조 </a:t>
             </a:r>
             <a:r>
               <a:rPr lang="en-US" altLang="ko-KR" sz="1600" spc="-150" dirty="0">
@@ -11927,59 +11741,150 @@
                   </a:outerShdw>
                 </a:effectLst>
               </a:rPr>
-              <a:t> = </a:t>
-            </a:r>
-            <a:r>
-              <a:rPr lang="en-US" altLang="ko-KR" sz="1600" spc="-150" dirty="0" err="1" smtClean="0">
-                <a:ln w="0"/>
-                <a:effectLst>
-                  <a:outerShdw blurRad="38100" dist="19050" dir="2700000" algn="tl" rotWithShape="0">
-                    <a:schemeClr val="dk1">
-                      <a:alpha val="40000"/>
-                    </a:schemeClr>
-                  </a:outerShdw>
-                </a:effectLst>
-              </a:rPr>
-              <a:t>self.class.population</a:t>
-            </a:r>
-            <a:r>
-              <a:rPr lang="en-US" altLang="ko-KR" sz="1600" spc="-150" dirty="0" smtClean="0">
-                <a:ln w="0"/>
-                <a:effectLst>
-                  <a:outerShdw blurRad="38100" dist="19050" dir="2700000" algn="tl" rotWithShape="0">
-                    <a:schemeClr val="dk1">
-                      <a:alpha val="40000"/>
-                    </a:schemeClr>
-                  </a:outerShdw>
-                </a:effectLst>
-              </a:rPr>
-              <a:t> (</a:t>
-            </a:r>
-            <a:r>
-              <a:rPr lang="ko-KR" altLang="en-US" sz="1600" spc="-150" dirty="0" smtClean="0">
-                <a:ln w="0"/>
-                <a:effectLst>
-                  <a:outerShdw blurRad="38100" dist="19050" dir="2700000" algn="tl" rotWithShape="0">
-                    <a:schemeClr val="dk1">
-                      <a:alpha val="40000"/>
-                    </a:schemeClr>
-                  </a:outerShdw>
-                </a:effectLst>
-              </a:rPr>
-              <a:t>공유된다</a:t>
-            </a:r>
-            <a:r>
-              <a:rPr lang="en-US" altLang="ko-KR" sz="1600" spc="-150" dirty="0" smtClean="0">
-                <a:ln w="0"/>
-                <a:effectLst>
-                  <a:outerShdw blurRad="38100" dist="19050" dir="2700000" algn="tl" rotWithShape="0">
-                    <a:schemeClr val="dk1">
-                      <a:alpha val="40000"/>
-                    </a:schemeClr>
-                  </a:outerShdw>
-                </a:effectLst>
-              </a:rPr>
-              <a:t>)</a:t>
+              <a:t>(attribute reference) self </a:t>
+            </a:r>
+            <a:r>
+              <a:rPr lang="ko-KR" altLang="en-US" sz="1600" spc="-150" dirty="0">
+                <a:ln w="0"/>
+                <a:effectLst>
+                  <a:outerShdw blurRad="38100" dist="19050" dir="2700000" algn="tl" rotWithShape="0">
+                    <a:schemeClr val="dk1">
+                      <a:alpha val="40000"/>
+                    </a:schemeClr>
+                  </a:outerShdw>
+                </a:effectLst>
+              </a:rPr>
+              <a:t>사용해서 참조</a:t>
+            </a:r>
+            <a:r>
+              <a:rPr lang="en-US" altLang="ko-KR" sz="1600" spc="-150" dirty="0">
+                <a:ln w="0"/>
+                <a:effectLst>
+                  <a:outerShdw blurRad="38100" dist="19050" dir="2700000" algn="tl" rotWithShape="0">
+                    <a:schemeClr val="dk1">
+                      <a:alpha val="40000"/>
+                    </a:schemeClr>
+                  </a:outerShdw>
+                </a:effectLst>
+              </a:rPr>
+              <a:t>. </a:t>
+            </a:r>
+            <a:r>
+              <a:rPr lang="ko-KR" altLang="en-US" sz="1600" spc="-150" dirty="0">
+                <a:ln w="0"/>
+                <a:effectLst>
+                  <a:outerShdw blurRad="38100" dist="19050" dir="2700000" algn="tl" rotWithShape="0">
+                    <a:schemeClr val="dk1">
+                      <a:alpha val="40000"/>
+                    </a:schemeClr>
+                  </a:outerShdw>
+                </a:effectLst>
+              </a:rPr>
+              <a:t>객체 </a:t>
+            </a:r>
+            <a:r>
+              <a:rPr lang="ko-KR" altLang="en-US" sz="1600" spc="-150" dirty="0" err="1">
+                <a:ln w="0"/>
+                <a:effectLst>
+                  <a:outerShdw blurRad="38100" dist="19050" dir="2700000" algn="tl" rotWithShape="0">
+                    <a:schemeClr val="dk1">
+                      <a:alpha val="40000"/>
+                    </a:schemeClr>
+                  </a:outerShdw>
+                </a:effectLst>
+              </a:rPr>
+              <a:t>메소드</a:t>
+            </a:r>
+            <a:r>
+              <a:rPr lang="en-US" altLang="ko-KR" sz="1600" spc="-150" dirty="0">
+                <a:ln w="0"/>
+                <a:effectLst>
+                  <a:outerShdw blurRad="38100" dist="19050" dir="2700000" algn="tl" rotWithShape="0">
+                    <a:schemeClr val="dk1">
+                      <a:alpha val="40000"/>
+                    </a:schemeClr>
+                  </a:outerShdw>
+                </a:effectLst>
+              </a:rPr>
+              <a:t>, </a:t>
+            </a:r>
+            <a:r>
+              <a:rPr lang="ko-KR" altLang="en-US" sz="1600" spc="-150" dirty="0">
+                <a:ln w="0"/>
+                <a:effectLst>
+                  <a:outerShdw blurRad="38100" dist="19050" dir="2700000" algn="tl" rotWithShape="0">
+                    <a:schemeClr val="dk1">
+                      <a:alpha val="40000"/>
+                    </a:schemeClr>
+                  </a:outerShdw>
+                </a:effectLst>
+              </a:rPr>
+              <a:t>객체 변수 </a:t>
+            </a:r>
+            <a:r>
+              <a:rPr lang="en-US" altLang="ko-KR" sz="1600" spc="-150" dirty="0">
+                <a:ln w="0"/>
+                <a:effectLst>
+                  <a:outerShdw blurRad="38100" dist="19050" dir="2700000" algn="tl" rotWithShape="0">
+                    <a:schemeClr val="dk1">
+                      <a:alpha val="40000"/>
+                    </a:schemeClr>
+                  </a:outerShdw>
+                </a:effectLst>
+              </a:rPr>
+              <a:t>self.name </a:t>
+            </a:r>
+            <a:r>
+              <a:rPr lang="ko-KR" altLang="en-US" sz="1600" spc="-150" dirty="0">
+                <a:ln w="0"/>
+                <a:effectLst>
+                  <a:outerShdw blurRad="38100" dist="19050" dir="2700000" algn="tl" rotWithShape="0">
+                    <a:schemeClr val="dk1">
+                      <a:alpha val="40000"/>
+                    </a:schemeClr>
+                  </a:outerShdw>
+                </a:effectLst>
+              </a:rPr>
+              <a:t>각 객체나 </a:t>
+            </a:r>
+            <a:r>
+              <a:rPr lang="ko-KR" altLang="en-US" sz="1600" spc="-150" dirty="0" err="1">
+                <a:ln w="0"/>
+                <a:effectLst>
+                  <a:outerShdw blurRad="38100" dist="19050" dir="2700000" algn="tl" rotWithShape="0">
+                    <a:schemeClr val="dk1">
+                      <a:alpha val="40000"/>
+                    </a:schemeClr>
+                  </a:outerShdw>
+                </a:effectLst>
+              </a:rPr>
+              <a:t>인스턴스에</a:t>
+            </a:r>
+            <a:r>
+              <a:rPr lang="ko-KR" altLang="en-US" sz="1600" spc="-150" dirty="0">
+                <a:ln w="0"/>
+                <a:effectLst>
+                  <a:outerShdw blurRad="38100" dist="19050" dir="2700000" algn="tl" rotWithShape="0">
+                    <a:schemeClr val="dk1">
+                      <a:alpha val="40000"/>
+                    </a:schemeClr>
+                  </a:outerShdw>
+                </a:effectLst>
+              </a:rPr>
+              <a:t> 속해있다</a:t>
+            </a:r>
+            <a:r>
+              <a:rPr lang="en-US" altLang="ko-KR" sz="1600" spc="-150" dirty="0">
+                <a:ln w="0"/>
+                <a:effectLst>
+                  <a:outerShdw blurRad="38100" dist="19050" dir="2700000" algn="tl" rotWithShape="0">
+                    <a:schemeClr val="dk1">
+                      <a:alpha val="40000"/>
+                    </a:schemeClr>
+                  </a:outerShdw>
+                </a:effectLst>
+              </a:rPr>
+              <a:t>.</a:t>
             </a:r>
           </a:p>
           <a:p>
@@ -11998,7 +11903,33 @@
                   </a:outerShdw>
                 </a:effectLst>
               </a:rPr>
-              <a:t>클래스 </a:t>
+              <a:t>모든 클래스 멤버는 데이터 멤버를 포함하여 </a:t>
+            </a:r>
+            <a:r>
+              <a:rPr lang="en-US" altLang="ko-KR" sz="1600" spc="-150" dirty="0">
+                <a:ln w="0"/>
+                <a:effectLst>
+                  <a:outerShdw blurRad="38100" dist="19050" dir="2700000" algn="tl" rotWithShape="0">
+                    <a:schemeClr val="dk1">
+                      <a:alpha val="40000"/>
+                    </a:schemeClr>
+                  </a:outerShdw>
+                </a:effectLst>
+              </a:rPr>
+              <a:t>public</a:t>
+            </a:r>
+            <a:r>
+              <a:rPr lang="ko-KR" altLang="en-US" sz="1600" spc="-150" dirty="0">
+                <a:ln w="0"/>
+                <a:effectLst>
+                  <a:outerShdw blurRad="38100" dist="19050" dir="2700000" algn="tl" rotWithShape="0">
+                    <a:schemeClr val="dk1">
+                      <a:alpha val="40000"/>
+                    </a:schemeClr>
+                  </a:outerShdw>
+                </a:effectLst>
+              </a:rPr>
+              <a:t>이며 따라서 </a:t>
             </a:r>
             <a:r>
               <a:rPr lang="ko-KR" altLang="en-US" sz="1600" spc="-150" dirty="0" err="1">
@@ -12011,7 +11942,7 @@
                   </a:outerShdw>
                 </a:effectLst>
               </a:rPr>
-              <a:t>메소드</a:t>
+              <a:t>파이썬의</a:t>
             </a:r>
             <a:r>
               <a:rPr lang="ko-KR" altLang="en-US" sz="1600" spc="-150" dirty="0">
@@ -12024,6 +11955,32 @@
                   </a:outerShdw>
                 </a:effectLst>
               </a:rPr>
+              <a:t> 모든 </a:t>
+            </a:r>
+            <a:r>
+              <a:rPr lang="ko-KR" altLang="en-US" sz="1600" spc="-150" dirty="0" err="1">
+                <a:ln w="0"/>
+                <a:effectLst>
+                  <a:outerShdw blurRad="38100" dist="19050" dir="2700000" algn="tl" rotWithShape="0">
+                    <a:schemeClr val="dk1">
+                      <a:alpha val="40000"/>
+                    </a:schemeClr>
+                  </a:outerShdw>
+                </a:effectLst>
+              </a:rPr>
+              <a:t>메소드는</a:t>
+            </a:r>
+            <a:r>
+              <a:rPr lang="ko-KR" altLang="en-US" sz="1600" spc="-150" dirty="0">
+                <a:ln w="0"/>
+                <a:effectLst>
+                  <a:outerShdw blurRad="38100" dist="19050" dir="2700000" algn="tl" rotWithShape="0">
+                    <a:schemeClr val="dk1">
+                      <a:alpha val="40000"/>
+                    </a:schemeClr>
+                  </a:outerShdw>
+                </a:effectLst>
+              </a:rPr>
               <a:t> </a:t>
             </a:r>
             <a:r>
@@ -12037,127 +11994,7 @@
                   </a:outerShdw>
                 </a:effectLst>
               </a:rPr>
-              <a:t>@</a:t>
-            </a:r>
-            <a:r>
-              <a:rPr lang="en-US" altLang="ko-KR" sz="1600" spc="-150" dirty="0" err="1" smtClean="0">
-                <a:ln w="0"/>
-                <a:effectLst>
-                  <a:outerShdw blurRad="38100" dist="19050" dir="2700000" algn="tl" rotWithShape="0">
-                    <a:schemeClr val="dk1">
-                      <a:alpha val="40000"/>
-                    </a:schemeClr>
-                  </a:outerShdw>
-                </a:effectLst>
-              </a:rPr>
-              <a:t>classmethod</a:t>
-            </a:r>
-            <a:endParaRPr lang="en-US" altLang="ko-KR" sz="1600" spc="-150" dirty="0" smtClean="0">
-              <a:ln w="0"/>
-              <a:effectLst>
-                <a:outerShdw blurRad="38100" dist="19050" dir="2700000" algn="tl" rotWithShape="0">
-                  <a:schemeClr val="dk1">
-                    <a:alpha val="40000"/>
-                  </a:schemeClr>
-                </a:outerShdw>
-              </a:effectLst>
-            </a:endParaRPr>
-          </a:p>
-          <a:p>
-            <a:pPr marL="285750" indent="-285750">
-              <a:buFont typeface="Wingdings" panose="05000000000000000000" pitchFamily="2" charset="2"/>
-              <a:buChar char="ü"/>
-            </a:pPr>
-            <a:r>
-              <a:rPr lang="ko-KR" altLang="en-US" sz="1600" spc="-150" dirty="0" smtClean="0">
-                <a:ln w="0"/>
-                <a:effectLst>
-                  <a:outerShdw blurRad="38100" dist="19050" dir="2700000" algn="tl" rotWithShape="0">
-                    <a:schemeClr val="dk1">
-                      <a:alpha val="40000"/>
-                    </a:schemeClr>
-                  </a:outerShdw>
-                </a:effectLst>
-              </a:rPr>
-              <a:t>속성 참조 </a:t>
-            </a:r>
-            <a:r>
-              <a:rPr lang="en-US" altLang="ko-KR" sz="1600" spc="-150" dirty="0" smtClean="0">
-                <a:ln w="0"/>
-                <a:effectLst>
-                  <a:outerShdw blurRad="38100" dist="19050" dir="2700000" algn="tl" rotWithShape="0">
-                    <a:schemeClr val="dk1">
-                      <a:alpha val="40000"/>
-                    </a:schemeClr>
-                  </a:outerShdw>
-                </a:effectLst>
-              </a:rPr>
-              <a:t>(attribute reference) self </a:t>
-            </a:r>
-            <a:r>
-              <a:rPr lang="ko-KR" altLang="en-US" sz="1600" spc="-150" dirty="0" smtClean="0">
-                <a:ln w="0"/>
-                <a:effectLst>
-                  <a:outerShdw blurRad="38100" dist="19050" dir="2700000" algn="tl" rotWithShape="0">
-                    <a:schemeClr val="dk1">
-                      <a:alpha val="40000"/>
-                    </a:schemeClr>
-                  </a:outerShdw>
-                </a:effectLst>
-              </a:rPr>
-              <a:t>사용해서 참조</a:t>
-            </a:r>
-            <a:r>
-              <a:rPr lang="en-US" altLang="ko-KR" sz="1600" spc="-150" dirty="0" smtClean="0">
-                <a:ln w="0"/>
-                <a:effectLst>
-                  <a:outerShdw blurRad="38100" dist="19050" dir="2700000" algn="tl" rotWithShape="0">
-                    <a:schemeClr val="dk1">
-                      <a:alpha val="40000"/>
-                    </a:schemeClr>
-                  </a:outerShdw>
-                </a:effectLst>
-              </a:rPr>
-              <a:t>. </a:t>
-            </a:r>
-            <a:r>
-              <a:rPr lang="ko-KR" altLang="en-US" sz="1600" spc="-150" dirty="0" smtClean="0">
-                <a:ln w="0"/>
-                <a:effectLst>
-                  <a:outerShdw blurRad="38100" dist="19050" dir="2700000" algn="tl" rotWithShape="0">
-                    <a:schemeClr val="dk1">
-                      <a:alpha val="40000"/>
-                    </a:schemeClr>
-                  </a:outerShdw>
-                </a:effectLst>
-              </a:rPr>
-              <a:t>객체 </a:t>
-            </a:r>
-            <a:r>
-              <a:rPr lang="ko-KR" altLang="en-US" sz="1600" spc="-150" dirty="0" err="1" smtClean="0">
-                <a:ln w="0"/>
-                <a:effectLst>
-                  <a:outerShdw blurRad="38100" dist="19050" dir="2700000" algn="tl" rotWithShape="0">
-                    <a:schemeClr val="dk1">
-                      <a:alpha val="40000"/>
-                    </a:schemeClr>
-                  </a:outerShdw>
-                </a:effectLst>
-              </a:rPr>
-              <a:t>메소드</a:t>
-            </a:r>
-            <a:r>
-              <a:rPr lang="en-US" altLang="ko-KR" sz="1600" spc="-150" dirty="0" smtClean="0">
-                <a:ln w="0"/>
-                <a:effectLst>
-                  <a:outerShdw blurRad="38100" dist="19050" dir="2700000" algn="tl" rotWithShape="0">
-                    <a:schemeClr val="dk1">
-                      <a:alpha val="40000"/>
-                    </a:schemeClr>
-                  </a:outerShdw>
-                </a:effectLst>
-              </a:rPr>
-              <a:t>, </a:t>
+              <a:t>virtual </a:t>
             </a:r>
             <a:r>
               <a:rPr lang="ko-KR" altLang="en-US" sz="1600" spc="-150" dirty="0">
@@ -12170,197 +12007,9 @@
                   </a:outerShdw>
                 </a:effectLst>
               </a:rPr>
-              <a:t>객체 변수 </a:t>
-            </a:r>
-            <a:r>
-              <a:rPr lang="en-US" altLang="ko-KR" sz="1600" spc="-150" dirty="0" smtClean="0">
-                <a:ln w="0"/>
-                <a:effectLst>
-                  <a:outerShdw blurRad="38100" dist="19050" dir="2700000" algn="tl" rotWithShape="0">
-                    <a:schemeClr val="dk1">
-                      <a:alpha val="40000"/>
-                    </a:schemeClr>
-                  </a:outerShdw>
-                </a:effectLst>
-              </a:rPr>
-              <a:t>self.name </a:t>
-            </a:r>
-            <a:r>
-              <a:rPr lang="ko-KR" altLang="en-US" sz="1600" spc="-150" dirty="0" smtClean="0">
-                <a:ln w="0"/>
-                <a:effectLst>
-                  <a:outerShdw blurRad="38100" dist="19050" dir="2700000" algn="tl" rotWithShape="0">
-                    <a:schemeClr val="dk1">
-                      <a:alpha val="40000"/>
-                    </a:schemeClr>
-                  </a:outerShdw>
-                </a:effectLst>
-              </a:rPr>
-              <a:t>각 객체나 </a:t>
-            </a:r>
-            <a:r>
-              <a:rPr lang="ko-KR" altLang="en-US" sz="1600" spc="-150" dirty="0" err="1" smtClean="0">
-                <a:ln w="0"/>
-                <a:effectLst>
-                  <a:outerShdw blurRad="38100" dist="19050" dir="2700000" algn="tl" rotWithShape="0">
-                    <a:schemeClr val="dk1">
-                      <a:alpha val="40000"/>
-                    </a:schemeClr>
-                  </a:outerShdw>
-                </a:effectLst>
-              </a:rPr>
-              <a:t>인스턴스에</a:t>
-            </a:r>
-            <a:r>
-              <a:rPr lang="ko-KR" altLang="en-US" sz="1600" spc="-150" dirty="0" smtClean="0">
-                <a:ln w="0"/>
-                <a:effectLst>
-                  <a:outerShdw blurRad="38100" dist="19050" dir="2700000" algn="tl" rotWithShape="0">
-                    <a:schemeClr val="dk1">
-                      <a:alpha val="40000"/>
-                    </a:schemeClr>
-                  </a:outerShdw>
-                </a:effectLst>
-              </a:rPr>
-              <a:t> 속해있다</a:t>
-            </a:r>
-            <a:r>
-              <a:rPr lang="en-US" altLang="ko-KR" sz="1600" spc="-150" dirty="0" smtClean="0">
-                <a:ln w="0"/>
-                <a:effectLst>
-                  <a:outerShdw blurRad="38100" dist="19050" dir="2700000" algn="tl" rotWithShape="0">
-                    <a:schemeClr val="dk1">
-                      <a:alpha val="40000"/>
-                    </a:schemeClr>
-                  </a:outerShdw>
-                </a:effectLst>
-              </a:rPr>
-              <a:t>.</a:t>
-            </a:r>
-          </a:p>
-          <a:p>
-            <a:pPr marL="285750" indent="-285750">
-              <a:buFont typeface="Wingdings" panose="05000000000000000000" pitchFamily="2" charset="2"/>
-              <a:buChar char="ü"/>
-            </a:pPr>
-            <a:r>
-              <a:rPr lang="ko-KR" altLang="en-US" sz="1600" spc="-150" dirty="0">
-                <a:ln w="0"/>
-                <a:effectLst>
-                  <a:outerShdw blurRad="38100" dist="19050" dir="2700000" algn="tl" rotWithShape="0">
-                    <a:schemeClr val="dk1">
-                      <a:alpha val="40000"/>
-                    </a:schemeClr>
-                  </a:outerShdw>
-                </a:effectLst>
-              </a:rPr>
-              <a:t>모든 클래스 멤버는 데이터 멤버를 포함하여 </a:t>
-            </a:r>
-            <a:r>
-              <a:rPr lang="en-US" altLang="ko-KR" sz="1600" spc="-150" dirty="0">
-                <a:ln w="0"/>
-                <a:effectLst>
-                  <a:outerShdw blurRad="38100" dist="19050" dir="2700000" algn="tl" rotWithShape="0">
-                    <a:schemeClr val="dk1">
-                      <a:alpha val="40000"/>
-                    </a:schemeClr>
-                  </a:outerShdw>
-                </a:effectLst>
-              </a:rPr>
-              <a:t>public</a:t>
-            </a:r>
-            <a:r>
-              <a:rPr lang="ko-KR" altLang="en-US" sz="1600" spc="-150" dirty="0">
-                <a:ln w="0"/>
-                <a:effectLst>
-                  <a:outerShdw blurRad="38100" dist="19050" dir="2700000" algn="tl" rotWithShape="0">
-                    <a:schemeClr val="dk1">
-                      <a:alpha val="40000"/>
-                    </a:schemeClr>
-                  </a:outerShdw>
-                </a:effectLst>
-              </a:rPr>
-              <a:t>이며 따라서 </a:t>
-            </a:r>
-            <a:r>
-              <a:rPr lang="ko-KR" altLang="en-US" sz="1600" spc="-150" dirty="0" err="1">
-                <a:ln w="0"/>
-                <a:effectLst>
-                  <a:outerShdw blurRad="38100" dist="19050" dir="2700000" algn="tl" rotWithShape="0">
-                    <a:schemeClr val="dk1">
-                      <a:alpha val="40000"/>
-                    </a:schemeClr>
-                  </a:outerShdw>
-                </a:effectLst>
-              </a:rPr>
-              <a:t>파이썬의</a:t>
-            </a:r>
-            <a:r>
-              <a:rPr lang="ko-KR" altLang="en-US" sz="1600" spc="-150" dirty="0">
-                <a:ln w="0"/>
-                <a:effectLst>
-                  <a:outerShdw blurRad="38100" dist="19050" dir="2700000" algn="tl" rotWithShape="0">
-                    <a:schemeClr val="dk1">
-                      <a:alpha val="40000"/>
-                    </a:schemeClr>
-                  </a:outerShdw>
-                </a:effectLst>
-              </a:rPr>
-              <a:t> 모든 </a:t>
-            </a:r>
-            <a:r>
-              <a:rPr lang="ko-KR" altLang="en-US" sz="1600" spc="-150" dirty="0" err="1">
-                <a:ln w="0"/>
-                <a:effectLst>
-                  <a:outerShdw blurRad="38100" dist="19050" dir="2700000" algn="tl" rotWithShape="0">
-                    <a:schemeClr val="dk1">
-                      <a:alpha val="40000"/>
-                    </a:schemeClr>
-                  </a:outerShdw>
-                </a:effectLst>
-              </a:rPr>
-              <a:t>메소드는</a:t>
-            </a:r>
-            <a:r>
-              <a:rPr lang="ko-KR" altLang="en-US" sz="1600" spc="-150" dirty="0">
-                <a:ln w="0"/>
-                <a:effectLst>
-                  <a:outerShdw blurRad="38100" dist="19050" dir="2700000" algn="tl" rotWithShape="0">
-                    <a:schemeClr val="dk1">
-                      <a:alpha val="40000"/>
-                    </a:schemeClr>
-                  </a:outerShdw>
-                </a:effectLst>
-              </a:rPr>
-              <a:t> </a:t>
-            </a:r>
-            <a:r>
-              <a:rPr lang="en-US" altLang="ko-KR" sz="1600" spc="-150" dirty="0">
-                <a:ln w="0"/>
-                <a:effectLst>
-                  <a:outerShdw blurRad="38100" dist="19050" dir="2700000" algn="tl" rotWithShape="0">
-                    <a:schemeClr val="dk1">
-                      <a:alpha val="40000"/>
-                    </a:schemeClr>
-                  </a:outerShdw>
-                </a:effectLst>
-              </a:rPr>
-              <a:t>virtual </a:t>
-            </a:r>
-            <a:r>
-              <a:rPr lang="ko-KR" altLang="en-US" sz="1600" spc="-150" dirty="0">
-                <a:ln w="0"/>
-                <a:effectLst>
-                  <a:outerShdw blurRad="38100" dist="19050" dir="2700000" algn="tl" rotWithShape="0">
-                    <a:schemeClr val="dk1">
-                      <a:alpha val="40000"/>
-                    </a:schemeClr>
-                  </a:outerShdw>
-                </a:effectLst>
-              </a:rPr>
               <a:t>임</a:t>
             </a:r>
-            <a:endParaRPr lang="en-US" altLang="ko-KR" sz="1600" spc="-150" dirty="0" smtClean="0">
+            <a:endParaRPr lang="en-US" altLang="ko-KR" sz="1600" spc="-150" dirty="0">
               <a:ln w="0"/>
               <a:effectLst>
                 <a:outerShdw blurRad="38100" dist="19050" dir="2700000" algn="tl" rotWithShape="0">
@@ -12441,20 +12090,13 @@
     </p:spTree>
     <p:extLst>
       <p:ext uri="{BB962C8B-B14F-4D97-AF65-F5344CB8AC3E}">
-        <p14:creationId xmlns:p14="http://schemas.microsoft.com/office/powerpoint/2010/main" xmlns="" val="1390030114"/>
+        <p14:creationId xmlns:p14="http://schemas.microsoft.com/office/powerpoint/2010/main" val="1390030114"/>
       </p:ext>
     </p:extLst>
   </p:cSld>
   <p:clrMapOvr>
     <a:masterClrMapping/>
   </p:clrMapOvr>
-  <p:timing>
-    <p:tnLst>
-      <p:par>
-        <p:cTn id="1" dur="indefinite" restart="never" nodeType="tmRoot"/>
-      </p:par>
-    </p:tnLst>
-  </p:timing>
 </p:sld>
 </file>
 
@@ -12536,7 +12178,7 @@
           <a:p>
             <a:pPr algn="l"/>
             <a:r>
-              <a:rPr lang="en-US" altLang="ko-KR" sz="2400" b="1" spc="-150" dirty="0" smtClean="0">
+              <a:rPr lang="en-US" altLang="ko-KR" sz="2400" b="1" spc="-150" dirty="0">
                 <a:solidFill>
                   <a:schemeClr val="accent4">
                     <a:lumMod val="50000"/>
@@ -12654,7 +12296,7 @@
           <a:p>
             <a:pPr algn="ctr"/>
             <a:r>
-              <a:rPr lang="en-US" altLang="ko-KR" sz="1000" dirty="0" smtClean="0">
+              <a:rPr lang="en-US" altLang="ko-KR" sz="1000" dirty="0">
                 <a:solidFill>
                   <a:schemeClr val="bg1"/>
                 </a:solidFill>
@@ -12662,7 +12304,7 @@
               <a:t>2016 </a:t>
             </a:r>
             <a:r>
-              <a:rPr lang="ko-KR" altLang="en-US" sz="1000" dirty="0" smtClean="0">
+              <a:rPr lang="ko-KR" altLang="en-US" sz="1000" dirty="0">
                 <a:solidFill>
                   <a:schemeClr val="bg1"/>
                 </a:solidFill>
@@ -12670,7 +12312,7 @@
               <a:t>중앙대학교</a:t>
             </a:r>
             <a:r>
-              <a:rPr lang="en-US" sz="1000" dirty="0" smtClean="0">
+              <a:rPr lang="en-US" sz="1000" dirty="0">
                 <a:solidFill>
                   <a:schemeClr val="bg1"/>
                 </a:solidFill>
@@ -12678,7 +12320,7 @@
               <a:t> Python </a:t>
             </a:r>
             <a:r>
-              <a:rPr lang="ko-KR" altLang="en-US" sz="1000" dirty="0" smtClean="0">
+              <a:rPr lang="ko-KR" altLang="en-US" sz="1000" dirty="0">
                 <a:solidFill>
                   <a:schemeClr val="bg1"/>
                 </a:solidFill>
@@ -12717,7 +12359,7 @@
           <a:p>
             <a:pPr algn="r"/>
             <a:r>
-              <a:rPr lang="en-US" altLang="ko-KR" sz="800" b="1" spc="-30" dirty="0" smtClean="0">
+              <a:rPr lang="en-US" altLang="ko-KR" sz="800" b="1" spc="-30" dirty="0">
                 <a:solidFill>
                   <a:schemeClr val="bg1"/>
                 </a:solidFill>
@@ -12738,7 +12380,7 @@
               <a:t>16</a:t>
             </a:fld>
             <a:r>
-              <a:rPr lang="en-US" altLang="ko-KR" sz="800" b="1" spc="-30" dirty="0" smtClean="0">
+              <a:rPr lang="en-US" altLang="ko-KR" sz="800" b="1" spc="-30" dirty="0">
                 <a:solidFill>
                   <a:schemeClr val="bg1"/>
                 </a:solidFill>
@@ -12747,13 +12389,6 @@
               </a:rPr>
               <a:t> -</a:t>
             </a:r>
-            <a:endParaRPr lang="en-US" altLang="ko-KR" sz="800" b="1" spc="-30" dirty="0">
-              <a:solidFill>
-                <a:schemeClr val="bg1"/>
-              </a:solidFill>
-              <a:latin typeface="맑은 고딕" panose="020B0503020000020004" pitchFamily="50" charset="-127"/>
-              <a:ea typeface="맑은 고딕" panose="020B0503020000020004" pitchFamily="50" charset="-127"/>
-            </a:endParaRPr>
           </a:p>
         </p:txBody>
       </p:sp>
@@ -12808,7 +12443,7 @@
               </a:lnSpc>
             </a:pPr>
             <a:r>
-              <a:rPr lang="en-US" altLang="ko-KR" sz="1600" b="1" spc="-150" dirty="0" smtClean="0">
+              <a:rPr lang="en-US" altLang="ko-KR" sz="1600" b="1" spc="-150" dirty="0">
                 <a:solidFill>
                   <a:srgbClr val="000000"/>
                 </a:solidFill>
@@ -12817,7 +12452,7 @@
               <a:t>Ch07&gt;code</a:t>
             </a:r>
             <a:r>
-              <a:rPr lang="ko-KR" altLang="en-US" sz="1600" b="1" spc="-150" dirty="0" smtClean="0">
+              <a:rPr lang="ko-KR" altLang="en-US" sz="1600" b="1" spc="-150" dirty="0">
                 <a:solidFill>
                   <a:srgbClr val="000000"/>
                 </a:solidFill>
@@ -12832,16 +12467,7 @@
                 </a:solidFill>
                 <a:latin typeface="맑은 고딕" pitchFamily="50" charset="-127"/>
               </a:rPr>
-              <a:t>&gt; </a:t>
-            </a:r>
-            <a:r>
-              <a:rPr lang="en-US" altLang="ko-KR" sz="1600" b="1" spc="-150" dirty="0" smtClean="0">
-                <a:solidFill>
-                  <a:srgbClr val="000000"/>
-                </a:solidFill>
-                <a:latin typeface="맑은 고딕" pitchFamily="50" charset="-127"/>
-              </a:rPr>
-              <a:t>oop_subclass.py</a:t>
+              <a:t>&gt; oop_subclass.py</a:t>
             </a:r>
             <a:endParaRPr lang="ko-KR" altLang="en-US" sz="1600" b="1" spc="-150" dirty="0">
               <a:solidFill>
@@ -12878,7 +12504,7 @@
               <a:buChar char="ü"/>
             </a:pPr>
             <a:r>
-              <a:rPr lang="ko-KR" altLang="en-US" sz="1600" spc="-150" dirty="0" smtClean="0">
+              <a:rPr lang="ko-KR" altLang="en-US" sz="1600" spc="-150" dirty="0">
                 <a:ln w="0"/>
                 <a:effectLst>
                   <a:outerShdw blurRad="38100" dist="19050" dir="2700000" algn="tl" rotWithShape="0">
@@ -12891,7 +12517,7 @@
               <a:t>상속 </a:t>
             </a:r>
             <a:r>
-              <a:rPr lang="en-US" altLang="ko-KR" sz="1600" spc="-150" dirty="0" smtClean="0">
+              <a:rPr lang="en-US" altLang="ko-KR" sz="1600" spc="-150" dirty="0">
                 <a:ln w="0"/>
                 <a:effectLst>
                   <a:outerShdw blurRad="38100" dist="19050" dir="2700000" algn="tl" rotWithShape="0">
@@ -12904,7 +12530,7 @@
               <a:t>: </a:t>
             </a:r>
             <a:r>
-              <a:rPr lang="ko-KR" altLang="en-US" sz="1600" spc="-150" dirty="0" smtClean="0">
+              <a:rPr lang="ko-KR" altLang="en-US" sz="1600" spc="-150" dirty="0">
                 <a:ln w="0"/>
                 <a:effectLst>
                   <a:outerShdw blurRad="38100" dist="19050" dir="2700000" algn="tl" rotWithShape="0">
@@ -12917,7 +12543,7 @@
               <a:t>코드 재사용 </a:t>
             </a:r>
             <a:r>
-              <a:rPr lang="en-US" altLang="ko-KR" sz="1600" spc="-150" dirty="0" smtClean="0">
+              <a:rPr lang="en-US" altLang="ko-KR" sz="1600" spc="-150" dirty="0">
                 <a:ln w="0"/>
                 <a:effectLst>
                   <a:outerShdw blurRad="38100" dist="19050" dir="2700000" algn="tl" rotWithShape="0">
@@ -12930,7 +12556,7 @@
               <a:t>(</a:t>
             </a:r>
             <a:r>
-              <a:rPr lang="ko-KR" altLang="en-US" sz="1600" spc="-150" dirty="0" smtClean="0">
+              <a:rPr lang="ko-KR" altLang="en-US" sz="1600" spc="-150" dirty="0">
                 <a:ln w="0"/>
                 <a:effectLst>
                   <a:outerShdw blurRad="38100" dist="19050" dir="2700000" algn="tl" rotWithShape="0">
@@ -12943,7 +12569,7 @@
               <a:t>캡슐화</a:t>
             </a:r>
             <a:r>
-              <a:rPr lang="en-US" altLang="ko-KR" sz="1600" spc="-150" dirty="0" smtClean="0">
+              <a:rPr lang="en-US" altLang="ko-KR" sz="1600" spc="-150" dirty="0">
                 <a:ln w="0"/>
                 <a:effectLst>
                   <a:outerShdw blurRad="38100" dist="19050" dir="2700000" algn="tl" rotWithShape="0">
@@ -13024,22 +12650,9 @@
                   </a:outerShdw>
                 </a:effectLst>
               </a:rPr>
-              <a:t>슈퍼 </a:t>
-            </a:r>
-            <a:r>
-              <a:rPr lang="ko-KR" altLang="en-US" sz="1600" spc="-150" dirty="0" smtClean="0">
-                <a:ln w="0"/>
-                <a:effectLst>
-                  <a:outerShdw blurRad="38100" dist="19050" dir="2700000" algn="tl" rotWithShape="0">
-                    <a:schemeClr val="dk1">
-                      <a:alpha val="40000"/>
-                    </a:schemeClr>
-                  </a:outerShdw>
-                </a:effectLst>
-              </a:rPr>
-              <a:t>클래스</a:t>
-            </a:r>
-            <a:endParaRPr lang="en-US" altLang="ko-KR" sz="1600" spc="-150" dirty="0" smtClean="0">
+              <a:t>슈퍼 클래스</a:t>
+            </a:r>
+            <a:endParaRPr lang="en-US" altLang="ko-KR" sz="1600" spc="-150" dirty="0">
               <a:ln w="0"/>
               <a:effectLst>
                 <a:outerShdw blurRad="38100" dist="19050" dir="2700000" algn="tl" rotWithShape="0">
@@ -13107,7 +12720,7 @@
               </a:rPr>
               <a:t>서브 클래스 </a:t>
             </a:r>
-            <a:endParaRPr lang="en-US" altLang="ko-KR" sz="1600" spc="-150" dirty="0" smtClean="0">
+            <a:endParaRPr lang="en-US" altLang="ko-KR" sz="1600" spc="-150" dirty="0">
               <a:ln w="0"/>
               <a:effectLst>
                 <a:outerShdw blurRad="38100" dist="19050" dir="2700000" algn="tl" rotWithShape="0">
@@ -13124,7 +12737,7 @@
               <a:buChar char="ü"/>
             </a:pPr>
             <a:r>
-              <a:rPr lang="ko-KR" altLang="en-US" sz="1600" spc="-150" dirty="0" smtClean="0">
+              <a:rPr lang="ko-KR" altLang="en-US" sz="1600" spc="-150" dirty="0">
                 <a:ln w="0"/>
                 <a:effectLst>
                   <a:outerShdw blurRad="38100" dist="19050" dir="2700000" algn="tl" rotWithShape="0">
@@ -13137,7 +12750,7 @@
               <a:t>다중상속 </a:t>
             </a:r>
             <a:r>
-              <a:rPr lang="en-US" altLang="ko-KR" sz="1600" spc="-150" dirty="0" smtClean="0">
+              <a:rPr lang="en-US" altLang="ko-KR" sz="1600" spc="-150" dirty="0">
                 <a:ln w="0"/>
                 <a:effectLst>
                   <a:outerShdw blurRad="38100" dist="19050" dir="2700000" algn="tl" rotWithShape="0">
@@ -13253,20 +12866,13 @@
     </p:spTree>
     <p:extLst>
       <p:ext uri="{BB962C8B-B14F-4D97-AF65-F5344CB8AC3E}">
-        <p14:creationId xmlns:p14="http://schemas.microsoft.com/office/powerpoint/2010/main" xmlns="" val="1964042085"/>
+        <p14:creationId xmlns:p14="http://schemas.microsoft.com/office/powerpoint/2010/main" val="1964042085"/>
       </p:ext>
     </p:extLst>
   </p:cSld>
   <p:clrMapOvr>
     <a:masterClrMapping/>
   </p:clrMapOvr>
-  <p:timing>
-    <p:tnLst>
-      <p:par>
-        <p:cTn id="1" dur="indefinite" restart="never" nodeType="tmRoot"/>
-      </p:par>
-    </p:tnLst>
-  </p:timing>
 </p:sld>
 </file>
 
@@ -13348,7 +12954,7 @@
           <a:p>
             <a:pPr algn="l"/>
             <a:r>
-              <a:rPr lang="en-US" altLang="ko-KR" sz="2400" b="1" spc="-150" dirty="0" smtClean="0">
+              <a:rPr lang="en-US" altLang="ko-KR" sz="2400" b="1" spc="-150" dirty="0">
                 <a:solidFill>
                   <a:schemeClr val="accent4">
                     <a:lumMod val="50000"/>
@@ -13466,7 +13072,7 @@
           <a:p>
             <a:pPr algn="ctr"/>
             <a:r>
-              <a:rPr lang="en-US" altLang="ko-KR" sz="1000" dirty="0" smtClean="0">
+              <a:rPr lang="en-US" altLang="ko-KR" sz="1000" dirty="0">
                 <a:solidFill>
                   <a:schemeClr val="bg1"/>
                 </a:solidFill>
@@ -13474,7 +13080,7 @@
               <a:t>2016 </a:t>
             </a:r>
             <a:r>
-              <a:rPr lang="ko-KR" altLang="en-US" sz="1000" dirty="0" smtClean="0">
+              <a:rPr lang="ko-KR" altLang="en-US" sz="1000" dirty="0">
                 <a:solidFill>
                   <a:schemeClr val="bg1"/>
                 </a:solidFill>
@@ -13482,7 +13088,7 @@
               <a:t>중앙대학교</a:t>
             </a:r>
             <a:r>
-              <a:rPr lang="en-US" sz="1000" dirty="0" smtClean="0">
+              <a:rPr lang="en-US" sz="1000" dirty="0">
                 <a:solidFill>
                   <a:schemeClr val="bg1"/>
                 </a:solidFill>
@@ -13490,7 +13096,7 @@
               <a:t> Python </a:t>
             </a:r>
             <a:r>
-              <a:rPr lang="ko-KR" altLang="en-US" sz="1000" dirty="0" smtClean="0">
+              <a:rPr lang="ko-KR" altLang="en-US" sz="1000" dirty="0">
                 <a:solidFill>
                   <a:schemeClr val="bg1"/>
                 </a:solidFill>
@@ -13529,7 +13135,7 @@
           <a:p>
             <a:pPr algn="r"/>
             <a:r>
-              <a:rPr lang="en-US" altLang="ko-KR" sz="800" b="1" spc="-30" dirty="0" smtClean="0">
+              <a:rPr lang="en-US" altLang="ko-KR" sz="800" b="1" spc="-30" dirty="0">
                 <a:solidFill>
                   <a:schemeClr val="bg1"/>
                 </a:solidFill>
@@ -13550,7 +13156,7 @@
               <a:t>17</a:t>
             </a:fld>
             <a:r>
-              <a:rPr lang="en-US" altLang="ko-KR" sz="800" b="1" spc="-30" dirty="0" smtClean="0">
+              <a:rPr lang="en-US" altLang="ko-KR" sz="800" b="1" spc="-30" dirty="0">
                 <a:solidFill>
                   <a:schemeClr val="bg1"/>
                 </a:solidFill>
@@ -13559,13 +13165,6 @@
               </a:rPr>
               <a:t> -</a:t>
             </a:r>
-            <a:endParaRPr lang="en-US" altLang="ko-KR" sz="800" b="1" spc="-30" dirty="0">
-              <a:solidFill>
-                <a:schemeClr val="bg1"/>
-              </a:solidFill>
-              <a:latin typeface="맑은 고딕" panose="020B0503020000020004" pitchFamily="50" charset="-127"/>
-              <a:ea typeface="맑은 고딕" panose="020B0503020000020004" pitchFamily="50" charset="-127"/>
-            </a:endParaRPr>
           </a:p>
         </p:txBody>
       </p:sp>
@@ -13620,7 +13219,7 @@
               </a:lnSpc>
             </a:pPr>
             <a:r>
-              <a:rPr lang="en-US" altLang="ko-KR" sz="1600" b="1" spc="-150" dirty="0" smtClean="0">
+              <a:rPr lang="en-US" altLang="ko-KR" sz="1600" b="1" spc="-150" dirty="0">
                 <a:solidFill>
                   <a:srgbClr val="000000"/>
                 </a:solidFill>
@@ -13629,7 +13228,7 @@
               <a:t>Ch07&gt;code</a:t>
             </a:r>
             <a:r>
-              <a:rPr lang="ko-KR" altLang="en-US" sz="1600" b="1" spc="-150" dirty="0" smtClean="0">
+              <a:rPr lang="ko-KR" altLang="en-US" sz="1600" b="1" spc="-150" dirty="0">
                 <a:solidFill>
                   <a:srgbClr val="000000"/>
                 </a:solidFill>
@@ -13681,7 +13280,7 @@
               <a:buChar char="ü"/>
             </a:pPr>
             <a:r>
-              <a:rPr lang="ko-KR" altLang="en-US" sz="1600" spc="-150" dirty="0" smtClean="0">
+              <a:rPr lang="ko-KR" altLang="en-US" sz="1600" spc="-150" dirty="0">
                 <a:ln w="0"/>
                 <a:effectLst>
                   <a:outerShdw blurRad="38100" dist="19050" dir="2700000" algn="tl" rotWithShape="0">
@@ -13694,7 +13293,7 @@
               <a:t>다중상속 </a:t>
             </a:r>
             <a:r>
-              <a:rPr lang="en-US" altLang="ko-KR" sz="1600" spc="-150" dirty="0" smtClean="0">
+              <a:rPr lang="en-US" altLang="ko-KR" sz="1600" spc="-150" dirty="0">
                 <a:ln w="0"/>
                 <a:effectLst>
                   <a:outerShdw blurRad="38100" dist="19050" dir="2700000" algn="tl" rotWithShape="0">
@@ -13810,20 +13409,13 @@
     </p:spTree>
     <p:extLst>
       <p:ext uri="{BB962C8B-B14F-4D97-AF65-F5344CB8AC3E}">
-        <p14:creationId xmlns:p14="http://schemas.microsoft.com/office/powerpoint/2010/main" xmlns="" val="1523916168"/>
+        <p14:creationId xmlns:p14="http://schemas.microsoft.com/office/powerpoint/2010/main" val="1523916168"/>
       </p:ext>
     </p:extLst>
   </p:cSld>
   <p:clrMapOvr>
     <a:masterClrMapping/>
   </p:clrMapOvr>
-  <p:timing>
-    <p:tnLst>
-      <p:par>
-        <p:cTn id="1" dur="indefinite" restart="never" nodeType="tmRoot"/>
-      </p:par>
-    </p:tnLst>
-  </p:timing>
 </p:sld>
 </file>
 
@@ -13975,7 +13567,7 @@
               </a:lnSpc>
             </a:pPr>
             <a:r>
-              <a:rPr lang="en-US" altLang="ko-KR" sz="1600" b="1" spc="-150" dirty="0" smtClean="0">
+              <a:rPr lang="en-US" altLang="ko-KR" sz="1600" b="1" spc="-150" dirty="0">
                 <a:solidFill>
                   <a:srgbClr val="000000"/>
                 </a:solidFill>
@@ -13984,7 +13576,7 @@
               <a:t>LR: Language Rule </a:t>
             </a:r>
             <a:r>
-              <a:rPr lang="ko-KR" altLang="en-US" sz="1600" b="1" spc="-150" dirty="0" smtClean="0">
+              <a:rPr lang="ko-KR" altLang="en-US" sz="1600" b="1" spc="-150" dirty="0">
                 <a:solidFill>
                   <a:srgbClr val="000000"/>
                 </a:solidFill>
@@ -13993,7 +13585,7 @@
               <a:t>문법적인 사항으로 필수적으로 지켜야 할 부분 </a:t>
             </a:r>
             <a:r>
-              <a:rPr lang="en-US" altLang="ko-KR" sz="1600" b="1" spc="-150" dirty="0" smtClean="0">
+              <a:rPr lang="en-US" altLang="ko-KR" sz="1600" b="1" spc="-150" dirty="0">
                 <a:solidFill>
                   <a:srgbClr val="000000"/>
                 </a:solidFill>
@@ -14002,7 +13594,7 @@
               <a:t>SR: Style Rule </a:t>
             </a:r>
             <a:r>
-              <a:rPr lang="ko-KR" altLang="en-US" sz="1600" b="1" spc="-150" dirty="0" err="1" smtClean="0">
+              <a:rPr lang="ko-KR" altLang="en-US" sz="1600" b="1" spc="-150" dirty="0" err="1">
                 <a:solidFill>
                   <a:srgbClr val="000000"/>
                 </a:solidFill>
@@ -14011,7 +13603,7 @@
               <a:t>컨벤션에</a:t>
             </a:r>
             <a:r>
-              <a:rPr lang="ko-KR" altLang="en-US" sz="1600" b="1" spc="-150" dirty="0" smtClean="0">
+              <a:rPr lang="ko-KR" altLang="en-US" sz="1600" b="1" spc="-150" dirty="0">
                 <a:solidFill>
                   <a:srgbClr val="000000"/>
                 </a:solidFill>
@@ -14094,18 +13686,13 @@
           <a:lstStyle/>
           <a:p>
             <a:r>
-              <a:rPr lang="en-US" altLang="ko-KR" sz="1000" dirty="0" smtClean="0">
+              <a:rPr lang="en-US" altLang="ko-KR" sz="1000" dirty="0">
                 <a:solidFill>
                   <a:schemeClr val="bg1"/>
                 </a:solidFill>
               </a:rPr>
-              <a:t>Ch05. Function</a:t>
-            </a:r>
-            <a:endParaRPr lang="en-US" altLang="ko-KR" sz="1000" dirty="0">
-              <a:solidFill>
-                <a:schemeClr val="bg1"/>
-              </a:solidFill>
-            </a:endParaRPr>
+              <a:t>Ch07. OOP</a:t>
+            </a:r>
           </a:p>
         </p:txBody>
       </p:sp>
@@ -14133,7 +13720,7 @@
           <a:p>
             <a:pPr algn="ctr"/>
             <a:r>
-              <a:rPr lang="en-US" altLang="ko-KR" sz="1000" dirty="0" smtClean="0">
+              <a:rPr lang="en-US" altLang="ko-KR" sz="1000" dirty="0">
                 <a:solidFill>
                   <a:schemeClr val="bg1"/>
                 </a:solidFill>
@@ -14141,7 +13728,7 @@
               <a:t>2016 </a:t>
             </a:r>
             <a:r>
-              <a:rPr lang="ko-KR" altLang="en-US" sz="1000" dirty="0" smtClean="0">
+              <a:rPr lang="ko-KR" altLang="en-US" sz="1000" dirty="0">
                 <a:solidFill>
                   <a:schemeClr val="bg1"/>
                 </a:solidFill>
@@ -14149,7 +13736,7 @@
               <a:t>중앙대학교</a:t>
             </a:r>
             <a:r>
-              <a:rPr lang="en-US" sz="1000" dirty="0" smtClean="0">
+              <a:rPr lang="en-US" sz="1000" dirty="0">
                 <a:solidFill>
                   <a:schemeClr val="bg1"/>
                 </a:solidFill>
@@ -14157,7 +13744,7 @@
               <a:t> Python </a:t>
             </a:r>
             <a:r>
-              <a:rPr lang="ko-KR" altLang="en-US" sz="1000" dirty="0" smtClean="0">
+              <a:rPr lang="ko-KR" altLang="en-US" sz="1000" dirty="0">
                 <a:solidFill>
                   <a:schemeClr val="bg1"/>
                 </a:solidFill>
@@ -14196,7 +13783,7 @@
           <a:p>
             <a:pPr algn="r"/>
             <a:r>
-              <a:rPr lang="en-US" altLang="ko-KR" sz="800" b="1" spc="-30" dirty="0" smtClean="0">
+              <a:rPr lang="en-US" altLang="ko-KR" sz="800" b="1" spc="-30" dirty="0">
                 <a:solidFill>
                   <a:schemeClr val="bg1"/>
                 </a:solidFill>
@@ -14217,7 +13804,7 @@
               <a:t>18</a:t>
             </a:fld>
             <a:r>
-              <a:rPr lang="en-US" altLang="ko-KR" sz="800" b="1" spc="-30" dirty="0" smtClean="0">
+              <a:rPr lang="en-US" altLang="ko-KR" sz="800" b="1" spc="-30" dirty="0">
                 <a:solidFill>
                   <a:schemeClr val="bg1"/>
                 </a:solidFill>
@@ -14226,13 +13813,6 @@
               </a:rPr>
               <a:t> -</a:t>
             </a:r>
-            <a:endParaRPr lang="en-US" altLang="ko-KR" sz="800" b="1" spc="-30" dirty="0">
-              <a:solidFill>
-                <a:schemeClr val="bg1"/>
-              </a:solidFill>
-              <a:latin typeface="맑은 고딕" panose="020B0503020000020004" pitchFamily="50" charset="-127"/>
-              <a:ea typeface="맑은 고딕" panose="020B0503020000020004" pitchFamily="50" charset="-127"/>
-            </a:endParaRPr>
           </a:p>
         </p:txBody>
       </p:sp>
@@ -14258,7 +13838,7 @@
           <a:lstStyle/>
           <a:p>
             <a:r>
-              <a:rPr lang="en-US" altLang="ko-KR" sz="1600" spc="-150" dirty="0" smtClean="0">
+              <a:rPr lang="en-US" altLang="ko-KR" sz="1600" spc="-150" dirty="0">
                 <a:ln w="0"/>
                 <a:effectLst>
                   <a:outerShdw blurRad="38100" dist="19050" dir="2700000" algn="tl" rotWithShape="0">
@@ -14270,16 +13850,6 @@
               </a:rPr>
               <a:t>LR</a:t>
             </a:r>
-            <a:endParaRPr lang="en-US" altLang="ko-KR" sz="1600" spc="-150" dirty="0">
-              <a:ln w="0"/>
-              <a:effectLst>
-                <a:outerShdw blurRad="38100" dist="19050" dir="2700000" algn="tl" rotWithShape="0">
-                  <a:schemeClr val="dk1">
-                    <a:alpha val="40000"/>
-                  </a:schemeClr>
-                </a:outerShdw>
-              </a:effectLst>
-            </a:endParaRPr>
           </a:p>
           <a:p>
             <a:r>
@@ -14373,23 +13943,10 @@
                   </a:outerShdw>
                 </a:effectLst>
               </a:rPr>
-              <a:t>를 </a:t>
-            </a:r>
-            <a:r>
-              <a:rPr lang="ko-KR" altLang="en-US" sz="1600" spc="-150" dirty="0" smtClean="0">
-                <a:ln w="0"/>
-                <a:effectLst>
-                  <a:outerShdw blurRad="38100" dist="19050" dir="2700000" algn="tl" rotWithShape="0">
-                    <a:schemeClr val="dk1">
-                      <a:alpha val="40000"/>
-                    </a:schemeClr>
-                  </a:outerShdw>
-                </a:effectLst>
-              </a:rPr>
-              <a:t>써라</a:t>
-            </a:r>
-            <a:r>
-              <a:rPr lang="en-US" altLang="ko-KR" sz="1600" spc="-150" dirty="0" smtClean="0">
+              <a:t>를 써라</a:t>
+            </a:r>
+            <a:r>
+              <a:rPr lang="en-US" altLang="ko-KR" sz="1600" spc="-150" dirty="0">
                 <a:ln w="0"/>
                 <a:effectLst>
                   <a:outerShdw blurRad="38100" dist="19050" dir="2700000" algn="tl" rotWithShape="0">
@@ -14402,7 +13959,7 @@
               <a:t>(</a:t>
             </a:r>
             <a:r>
-              <a:rPr lang="en-US" altLang="ko-KR" sz="1600" spc="-150" dirty="0" err="1" smtClean="0">
+              <a:rPr lang="en-US" altLang="ko-KR" sz="1600" spc="-150" dirty="0" err="1">
                 <a:ln w="0"/>
                 <a:effectLst>
                   <a:outerShdw blurRad="38100" dist="19050" dir="2700000" algn="tl" rotWithShape="0">
@@ -14415,7 +13972,7 @@
               <a:t>Pythonic</a:t>
             </a:r>
             <a:r>
-              <a:rPr lang="en-US" altLang="ko-KR" sz="1600" spc="-150" dirty="0" smtClean="0">
+              <a:rPr lang="en-US" altLang="ko-KR" sz="1600" spc="-150" dirty="0">
                 <a:ln w="0"/>
                 <a:effectLst>
                   <a:outerShdw blurRad="38100" dist="19050" dir="2700000" algn="tl" rotWithShape="0">
@@ -14427,16 +13984,6 @@
               </a:rPr>
               <a:t> Way)</a:t>
             </a:r>
-            <a:endParaRPr lang="en-US" altLang="ko-KR" sz="1600" spc="-150" dirty="0">
-              <a:ln w="0"/>
-              <a:effectLst>
-                <a:outerShdw blurRad="38100" dist="19050" dir="2700000" algn="tl" rotWithShape="0">
-                  <a:schemeClr val="dk1">
-                    <a:alpha val="40000"/>
-                  </a:schemeClr>
-                </a:outerShdw>
-              </a:effectLst>
-            </a:endParaRPr>
           </a:p>
           <a:p>
             <a:r>
@@ -14544,7 +14091,7 @@
               <a:t>을 깨지 않으려 사용한다</a:t>
             </a:r>
             <a:r>
-              <a:rPr lang="en-US" altLang="ko-KR" sz="1600" spc="-150" dirty="0" smtClean="0">
+              <a:rPr lang="en-US" altLang="ko-KR" sz="1600" spc="-150" dirty="0">
                 <a:ln w="0"/>
                 <a:effectLst>
                   <a:outerShdw blurRad="38100" dist="19050" dir="2700000" algn="tl" rotWithShape="0">
@@ -14557,7 +14104,7 @@
               <a:t>. </a:t>
             </a:r>
             <a:r>
-              <a:rPr lang="ko-KR" altLang="en-US" sz="1600" spc="-150" dirty="0" smtClean="0">
+              <a:rPr lang="ko-KR" altLang="en-US" sz="1600" spc="-150" dirty="0">
                 <a:ln w="0"/>
                 <a:effectLst>
                   <a:outerShdw blurRad="38100" dist="19050" dir="2700000" algn="tl" rotWithShape="0">
@@ -14645,23 +14192,10 @@
                   </a:outerShdw>
                 </a:effectLst>
               </a:rPr>
-              <a:t>는 </a:t>
-            </a:r>
-            <a:r>
-              <a:rPr lang="ko-KR" altLang="en-US" sz="1600" spc="-150" dirty="0" smtClean="0">
-                <a:ln w="0"/>
-                <a:effectLst>
-                  <a:outerShdw blurRad="38100" dist="19050" dir="2700000" algn="tl" rotWithShape="0">
-                    <a:schemeClr val="dk1">
-                      <a:alpha val="40000"/>
-                    </a:schemeClr>
-                  </a:outerShdw>
-                </a:effectLst>
-              </a:rPr>
-              <a:t>이제 그만</a:t>
-            </a:r>
-            <a:r>
-              <a:rPr lang="en-US" altLang="ko-KR" sz="1600" spc="-150" dirty="0" smtClean="0">
+              <a:t>는 이제 그만</a:t>
+            </a:r>
+            <a:r>
+              <a:rPr lang="en-US" altLang="ko-KR" sz="1600" spc="-150" dirty="0">
                 <a:ln w="0"/>
                 <a:effectLst>
                   <a:outerShdw blurRad="38100" dist="19050" dir="2700000" algn="tl" rotWithShape="0">
@@ -14845,7 +14379,7 @@
             <a:blip r:embed="rId3" cstate="print">
               <a:extLst>
                 <a:ext uri="{28A0092B-C50C-407E-A947-70E740481C1C}">
-                  <a14:useLocalDpi xmlns:a14="http://schemas.microsoft.com/office/drawing/2010/main" xmlns="" val="0"/>
+                  <a14:useLocalDpi xmlns:a14="http://schemas.microsoft.com/office/drawing/2010/main" val="0"/>
                 </a:ext>
               </a:extLst>
             </a:blip>
@@ -14865,7 +14399,7 @@
             <a:noFill/>
             <a:extLst>
               <a:ext uri="{909E8E84-426E-40DD-AFC4-6F175D3DCCD1}">
-                <a14:hiddenFill xmlns:a14="http://schemas.microsoft.com/office/drawing/2010/main" xmlns="">
+                <a14:hiddenFill xmlns:a14="http://schemas.microsoft.com/office/drawing/2010/main">
                   <a:solidFill>
                     <a:srgbClr val="FFFFFF"/>
                   </a:solidFill>
@@ -14896,7 +14430,7 @@
             <a:lstStyle/>
             <a:p>
               <a:r>
-                <a:rPr lang="en-US" altLang="ko-KR" sz="1400" b="1" spc="-150" dirty="0" smtClean="0">
+                <a:rPr lang="en-US" altLang="ko-KR" sz="1400" b="1" spc="-150" dirty="0">
                   <a:ln w="0"/>
                   <a:latin typeface="Arial" panose="020B0604020202020204" pitchFamily="34" charset="0"/>
                   <a:cs typeface="Arial" panose="020B0604020202020204" pitchFamily="34" charset="0"/>
@@ -14906,7 +14440,7 @@
             </a:p>
             <a:p>
               <a:r>
-                <a:rPr lang="en-US" altLang="ko-KR" sz="1400" b="1" spc="-150" dirty="0" smtClean="0">
+                <a:rPr lang="en-US" altLang="ko-KR" sz="1400" b="1" spc="-150" dirty="0">
                   <a:ln w="0"/>
                   <a:latin typeface="Arial" panose="020B0604020202020204" pitchFamily="34" charset="0"/>
                   <a:cs typeface="Arial" panose="020B0604020202020204" pitchFamily="34" charset="0"/>
@@ -15468,20 +15002,13 @@
     </p:spTree>
     <p:extLst>
       <p:ext uri="{BB962C8B-B14F-4D97-AF65-F5344CB8AC3E}">
-        <p14:creationId xmlns:p14="http://schemas.microsoft.com/office/powerpoint/2010/main" xmlns="" val="3288187887"/>
+        <p14:creationId xmlns:p14="http://schemas.microsoft.com/office/powerpoint/2010/main" val="3288187887"/>
       </p:ext>
     </p:extLst>
   </p:cSld>
   <p:clrMapOvr>
     <a:masterClrMapping/>
   </p:clrMapOvr>
-  <p:timing>
-    <p:tnLst>
-      <p:par>
-        <p:cTn id="1" dur="indefinite" restart="never" nodeType="tmRoot"/>
-      </p:par>
-    </p:tnLst>
-  </p:timing>
 </p:sld>
 </file>
 
@@ -15633,7 +15160,7 @@
               </a:lnSpc>
             </a:pPr>
             <a:r>
-              <a:rPr lang="en-US" altLang="ko-KR" sz="1600" b="1" spc="-150" dirty="0" smtClean="0">
+              <a:rPr lang="en-US" altLang="ko-KR" sz="1600" b="1" spc="-150" dirty="0">
                 <a:solidFill>
                   <a:srgbClr val="000000"/>
                 </a:solidFill>
@@ -15643,7 +15170,7 @@
               <a:t>Property</a:t>
             </a:r>
             <a:r>
-              <a:rPr lang="ko-KR" altLang="en-US" sz="1600" b="1" spc="-150" dirty="0" smtClean="0">
+              <a:rPr lang="ko-KR" altLang="en-US" sz="1600" b="1" spc="-150" dirty="0">
                 <a:solidFill>
                   <a:srgbClr val="000000"/>
                 </a:solidFill>
@@ -15653,7 +15180,7 @@
               <a:t>의 사용법을 배워봅시다</a:t>
             </a:r>
             <a:r>
-              <a:rPr lang="en-US" altLang="ko-KR" sz="1600" b="1" spc="-150" dirty="0" smtClean="0">
+              <a:rPr lang="en-US" altLang="ko-KR" sz="1600" b="1" spc="-150" dirty="0">
                 <a:solidFill>
                   <a:srgbClr val="000000"/>
                 </a:solidFill>
@@ -15737,18 +15264,13 @@
           <a:lstStyle/>
           <a:p>
             <a:r>
-              <a:rPr lang="en-US" altLang="ko-KR" sz="1000" dirty="0" smtClean="0">
+              <a:rPr lang="en-US" altLang="ko-KR" sz="1000" dirty="0">
                 <a:solidFill>
                   <a:schemeClr val="bg1"/>
                 </a:solidFill>
               </a:rPr>
-              <a:t>Ch05. Function</a:t>
-            </a:r>
-            <a:endParaRPr lang="en-US" altLang="ko-KR" sz="1000" dirty="0">
-              <a:solidFill>
-                <a:schemeClr val="bg1"/>
-              </a:solidFill>
-            </a:endParaRPr>
+              <a:t>Ch07. OOP</a:t>
+            </a:r>
           </a:p>
         </p:txBody>
       </p:sp>
@@ -15776,7 +15298,7 @@
           <a:p>
             <a:pPr algn="ctr"/>
             <a:r>
-              <a:rPr lang="en-US" altLang="ko-KR" sz="1000" dirty="0" smtClean="0">
+              <a:rPr lang="en-US" altLang="ko-KR" sz="1000" dirty="0">
                 <a:solidFill>
                   <a:schemeClr val="bg1"/>
                 </a:solidFill>
@@ -15784,7 +15306,7 @@
               <a:t>2016 </a:t>
             </a:r>
             <a:r>
-              <a:rPr lang="ko-KR" altLang="en-US" sz="1000" dirty="0" smtClean="0">
+              <a:rPr lang="ko-KR" altLang="en-US" sz="1000" dirty="0">
                 <a:solidFill>
                   <a:schemeClr val="bg1"/>
                 </a:solidFill>
@@ -15792,7 +15314,7 @@
               <a:t>중앙대학교</a:t>
             </a:r>
             <a:r>
-              <a:rPr lang="en-US" sz="1000" dirty="0" smtClean="0">
+              <a:rPr lang="en-US" sz="1000" dirty="0">
                 <a:solidFill>
                   <a:schemeClr val="bg1"/>
                 </a:solidFill>
@@ -15800,7 +15322,7 @@
               <a:t> Python </a:t>
             </a:r>
             <a:r>
-              <a:rPr lang="ko-KR" altLang="en-US" sz="1000" dirty="0" smtClean="0">
+              <a:rPr lang="ko-KR" altLang="en-US" sz="1000" dirty="0">
                 <a:solidFill>
                   <a:schemeClr val="bg1"/>
                 </a:solidFill>
@@ -15839,7 +15361,7 @@
           <a:p>
             <a:pPr algn="r"/>
             <a:r>
-              <a:rPr lang="en-US" altLang="ko-KR" sz="800" b="1" spc="-30" dirty="0" smtClean="0">
+              <a:rPr lang="en-US" altLang="ko-KR" sz="800" b="1" spc="-30" dirty="0">
                 <a:solidFill>
                   <a:schemeClr val="bg1"/>
                 </a:solidFill>
@@ -15860,7 +15382,7 @@
               <a:t>19</a:t>
             </a:fld>
             <a:r>
-              <a:rPr lang="en-US" altLang="ko-KR" sz="800" b="1" spc="-30" dirty="0" smtClean="0">
+              <a:rPr lang="en-US" altLang="ko-KR" sz="800" b="1" spc="-30" dirty="0">
                 <a:solidFill>
                   <a:schemeClr val="bg1"/>
                 </a:solidFill>
@@ -15869,13 +15391,6 @@
               </a:rPr>
               <a:t> -</a:t>
             </a:r>
-            <a:endParaRPr lang="en-US" altLang="ko-KR" sz="800" b="1" spc="-30" dirty="0">
-              <a:solidFill>
-                <a:schemeClr val="bg1"/>
-              </a:solidFill>
-              <a:latin typeface="맑은 고딕" panose="020B0503020000020004" pitchFamily="50" charset="-127"/>
-              <a:ea typeface="맑은 고딕" panose="020B0503020000020004" pitchFamily="50" charset="-127"/>
-            </a:endParaRPr>
           </a:p>
         </p:txBody>
       </p:sp>
@@ -15905,7 +15420,7 @@
             <a:blip r:embed="rId3" cstate="print">
               <a:extLst>
                 <a:ext uri="{28A0092B-C50C-407E-A947-70E740481C1C}">
-                  <a14:useLocalDpi xmlns:a14="http://schemas.microsoft.com/office/drawing/2010/main" xmlns="" val="0"/>
+                  <a14:useLocalDpi xmlns:a14="http://schemas.microsoft.com/office/drawing/2010/main" val="0"/>
                 </a:ext>
               </a:extLst>
             </a:blip>
@@ -15925,7 +15440,7 @@
             <a:noFill/>
             <a:extLst>
               <a:ext uri="{909E8E84-426E-40DD-AFC4-6F175D3DCCD1}">
-                <a14:hiddenFill xmlns:a14="http://schemas.microsoft.com/office/drawing/2010/main" xmlns="">
+                <a14:hiddenFill xmlns:a14="http://schemas.microsoft.com/office/drawing/2010/main">
                   <a:solidFill>
                     <a:srgbClr val="FFFFFF"/>
                   </a:solidFill>
@@ -15956,7 +15471,7 @@
             <a:lstStyle/>
             <a:p>
               <a:r>
-                <a:rPr lang="en-US" altLang="ko-KR" sz="1400" b="1" spc="-150" dirty="0" smtClean="0">
+                <a:rPr lang="en-US" altLang="ko-KR" sz="1400" b="1" spc="-150" dirty="0">
                   <a:ln w="0"/>
                   <a:latin typeface="Arial" panose="020B0604020202020204" pitchFamily="34" charset="0"/>
                   <a:cs typeface="Arial" panose="020B0604020202020204" pitchFamily="34" charset="0"/>
@@ -15966,7 +15481,7 @@
             </a:p>
             <a:p>
               <a:r>
-                <a:rPr lang="en-US" altLang="ko-KR" sz="1400" b="1" spc="-150" dirty="0" smtClean="0">
+                <a:rPr lang="en-US" altLang="ko-KR" sz="1400" b="1" spc="-150" dirty="0">
                   <a:ln w="0"/>
                   <a:latin typeface="Arial" panose="020B0604020202020204" pitchFamily="34" charset="0"/>
                   <a:cs typeface="Arial" panose="020B0604020202020204" pitchFamily="34" charset="0"/>
@@ -16018,7 +15533,7 @@
           <a:blip r:embed="rId5" cstate="print">
             <a:extLst>
               <a:ext uri="{28A0092B-C50C-407E-A947-70E740481C1C}">
-                <a14:useLocalDpi xmlns:a14="http://schemas.microsoft.com/office/drawing/2010/main" xmlns="" val="0"/>
+                <a14:useLocalDpi xmlns:a14="http://schemas.microsoft.com/office/drawing/2010/main" val="0"/>
               </a:ext>
             </a:extLst>
           </a:blip>
@@ -16038,7 +15553,7 @@
           <a:noFill/>
           <a:extLst>
             <a:ext uri="{909E8E84-426E-40DD-AFC4-6F175D3DCCD1}">
-              <a14:hiddenFill xmlns:a14="http://schemas.microsoft.com/office/drawing/2010/main" xmlns="">
+              <a14:hiddenFill xmlns:a14="http://schemas.microsoft.com/office/drawing/2010/main">
                 <a:solidFill>
                   <a:srgbClr val="FFFFFF"/>
                 </a:solidFill>
@@ -16073,7 +15588,7 @@
               <a:buChar char="ü"/>
             </a:pPr>
             <a:r>
-              <a:rPr lang="en-US" altLang="ko-KR" sz="1600" spc="-150" dirty="0" smtClean="0">
+              <a:rPr lang="en-US" altLang="ko-KR" sz="1600" spc="-150" dirty="0">
                 <a:ln w="0"/>
                 <a:effectLst>
                   <a:outerShdw blurRad="38100" dist="19050" dir="2700000" algn="tl" rotWithShape="0">
@@ -16086,7 +15601,7 @@
               <a:t>Property</a:t>
             </a:r>
             <a:r>
-              <a:rPr lang="ko-KR" altLang="en-US" sz="1600" spc="-150" dirty="0" smtClean="0">
+              <a:rPr lang="ko-KR" altLang="en-US" sz="1600" spc="-150" dirty="0">
                 <a:ln w="0"/>
                 <a:effectLst>
                   <a:outerShdw blurRad="38100" dist="19050" dir="2700000" algn="tl" rotWithShape="0">
@@ -16099,7 +15614,7 @@
               <a:t>는 해당 클래스를 사용하는 사람에게 편리하고 직관적인 기능을 제공해줍니다</a:t>
             </a:r>
             <a:r>
-              <a:rPr lang="en-US" altLang="ko-KR" sz="1600" spc="-150" dirty="0" smtClean="0">
+              <a:rPr lang="en-US" altLang="ko-KR" sz="1600" spc="-150" dirty="0">
                 <a:ln w="0"/>
                 <a:effectLst>
                   <a:outerShdw blurRad="38100" dist="19050" dir="2700000" algn="tl" rotWithShape="0">
@@ -16118,7 +15633,7 @@
               <a:buChar char="ü"/>
             </a:pPr>
             <a:r>
-              <a:rPr lang="en-US" altLang="ko-KR" sz="1600" spc="-150" dirty="0" smtClean="0">
+              <a:rPr lang="en-US" altLang="ko-KR" sz="1600" spc="-150" dirty="0">
                 <a:ln w="0"/>
                 <a:effectLst>
                   <a:outerShdw blurRad="38100" dist="19050" dir="2700000" algn="tl" rotWithShape="0">
@@ -16131,7 +15646,7 @@
               <a:t>__</a:t>
             </a:r>
             <a:r>
-              <a:rPr lang="en-US" altLang="ko-KR" sz="1600" spc="-150" dirty="0" err="1" smtClean="0">
+              <a:rPr lang="en-US" altLang="ko-KR" sz="1600" spc="-150" dirty="0" err="1">
                 <a:ln w="0"/>
                 <a:effectLst>
                   <a:outerShdw blurRad="38100" dist="19050" dir="2700000" algn="tl" rotWithShape="0">
@@ -16144,7 +15659,7 @@
               <a:t>real_hidden_name</a:t>
             </a:r>
             <a:r>
-              <a:rPr lang="en-US" altLang="ko-KR" sz="1600" spc="-150" dirty="0" smtClean="0">
+              <a:rPr lang="en-US" altLang="ko-KR" sz="1600" spc="-150" dirty="0">
                 <a:ln w="0"/>
                 <a:effectLst>
                   <a:outerShdw blurRad="38100" dist="19050" dir="2700000" algn="tl" rotWithShape="0">
@@ -16157,7 +15672,7 @@
               <a:t> </a:t>
             </a:r>
             <a:r>
-              <a:rPr lang="ko-KR" altLang="en-US" sz="1600" spc="-150" dirty="0" smtClean="0">
+              <a:rPr lang="ko-KR" altLang="en-US" sz="1600" spc="-150" dirty="0">
                 <a:ln w="0"/>
                 <a:effectLst>
                   <a:outerShdw blurRad="38100" dist="19050" dir="2700000" algn="tl" rotWithShape="0">
@@ -16170,7 +15685,7 @@
               <a:t>속성은 외부로 부터 직접 접근할 수 없음에 주목할 것</a:t>
             </a:r>
             <a:r>
-              <a:rPr lang="en-US" altLang="ko-KR" sz="1600" spc="-150" dirty="0" smtClean="0">
+              <a:rPr lang="en-US" altLang="ko-KR" sz="1600" spc="-150" dirty="0">
                 <a:ln w="0"/>
                 <a:effectLst>
                   <a:outerShdw blurRad="38100" dist="19050" dir="2700000" algn="tl" rotWithShape="0">
@@ -16183,7 +15698,7 @@
               <a:t>. (name mangling) </a:t>
             </a:r>
             <a:r>
-              <a:rPr lang="ko-KR" altLang="en-US" sz="1600" spc="-150" dirty="0" smtClean="0">
+              <a:rPr lang="ko-KR" altLang="en-US" sz="1600" spc="-150" dirty="0">
                 <a:ln w="0"/>
                 <a:effectLst>
                   <a:outerShdw blurRad="38100" dist="19050" dir="2700000" algn="tl" rotWithShape="0">
@@ -16196,7 +15711,7 @@
               <a:t>속성을 완벽하게 보호할 수는 없지만</a:t>
             </a:r>
             <a:r>
-              <a:rPr lang="en-US" altLang="ko-KR" sz="1600" spc="-150" dirty="0" smtClean="0">
+              <a:rPr lang="en-US" altLang="ko-KR" sz="1600" spc="-150" dirty="0">
                 <a:ln w="0"/>
                 <a:effectLst>
                   <a:outerShdw blurRad="38100" dist="19050" dir="2700000" algn="tl" rotWithShape="0">
@@ -16209,7 +15724,7 @@
               <a:t>, </a:t>
             </a:r>
             <a:r>
-              <a:rPr lang="ko-KR" altLang="en-US" sz="1600" spc="-150" dirty="0" smtClean="0">
+              <a:rPr lang="ko-KR" altLang="en-US" sz="1600" spc="-150" dirty="0">
                 <a:ln w="0"/>
                 <a:effectLst>
                   <a:outerShdw blurRad="38100" dist="19050" dir="2700000" algn="tl" rotWithShape="0">
@@ -16222,7 +15737,7 @@
               <a:t>의도적인 직접 접근을 어렵게 만든다</a:t>
             </a:r>
             <a:r>
-              <a:rPr lang="en-US" altLang="ko-KR" sz="1600" spc="-150" dirty="0" smtClean="0">
+              <a:rPr lang="en-US" altLang="ko-KR" sz="1600" spc="-150" dirty="0">
                 <a:ln w="0"/>
                 <a:effectLst>
                   <a:outerShdw blurRad="38100" dist="19050" dir="2700000" algn="tl" rotWithShape="0">
@@ -16235,7 +15750,7 @@
               <a:t>. (private</a:t>
             </a:r>
             <a:r>
-              <a:rPr lang="ko-KR" altLang="en-US" sz="1600" spc="-150" dirty="0" smtClean="0">
+              <a:rPr lang="ko-KR" altLang="en-US" sz="1600" spc="-150" dirty="0">
                 <a:ln w="0"/>
                 <a:effectLst>
                   <a:outerShdw blurRad="38100" dist="19050" dir="2700000" algn="tl" rotWithShape="0">
@@ -16248,7 +15763,7 @@
               <a:t>을 지원하지 않음</a:t>
             </a:r>
             <a:r>
-              <a:rPr lang="en-US" altLang="ko-KR" sz="1600" spc="-150" dirty="0" smtClean="0">
+              <a:rPr lang="en-US" altLang="ko-KR" sz="1600" spc="-150" dirty="0">
                 <a:ln w="0"/>
                 <a:effectLst>
                   <a:outerShdw blurRad="38100" dist="19050" dir="2700000" algn="tl" rotWithShape="0">
@@ -16301,20 +15816,13 @@
     </p:spTree>
     <p:extLst>
       <p:ext uri="{BB962C8B-B14F-4D97-AF65-F5344CB8AC3E}">
-        <p14:creationId xmlns:p14="http://schemas.microsoft.com/office/powerpoint/2010/main" xmlns="" val="2136058670"/>
+        <p14:creationId xmlns:p14="http://schemas.microsoft.com/office/powerpoint/2010/main" val="2136058670"/>
       </p:ext>
     </p:extLst>
   </p:cSld>
   <p:clrMapOvr>
     <a:masterClrMapping/>
   </p:clrMapOvr>
-  <p:timing>
-    <p:tnLst>
-      <p:par>
-        <p:cTn id="1" dur="indefinite" restart="never" nodeType="tmRoot"/>
-      </p:par>
-    </p:tnLst>
-  </p:timing>
 </p:sld>
 </file>
 
@@ -16358,7 +15866,7 @@
           <a:lstStyle/>
           <a:p>
             <a:r>
-              <a:rPr lang="en-US" altLang="ko-KR" sz="4000" b="1" spc="-250" dirty="0" smtClean="0">
+              <a:rPr lang="en-US" altLang="ko-KR" sz="4000" b="1" spc="-250" dirty="0">
                 <a:solidFill>
                   <a:schemeClr val="accent4">
                     <a:lumMod val="50000"/>
@@ -16417,20 +15925,13 @@
     </p:spTree>
     <p:extLst>
       <p:ext uri="{BB962C8B-B14F-4D97-AF65-F5344CB8AC3E}">
-        <p14:creationId xmlns:p14="http://schemas.microsoft.com/office/powerpoint/2010/main" xmlns="" val="2819949206"/>
+        <p14:creationId xmlns:p14="http://schemas.microsoft.com/office/powerpoint/2010/main" val="2819949206"/>
       </p:ext>
     </p:extLst>
   </p:cSld>
   <p:clrMapOvr>
     <a:masterClrMapping/>
   </p:clrMapOvr>
-  <p:timing>
-    <p:tnLst>
-      <p:par>
-        <p:cTn id="1" dur="indefinite" restart="never" nodeType="tmRoot"/>
-      </p:par>
-    </p:tnLst>
-  </p:timing>
 </p:sld>
 </file>
 
@@ -16474,7 +15975,7 @@
           <a:lstStyle/>
           <a:p>
             <a:r>
-              <a:rPr lang="en-US" altLang="ko-KR" sz="4000" b="1" spc="-250" dirty="0" smtClean="0">
+              <a:rPr lang="en-US" altLang="ko-KR" sz="4000" b="1" spc="-250" dirty="0">
                 <a:solidFill>
                   <a:schemeClr val="accent4">
                     <a:lumMod val="50000"/>
@@ -16533,20 +16034,13 @@
     </p:spTree>
     <p:extLst>
       <p:ext uri="{BB962C8B-B14F-4D97-AF65-F5344CB8AC3E}">
-        <p14:creationId xmlns:p14="http://schemas.microsoft.com/office/powerpoint/2010/main" xmlns="" val="3097297906"/>
+        <p14:creationId xmlns:p14="http://schemas.microsoft.com/office/powerpoint/2010/main" val="3097297906"/>
       </p:ext>
     </p:extLst>
   </p:cSld>
   <p:clrMapOvr>
     <a:masterClrMapping/>
   </p:clrMapOvr>
-  <p:timing>
-    <p:tnLst>
-      <p:par>
-        <p:cTn id="1" dur="indefinite" restart="never" nodeType="tmRoot"/>
-      </p:par>
-    </p:tnLst>
-  </p:timing>
 </p:sld>
 </file>
 
@@ -16628,7 +16122,7 @@
           <a:p>
             <a:pPr algn="l"/>
             <a:r>
-              <a:rPr lang="en-US" altLang="ko-KR" sz="2400" b="1" spc="-150" dirty="0" smtClean="0">
+              <a:rPr lang="en-US" altLang="ko-KR" sz="2400" b="1" spc="-150" dirty="0">
                 <a:solidFill>
                   <a:schemeClr val="accent4">
                     <a:lumMod val="50000"/>
@@ -16746,7 +16240,7 @@
           <a:p>
             <a:pPr algn="ctr"/>
             <a:r>
-              <a:rPr lang="en-US" altLang="ko-KR" sz="1000" dirty="0" smtClean="0">
+              <a:rPr lang="en-US" altLang="ko-KR" sz="1000" dirty="0">
                 <a:solidFill>
                   <a:schemeClr val="bg1"/>
                 </a:solidFill>
@@ -16754,7 +16248,7 @@
               <a:t>2016 </a:t>
             </a:r>
             <a:r>
-              <a:rPr lang="ko-KR" altLang="en-US" sz="1000" dirty="0" smtClean="0">
+              <a:rPr lang="ko-KR" altLang="en-US" sz="1000" dirty="0">
                 <a:solidFill>
                   <a:schemeClr val="bg1"/>
                 </a:solidFill>
@@ -16762,7 +16256,7 @@
               <a:t>중앙대학교</a:t>
             </a:r>
             <a:r>
-              <a:rPr lang="en-US" sz="1000" dirty="0" smtClean="0">
+              <a:rPr lang="en-US" sz="1000" dirty="0">
                 <a:solidFill>
                   <a:schemeClr val="bg1"/>
                 </a:solidFill>
@@ -16770,7 +16264,7 @@
               <a:t> Python </a:t>
             </a:r>
             <a:r>
-              <a:rPr lang="ko-KR" altLang="en-US" sz="1000" dirty="0" smtClean="0">
+              <a:rPr lang="ko-KR" altLang="en-US" sz="1000" dirty="0">
                 <a:solidFill>
                   <a:schemeClr val="bg1"/>
                 </a:solidFill>
@@ -16809,7 +16303,7 @@
           <a:p>
             <a:pPr algn="r"/>
             <a:r>
-              <a:rPr lang="en-US" altLang="ko-KR" sz="800" b="1" spc="-30" dirty="0" smtClean="0">
+              <a:rPr lang="en-US" altLang="ko-KR" sz="800" b="1" spc="-30" dirty="0">
                 <a:solidFill>
                   <a:schemeClr val="bg1"/>
                 </a:solidFill>
@@ -16830,7 +16324,7 @@
               <a:t>21</a:t>
             </a:fld>
             <a:r>
-              <a:rPr lang="en-US" altLang="ko-KR" sz="800" b="1" spc="-30" dirty="0" smtClean="0">
+              <a:rPr lang="en-US" altLang="ko-KR" sz="800" b="1" spc="-30" dirty="0">
                 <a:solidFill>
                   <a:schemeClr val="bg1"/>
                 </a:solidFill>
@@ -16839,13 +16333,6 @@
               </a:rPr>
               <a:t> -</a:t>
             </a:r>
-            <a:endParaRPr lang="en-US" altLang="ko-KR" sz="800" b="1" spc="-30" dirty="0">
-              <a:solidFill>
-                <a:schemeClr val="bg1"/>
-              </a:solidFill>
-              <a:latin typeface="맑은 고딕" panose="020B0503020000020004" pitchFamily="50" charset="-127"/>
-              <a:ea typeface="맑은 고딕" panose="020B0503020000020004" pitchFamily="50" charset="-127"/>
-            </a:endParaRPr>
           </a:p>
         </p:txBody>
       </p:sp>
@@ -16907,20 +16394,10 @@
                 <a:latin typeface="맑은 고딕" pitchFamily="50" charset="-127"/>
                 <a:hlinkClick r:id="rId3"/>
               </a:rPr>
-              <a:t>http://staruml.io</a:t>
-            </a:r>
-            <a:r>
-              <a:rPr lang="en-US" altLang="ko-KR" sz="1600" b="1" spc="-150" dirty="0" smtClean="0">
-                <a:solidFill>
-                  <a:srgbClr val="000000"/>
-                </a:solidFill>
-                <a:latin typeface="맑은 고딕" pitchFamily="50" charset="-127"/>
-                <a:hlinkClick r:id="rId3"/>
-              </a:rPr>
-              <a:t>/</a:t>
-            </a:r>
-            <a:r>
-              <a:rPr lang="en-US" altLang="ko-KR" sz="1600" b="1" spc="-150" dirty="0" smtClean="0">
+              <a:t>http://staruml.io/</a:t>
+            </a:r>
+            <a:r>
+              <a:rPr lang="en-US" altLang="ko-KR" sz="1600" b="1" spc="-150" dirty="0">
                 <a:solidFill>
                   <a:srgbClr val="000000"/>
                 </a:solidFill>
@@ -16963,7 +16440,7 @@
               <a:buChar char="ü"/>
             </a:pPr>
             <a:r>
-              <a:rPr lang="ko-KR" altLang="en-US" sz="1600" spc="-150" dirty="0" smtClean="0">
+              <a:rPr lang="ko-KR" altLang="en-US" sz="1600" spc="-150" dirty="0">
                 <a:ln w="0"/>
                 <a:effectLst>
                   <a:outerShdw blurRad="38100" dist="19050" dir="2700000" algn="tl" rotWithShape="0">
@@ -16987,24 +16464,10 @@
                 </a:effectLst>
                 <a:hlinkClick r:id="rId4"/>
               </a:rPr>
-              <a:t>http://staruml.sourceforge.net/docs/user-guide(ko)/</a:t>
-            </a:r>
-            <a:r>
-              <a:rPr lang="en-US" altLang="ko-KR" sz="1600" spc="-150" dirty="0" smtClean="0">
-                <a:ln w="0"/>
-                <a:effectLst>
-                  <a:outerShdw blurRad="38100" dist="19050" dir="2700000" algn="tl" rotWithShape="0">
-                    <a:schemeClr val="dk1">
-                      <a:alpha val="40000"/>
-                    </a:schemeClr>
-                  </a:outerShdw>
-                </a:effectLst>
-                <a:hlinkClick r:id="rId4"/>
-              </a:rPr>
-              <a:t>ch05_2.html</a:t>
-            </a:r>
-            <a:r>
-              <a:rPr lang="en-US" altLang="ko-KR" sz="1600" spc="-150" dirty="0" smtClean="0">
+              <a:t>http://staruml.sourceforge.net/docs/user-guide(ko)/ch05_2.html</a:t>
+            </a:r>
+            <a:r>
+              <a:rPr lang="en-US" altLang="ko-KR" sz="1600" spc="-150" dirty="0">
                 <a:ln w="0"/>
                 <a:effectLst>
                   <a:outerShdw blurRad="38100" dist="19050" dir="2700000" algn="tl" rotWithShape="0">
@@ -17052,27 +16515,17 @@
           <a:lstStyle/>
           <a:p>
             <a:r>
-              <a:rPr lang="en-US" altLang="ko-KR" sz="950" dirty="0" smtClean="0"/>
-              <a:t>[1</a:t>
-            </a:r>
-            <a:r>
               <a:rPr lang="en-US" altLang="ko-KR" sz="950" dirty="0"/>
-              <a:t>] </a:t>
+              <a:t>[1] </a:t>
             </a:r>
             <a:r>
               <a:rPr lang="en-US" altLang="ko-KR" sz="950" dirty="0">
                 <a:hlinkClick r:id="rId3"/>
               </a:rPr>
-              <a:t>http://staruml.io</a:t>
-            </a:r>
-            <a:r>
-              <a:rPr lang="en-US" altLang="ko-KR" sz="950" dirty="0" smtClean="0">
-                <a:hlinkClick r:id="rId3"/>
-              </a:rPr>
-              <a:t>/</a:t>
-            </a:r>
-            <a:r>
-              <a:rPr lang="en-US" altLang="ko-KR" sz="950" dirty="0" smtClean="0"/>
+              <a:t>http://staruml.io/</a:t>
+            </a:r>
+            <a:r>
+              <a:rPr lang="en-US" altLang="ko-KR" sz="950" dirty="0"/>
               <a:t> </a:t>
             </a:r>
             <a:endParaRPr lang="ko-KR" altLang="en-US" sz="950" dirty="0"/>
@@ -17101,7 +16554,7 @@
           <a:lstStyle/>
           <a:p>
             <a:r>
-              <a:rPr lang="en-US" altLang="ko-KR" sz="1600" spc="-150" dirty="0" smtClean="0">
+              <a:rPr lang="en-US" altLang="ko-KR" sz="1600" spc="-150" dirty="0">
                 <a:ln w="0"/>
                 <a:effectLst>
                   <a:outerShdw blurRad="38100" dist="19050" dir="2700000" algn="tl" rotWithShape="0">
@@ -17114,17 +16567,6 @@
               </a:rPr>
               <a:t>[1]</a:t>
             </a:r>
-            <a:endParaRPr lang="en-US" altLang="ko-KR" sz="1600" spc="-150" dirty="0">
-              <a:ln w="0"/>
-              <a:effectLst>
-                <a:outerShdw blurRad="38100" dist="19050" dir="2700000" algn="tl" rotWithShape="0">
-                  <a:schemeClr val="dk1">
-                    <a:alpha val="40000"/>
-                  </a:schemeClr>
-                </a:outerShdw>
-              </a:effectLst>
-              <a:ea typeface="맑은 고딕" panose="020B0503020000020004" pitchFamily="50" charset="-127"/>
-            </a:endParaRPr>
           </a:p>
         </p:txBody>
       </p:sp>
@@ -17155,20 +16597,13 @@
     </p:spTree>
     <p:extLst>
       <p:ext uri="{BB962C8B-B14F-4D97-AF65-F5344CB8AC3E}">
-        <p14:creationId xmlns:p14="http://schemas.microsoft.com/office/powerpoint/2010/main" xmlns="" val="496509235"/>
+        <p14:creationId xmlns:p14="http://schemas.microsoft.com/office/powerpoint/2010/main" val="496509235"/>
       </p:ext>
     </p:extLst>
   </p:cSld>
   <p:clrMapOvr>
     <a:masterClrMapping/>
   </p:clrMapOvr>
-  <p:timing>
-    <p:tnLst>
-      <p:par>
-        <p:cTn id="1" dur="indefinite" restart="never" nodeType="tmRoot"/>
-      </p:par>
-    </p:tnLst>
-  </p:timing>
 </p:sld>
 </file>
 
@@ -17250,7 +16685,7 @@
           <a:p>
             <a:pPr algn="l"/>
             <a:r>
-              <a:rPr lang="en-US" altLang="ko-KR" sz="2400" b="1" spc="-150" dirty="0" smtClean="0">
+              <a:rPr lang="en-US" altLang="ko-KR" sz="2400" b="1" spc="-150" dirty="0">
                 <a:solidFill>
                   <a:schemeClr val="accent4">
                     <a:lumMod val="50000"/>
@@ -17368,7 +16803,7 @@
           <a:p>
             <a:pPr algn="ctr"/>
             <a:r>
-              <a:rPr lang="en-US" altLang="ko-KR" sz="1000" dirty="0" smtClean="0">
+              <a:rPr lang="en-US" altLang="ko-KR" sz="1000" dirty="0">
                 <a:solidFill>
                   <a:schemeClr val="bg1"/>
                 </a:solidFill>
@@ -17376,7 +16811,7 @@
               <a:t>2016 </a:t>
             </a:r>
             <a:r>
-              <a:rPr lang="ko-KR" altLang="en-US" sz="1000" dirty="0" smtClean="0">
+              <a:rPr lang="ko-KR" altLang="en-US" sz="1000" dirty="0">
                 <a:solidFill>
                   <a:schemeClr val="bg1"/>
                 </a:solidFill>
@@ -17384,7 +16819,7 @@
               <a:t>중앙대학교</a:t>
             </a:r>
             <a:r>
-              <a:rPr lang="en-US" sz="1000" dirty="0" smtClean="0">
+              <a:rPr lang="en-US" sz="1000" dirty="0">
                 <a:solidFill>
                   <a:schemeClr val="bg1"/>
                 </a:solidFill>
@@ -17392,7 +16827,7 @@
               <a:t> Python </a:t>
             </a:r>
             <a:r>
-              <a:rPr lang="ko-KR" altLang="en-US" sz="1000" dirty="0" smtClean="0">
+              <a:rPr lang="ko-KR" altLang="en-US" sz="1000" dirty="0">
                 <a:solidFill>
                   <a:schemeClr val="bg1"/>
                 </a:solidFill>
@@ -17431,7 +16866,7 @@
           <a:p>
             <a:pPr algn="r"/>
             <a:r>
-              <a:rPr lang="en-US" altLang="ko-KR" sz="800" b="1" spc="-30" dirty="0" smtClean="0">
+              <a:rPr lang="en-US" altLang="ko-KR" sz="800" b="1" spc="-30" dirty="0">
                 <a:solidFill>
                   <a:schemeClr val="bg1"/>
                 </a:solidFill>
@@ -17452,7 +16887,7 @@
               <a:t>22</a:t>
             </a:fld>
             <a:r>
-              <a:rPr lang="en-US" altLang="ko-KR" sz="800" b="1" spc="-30" dirty="0" smtClean="0">
+              <a:rPr lang="en-US" altLang="ko-KR" sz="800" b="1" spc="-30" dirty="0">
                 <a:solidFill>
                   <a:schemeClr val="bg1"/>
                 </a:solidFill>
@@ -17461,13 +16896,6 @@
               </a:rPr>
               <a:t> -</a:t>
             </a:r>
-            <a:endParaRPr lang="en-US" altLang="ko-KR" sz="800" b="1" spc="-30" dirty="0">
-              <a:solidFill>
-                <a:schemeClr val="bg1"/>
-              </a:solidFill>
-              <a:latin typeface="맑은 고딕" panose="020B0503020000020004" pitchFamily="50" charset="-127"/>
-              <a:ea typeface="맑은 고딕" panose="020B0503020000020004" pitchFamily="50" charset="-127"/>
-            </a:endParaRPr>
           </a:p>
         </p:txBody>
       </p:sp>
@@ -17529,20 +16957,10 @@
                 <a:latin typeface="맑은 고딕" pitchFamily="50" charset="-127"/>
                 <a:hlinkClick r:id="rId3"/>
               </a:rPr>
-              <a:t>http://staruml.io</a:t>
-            </a:r>
-            <a:r>
-              <a:rPr lang="en-US" altLang="ko-KR" sz="1600" b="1" spc="-150" dirty="0" smtClean="0">
-                <a:solidFill>
-                  <a:srgbClr val="000000"/>
-                </a:solidFill>
-                <a:latin typeface="맑은 고딕" pitchFamily="50" charset="-127"/>
-                <a:hlinkClick r:id="rId3"/>
-              </a:rPr>
-              <a:t>/</a:t>
-            </a:r>
-            <a:r>
-              <a:rPr lang="en-US" altLang="ko-KR" sz="1600" b="1" spc="-150" dirty="0" smtClean="0">
+              <a:t>http://staruml.io/</a:t>
+            </a:r>
+            <a:r>
+              <a:rPr lang="en-US" altLang="ko-KR" sz="1600" b="1" spc="-150" dirty="0">
                 <a:solidFill>
                   <a:srgbClr val="000000"/>
                 </a:solidFill>
@@ -17585,7 +17003,7 @@
               <a:buChar char="ü"/>
             </a:pPr>
             <a:r>
-              <a:rPr lang="ko-KR" altLang="en-US" sz="1600" spc="-150" dirty="0" smtClean="0">
+              <a:rPr lang="ko-KR" altLang="en-US" sz="1600" spc="-150" dirty="0">
                 <a:ln w="0"/>
                 <a:effectLst>
                   <a:outerShdw blurRad="38100" dist="19050" dir="2700000" algn="tl" rotWithShape="0">
@@ -17633,27 +17051,17 @@
           <a:lstStyle/>
           <a:p>
             <a:r>
-              <a:rPr lang="en-US" altLang="ko-KR" sz="950" dirty="0" smtClean="0"/>
-              <a:t>[1</a:t>
-            </a:r>
-            <a:r>
               <a:rPr lang="en-US" altLang="ko-KR" sz="950" dirty="0"/>
-              <a:t>] </a:t>
+              <a:t>[1] </a:t>
             </a:r>
             <a:r>
               <a:rPr lang="en-US" altLang="ko-KR" sz="950" dirty="0">
                 <a:hlinkClick r:id="rId3"/>
               </a:rPr>
-              <a:t>http://staruml.io</a:t>
-            </a:r>
-            <a:r>
-              <a:rPr lang="en-US" altLang="ko-KR" sz="950" dirty="0" smtClean="0">
-                <a:hlinkClick r:id="rId3"/>
-              </a:rPr>
-              <a:t>/</a:t>
-            </a:r>
-            <a:r>
-              <a:rPr lang="en-US" altLang="ko-KR" sz="950" dirty="0" smtClean="0"/>
+              <a:t>http://staruml.io/</a:t>
+            </a:r>
+            <a:r>
+              <a:rPr lang="en-US" altLang="ko-KR" sz="950" dirty="0"/>
               <a:t> </a:t>
             </a:r>
             <a:endParaRPr lang="ko-KR" altLang="en-US" sz="950" dirty="0"/>
@@ -17738,20 +17146,13 @@
     </p:spTree>
     <p:extLst>
       <p:ext uri="{BB962C8B-B14F-4D97-AF65-F5344CB8AC3E}">
-        <p14:creationId xmlns:p14="http://schemas.microsoft.com/office/powerpoint/2010/main" xmlns="" val="2692156124"/>
+        <p14:creationId xmlns:p14="http://schemas.microsoft.com/office/powerpoint/2010/main" val="2692156124"/>
       </p:ext>
     </p:extLst>
   </p:cSld>
   <p:clrMapOvr>
     <a:masterClrMapping/>
   </p:clrMapOvr>
-  <p:timing>
-    <p:tnLst>
-      <p:par>
-        <p:cTn id="1" dur="indefinite" restart="never" nodeType="tmRoot"/>
-      </p:par>
-    </p:tnLst>
-  </p:timing>
 </p:sld>
 </file>
 
@@ -17833,7 +17234,7 @@
           <a:p>
             <a:pPr algn="l"/>
             <a:r>
-              <a:rPr lang="en-US" altLang="ko-KR" sz="2400" b="1" spc="-150" dirty="0" smtClean="0">
+              <a:rPr lang="en-US" altLang="ko-KR" sz="2400" b="1" spc="-150" dirty="0">
                 <a:solidFill>
                   <a:schemeClr val="accent4">
                     <a:lumMod val="50000"/>
@@ -17951,7 +17352,7 @@
           <a:p>
             <a:pPr algn="ctr"/>
             <a:r>
-              <a:rPr lang="en-US" altLang="ko-KR" sz="1000" dirty="0" smtClean="0">
+              <a:rPr lang="en-US" altLang="ko-KR" sz="1000" dirty="0">
                 <a:solidFill>
                   <a:schemeClr val="bg1"/>
                 </a:solidFill>
@@ -17959,7 +17360,7 @@
               <a:t>2016 </a:t>
             </a:r>
             <a:r>
-              <a:rPr lang="ko-KR" altLang="en-US" sz="1000" dirty="0" smtClean="0">
+              <a:rPr lang="ko-KR" altLang="en-US" sz="1000" dirty="0">
                 <a:solidFill>
                   <a:schemeClr val="bg1"/>
                 </a:solidFill>
@@ -17967,7 +17368,7 @@
               <a:t>중앙대학교</a:t>
             </a:r>
             <a:r>
-              <a:rPr lang="en-US" sz="1000" dirty="0" smtClean="0">
+              <a:rPr lang="en-US" sz="1000" dirty="0">
                 <a:solidFill>
                   <a:schemeClr val="bg1"/>
                 </a:solidFill>
@@ -17975,7 +17376,7 @@
               <a:t> Python </a:t>
             </a:r>
             <a:r>
-              <a:rPr lang="ko-KR" altLang="en-US" sz="1000" dirty="0" smtClean="0">
+              <a:rPr lang="ko-KR" altLang="en-US" sz="1000" dirty="0">
                 <a:solidFill>
                   <a:schemeClr val="bg1"/>
                 </a:solidFill>
@@ -18014,7 +17415,7 @@
           <a:p>
             <a:pPr algn="r"/>
             <a:r>
-              <a:rPr lang="en-US" altLang="ko-KR" sz="800" b="1" spc="-30" dirty="0" smtClean="0">
+              <a:rPr lang="en-US" altLang="ko-KR" sz="800" b="1" spc="-30" dirty="0">
                 <a:solidFill>
                   <a:schemeClr val="bg1"/>
                 </a:solidFill>
@@ -18035,7 +17436,7 @@
               <a:t>23</a:t>
             </a:fld>
             <a:r>
-              <a:rPr lang="en-US" altLang="ko-KR" sz="800" b="1" spc="-30" dirty="0" smtClean="0">
+              <a:rPr lang="en-US" altLang="ko-KR" sz="800" b="1" spc="-30" dirty="0">
                 <a:solidFill>
                   <a:schemeClr val="bg1"/>
                 </a:solidFill>
@@ -18044,13 +17445,6 @@
               </a:rPr>
               <a:t> -</a:t>
             </a:r>
-            <a:endParaRPr lang="en-US" altLang="ko-KR" sz="800" b="1" spc="-30" dirty="0">
-              <a:solidFill>
-                <a:schemeClr val="bg1"/>
-              </a:solidFill>
-              <a:latin typeface="맑은 고딕" panose="020B0503020000020004" pitchFamily="50" charset="-127"/>
-              <a:ea typeface="맑은 고딕" panose="020B0503020000020004" pitchFamily="50" charset="-127"/>
-            </a:endParaRPr>
           </a:p>
         </p:txBody>
       </p:sp>
@@ -18112,20 +17506,10 @@
                 <a:latin typeface="맑은 고딕" pitchFamily="50" charset="-127"/>
                 <a:hlinkClick r:id="rId3"/>
               </a:rPr>
-              <a:t>http://staruml.io</a:t>
-            </a:r>
-            <a:r>
-              <a:rPr lang="en-US" altLang="ko-KR" sz="1600" b="1" spc="-150" dirty="0" smtClean="0">
-                <a:solidFill>
-                  <a:srgbClr val="000000"/>
-                </a:solidFill>
-                <a:latin typeface="맑은 고딕" pitchFamily="50" charset="-127"/>
-                <a:hlinkClick r:id="rId3"/>
-              </a:rPr>
-              <a:t>/</a:t>
-            </a:r>
-            <a:r>
-              <a:rPr lang="en-US" altLang="ko-KR" sz="1600" b="1" spc="-150" dirty="0" smtClean="0">
+              <a:t>http://staruml.io/</a:t>
+            </a:r>
+            <a:r>
+              <a:rPr lang="en-US" altLang="ko-KR" sz="1600" b="1" spc="-150" dirty="0">
                 <a:solidFill>
                   <a:srgbClr val="000000"/>
                 </a:solidFill>
@@ -18168,7 +17552,7 @@
               <a:buChar char="ü"/>
             </a:pPr>
             <a:r>
-              <a:rPr lang="ko-KR" altLang="en-US" sz="1600" spc="-150" dirty="0" smtClean="0">
+              <a:rPr lang="ko-KR" altLang="en-US" sz="1600" spc="-150" dirty="0">
                 <a:ln w="0"/>
                 <a:effectLst>
                   <a:outerShdw blurRad="38100" dist="19050" dir="2700000" algn="tl" rotWithShape="0">
@@ -18181,7 +17565,7 @@
               <a:t>작성한 </a:t>
             </a:r>
             <a:r>
-              <a:rPr lang="en-US" altLang="ko-KR" sz="1600" spc="-150" dirty="0" smtClean="0">
+              <a:rPr lang="en-US" altLang="ko-KR" sz="1600" spc="-150" dirty="0">
                 <a:ln w="0"/>
                 <a:effectLst>
                   <a:outerShdw blurRad="38100" dist="19050" dir="2700000" algn="tl" rotWithShape="0">
@@ -18194,7 +17578,7 @@
               <a:t>Class </a:t>
             </a:r>
             <a:r>
-              <a:rPr lang="ko-KR" altLang="en-US" sz="1600" spc="-150" dirty="0" smtClean="0">
+              <a:rPr lang="ko-KR" altLang="en-US" sz="1600" spc="-150" dirty="0">
                 <a:ln w="0"/>
                 <a:effectLst>
                   <a:outerShdw blurRad="38100" dist="19050" dir="2700000" algn="tl" rotWithShape="0">
@@ -18207,7 +17591,7 @@
               <a:t>다이어그램을 </a:t>
             </a:r>
             <a:r>
-              <a:rPr lang="en-US" altLang="ko-KR" sz="1600" spc="-150" dirty="0" smtClean="0">
+              <a:rPr lang="en-US" altLang="ko-KR" sz="1600" spc="-150" dirty="0">
                 <a:ln w="0"/>
                 <a:effectLst>
                   <a:outerShdw blurRad="38100" dist="19050" dir="2700000" algn="tl" rotWithShape="0">
@@ -18220,7 +17604,7 @@
               <a:t>Markdown </a:t>
             </a:r>
             <a:r>
-              <a:rPr lang="ko-KR" altLang="en-US" sz="1600" spc="-150" dirty="0" smtClean="0">
+              <a:rPr lang="ko-KR" altLang="en-US" sz="1600" spc="-150" dirty="0">
                 <a:ln w="0"/>
                 <a:effectLst>
                   <a:outerShdw blurRad="38100" dist="19050" dir="2700000" algn="tl" rotWithShape="0">
@@ -18233,7 +17617,7 @@
               <a:t>문서로 변환 시키거나 </a:t>
             </a:r>
             <a:r>
-              <a:rPr lang="en-US" altLang="ko-KR" sz="1600" spc="-150" dirty="0" smtClean="0">
+              <a:rPr lang="en-US" altLang="ko-KR" sz="1600" spc="-150" dirty="0">
                 <a:ln w="0"/>
                 <a:effectLst>
                   <a:outerShdw blurRad="38100" dist="19050" dir="2700000" algn="tl" rotWithShape="0">
@@ -18246,7 +17630,7 @@
               <a:t>Python </a:t>
             </a:r>
             <a:r>
-              <a:rPr lang="ko-KR" altLang="en-US" sz="1600" spc="-150" dirty="0" smtClean="0">
+              <a:rPr lang="ko-KR" altLang="en-US" sz="1600" spc="-150" dirty="0">
                 <a:ln w="0"/>
                 <a:effectLst>
                   <a:outerShdw blurRad="38100" dist="19050" dir="2700000" algn="tl" rotWithShape="0">
@@ -18294,27 +17678,17 @@
           <a:lstStyle/>
           <a:p>
             <a:r>
-              <a:rPr lang="en-US" altLang="ko-KR" sz="950" dirty="0" smtClean="0"/>
-              <a:t>[1</a:t>
-            </a:r>
-            <a:r>
               <a:rPr lang="en-US" altLang="ko-KR" sz="950" dirty="0"/>
-              <a:t>] </a:t>
+              <a:t>[1] </a:t>
             </a:r>
             <a:r>
               <a:rPr lang="en-US" altLang="ko-KR" sz="950" dirty="0">
                 <a:hlinkClick r:id="rId3"/>
               </a:rPr>
-              <a:t>http://staruml.io</a:t>
-            </a:r>
-            <a:r>
-              <a:rPr lang="en-US" altLang="ko-KR" sz="950" dirty="0" smtClean="0">
-                <a:hlinkClick r:id="rId3"/>
-              </a:rPr>
-              <a:t>/</a:t>
-            </a:r>
-            <a:r>
-              <a:rPr lang="en-US" altLang="ko-KR" sz="950" dirty="0" smtClean="0"/>
+              <a:t>http://staruml.io/</a:t>
+            </a:r>
+            <a:r>
+              <a:rPr lang="en-US" altLang="ko-KR" sz="950" dirty="0"/>
               <a:t> </a:t>
             </a:r>
             <a:endParaRPr lang="ko-KR" altLang="en-US" sz="950" dirty="0"/>
@@ -18412,7 +17786,13 @@
                 <a:tableStyleId>{5940675A-B579-460E-94D1-54222C63F5DA}</a:tableStyleId>
               </a:tblPr>
               <a:tblGrid>
-                <a:gridCol w="2093296"/>
+                <a:gridCol w="2093296">
+                  <a:extLst>
+                    <a:ext uri="{9D8B030D-6E8A-4147-A177-3AD203B41FA5}">
+                      <a16:colId xmlns:a16="http://schemas.microsoft.com/office/drawing/2014/main" val="20000"/>
+                    </a:ext>
+                  </a:extLst>
+                </a:gridCol>
               </a:tblGrid>
               <a:tr h="253166">
                 <a:tc>
@@ -18422,18 +17802,13 @@
                     <a:p>
                       <a:pPr algn="ctr"/>
                       <a:r>
-                        <a:rPr lang="en-US" altLang="ko-KR" sz="1050" b="1" dirty="0" smtClean="0">
+                        <a:rPr lang="en-US" altLang="ko-KR" sz="1050" b="1" dirty="0">
                           <a:solidFill>
                             <a:schemeClr val="bg1"/>
                           </a:solidFill>
                         </a:rPr>
                         <a:t>Description</a:t>
                       </a:r>
-                      <a:endParaRPr lang="en-US" altLang="ko-KR" sz="1050" b="1" dirty="0">
-                        <a:solidFill>
-                          <a:schemeClr val="bg1"/>
-                        </a:solidFill>
-                      </a:endParaRPr>
                     </a:p>
                   </a:txBody>
                   <a:tcPr>
@@ -18442,6 +17817,11 @@
                     </a:solidFill>
                   </a:tcPr>
                 </a:tc>
+                <a:extLst>
+                  <a:ext uri="{0D108BD9-81ED-4DB2-BD59-A6C34878D82A}">
+                    <a16:rowId xmlns:a16="http://schemas.microsoft.com/office/drawing/2014/main" val="10000"/>
+                  </a:ext>
+                </a:extLst>
               </a:tr>
               <a:tr h="4192834">
                 <a:tc>
@@ -18454,7 +17834,7 @@
                         <a:buAutoNum type="circleNumDbPlain"/>
                       </a:pPr>
                       <a:r>
-                        <a:rPr lang="en-US" altLang="ko-KR" sz="1000" b="1" baseline="0" dirty="0" smtClean="0">
+                        <a:rPr lang="en-US" altLang="ko-KR" sz="1000" b="1" baseline="0" dirty="0">
                           <a:solidFill>
                             <a:schemeClr val="tx1"/>
                           </a:solidFill>
@@ -18462,14 +17842,14 @@
                         <a:t>[Extension Manager] </a:t>
                       </a:r>
                       <a:r>
-                        <a:rPr lang="ko-KR" altLang="en-US" sz="1000" b="1" baseline="0" dirty="0" smtClean="0">
+                        <a:rPr lang="ko-KR" altLang="en-US" sz="1000" b="1" baseline="0" dirty="0">
                           <a:solidFill>
                             <a:schemeClr val="tx1"/>
                           </a:solidFill>
                         </a:rPr>
                         <a:t>클릭</a:t>
                       </a:r>
-                      <a:endParaRPr lang="en-US" altLang="ko-KR" sz="1000" b="1" baseline="0" dirty="0" smtClean="0">
+                      <a:endParaRPr lang="en-US" altLang="ko-KR" sz="1000" b="1" baseline="0" dirty="0">
                         <a:solidFill>
                           <a:schemeClr val="tx1"/>
                         </a:solidFill>
@@ -18480,7 +17860,7 @@
                         <a:buFont typeface="+mj-ea"/>
                         <a:buAutoNum type="circleNumDbPlain"/>
                       </a:pPr>
-                      <a:endParaRPr lang="en-US" altLang="ko-KR" sz="1000" b="1" baseline="0" dirty="0" smtClean="0">
+                      <a:endParaRPr lang="en-US" altLang="ko-KR" sz="1000" b="1" baseline="0" dirty="0">
                         <a:solidFill>
                           <a:schemeClr val="tx1"/>
                         </a:solidFill>
@@ -18492,7 +17872,7 @@
                         <a:buAutoNum type="circleNumDbPlain"/>
                       </a:pPr>
                       <a:r>
-                        <a:rPr lang="ko-KR" altLang="en-US" sz="1000" b="1" baseline="0" dirty="0" err="1" smtClean="0">
+                        <a:rPr lang="ko-KR" altLang="en-US" sz="1000" b="1" baseline="0" dirty="0" err="1">
                           <a:solidFill>
                             <a:schemeClr val="tx1"/>
                           </a:solidFill>
@@ -18500,7 +17880,7 @@
                         <a:t>검색어에</a:t>
                       </a:r>
                       <a:r>
-                        <a:rPr lang="ko-KR" altLang="en-US" sz="1000" b="1" baseline="0" dirty="0" smtClean="0">
+                        <a:rPr lang="ko-KR" altLang="en-US" sz="1000" b="1" baseline="0" dirty="0">
                           <a:solidFill>
                             <a:schemeClr val="tx1"/>
                           </a:solidFill>
@@ -18508,7 +17888,7 @@
                         <a:t> </a:t>
                       </a:r>
                       <a:r>
-                        <a:rPr lang="en-US" altLang="ko-KR" sz="1000" b="1" baseline="0" dirty="0" smtClean="0">
+                        <a:rPr lang="en-US" altLang="ko-KR" sz="1000" b="1" baseline="0" dirty="0">
                           <a:solidFill>
                             <a:schemeClr val="tx1"/>
                           </a:solidFill>
@@ -18516,7 +17896,7 @@
                         <a:t>Markdown </a:t>
                       </a:r>
                       <a:r>
-                        <a:rPr lang="ko-KR" altLang="en-US" sz="1000" b="1" baseline="0" dirty="0" err="1" smtClean="0">
+                        <a:rPr lang="ko-KR" altLang="en-US" sz="1000" b="1" baseline="0" dirty="0" err="1">
                           <a:solidFill>
                             <a:schemeClr val="tx1"/>
                           </a:solidFill>
@@ -18524,7 +17904,7 @@
                         <a:t>입력후</a:t>
                       </a:r>
                       <a:r>
-                        <a:rPr lang="ko-KR" altLang="en-US" sz="1000" b="1" baseline="0" dirty="0" smtClean="0">
+                        <a:rPr lang="ko-KR" altLang="en-US" sz="1000" b="1" baseline="0" dirty="0">
                           <a:solidFill>
                             <a:schemeClr val="tx1"/>
                           </a:solidFill>
@@ -18532,7 +17912,7 @@
                         <a:t> </a:t>
                       </a:r>
                       <a:r>
-                        <a:rPr lang="en-US" altLang="ko-KR" sz="1000" b="1" baseline="0" dirty="0" smtClean="0">
+                        <a:rPr lang="en-US" altLang="ko-KR" sz="1000" b="1" baseline="0" dirty="0">
                           <a:solidFill>
                             <a:schemeClr val="tx1"/>
                           </a:solidFill>
@@ -18540,14 +17920,14 @@
                         <a:t>[Markdown Documentation]  </a:t>
                       </a:r>
                       <a:r>
-                        <a:rPr lang="ko-KR" altLang="en-US" sz="1000" b="1" baseline="0" dirty="0" smtClean="0">
+                        <a:rPr lang="ko-KR" altLang="en-US" sz="1000" b="1" baseline="0" dirty="0">
                           <a:solidFill>
                             <a:schemeClr val="tx1"/>
                           </a:solidFill>
                         </a:rPr>
                         <a:t>확인</a:t>
                       </a:r>
-                      <a:endParaRPr lang="en-US" altLang="ko-KR" sz="1000" b="1" baseline="0" dirty="0" smtClean="0">
+                      <a:endParaRPr lang="en-US" altLang="ko-KR" sz="1000" b="1" baseline="0" dirty="0">
                         <a:solidFill>
                           <a:schemeClr val="tx1"/>
                         </a:solidFill>
@@ -18558,7 +17938,7 @@
                         <a:buFont typeface="+mj-ea"/>
                         <a:buAutoNum type="circleNumDbPlain"/>
                       </a:pPr>
-                      <a:endParaRPr lang="en-US" altLang="ko-KR" sz="1000" b="1" baseline="0" dirty="0" smtClean="0">
+                      <a:endParaRPr lang="en-US" altLang="ko-KR" sz="1000" b="1" baseline="0" dirty="0">
                         <a:solidFill>
                           <a:schemeClr val="tx1"/>
                         </a:solidFill>
@@ -18570,7 +17950,7 @@
                         <a:buAutoNum type="circleNumDbPlain"/>
                       </a:pPr>
                       <a:r>
-                        <a:rPr lang="en-US" altLang="ko-KR" sz="1000" b="1" baseline="0" dirty="0" smtClean="0">
+                        <a:rPr lang="en-US" altLang="ko-KR" sz="1000" b="1" baseline="0" dirty="0">
                           <a:solidFill>
                             <a:schemeClr val="tx1"/>
                           </a:solidFill>
@@ -18578,14 +17958,14 @@
                         <a:t>[Install] </a:t>
                       </a:r>
                       <a:r>
-                        <a:rPr lang="ko-KR" altLang="en-US" sz="1000" b="1" baseline="0" dirty="0" smtClean="0">
+                        <a:rPr lang="ko-KR" altLang="en-US" sz="1000" b="1" baseline="0" dirty="0">
                           <a:solidFill>
                             <a:schemeClr val="tx1"/>
                           </a:solidFill>
                         </a:rPr>
                         <a:t>버튼 클릭</a:t>
                       </a:r>
-                      <a:endParaRPr lang="en-US" altLang="ko-KR" sz="1000" b="1" baseline="0" dirty="0" smtClean="0">
+                      <a:endParaRPr lang="en-US" altLang="ko-KR" sz="1000" b="1" baseline="0" dirty="0">
                         <a:solidFill>
                           <a:schemeClr val="tx1"/>
                         </a:solidFill>
@@ -18596,7 +17976,7 @@
                         <a:buFont typeface="+mj-ea"/>
                         <a:buAutoNum type="circleNumDbPlain"/>
                       </a:pPr>
-                      <a:endParaRPr lang="en-US" altLang="ko-KR" sz="1000" b="1" baseline="0" dirty="0" smtClean="0">
+                      <a:endParaRPr lang="en-US" altLang="ko-KR" sz="1000" b="1" baseline="0" dirty="0">
                         <a:solidFill>
                           <a:schemeClr val="tx1"/>
                         </a:solidFill>
@@ -18621,7 +18001,7 @@
                         <a:defRPr/>
                       </a:pPr>
                       <a:r>
-                        <a:rPr lang="ko-KR" altLang="en-US" sz="1000" b="1" baseline="0" dirty="0" err="1" smtClean="0">
+                        <a:rPr lang="ko-KR" altLang="en-US" sz="1000" b="1" baseline="0" dirty="0" err="1">
                           <a:solidFill>
                             <a:schemeClr val="tx1"/>
                           </a:solidFill>
@@ -18629,7 +18009,7 @@
                         <a:t>검색어에</a:t>
                       </a:r>
                       <a:r>
-                        <a:rPr lang="ko-KR" altLang="en-US" sz="1000" b="1" baseline="0" dirty="0" smtClean="0">
+                        <a:rPr lang="ko-KR" altLang="en-US" sz="1000" b="1" baseline="0" dirty="0">
                           <a:solidFill>
                             <a:schemeClr val="tx1"/>
                           </a:solidFill>
@@ -18637,7 +18017,7 @@
                         <a:t> </a:t>
                       </a:r>
                       <a:r>
-                        <a:rPr lang="en-US" altLang="ko-KR" sz="1000" b="1" baseline="0" dirty="0" smtClean="0">
+                        <a:rPr lang="en-US" altLang="ko-KR" sz="1000" b="1" baseline="0" dirty="0">
                           <a:solidFill>
                             <a:schemeClr val="tx1"/>
                           </a:solidFill>
@@ -18645,7 +18025,7 @@
                         <a:t>Python </a:t>
                       </a:r>
                       <a:r>
-                        <a:rPr lang="ko-KR" altLang="en-US" sz="1000" b="1" baseline="0" dirty="0" err="1" smtClean="0">
+                        <a:rPr lang="ko-KR" altLang="en-US" sz="1000" b="1" baseline="0" dirty="0" err="1">
                           <a:solidFill>
                             <a:schemeClr val="tx1"/>
                           </a:solidFill>
@@ -18653,7 +18033,7 @@
                         <a:t>입력후</a:t>
                       </a:r>
                       <a:r>
-                        <a:rPr lang="ko-KR" altLang="en-US" sz="1000" b="1" baseline="0" dirty="0" smtClean="0">
+                        <a:rPr lang="ko-KR" altLang="en-US" sz="1000" b="1" baseline="0" dirty="0">
                           <a:solidFill>
                             <a:schemeClr val="tx1"/>
                           </a:solidFill>
@@ -18661,7 +18041,7 @@
                         <a:t> </a:t>
                       </a:r>
                       <a:r>
-                        <a:rPr lang="en-US" altLang="ko-KR" sz="1000" b="1" baseline="0" dirty="0" smtClean="0">
+                        <a:rPr lang="en-US" altLang="ko-KR" sz="1000" b="1" baseline="0" dirty="0">
                           <a:solidFill>
                             <a:schemeClr val="tx1"/>
                           </a:solidFill>
@@ -18669,14 +18049,14 @@
                         <a:t>[python]  </a:t>
                       </a:r>
                       <a:r>
-                        <a:rPr lang="ko-KR" altLang="en-US" sz="1000" b="1" baseline="0" dirty="0" smtClean="0">
+                        <a:rPr lang="ko-KR" altLang="en-US" sz="1000" b="1" baseline="0" dirty="0">
                           <a:solidFill>
                             <a:schemeClr val="tx1"/>
                           </a:solidFill>
                         </a:rPr>
                         <a:t>확인</a:t>
                       </a:r>
-                      <a:endParaRPr lang="en-US" altLang="ko-KR" sz="1000" b="1" baseline="0" dirty="0" smtClean="0">
+                      <a:endParaRPr lang="en-US" altLang="ko-KR" sz="1000" b="1" baseline="0" dirty="0">
                         <a:solidFill>
                           <a:schemeClr val="tx1"/>
                         </a:solidFill>
@@ -18700,7 +18080,7 @@
                         <a:tabLst/>
                         <a:defRPr/>
                       </a:pPr>
-                      <a:endParaRPr lang="en-US" altLang="ko-KR" sz="1000" b="1" baseline="0" dirty="0" smtClean="0">
+                      <a:endParaRPr lang="en-US" altLang="ko-KR" sz="1000" b="1" baseline="0" dirty="0">
                         <a:solidFill>
                           <a:schemeClr val="tx1"/>
                         </a:solidFill>
@@ -18725,7 +18105,7 @@
                         <a:defRPr/>
                       </a:pPr>
                       <a:r>
-                        <a:rPr lang="en-US" altLang="ko-KR" sz="1000" b="1" baseline="0" dirty="0" smtClean="0">
+                        <a:rPr lang="en-US" altLang="ko-KR" sz="1000" b="1" baseline="0" dirty="0">
                           <a:solidFill>
                             <a:schemeClr val="tx1"/>
                           </a:solidFill>
@@ -18733,14 +18113,14 @@
                         <a:t>[Install] </a:t>
                       </a:r>
                       <a:r>
-                        <a:rPr lang="ko-KR" altLang="en-US" sz="1000" b="1" baseline="0" dirty="0" smtClean="0">
+                        <a:rPr lang="ko-KR" altLang="en-US" sz="1000" b="1" baseline="0" dirty="0">
                           <a:solidFill>
                             <a:schemeClr val="tx1"/>
                           </a:solidFill>
                         </a:rPr>
                         <a:t>버튼 클릭</a:t>
                       </a:r>
-                      <a:endParaRPr lang="en-US" altLang="ko-KR" sz="1000" b="1" baseline="0" dirty="0" smtClean="0">
+                      <a:endParaRPr lang="en-US" altLang="ko-KR" sz="1000" b="1" baseline="0" dirty="0">
                         <a:solidFill>
                           <a:schemeClr val="tx1"/>
                         </a:solidFill>
@@ -18764,7 +18144,7 @@
                         <a:tabLst/>
                         <a:defRPr/>
                       </a:pPr>
-                      <a:endParaRPr lang="en-US" altLang="ko-KR" sz="1000" b="1" baseline="0" dirty="0" smtClean="0">
+                      <a:endParaRPr lang="en-US" altLang="ko-KR" sz="1000" b="1" baseline="0" dirty="0">
                         <a:solidFill>
                           <a:schemeClr val="tx1"/>
                         </a:solidFill>
@@ -18775,7 +18155,7 @@
                         <a:buFont typeface="+mj-ea"/>
                         <a:buAutoNum type="circleNumDbPlain"/>
                       </a:pPr>
-                      <a:endParaRPr lang="en-US" altLang="ko-KR" sz="1000" b="1" baseline="0" dirty="0" smtClean="0">
+                      <a:endParaRPr lang="en-US" altLang="ko-KR" sz="1000" b="1" baseline="0" dirty="0">
                         <a:solidFill>
                           <a:schemeClr val="tx1"/>
                         </a:solidFill>
@@ -18786,6 +18166,11 @@
                     <a:noFill/>
                   </a:tcPr>
                 </a:tc>
+                <a:extLst>
+                  <a:ext uri="{0D108BD9-81ED-4DB2-BD59-A6C34878D82A}">
+                    <a16:rowId xmlns:a16="http://schemas.microsoft.com/office/drawing/2014/main" val="10001"/>
+                  </a:ext>
+                </a:extLst>
               </a:tr>
             </a:tbl>
           </a:graphicData>
@@ -18881,7 +18266,7 @@
             <a:p>
               <a:pPr algn="ctr"/>
               <a:r>
-                <a:rPr lang="en-US" altLang="ko-KR" sz="1100" b="1" dirty="0" smtClean="0">
+                <a:rPr lang="en-US" altLang="ko-KR" sz="1100" b="1" dirty="0">
                   <a:solidFill>
                     <a:srgbClr val="FF0000"/>
                   </a:solidFill>
@@ -19011,7 +18396,7 @@
             <a:p>
               <a:pPr algn="ctr"/>
               <a:r>
-                <a:rPr lang="en-US" altLang="ko-KR" sz="1100" b="1" dirty="0" smtClean="0">
+                <a:rPr lang="en-US" altLang="ko-KR" sz="1100" b="1" dirty="0">
                   <a:solidFill>
                     <a:srgbClr val="FF0000"/>
                   </a:solidFill>
@@ -19117,7 +18502,7 @@
             <a:p>
               <a:pPr algn="ctr"/>
               <a:r>
-                <a:rPr lang="en-US" altLang="ko-KR" sz="1100" b="1" dirty="0" smtClean="0">
+                <a:rPr lang="en-US" altLang="ko-KR" sz="1100" b="1" dirty="0">
                   <a:solidFill>
                     <a:srgbClr val="FF0000"/>
                   </a:solidFill>
@@ -19247,7 +18632,7 @@
             <a:p>
               <a:pPr algn="ctr"/>
               <a:r>
-                <a:rPr lang="en-US" altLang="ko-KR" sz="1100" b="1" dirty="0" smtClean="0">
+                <a:rPr lang="en-US" altLang="ko-KR" sz="1100" b="1" dirty="0">
                   <a:solidFill>
                     <a:srgbClr val="FF0000"/>
                   </a:solidFill>
@@ -19353,7 +18738,7 @@
             <a:p>
               <a:pPr algn="ctr"/>
               <a:r>
-                <a:rPr lang="en-US" altLang="ko-KR" sz="1100" b="1" dirty="0" smtClean="0">
+                <a:rPr lang="en-US" altLang="ko-KR" sz="1100" b="1" dirty="0">
                   <a:solidFill>
                     <a:srgbClr val="FF0000"/>
                   </a:solidFill>
@@ -19372,20 +18757,13 @@
     </p:spTree>
     <p:extLst>
       <p:ext uri="{BB962C8B-B14F-4D97-AF65-F5344CB8AC3E}">
-        <p14:creationId xmlns:p14="http://schemas.microsoft.com/office/powerpoint/2010/main" xmlns="" val="1662693036"/>
+        <p14:creationId xmlns:p14="http://schemas.microsoft.com/office/powerpoint/2010/main" val="1662693036"/>
       </p:ext>
     </p:extLst>
   </p:cSld>
   <p:clrMapOvr>
     <a:masterClrMapping/>
   </p:clrMapOvr>
-  <p:timing>
-    <p:tnLst>
-      <p:par>
-        <p:cTn id="1" dur="indefinite" restart="never" nodeType="tmRoot"/>
-      </p:par>
-    </p:tnLst>
-  </p:timing>
 </p:sld>
 </file>
 
@@ -19467,7 +18845,7 @@
           <a:p>
             <a:pPr algn="l"/>
             <a:r>
-              <a:rPr lang="en-US" altLang="ko-KR" sz="2400" b="1" spc="-150" dirty="0" smtClean="0">
+              <a:rPr lang="en-US" altLang="ko-KR" sz="2400" b="1" spc="-150" dirty="0">
                 <a:solidFill>
                   <a:schemeClr val="accent4">
                     <a:lumMod val="50000"/>
@@ -19585,7 +18963,7 @@
           <a:p>
             <a:pPr algn="ctr"/>
             <a:r>
-              <a:rPr lang="en-US" altLang="ko-KR" sz="1000" dirty="0" smtClean="0">
+              <a:rPr lang="en-US" altLang="ko-KR" sz="1000" dirty="0">
                 <a:solidFill>
                   <a:schemeClr val="bg1"/>
                 </a:solidFill>
@@ -19593,7 +18971,7 @@
               <a:t>2016 </a:t>
             </a:r>
             <a:r>
-              <a:rPr lang="ko-KR" altLang="en-US" sz="1000" dirty="0" smtClean="0">
+              <a:rPr lang="ko-KR" altLang="en-US" sz="1000" dirty="0">
                 <a:solidFill>
                   <a:schemeClr val="bg1"/>
                 </a:solidFill>
@@ -19601,7 +18979,7 @@
               <a:t>중앙대학교</a:t>
             </a:r>
             <a:r>
-              <a:rPr lang="en-US" sz="1000" dirty="0" smtClean="0">
+              <a:rPr lang="en-US" sz="1000" dirty="0">
                 <a:solidFill>
                   <a:schemeClr val="bg1"/>
                 </a:solidFill>
@@ -19609,7 +18987,7 @@
               <a:t> Python </a:t>
             </a:r>
             <a:r>
-              <a:rPr lang="ko-KR" altLang="en-US" sz="1000" dirty="0" smtClean="0">
+              <a:rPr lang="ko-KR" altLang="en-US" sz="1000" dirty="0">
                 <a:solidFill>
                   <a:schemeClr val="bg1"/>
                 </a:solidFill>
@@ -19648,7 +19026,7 @@
           <a:p>
             <a:pPr algn="r"/>
             <a:r>
-              <a:rPr lang="en-US" altLang="ko-KR" sz="800" b="1" spc="-30" dirty="0" smtClean="0">
+              <a:rPr lang="en-US" altLang="ko-KR" sz="800" b="1" spc="-30" dirty="0">
                 <a:solidFill>
                   <a:schemeClr val="bg1"/>
                 </a:solidFill>
@@ -19669,7 +19047,7 @@
               <a:t>24</a:t>
             </a:fld>
             <a:r>
-              <a:rPr lang="en-US" altLang="ko-KR" sz="800" b="1" spc="-30" dirty="0" smtClean="0">
+              <a:rPr lang="en-US" altLang="ko-KR" sz="800" b="1" spc="-30" dirty="0">
                 <a:solidFill>
                   <a:schemeClr val="bg1"/>
                 </a:solidFill>
@@ -19678,13 +19056,6 @@
               </a:rPr>
               <a:t> -</a:t>
             </a:r>
-            <a:endParaRPr lang="en-US" altLang="ko-KR" sz="800" b="1" spc="-30" dirty="0">
-              <a:solidFill>
-                <a:schemeClr val="bg1"/>
-              </a:solidFill>
-              <a:latin typeface="맑은 고딕" panose="020B0503020000020004" pitchFamily="50" charset="-127"/>
-              <a:ea typeface="맑은 고딕" panose="020B0503020000020004" pitchFamily="50" charset="-127"/>
-            </a:endParaRPr>
           </a:p>
         </p:txBody>
       </p:sp>
@@ -19746,20 +19117,10 @@
                 <a:latin typeface="맑은 고딕" pitchFamily="50" charset="-127"/>
                 <a:hlinkClick r:id="rId3"/>
               </a:rPr>
-              <a:t>http://staruml.io</a:t>
-            </a:r>
-            <a:r>
-              <a:rPr lang="en-US" altLang="ko-KR" sz="1600" b="1" spc="-150" dirty="0" smtClean="0">
-                <a:solidFill>
-                  <a:srgbClr val="000000"/>
-                </a:solidFill>
-                <a:latin typeface="맑은 고딕" pitchFamily="50" charset="-127"/>
-                <a:hlinkClick r:id="rId3"/>
-              </a:rPr>
-              <a:t>/</a:t>
-            </a:r>
-            <a:r>
-              <a:rPr lang="en-US" altLang="ko-KR" sz="1600" b="1" spc="-150" dirty="0" smtClean="0">
+              <a:t>http://staruml.io/</a:t>
+            </a:r>
+            <a:r>
+              <a:rPr lang="en-US" altLang="ko-KR" sz="1600" b="1" spc="-150" dirty="0">
                 <a:solidFill>
                   <a:srgbClr val="000000"/>
                 </a:solidFill>
@@ -19798,27 +19159,17 @@
           <a:lstStyle/>
           <a:p>
             <a:r>
-              <a:rPr lang="en-US" altLang="ko-KR" sz="950" dirty="0" smtClean="0"/>
-              <a:t>[1</a:t>
-            </a:r>
-            <a:r>
               <a:rPr lang="en-US" altLang="ko-KR" sz="950" dirty="0"/>
-              <a:t>] </a:t>
+              <a:t>[1] </a:t>
             </a:r>
             <a:r>
               <a:rPr lang="en-US" altLang="ko-KR" sz="950" dirty="0">
                 <a:hlinkClick r:id="rId3"/>
               </a:rPr>
-              <a:t>http://staruml.io</a:t>
-            </a:r>
-            <a:r>
-              <a:rPr lang="en-US" altLang="ko-KR" sz="950" dirty="0" smtClean="0">
-                <a:hlinkClick r:id="rId3"/>
-              </a:rPr>
-              <a:t>/</a:t>
-            </a:r>
-            <a:r>
-              <a:rPr lang="en-US" altLang="ko-KR" sz="950" dirty="0" smtClean="0"/>
+              <a:t>http://staruml.io/</a:t>
+            </a:r>
+            <a:r>
+              <a:rPr lang="en-US" altLang="ko-KR" sz="950" dirty="0"/>
               <a:t> </a:t>
             </a:r>
             <a:endParaRPr lang="ko-KR" altLang="en-US" sz="950" dirty="0"/>
@@ -19875,20 +19226,13 @@
     </p:spTree>
     <p:extLst>
       <p:ext uri="{BB962C8B-B14F-4D97-AF65-F5344CB8AC3E}">
-        <p14:creationId xmlns:p14="http://schemas.microsoft.com/office/powerpoint/2010/main" xmlns="" val="2802366611"/>
+        <p14:creationId xmlns:p14="http://schemas.microsoft.com/office/powerpoint/2010/main" val="2802366611"/>
       </p:ext>
     </p:extLst>
   </p:cSld>
   <p:clrMapOvr>
     <a:masterClrMapping/>
   </p:clrMapOvr>
-  <p:timing>
-    <p:tnLst>
-      <p:par>
-        <p:cTn id="1" dur="indefinite" restart="never" nodeType="tmRoot"/>
-      </p:par>
-    </p:tnLst>
-  </p:timing>
 </p:sld>
 </file>
 
@@ -19970,7 +19314,7 @@
           <a:p>
             <a:pPr algn="l"/>
             <a:r>
-              <a:rPr lang="en-US" altLang="ko-KR" sz="2400" b="1" spc="-150" dirty="0" smtClean="0">
+              <a:rPr lang="en-US" altLang="ko-KR" sz="2400" b="1" spc="-150" dirty="0">
                 <a:solidFill>
                   <a:schemeClr val="accent4">
                     <a:lumMod val="50000"/>
@@ -20088,7 +19432,7 @@
           <a:p>
             <a:pPr algn="ctr"/>
             <a:r>
-              <a:rPr lang="en-US" altLang="ko-KR" sz="1000" dirty="0" smtClean="0">
+              <a:rPr lang="en-US" altLang="ko-KR" sz="1000" dirty="0">
                 <a:solidFill>
                   <a:schemeClr val="bg1"/>
                 </a:solidFill>
@@ -20096,7 +19440,7 @@
               <a:t>2016 </a:t>
             </a:r>
             <a:r>
-              <a:rPr lang="ko-KR" altLang="en-US" sz="1000" dirty="0" smtClean="0">
+              <a:rPr lang="ko-KR" altLang="en-US" sz="1000" dirty="0">
                 <a:solidFill>
                   <a:schemeClr val="bg1"/>
                 </a:solidFill>
@@ -20104,7 +19448,7 @@
               <a:t>중앙대학교</a:t>
             </a:r>
             <a:r>
-              <a:rPr lang="en-US" sz="1000" dirty="0" smtClean="0">
+              <a:rPr lang="en-US" sz="1000" dirty="0">
                 <a:solidFill>
                   <a:schemeClr val="bg1"/>
                 </a:solidFill>
@@ -20112,7 +19456,7 @@
               <a:t> Python </a:t>
             </a:r>
             <a:r>
-              <a:rPr lang="ko-KR" altLang="en-US" sz="1000" dirty="0" smtClean="0">
+              <a:rPr lang="ko-KR" altLang="en-US" sz="1000" dirty="0">
                 <a:solidFill>
                   <a:schemeClr val="bg1"/>
                 </a:solidFill>
@@ -20151,7 +19495,7 @@
           <a:p>
             <a:pPr algn="r"/>
             <a:r>
-              <a:rPr lang="en-US" altLang="ko-KR" sz="800" b="1" spc="-30" dirty="0" smtClean="0">
+              <a:rPr lang="en-US" altLang="ko-KR" sz="800" b="1" spc="-30" dirty="0">
                 <a:solidFill>
                   <a:schemeClr val="bg1"/>
                 </a:solidFill>
@@ -20172,7 +19516,7 @@
               <a:t>25</a:t>
             </a:fld>
             <a:r>
-              <a:rPr lang="en-US" altLang="ko-KR" sz="800" b="1" spc="-30" dirty="0" smtClean="0">
+              <a:rPr lang="en-US" altLang="ko-KR" sz="800" b="1" spc="-30" dirty="0">
                 <a:solidFill>
                   <a:schemeClr val="bg1"/>
                 </a:solidFill>
@@ -20181,13 +19525,6 @@
               </a:rPr>
               <a:t> -</a:t>
             </a:r>
-            <a:endParaRPr lang="en-US" altLang="ko-KR" sz="800" b="1" spc="-30" dirty="0">
-              <a:solidFill>
-                <a:schemeClr val="bg1"/>
-              </a:solidFill>
-              <a:latin typeface="맑은 고딕" panose="020B0503020000020004" pitchFamily="50" charset="-127"/>
-              <a:ea typeface="맑은 고딕" panose="020B0503020000020004" pitchFamily="50" charset="-127"/>
-            </a:endParaRPr>
           </a:p>
         </p:txBody>
       </p:sp>
@@ -20249,20 +19586,10 @@
                 <a:latin typeface="맑은 고딕" pitchFamily="50" charset="-127"/>
                 <a:hlinkClick r:id="rId3"/>
               </a:rPr>
-              <a:t>http://staruml.io</a:t>
-            </a:r>
-            <a:r>
-              <a:rPr lang="en-US" altLang="ko-KR" sz="1600" b="1" spc="-150" dirty="0" smtClean="0">
-                <a:solidFill>
-                  <a:srgbClr val="000000"/>
-                </a:solidFill>
-                <a:latin typeface="맑은 고딕" pitchFamily="50" charset="-127"/>
-                <a:hlinkClick r:id="rId3"/>
-              </a:rPr>
-              <a:t>/</a:t>
-            </a:r>
-            <a:r>
-              <a:rPr lang="en-US" altLang="ko-KR" sz="1600" b="1" spc="-150" dirty="0" smtClean="0">
+              <a:t>http://staruml.io/</a:t>
+            </a:r>
+            <a:r>
+              <a:rPr lang="en-US" altLang="ko-KR" sz="1600" b="1" spc="-150" dirty="0">
                 <a:solidFill>
                   <a:srgbClr val="000000"/>
                 </a:solidFill>
@@ -20301,27 +19628,17 @@
           <a:lstStyle/>
           <a:p>
             <a:r>
-              <a:rPr lang="en-US" altLang="ko-KR" sz="950" dirty="0" smtClean="0"/>
-              <a:t>[1</a:t>
-            </a:r>
-            <a:r>
               <a:rPr lang="en-US" altLang="ko-KR" sz="950" dirty="0"/>
-              <a:t>] </a:t>
+              <a:t>[1] </a:t>
             </a:r>
             <a:r>
               <a:rPr lang="en-US" altLang="ko-KR" sz="950" dirty="0">
                 <a:hlinkClick r:id="rId3"/>
               </a:rPr>
-              <a:t>http://staruml.io</a:t>
-            </a:r>
-            <a:r>
-              <a:rPr lang="en-US" altLang="ko-KR" sz="950" dirty="0" smtClean="0">
-                <a:hlinkClick r:id="rId3"/>
-              </a:rPr>
-              <a:t>/</a:t>
-            </a:r>
-            <a:r>
-              <a:rPr lang="en-US" altLang="ko-KR" sz="950" dirty="0" smtClean="0"/>
+              <a:t>http://staruml.io/</a:t>
+            </a:r>
+            <a:r>
+              <a:rPr lang="en-US" altLang="ko-KR" sz="950" dirty="0"/>
               <a:t> </a:t>
             </a:r>
             <a:endParaRPr lang="ko-KR" altLang="en-US" sz="950" dirty="0"/>
@@ -20379,20 +19696,13 @@
     </p:spTree>
     <p:extLst>
       <p:ext uri="{BB962C8B-B14F-4D97-AF65-F5344CB8AC3E}">
-        <p14:creationId xmlns:p14="http://schemas.microsoft.com/office/powerpoint/2010/main" xmlns="" val="1333812978"/>
+        <p14:creationId xmlns:p14="http://schemas.microsoft.com/office/powerpoint/2010/main" val="1333812978"/>
       </p:ext>
     </p:extLst>
   </p:cSld>
   <p:clrMapOvr>
     <a:masterClrMapping/>
   </p:clrMapOvr>
-  <p:timing>
-    <p:tnLst>
-      <p:par>
-        <p:cTn id="1" dur="indefinite" restart="never" nodeType="tmRoot"/>
-      </p:par>
-    </p:tnLst>
-  </p:timing>
 </p:sld>
 </file>
 
@@ -20474,7 +19784,7 @@
           <a:p>
             <a:pPr algn="l"/>
             <a:r>
-              <a:rPr lang="en-US" altLang="ko-KR" sz="2400" b="1" spc="-150" dirty="0" smtClean="0">
+              <a:rPr lang="en-US" altLang="ko-KR" sz="2400" b="1" spc="-150" dirty="0">
                 <a:solidFill>
                   <a:schemeClr val="accent4">
                     <a:lumMod val="50000"/>
@@ -20592,7 +19902,7 @@
           <a:p>
             <a:pPr algn="ctr"/>
             <a:r>
-              <a:rPr lang="en-US" altLang="ko-KR" sz="1000" dirty="0" smtClean="0">
+              <a:rPr lang="en-US" altLang="ko-KR" sz="1000" dirty="0">
                 <a:solidFill>
                   <a:schemeClr val="bg1"/>
                 </a:solidFill>
@@ -20600,7 +19910,7 @@
               <a:t>2016 </a:t>
             </a:r>
             <a:r>
-              <a:rPr lang="ko-KR" altLang="en-US" sz="1000" dirty="0" smtClean="0">
+              <a:rPr lang="ko-KR" altLang="en-US" sz="1000" dirty="0">
                 <a:solidFill>
                   <a:schemeClr val="bg1"/>
                 </a:solidFill>
@@ -20608,7 +19918,7 @@
               <a:t>중앙대학교</a:t>
             </a:r>
             <a:r>
-              <a:rPr lang="en-US" sz="1000" dirty="0" smtClean="0">
+              <a:rPr lang="en-US" sz="1000" dirty="0">
                 <a:solidFill>
                   <a:schemeClr val="bg1"/>
                 </a:solidFill>
@@ -20616,7 +19926,7 @@
               <a:t> Python </a:t>
             </a:r>
             <a:r>
-              <a:rPr lang="ko-KR" altLang="en-US" sz="1000" dirty="0" smtClean="0">
+              <a:rPr lang="ko-KR" altLang="en-US" sz="1000" dirty="0">
                 <a:solidFill>
                   <a:schemeClr val="bg1"/>
                 </a:solidFill>
@@ -20655,7 +19965,7 @@
           <a:p>
             <a:pPr algn="r"/>
             <a:r>
-              <a:rPr lang="en-US" altLang="ko-KR" sz="800" b="1" spc="-30" dirty="0" smtClean="0">
+              <a:rPr lang="en-US" altLang="ko-KR" sz="800" b="1" spc="-30" dirty="0">
                 <a:solidFill>
                   <a:schemeClr val="bg1"/>
                 </a:solidFill>
@@ -20676,7 +19986,7 @@
               <a:t>26</a:t>
             </a:fld>
             <a:r>
-              <a:rPr lang="en-US" altLang="ko-KR" sz="800" b="1" spc="-30" dirty="0" smtClean="0">
+              <a:rPr lang="en-US" altLang="ko-KR" sz="800" b="1" spc="-30" dirty="0">
                 <a:solidFill>
                   <a:schemeClr val="bg1"/>
                 </a:solidFill>
@@ -20685,13 +19995,6 @@
               </a:rPr>
               <a:t> -</a:t>
             </a:r>
-            <a:endParaRPr lang="en-US" altLang="ko-KR" sz="800" b="1" spc="-30" dirty="0">
-              <a:solidFill>
-                <a:schemeClr val="bg1"/>
-              </a:solidFill>
-              <a:latin typeface="맑은 고딕" panose="020B0503020000020004" pitchFamily="50" charset="-127"/>
-              <a:ea typeface="맑은 고딕" panose="020B0503020000020004" pitchFamily="50" charset="-127"/>
-            </a:endParaRPr>
           </a:p>
         </p:txBody>
       </p:sp>
@@ -20753,20 +20056,10 @@
                 <a:latin typeface="맑은 고딕" pitchFamily="50" charset="-127"/>
                 <a:hlinkClick r:id="rId3"/>
               </a:rPr>
-              <a:t>http://staruml.io</a:t>
-            </a:r>
-            <a:r>
-              <a:rPr lang="en-US" altLang="ko-KR" sz="1600" b="1" spc="-150" dirty="0" smtClean="0">
-                <a:solidFill>
-                  <a:srgbClr val="000000"/>
-                </a:solidFill>
-                <a:latin typeface="맑은 고딕" pitchFamily="50" charset="-127"/>
-                <a:hlinkClick r:id="rId3"/>
-              </a:rPr>
-              <a:t>/</a:t>
-            </a:r>
-            <a:r>
-              <a:rPr lang="en-US" altLang="ko-KR" sz="1600" b="1" spc="-150" dirty="0" smtClean="0">
+              <a:t>http://staruml.io/</a:t>
+            </a:r>
+            <a:r>
+              <a:rPr lang="en-US" altLang="ko-KR" sz="1600" b="1" spc="-150" dirty="0">
                 <a:solidFill>
                   <a:srgbClr val="000000"/>
                 </a:solidFill>
@@ -20805,27 +20098,17 @@
           <a:lstStyle/>
           <a:p>
             <a:r>
-              <a:rPr lang="en-US" altLang="ko-KR" sz="950" dirty="0" smtClean="0"/>
-              <a:t>[1</a:t>
-            </a:r>
-            <a:r>
               <a:rPr lang="en-US" altLang="ko-KR" sz="950" dirty="0"/>
-              <a:t>] </a:t>
+              <a:t>[1] </a:t>
             </a:r>
             <a:r>
               <a:rPr lang="en-US" altLang="ko-KR" sz="950" dirty="0">
                 <a:hlinkClick r:id="rId3"/>
               </a:rPr>
-              <a:t>http://staruml.io</a:t>
-            </a:r>
-            <a:r>
-              <a:rPr lang="en-US" altLang="ko-KR" sz="950" dirty="0" smtClean="0">
-                <a:hlinkClick r:id="rId3"/>
-              </a:rPr>
-              <a:t>/</a:t>
-            </a:r>
-            <a:r>
-              <a:rPr lang="en-US" altLang="ko-KR" sz="950" dirty="0" smtClean="0"/>
+              <a:t>http://staruml.io/</a:t>
+            </a:r>
+            <a:r>
+              <a:rPr lang="en-US" altLang="ko-KR" sz="950" dirty="0"/>
               <a:t> </a:t>
             </a:r>
             <a:endParaRPr lang="ko-KR" altLang="en-US" sz="950" dirty="0"/>
@@ -20883,20 +20166,13 @@
     </p:spTree>
     <p:extLst>
       <p:ext uri="{BB962C8B-B14F-4D97-AF65-F5344CB8AC3E}">
-        <p14:creationId xmlns:p14="http://schemas.microsoft.com/office/powerpoint/2010/main" xmlns="" val="3773737012"/>
+        <p14:creationId xmlns:p14="http://schemas.microsoft.com/office/powerpoint/2010/main" val="3773737012"/>
       </p:ext>
     </p:extLst>
   </p:cSld>
   <p:clrMapOvr>
     <a:masterClrMapping/>
   </p:clrMapOvr>
-  <p:timing>
-    <p:tnLst>
-      <p:par>
-        <p:cTn id="1" dur="indefinite" restart="never" nodeType="tmRoot"/>
-      </p:par>
-    </p:tnLst>
-  </p:timing>
 </p:sld>
 </file>
 
@@ -20978,7 +20254,7 @@
           <a:p>
             <a:pPr algn="l"/>
             <a:r>
-              <a:rPr lang="en-US" altLang="ko-KR" sz="2400" b="1" spc="-150" dirty="0" smtClean="0">
+              <a:rPr lang="en-US" altLang="ko-KR" sz="2400" b="1" spc="-150" dirty="0">
                 <a:solidFill>
                   <a:schemeClr val="accent4">
                     <a:lumMod val="50000"/>
@@ -21096,7 +20372,7 @@
           <a:p>
             <a:pPr algn="ctr"/>
             <a:r>
-              <a:rPr lang="en-US" altLang="ko-KR" sz="1000" dirty="0" smtClean="0">
+              <a:rPr lang="en-US" altLang="ko-KR" sz="1000" dirty="0">
                 <a:solidFill>
                   <a:schemeClr val="bg1"/>
                 </a:solidFill>
@@ -21104,7 +20380,7 @@
               <a:t>2016 </a:t>
             </a:r>
             <a:r>
-              <a:rPr lang="ko-KR" altLang="en-US" sz="1000" dirty="0" smtClean="0">
+              <a:rPr lang="ko-KR" altLang="en-US" sz="1000" dirty="0">
                 <a:solidFill>
                   <a:schemeClr val="bg1"/>
                 </a:solidFill>
@@ -21112,7 +20388,7 @@
               <a:t>중앙대학교</a:t>
             </a:r>
             <a:r>
-              <a:rPr lang="en-US" sz="1000" dirty="0" smtClean="0">
+              <a:rPr lang="en-US" sz="1000" dirty="0">
                 <a:solidFill>
                   <a:schemeClr val="bg1"/>
                 </a:solidFill>
@@ -21120,7 +20396,7 @@
               <a:t> Python </a:t>
             </a:r>
             <a:r>
-              <a:rPr lang="ko-KR" altLang="en-US" sz="1000" dirty="0" smtClean="0">
+              <a:rPr lang="ko-KR" altLang="en-US" sz="1000" dirty="0">
                 <a:solidFill>
                   <a:schemeClr val="bg1"/>
                 </a:solidFill>
@@ -21159,7 +20435,7 @@
           <a:p>
             <a:pPr algn="r"/>
             <a:r>
-              <a:rPr lang="en-US" altLang="ko-KR" sz="800" b="1" spc="-30" dirty="0" smtClean="0">
+              <a:rPr lang="en-US" altLang="ko-KR" sz="800" b="1" spc="-30" dirty="0">
                 <a:solidFill>
                   <a:schemeClr val="bg1"/>
                 </a:solidFill>
@@ -21180,7 +20456,7 @@
               <a:t>27</a:t>
             </a:fld>
             <a:r>
-              <a:rPr lang="en-US" altLang="ko-KR" sz="800" b="1" spc="-30" dirty="0" smtClean="0">
+              <a:rPr lang="en-US" altLang="ko-KR" sz="800" b="1" spc="-30" dirty="0">
                 <a:solidFill>
                   <a:schemeClr val="bg1"/>
                 </a:solidFill>
@@ -21189,13 +20465,6 @@
               </a:rPr>
               <a:t> -</a:t>
             </a:r>
-            <a:endParaRPr lang="en-US" altLang="ko-KR" sz="800" b="1" spc="-30" dirty="0">
-              <a:solidFill>
-                <a:schemeClr val="bg1"/>
-              </a:solidFill>
-              <a:latin typeface="맑은 고딕" panose="020B0503020000020004" pitchFamily="50" charset="-127"/>
-              <a:ea typeface="맑은 고딕" panose="020B0503020000020004" pitchFamily="50" charset="-127"/>
-            </a:endParaRPr>
           </a:p>
         </p:txBody>
       </p:sp>
@@ -21257,20 +20526,10 @@
                 <a:latin typeface="맑은 고딕" pitchFamily="50" charset="-127"/>
                 <a:hlinkClick r:id="rId3"/>
               </a:rPr>
-              <a:t>http://staruml.io</a:t>
-            </a:r>
-            <a:r>
-              <a:rPr lang="en-US" altLang="ko-KR" sz="1600" b="1" spc="-150" dirty="0" smtClean="0">
-                <a:solidFill>
-                  <a:srgbClr val="000000"/>
-                </a:solidFill>
-                <a:latin typeface="맑은 고딕" pitchFamily="50" charset="-127"/>
-                <a:hlinkClick r:id="rId3"/>
-              </a:rPr>
-              <a:t>/</a:t>
-            </a:r>
-            <a:r>
-              <a:rPr lang="en-US" altLang="ko-KR" sz="1600" b="1" spc="-150" dirty="0" smtClean="0">
+              <a:t>http://staruml.io/</a:t>
+            </a:r>
+            <a:r>
+              <a:rPr lang="en-US" altLang="ko-KR" sz="1600" b="1" spc="-150" dirty="0">
                 <a:solidFill>
                   <a:srgbClr val="000000"/>
                 </a:solidFill>
@@ -21309,27 +20568,17 @@
           <a:lstStyle/>
           <a:p>
             <a:r>
-              <a:rPr lang="en-US" altLang="ko-KR" sz="950" dirty="0" smtClean="0"/>
-              <a:t>[1</a:t>
-            </a:r>
-            <a:r>
               <a:rPr lang="en-US" altLang="ko-KR" sz="950" dirty="0"/>
-              <a:t>] </a:t>
+              <a:t>[1] </a:t>
             </a:r>
             <a:r>
               <a:rPr lang="en-US" altLang="ko-KR" sz="950" dirty="0">
                 <a:hlinkClick r:id="rId3"/>
               </a:rPr>
-              <a:t>http://staruml.io</a:t>
-            </a:r>
-            <a:r>
-              <a:rPr lang="en-US" altLang="ko-KR" sz="950" dirty="0" smtClean="0">
-                <a:hlinkClick r:id="rId3"/>
-              </a:rPr>
-              <a:t>/</a:t>
-            </a:r>
-            <a:r>
-              <a:rPr lang="en-US" altLang="ko-KR" sz="950" dirty="0" smtClean="0"/>
+              <a:t>http://staruml.io/</a:t>
+            </a:r>
+            <a:r>
+              <a:rPr lang="en-US" altLang="ko-KR" sz="950" dirty="0"/>
               <a:t> </a:t>
             </a:r>
             <a:endParaRPr lang="ko-KR" altLang="en-US" sz="950" dirty="0"/>
@@ -21387,20 +20636,13 @@
     </p:spTree>
     <p:extLst>
       <p:ext uri="{BB962C8B-B14F-4D97-AF65-F5344CB8AC3E}">
-        <p14:creationId xmlns:p14="http://schemas.microsoft.com/office/powerpoint/2010/main" xmlns="" val="4042974738"/>
+        <p14:creationId xmlns:p14="http://schemas.microsoft.com/office/powerpoint/2010/main" val="4042974738"/>
       </p:ext>
     </p:extLst>
   </p:cSld>
   <p:clrMapOvr>
     <a:masterClrMapping/>
   </p:clrMapOvr>
-  <p:timing>
-    <p:tnLst>
-      <p:par>
-        <p:cTn id="1" dur="indefinite" restart="never" nodeType="tmRoot"/>
-      </p:par>
-    </p:tnLst>
-  </p:timing>
 </p:sld>
 </file>
 
@@ -21482,7 +20724,7 @@
           <a:p>
             <a:pPr algn="l"/>
             <a:r>
-              <a:rPr lang="en-US" altLang="ko-KR" sz="2400" b="1" spc="-150" dirty="0" smtClean="0">
+              <a:rPr lang="en-US" altLang="ko-KR" sz="2400" b="1" spc="-150" dirty="0">
                 <a:solidFill>
                   <a:schemeClr val="accent4">
                     <a:lumMod val="50000"/>
@@ -21600,7 +20842,7 @@
           <a:p>
             <a:pPr algn="ctr"/>
             <a:r>
-              <a:rPr lang="en-US" altLang="ko-KR" sz="1000" dirty="0" smtClean="0">
+              <a:rPr lang="en-US" altLang="ko-KR" sz="1000" dirty="0">
                 <a:solidFill>
                   <a:schemeClr val="bg1"/>
                 </a:solidFill>
@@ -21608,7 +20850,7 @@
               <a:t>2016 </a:t>
             </a:r>
             <a:r>
-              <a:rPr lang="ko-KR" altLang="en-US" sz="1000" dirty="0" smtClean="0">
+              <a:rPr lang="ko-KR" altLang="en-US" sz="1000" dirty="0">
                 <a:solidFill>
                   <a:schemeClr val="bg1"/>
                 </a:solidFill>
@@ -21616,7 +20858,7 @@
               <a:t>중앙대학교</a:t>
             </a:r>
             <a:r>
-              <a:rPr lang="en-US" sz="1000" dirty="0" smtClean="0">
+              <a:rPr lang="en-US" sz="1000" dirty="0">
                 <a:solidFill>
                   <a:schemeClr val="bg1"/>
                 </a:solidFill>
@@ -21624,7 +20866,7 @@
               <a:t> Python </a:t>
             </a:r>
             <a:r>
-              <a:rPr lang="ko-KR" altLang="en-US" sz="1000" dirty="0" smtClean="0">
+              <a:rPr lang="ko-KR" altLang="en-US" sz="1000" dirty="0">
                 <a:solidFill>
                   <a:schemeClr val="bg1"/>
                 </a:solidFill>
@@ -21663,7 +20905,7 @@
           <a:p>
             <a:pPr algn="r"/>
             <a:r>
-              <a:rPr lang="en-US" altLang="ko-KR" sz="800" b="1" spc="-30" dirty="0" smtClean="0">
+              <a:rPr lang="en-US" altLang="ko-KR" sz="800" b="1" spc="-30" dirty="0">
                 <a:solidFill>
                   <a:schemeClr val="bg1"/>
                 </a:solidFill>
@@ -21684,7 +20926,7 @@
               <a:t>28</a:t>
             </a:fld>
             <a:r>
-              <a:rPr lang="en-US" altLang="ko-KR" sz="800" b="1" spc="-30" dirty="0" smtClean="0">
+              <a:rPr lang="en-US" altLang="ko-KR" sz="800" b="1" spc="-30" dirty="0">
                 <a:solidFill>
                   <a:schemeClr val="bg1"/>
                 </a:solidFill>
@@ -21693,13 +20935,6 @@
               </a:rPr>
               <a:t> -</a:t>
             </a:r>
-            <a:endParaRPr lang="en-US" altLang="ko-KR" sz="800" b="1" spc="-30" dirty="0">
-              <a:solidFill>
-                <a:schemeClr val="bg1"/>
-              </a:solidFill>
-              <a:latin typeface="맑은 고딕" panose="020B0503020000020004" pitchFamily="50" charset="-127"/>
-              <a:ea typeface="맑은 고딕" panose="020B0503020000020004" pitchFamily="50" charset="-127"/>
-            </a:endParaRPr>
           </a:p>
         </p:txBody>
       </p:sp>
@@ -21761,20 +20996,10 @@
                 <a:latin typeface="맑은 고딕" pitchFamily="50" charset="-127"/>
                 <a:hlinkClick r:id="rId3"/>
               </a:rPr>
-              <a:t>http://staruml.io</a:t>
-            </a:r>
-            <a:r>
-              <a:rPr lang="en-US" altLang="ko-KR" sz="1600" b="1" spc="-150" dirty="0" smtClean="0">
-                <a:solidFill>
-                  <a:srgbClr val="000000"/>
-                </a:solidFill>
-                <a:latin typeface="맑은 고딕" pitchFamily="50" charset="-127"/>
-                <a:hlinkClick r:id="rId3"/>
-              </a:rPr>
-              <a:t>/</a:t>
-            </a:r>
-            <a:r>
-              <a:rPr lang="en-US" altLang="ko-KR" sz="1600" b="1" spc="-150" dirty="0" smtClean="0">
+              <a:t>http://staruml.io/</a:t>
+            </a:r>
+            <a:r>
+              <a:rPr lang="en-US" altLang="ko-KR" sz="1600" b="1" spc="-150" dirty="0">
                 <a:solidFill>
                   <a:srgbClr val="000000"/>
                 </a:solidFill>
@@ -21813,27 +21038,17 @@
           <a:lstStyle/>
           <a:p>
             <a:r>
-              <a:rPr lang="en-US" altLang="ko-KR" sz="950" dirty="0" smtClean="0"/>
-              <a:t>[1</a:t>
-            </a:r>
-            <a:r>
               <a:rPr lang="en-US" altLang="ko-KR" sz="950" dirty="0"/>
-              <a:t>] </a:t>
+              <a:t>[1] </a:t>
             </a:r>
             <a:r>
               <a:rPr lang="en-US" altLang="ko-KR" sz="950" dirty="0">
                 <a:hlinkClick r:id="rId3"/>
               </a:rPr>
-              <a:t>http://staruml.io</a:t>
-            </a:r>
-            <a:r>
-              <a:rPr lang="en-US" altLang="ko-KR" sz="950" dirty="0" smtClean="0">
-                <a:hlinkClick r:id="rId3"/>
-              </a:rPr>
-              <a:t>/</a:t>
-            </a:r>
-            <a:r>
-              <a:rPr lang="en-US" altLang="ko-KR" sz="950" dirty="0" smtClean="0"/>
+              <a:t>http://staruml.io/</a:t>
+            </a:r>
+            <a:r>
+              <a:rPr lang="en-US" altLang="ko-KR" sz="950" dirty="0"/>
               <a:t> </a:t>
             </a:r>
             <a:endParaRPr lang="ko-KR" altLang="en-US" sz="950" dirty="0"/>
@@ -21867,20 +21082,13 @@
     </p:spTree>
     <p:extLst>
       <p:ext uri="{BB962C8B-B14F-4D97-AF65-F5344CB8AC3E}">
-        <p14:creationId xmlns:p14="http://schemas.microsoft.com/office/powerpoint/2010/main" xmlns="" val="3642331421"/>
+        <p14:creationId xmlns:p14="http://schemas.microsoft.com/office/powerpoint/2010/main" val="3642331421"/>
       </p:ext>
     </p:extLst>
   </p:cSld>
   <p:clrMapOvr>
     <a:masterClrMapping/>
   </p:clrMapOvr>
-  <p:timing>
-    <p:tnLst>
-      <p:par>
-        <p:cTn id="1" dur="indefinite" restart="never" nodeType="tmRoot"/>
-      </p:par>
-    </p:tnLst>
-  </p:timing>
 </p:sld>
 </file>
 
@@ -21962,7 +21170,7 @@
           <a:p>
             <a:pPr algn="l"/>
             <a:r>
-              <a:rPr lang="en-US" altLang="ko-KR" sz="2400" b="1" spc="-150" dirty="0" smtClean="0">
+              <a:rPr lang="en-US" altLang="ko-KR" sz="2400" b="1" spc="-150" dirty="0">
                 <a:solidFill>
                   <a:schemeClr val="accent4">
                     <a:lumMod val="50000"/>
@@ -22080,7 +21288,7 @@
           <a:p>
             <a:pPr algn="ctr"/>
             <a:r>
-              <a:rPr lang="en-US" altLang="ko-KR" sz="1000" dirty="0" smtClean="0">
+              <a:rPr lang="en-US" altLang="ko-KR" sz="1000" dirty="0">
                 <a:solidFill>
                   <a:schemeClr val="bg1"/>
                 </a:solidFill>
@@ -22088,7 +21296,7 @@
               <a:t>2016 </a:t>
             </a:r>
             <a:r>
-              <a:rPr lang="ko-KR" altLang="en-US" sz="1000" dirty="0" smtClean="0">
+              <a:rPr lang="ko-KR" altLang="en-US" sz="1000" dirty="0">
                 <a:solidFill>
                   <a:schemeClr val="bg1"/>
                 </a:solidFill>
@@ -22096,7 +21304,7 @@
               <a:t>중앙대학교</a:t>
             </a:r>
             <a:r>
-              <a:rPr lang="en-US" sz="1000" dirty="0" smtClean="0">
+              <a:rPr lang="en-US" sz="1000" dirty="0">
                 <a:solidFill>
                   <a:schemeClr val="bg1"/>
                 </a:solidFill>
@@ -22104,7 +21312,7 @@
               <a:t> Python </a:t>
             </a:r>
             <a:r>
-              <a:rPr lang="ko-KR" altLang="en-US" sz="1000" dirty="0" smtClean="0">
+              <a:rPr lang="ko-KR" altLang="en-US" sz="1000" dirty="0">
                 <a:solidFill>
                   <a:schemeClr val="bg1"/>
                 </a:solidFill>
@@ -22143,7 +21351,7 @@
           <a:p>
             <a:pPr algn="r"/>
             <a:r>
-              <a:rPr lang="en-US" altLang="ko-KR" sz="800" b="1" spc="-30" dirty="0" smtClean="0">
+              <a:rPr lang="en-US" altLang="ko-KR" sz="800" b="1" spc="-30" dirty="0">
                 <a:solidFill>
                   <a:schemeClr val="bg1"/>
                 </a:solidFill>
@@ -22164,7 +21372,7 @@
               <a:t>29</a:t>
             </a:fld>
             <a:r>
-              <a:rPr lang="en-US" altLang="ko-KR" sz="800" b="1" spc="-30" dirty="0" smtClean="0">
+              <a:rPr lang="en-US" altLang="ko-KR" sz="800" b="1" spc="-30" dirty="0">
                 <a:solidFill>
                   <a:schemeClr val="bg1"/>
                 </a:solidFill>
@@ -22173,13 +21381,6 @@
               </a:rPr>
               <a:t> -</a:t>
             </a:r>
-            <a:endParaRPr lang="en-US" altLang="ko-KR" sz="800" b="1" spc="-30" dirty="0">
-              <a:solidFill>
-                <a:schemeClr val="bg1"/>
-              </a:solidFill>
-              <a:latin typeface="맑은 고딕" panose="020B0503020000020004" pitchFamily="50" charset="-127"/>
-              <a:ea typeface="맑은 고딕" panose="020B0503020000020004" pitchFamily="50" charset="-127"/>
-            </a:endParaRPr>
           </a:p>
         </p:txBody>
       </p:sp>
@@ -22241,20 +21442,10 @@
                 <a:latin typeface="맑은 고딕" pitchFamily="50" charset="-127"/>
                 <a:hlinkClick r:id="rId3"/>
               </a:rPr>
-              <a:t>http://erwin.com</a:t>
-            </a:r>
-            <a:r>
-              <a:rPr lang="en-US" altLang="ko-KR" sz="1600" b="1" spc="-150" dirty="0" smtClean="0">
-                <a:solidFill>
-                  <a:srgbClr val="000000"/>
-                </a:solidFill>
-                <a:latin typeface="맑은 고딕" pitchFamily="50" charset="-127"/>
-                <a:hlinkClick r:id="rId3"/>
-              </a:rPr>
-              <a:t>/</a:t>
-            </a:r>
-            <a:r>
-              <a:rPr lang="en-US" altLang="ko-KR" sz="1600" b="1" spc="-150" dirty="0" smtClean="0">
+              <a:t>http://erwin.com/</a:t>
+            </a:r>
+            <a:r>
+              <a:rPr lang="en-US" altLang="ko-KR" sz="1600" b="1" spc="-150" dirty="0">
                 <a:solidFill>
                   <a:srgbClr val="000000"/>
                 </a:solidFill>
@@ -22297,7 +21488,7 @@
               <a:buChar char="ü"/>
             </a:pPr>
             <a:r>
-              <a:rPr lang="ko-KR" altLang="en-US" sz="1600" spc="-150" dirty="0" smtClean="0">
+              <a:rPr lang="ko-KR" altLang="en-US" sz="1600" spc="-150" dirty="0">
                 <a:ln w="0"/>
                 <a:effectLst>
                   <a:outerShdw blurRad="38100" dist="19050" dir="2700000" algn="tl" rotWithShape="0">
@@ -22310,7 +21501,7 @@
               <a:t>일반적으로 </a:t>
             </a:r>
             <a:r>
-              <a:rPr lang="en-US" altLang="ko-KR" sz="1600" spc="-150" dirty="0" smtClean="0">
+              <a:rPr lang="en-US" altLang="ko-KR" sz="1600" spc="-150" dirty="0">
                 <a:ln w="0"/>
                 <a:effectLst>
                   <a:outerShdw blurRad="38100" dist="19050" dir="2700000" algn="tl" rotWithShape="0">
@@ -22323,7 +21514,7 @@
               <a:t>Erwin</a:t>
             </a:r>
             <a:r>
-              <a:rPr lang="ko-KR" altLang="en-US" sz="1600" spc="-150" dirty="0" smtClean="0">
+              <a:rPr lang="ko-KR" altLang="en-US" sz="1600" spc="-150" dirty="0">
                 <a:ln w="0"/>
                 <a:effectLst>
                   <a:outerShdw blurRad="38100" dist="19050" dir="2700000" algn="tl" rotWithShape="0">
@@ -22336,7 +21527,7 @@
               <a:t>을 설계에 많이 사용함 </a:t>
             </a:r>
             <a:r>
-              <a:rPr lang="en-US" altLang="ko-KR" sz="1600" spc="-150" dirty="0" smtClean="0">
+              <a:rPr lang="en-US" altLang="ko-KR" sz="1600" spc="-150" dirty="0">
                 <a:ln w="0"/>
                 <a:effectLst>
                   <a:outerShdw blurRad="38100" dist="19050" dir="2700000" algn="tl" rotWithShape="0">
@@ -22349,7 +21540,7 @@
               <a:t>(DB</a:t>
             </a:r>
             <a:r>
-              <a:rPr lang="ko-KR" altLang="en-US" sz="1600" spc="-150" dirty="0" smtClean="0">
+              <a:rPr lang="ko-KR" altLang="en-US" sz="1600" spc="-150" dirty="0">
                 <a:ln w="0"/>
                 <a:effectLst>
                   <a:outerShdw blurRad="38100" dist="19050" dir="2700000" algn="tl" rotWithShape="0">
@@ -22362,7 +21553,7 @@
               <a:t>스키마 자동 생성 등</a:t>
             </a:r>
             <a:r>
-              <a:rPr lang="en-US" altLang="ko-KR" sz="1600" spc="-150" dirty="0" smtClean="0">
+              <a:rPr lang="en-US" altLang="ko-KR" sz="1600" spc="-150" dirty="0">
                 <a:ln w="0"/>
                 <a:effectLst>
                   <a:outerShdw blurRad="38100" dist="19050" dir="2700000" algn="tl" rotWithShape="0">
@@ -22410,27 +21601,17 @@
           <a:lstStyle/>
           <a:p>
             <a:r>
-              <a:rPr lang="en-US" altLang="ko-KR" sz="950" dirty="0" smtClean="0"/>
-              <a:t>[1</a:t>
-            </a:r>
-            <a:r>
               <a:rPr lang="en-US" altLang="ko-KR" sz="950" dirty="0"/>
-              <a:t>] </a:t>
+              <a:t>[1] </a:t>
             </a:r>
             <a:r>
               <a:rPr lang="en-US" altLang="ko-KR" sz="950" dirty="0">
                 <a:hlinkClick r:id="rId4"/>
               </a:rPr>
-              <a:t>https://en.wikipedia.org/wiki/CA_ERwin_Data_Modeler#/</a:t>
-            </a:r>
-            <a:r>
-              <a:rPr lang="en-US" altLang="ko-KR" sz="950" dirty="0" smtClean="0">
-                <a:hlinkClick r:id="rId4"/>
-              </a:rPr>
-              <a:t>media/File:ERWin_4.1.4.3643_on_Windows_2000_screenshot.png</a:t>
-            </a:r>
-            <a:r>
-              <a:rPr lang="en-US" altLang="ko-KR" sz="950" dirty="0" smtClean="0"/>
+              <a:t>https://en.wikipedia.org/wiki/CA_ERwin_Data_Modeler#/media/File:ERWin_4.1.4.3643_on_Windows_2000_screenshot.png</a:t>
+            </a:r>
+            <a:r>
+              <a:rPr lang="en-US" altLang="ko-KR" sz="950" dirty="0"/>
               <a:t> </a:t>
             </a:r>
             <a:endParaRPr lang="ko-KR" altLang="en-US" sz="950" dirty="0"/>
@@ -22459,7 +21640,7 @@
           <a:lstStyle/>
           <a:p>
             <a:r>
-              <a:rPr lang="en-US" altLang="ko-KR" sz="1600" spc="-150" dirty="0" smtClean="0">
+              <a:rPr lang="en-US" altLang="ko-KR" sz="1600" spc="-150" dirty="0">
                 <a:ln w="0"/>
                 <a:effectLst>
                   <a:outerShdw blurRad="38100" dist="19050" dir="2700000" algn="tl" rotWithShape="0">
@@ -22472,17 +21653,6 @@
               </a:rPr>
               <a:t>[1]</a:t>
             </a:r>
-            <a:endParaRPr lang="en-US" altLang="ko-KR" sz="1600" spc="-150" dirty="0">
-              <a:ln w="0"/>
-              <a:effectLst>
-                <a:outerShdw blurRad="38100" dist="19050" dir="2700000" algn="tl" rotWithShape="0">
-                  <a:schemeClr val="dk1">
-                    <a:alpha val="40000"/>
-                  </a:schemeClr>
-                </a:outerShdw>
-              </a:effectLst>
-              <a:ea typeface="맑은 고딕" panose="020B0503020000020004" pitchFamily="50" charset="-127"/>
-            </a:endParaRPr>
           </a:p>
         </p:txBody>
       </p:sp>
@@ -22498,7 +21668,7 @@
           <a:blip r:embed="rId5">
             <a:extLst>
               <a:ext uri="{28A0092B-C50C-407E-A947-70E740481C1C}">
-                <a14:useLocalDpi xmlns:a14="http://schemas.microsoft.com/office/drawing/2010/main" xmlns="" val="0"/>
+                <a14:useLocalDpi xmlns:a14="http://schemas.microsoft.com/office/drawing/2010/main" val="0"/>
               </a:ext>
             </a:extLst>
           </a:blip>
@@ -22518,7 +21688,7 @@
           <a:noFill/>
           <a:extLst>
             <a:ext uri="{909E8E84-426E-40DD-AFC4-6F175D3DCCD1}">
-              <a14:hiddenFill xmlns:a14="http://schemas.microsoft.com/office/drawing/2010/main" xmlns="">
+              <a14:hiddenFill xmlns:a14="http://schemas.microsoft.com/office/drawing/2010/main">
                 <a:solidFill>
                   <a:srgbClr val="FFFFFF"/>
                 </a:solidFill>
@@ -22530,20 +21700,13 @@
     </p:spTree>
     <p:extLst>
       <p:ext uri="{BB962C8B-B14F-4D97-AF65-F5344CB8AC3E}">
-        <p14:creationId xmlns:p14="http://schemas.microsoft.com/office/powerpoint/2010/main" xmlns="" val="4247167697"/>
+        <p14:creationId xmlns:p14="http://schemas.microsoft.com/office/powerpoint/2010/main" val="4247167697"/>
       </p:ext>
     </p:extLst>
   </p:cSld>
   <p:clrMapOvr>
     <a:masterClrMapping/>
   </p:clrMapOvr>
-  <p:timing>
-    <p:tnLst>
-      <p:par>
-        <p:cTn id="1" dur="indefinite" restart="never" nodeType="tmRoot"/>
-      </p:par>
-    </p:tnLst>
-  </p:timing>
 </p:sld>
 </file>
 
@@ -22709,18 +21872,13 @@
           <a:lstStyle/>
           <a:p>
             <a:r>
-              <a:rPr lang="en-US" altLang="ko-KR" sz="1000" dirty="0" smtClean="0">
+              <a:rPr lang="en-US" altLang="ko-KR" sz="1000" dirty="0">
                 <a:solidFill>
                   <a:schemeClr val="bg1"/>
                 </a:solidFill>
               </a:rPr>
               <a:t>Ch06. Data Structure</a:t>
             </a:r>
-            <a:endParaRPr lang="en-US" altLang="ko-KR" sz="1000" dirty="0">
-              <a:solidFill>
-                <a:schemeClr val="bg1"/>
-              </a:solidFill>
-            </a:endParaRPr>
           </a:p>
         </p:txBody>
       </p:sp>
@@ -22748,7 +21906,7 @@
           <a:p>
             <a:pPr algn="ctr"/>
             <a:r>
-              <a:rPr lang="en-US" altLang="ko-KR" sz="1000" dirty="0" smtClean="0">
+              <a:rPr lang="en-US" altLang="ko-KR" sz="1000" dirty="0">
                 <a:solidFill>
                   <a:schemeClr val="bg1"/>
                 </a:solidFill>
@@ -22756,7 +21914,7 @@
               <a:t>2016 </a:t>
             </a:r>
             <a:r>
-              <a:rPr lang="ko-KR" altLang="en-US" sz="1000" dirty="0" smtClean="0">
+              <a:rPr lang="ko-KR" altLang="en-US" sz="1000" dirty="0">
                 <a:solidFill>
                   <a:schemeClr val="bg1"/>
                 </a:solidFill>
@@ -22764,7 +21922,7 @@
               <a:t>중앙대학교</a:t>
             </a:r>
             <a:r>
-              <a:rPr lang="en-US" sz="1000" dirty="0" smtClean="0">
+              <a:rPr lang="en-US" sz="1000" dirty="0">
                 <a:solidFill>
                   <a:schemeClr val="bg1"/>
                 </a:solidFill>
@@ -22772,7 +21930,7 @@
               <a:t> Python </a:t>
             </a:r>
             <a:r>
-              <a:rPr lang="ko-KR" altLang="en-US" sz="1000" dirty="0" smtClean="0">
+              <a:rPr lang="ko-KR" altLang="en-US" sz="1000" dirty="0">
                 <a:solidFill>
                   <a:schemeClr val="bg1"/>
                 </a:solidFill>
@@ -22811,7 +21969,7 @@
           <a:p>
             <a:pPr algn="r"/>
             <a:r>
-              <a:rPr lang="en-US" altLang="ko-KR" sz="800" b="1" spc="-30" dirty="0" smtClean="0">
+              <a:rPr lang="en-US" altLang="ko-KR" sz="800" b="1" spc="-30" dirty="0">
                 <a:solidFill>
                   <a:schemeClr val="bg1"/>
                 </a:solidFill>
@@ -22832,7 +21990,7 @@
               <a:t>3</a:t>
             </a:fld>
             <a:r>
-              <a:rPr lang="en-US" altLang="ko-KR" sz="800" b="1" spc="-30" dirty="0" smtClean="0">
+              <a:rPr lang="en-US" altLang="ko-KR" sz="800" b="1" spc="-30" dirty="0">
                 <a:solidFill>
                   <a:schemeClr val="bg1"/>
                 </a:solidFill>
@@ -22841,13 +21999,6 @@
               </a:rPr>
               <a:t> -</a:t>
             </a:r>
-            <a:endParaRPr lang="en-US" altLang="ko-KR" sz="800" b="1" spc="-30" dirty="0">
-              <a:solidFill>
-                <a:schemeClr val="bg1"/>
-              </a:solidFill>
-              <a:latin typeface="맑은 고딕" panose="020B0503020000020004" pitchFamily="50" charset="-127"/>
-              <a:ea typeface="맑은 고딕" panose="020B0503020000020004" pitchFamily="50" charset="-127"/>
-            </a:endParaRPr>
           </a:p>
         </p:txBody>
       </p:sp>
@@ -22902,7 +22053,7 @@
               </a:lnSpc>
             </a:pPr>
             <a:r>
-              <a:rPr lang="ko-KR" altLang="en-US" sz="1600" b="1" spc="-150" dirty="0" smtClean="0">
+              <a:rPr lang="ko-KR" altLang="en-US" sz="1600" b="1" spc="-150" dirty="0">
                 <a:solidFill>
                   <a:srgbClr val="000000"/>
                 </a:solidFill>
@@ -22911,7 +22062,7 @@
               <a:t>전자정부프레임워크에 </a:t>
             </a:r>
             <a:r>
-              <a:rPr lang="ko-KR" altLang="en-US" sz="1600" b="1" spc="-150" dirty="0" err="1" smtClean="0">
+              <a:rPr lang="ko-KR" altLang="en-US" sz="1600" b="1" spc="-150" dirty="0" err="1">
                 <a:solidFill>
                   <a:srgbClr val="000000"/>
                 </a:solidFill>
@@ -22920,7 +22071,7 @@
               <a:t>도커</a:t>
             </a:r>
             <a:r>
-              <a:rPr lang="en-US" altLang="ko-KR" sz="1600" b="1" spc="-150" dirty="0" smtClean="0">
+              <a:rPr lang="en-US" altLang="ko-KR" sz="1600" b="1" spc="-150" dirty="0">
                 <a:solidFill>
                   <a:srgbClr val="000000"/>
                 </a:solidFill>
@@ -22929,7 +22080,7 @@
               <a:t>Docker </a:t>
             </a:r>
             <a:r>
-              <a:rPr lang="ko-KR" altLang="en-US" sz="1600" b="1" spc="-150" dirty="0" smtClean="0">
+              <a:rPr lang="ko-KR" altLang="en-US" sz="1600" b="1" spc="-150" dirty="0">
                 <a:solidFill>
                   <a:srgbClr val="000000"/>
                 </a:solidFill>
@@ -22954,20 +22105,10 @@
                 <a:latin typeface="맑은 고딕" pitchFamily="50" charset="-127"/>
                 <a:hlinkClick r:id="rId3"/>
               </a:rPr>
-              <a:t>http://</a:t>
-            </a:r>
-            <a:r>
-              <a:rPr lang="en-US" altLang="ko-KR" sz="1600" b="1" spc="-150" dirty="0" smtClean="0">
-                <a:solidFill>
-                  <a:srgbClr val="000000"/>
-                </a:solidFill>
-                <a:latin typeface="맑은 고딕" pitchFamily="50" charset="-127"/>
-                <a:hlinkClick r:id="rId3"/>
-              </a:rPr>
-              <a:t>www.oss.kr/oss_news/664806</a:t>
-            </a:r>
-            <a:r>
-              <a:rPr lang="en-US" altLang="ko-KR" sz="1600" b="1" spc="-150" dirty="0" smtClean="0">
+              <a:t>http://www.oss.kr/oss_news/664806</a:t>
+            </a:r>
+            <a:r>
+              <a:rPr lang="en-US" altLang="ko-KR" sz="1600" b="1" spc="-150" dirty="0">
                 <a:solidFill>
                   <a:srgbClr val="000000"/>
                 </a:solidFill>
@@ -23016,20 +22157,13 @@
     </p:spTree>
     <p:extLst>
       <p:ext uri="{BB962C8B-B14F-4D97-AF65-F5344CB8AC3E}">
-        <p14:creationId xmlns:p14="http://schemas.microsoft.com/office/powerpoint/2010/main" xmlns="" val="4151649740"/>
+        <p14:creationId xmlns:p14="http://schemas.microsoft.com/office/powerpoint/2010/main" val="4151649740"/>
       </p:ext>
     </p:extLst>
   </p:cSld>
   <p:clrMapOvr>
     <a:masterClrMapping/>
   </p:clrMapOvr>
-  <p:timing>
-    <p:tnLst>
-      <p:par>
-        <p:cTn id="1" dur="indefinite" restart="never" nodeType="tmRoot"/>
-      </p:par>
-    </p:tnLst>
-  </p:timing>
 </p:sld>
 </file>
 
@@ -23073,7 +22207,7 @@
           <a:lstStyle/>
           <a:p>
             <a:r>
-              <a:rPr lang="ko-KR" altLang="en-US" sz="4000" b="1" spc="-150" dirty="0" smtClean="0">
+              <a:rPr lang="ko-KR" altLang="en-US" sz="4000" b="1" spc="-150" dirty="0">
                 <a:solidFill>
                   <a:schemeClr val="accent4">
                     <a:lumMod val="50000"/>
@@ -23082,13 +22216,6 @@
               </a:rPr>
               <a:t>과제</a:t>
             </a:r>
-            <a:endParaRPr lang="ko-KR" altLang="en-US" sz="4000" b="1" spc="-150" dirty="0">
-              <a:solidFill>
-                <a:schemeClr val="accent4">
-                  <a:lumMod val="50000"/>
-                </a:schemeClr>
-              </a:solidFill>
-            </a:endParaRPr>
           </a:p>
         </p:txBody>
       </p:sp>
@@ -23132,20 +22259,13 @@
     </p:spTree>
     <p:extLst>
       <p:ext uri="{BB962C8B-B14F-4D97-AF65-F5344CB8AC3E}">
-        <p14:creationId xmlns:p14="http://schemas.microsoft.com/office/powerpoint/2010/main" xmlns="" val="1332422539"/>
+        <p14:creationId xmlns:p14="http://schemas.microsoft.com/office/powerpoint/2010/main" val="1332422539"/>
       </p:ext>
     </p:extLst>
   </p:cSld>
   <p:clrMapOvr>
     <a:masterClrMapping/>
   </p:clrMapOvr>
-  <p:timing>
-    <p:tnLst>
-      <p:par>
-        <p:cTn id="1" dur="indefinite" restart="never" nodeType="tmRoot"/>
-      </p:par>
-    </p:tnLst>
-  </p:timing>
 </p:sld>
 </file>
 
@@ -23227,7 +22347,7 @@
           <a:p>
             <a:pPr algn="l"/>
             <a:r>
-              <a:rPr lang="en-US" altLang="ko-KR" sz="2400" b="1" spc="-150" dirty="0" smtClean="0">
+              <a:rPr lang="en-US" altLang="ko-KR" sz="2400" b="1" spc="-150" dirty="0">
                 <a:solidFill>
                   <a:schemeClr val="accent4">
                     <a:lumMod val="50000"/>
@@ -23237,7 +22357,7 @@
               <a:t>Class </a:t>
             </a:r>
             <a:r>
-              <a:rPr lang="ko-KR" altLang="en-US" sz="2400" b="1" spc="-150" dirty="0" smtClean="0">
+              <a:rPr lang="ko-KR" altLang="en-US" sz="2400" b="1" spc="-150" dirty="0">
                 <a:solidFill>
                   <a:schemeClr val="accent4">
                     <a:lumMod val="50000"/>
@@ -23246,13 +22366,6 @@
               </a:rPr>
               <a:t>다이어그램을 통한 클래스 설계</a:t>
             </a:r>
-            <a:endParaRPr lang="ko-KR" altLang="en-US" sz="2400" b="1" spc="-150" dirty="0">
-              <a:solidFill>
-                <a:schemeClr val="accent4">
-                  <a:lumMod val="50000"/>
-                </a:schemeClr>
-              </a:solidFill>
-            </a:endParaRPr>
           </a:p>
         </p:txBody>
       </p:sp>
@@ -23321,18 +22434,13 @@
           <a:lstStyle/>
           <a:p>
             <a:r>
-              <a:rPr lang="en-US" altLang="ko-KR" sz="1000" dirty="0" smtClean="0">
+              <a:rPr lang="en-US" altLang="ko-KR" sz="1000" dirty="0">
                 <a:solidFill>
                   <a:schemeClr val="bg1"/>
                 </a:solidFill>
               </a:rPr>
               <a:t>Ch07. OOP</a:t>
             </a:r>
-            <a:endParaRPr lang="en-US" altLang="ko-KR" sz="1000" dirty="0">
-              <a:solidFill>
-                <a:schemeClr val="bg1"/>
-              </a:solidFill>
-            </a:endParaRPr>
           </a:p>
         </p:txBody>
       </p:sp>
@@ -23360,7 +22468,7 @@
           <a:p>
             <a:pPr algn="ctr"/>
             <a:r>
-              <a:rPr lang="en-US" altLang="ko-KR" sz="1000" dirty="0" smtClean="0">
+              <a:rPr lang="en-US" altLang="ko-KR" sz="1000" dirty="0">
                 <a:solidFill>
                   <a:schemeClr val="bg1"/>
                 </a:solidFill>
@@ -23368,7 +22476,7 @@
               <a:t>2016 </a:t>
             </a:r>
             <a:r>
-              <a:rPr lang="ko-KR" altLang="en-US" sz="1000" dirty="0" smtClean="0">
+              <a:rPr lang="ko-KR" altLang="en-US" sz="1000" dirty="0">
                 <a:solidFill>
                   <a:schemeClr val="bg1"/>
                 </a:solidFill>
@@ -23376,7 +22484,7 @@
               <a:t>중앙대학교</a:t>
             </a:r>
             <a:r>
-              <a:rPr lang="en-US" sz="1000" dirty="0" smtClean="0">
+              <a:rPr lang="en-US" sz="1000" dirty="0">
                 <a:solidFill>
                   <a:schemeClr val="bg1"/>
                 </a:solidFill>
@@ -23384,7 +22492,7 @@
               <a:t> Python </a:t>
             </a:r>
             <a:r>
-              <a:rPr lang="ko-KR" altLang="en-US" sz="1000" dirty="0" smtClean="0">
+              <a:rPr lang="ko-KR" altLang="en-US" sz="1000" dirty="0">
                 <a:solidFill>
                   <a:schemeClr val="bg1"/>
                 </a:solidFill>
@@ -23423,7 +22531,7 @@
           <a:p>
             <a:pPr algn="r"/>
             <a:r>
-              <a:rPr lang="en-US" altLang="ko-KR" sz="800" b="1" spc="-30" dirty="0" smtClean="0">
+              <a:rPr lang="en-US" altLang="ko-KR" sz="800" b="1" spc="-30" dirty="0">
                 <a:solidFill>
                   <a:schemeClr val="bg1"/>
                 </a:solidFill>
@@ -23444,7 +22552,7 @@
               <a:t>31</a:t>
             </a:fld>
             <a:r>
-              <a:rPr lang="en-US" altLang="ko-KR" sz="800" b="1" spc="-30" dirty="0" smtClean="0">
+              <a:rPr lang="en-US" altLang="ko-KR" sz="800" b="1" spc="-30" dirty="0">
                 <a:solidFill>
                   <a:schemeClr val="bg1"/>
                 </a:solidFill>
@@ -23453,13 +22561,6 @@
               </a:rPr>
               <a:t> -</a:t>
             </a:r>
-            <a:endParaRPr lang="en-US" altLang="ko-KR" sz="800" b="1" spc="-30" dirty="0">
-              <a:solidFill>
-                <a:schemeClr val="bg1"/>
-              </a:solidFill>
-              <a:latin typeface="맑은 고딕" panose="020B0503020000020004" pitchFamily="50" charset="-127"/>
-              <a:ea typeface="맑은 고딕" panose="020B0503020000020004" pitchFamily="50" charset="-127"/>
-            </a:endParaRPr>
           </a:p>
         </p:txBody>
       </p:sp>
@@ -23514,7 +22615,7 @@
               </a:lnSpc>
             </a:pPr>
             <a:r>
-              <a:rPr lang="ko-KR" altLang="en-US" sz="1600" b="1" spc="-150" dirty="0" smtClean="0">
+              <a:rPr lang="ko-KR" altLang="en-US" sz="1600" b="1" spc="-150" dirty="0">
                 <a:solidFill>
                   <a:srgbClr val="000000"/>
                 </a:solidFill>
@@ -23523,7 +22624,7 @@
               <a:t>다음의 </a:t>
             </a:r>
             <a:r>
-              <a:rPr lang="en-US" altLang="ko-KR" sz="1600" b="1" spc="-150" dirty="0" smtClean="0">
+              <a:rPr lang="en-US" altLang="ko-KR" sz="1600" b="1" spc="-150" dirty="0">
                 <a:solidFill>
                   <a:srgbClr val="000000"/>
                 </a:solidFill>
@@ -23532,7 +22633,7 @@
               <a:t>Class </a:t>
             </a:r>
             <a:r>
-              <a:rPr lang="ko-KR" altLang="en-US" sz="1600" b="1" spc="-150" dirty="0" smtClean="0">
+              <a:rPr lang="ko-KR" altLang="en-US" sz="1600" b="1" spc="-150" dirty="0">
                 <a:solidFill>
                   <a:srgbClr val="000000"/>
                 </a:solidFill>
@@ -23576,7 +22677,7 @@
               <a:buChar char="ü"/>
             </a:pPr>
             <a:r>
-              <a:rPr lang="en-US" altLang="ko-KR" sz="1600" spc="-150" dirty="0" smtClean="0">
+              <a:rPr lang="en-US" altLang="ko-KR" sz="1600" spc="-150" dirty="0">
                 <a:ln w="0"/>
                 <a:effectLst>
                   <a:outerShdw blurRad="38100" dist="19050" dir="2700000" algn="tl" rotWithShape="0">
@@ -23589,7 +22690,7 @@
               <a:t>Extension</a:t>
             </a:r>
             <a:r>
-              <a:rPr lang="ko-KR" altLang="en-US" sz="1600" spc="-150" dirty="0" smtClean="0">
+              <a:rPr lang="ko-KR" altLang="en-US" sz="1600" spc="-150" dirty="0">
                 <a:ln w="0"/>
                 <a:effectLst>
                   <a:outerShdw blurRad="38100" dist="19050" dir="2700000" algn="tl" rotWithShape="0">
@@ -23641,20 +22742,13 @@
     </p:spTree>
     <p:extLst>
       <p:ext uri="{BB962C8B-B14F-4D97-AF65-F5344CB8AC3E}">
-        <p14:creationId xmlns:p14="http://schemas.microsoft.com/office/powerpoint/2010/main" xmlns="" val="2499724392"/>
+        <p14:creationId xmlns:p14="http://schemas.microsoft.com/office/powerpoint/2010/main" val="2499724392"/>
       </p:ext>
     </p:extLst>
   </p:cSld>
   <p:clrMapOvr>
     <a:masterClrMapping/>
   </p:clrMapOvr>
-  <p:timing>
-    <p:tnLst>
-      <p:par>
-        <p:cTn id="1" dur="indefinite" restart="never" nodeType="tmRoot"/>
-      </p:par>
-    </p:tnLst>
-  </p:timing>
 </p:sld>
 </file>
 
@@ -23736,7 +22830,7 @@
           <a:p>
             <a:pPr algn="l"/>
             <a:r>
-              <a:rPr lang="ko-KR" altLang="en-US" sz="2400" b="1" spc="-150" dirty="0" smtClean="0">
+              <a:rPr lang="ko-KR" altLang="en-US" sz="2400" b="1" spc="-150" dirty="0">
                 <a:solidFill>
                   <a:schemeClr val="accent4">
                     <a:lumMod val="50000"/>
@@ -23745,13 +22839,6 @@
               </a:rPr>
               <a:t>다양한 붕어빵 판매하기</a:t>
             </a:r>
-            <a:endParaRPr lang="ko-KR" altLang="en-US" sz="2400" b="1" spc="-150" dirty="0">
-              <a:solidFill>
-                <a:schemeClr val="accent4">
-                  <a:lumMod val="50000"/>
-                </a:schemeClr>
-              </a:solidFill>
-            </a:endParaRPr>
           </a:p>
         </p:txBody>
       </p:sp>
@@ -23820,18 +22907,13 @@
           <a:lstStyle/>
           <a:p>
             <a:r>
-              <a:rPr lang="en-US" altLang="ko-KR" sz="1000" dirty="0" smtClean="0">
+              <a:rPr lang="en-US" altLang="ko-KR" sz="1000" dirty="0">
                 <a:solidFill>
                   <a:schemeClr val="bg1"/>
                 </a:solidFill>
               </a:rPr>
               <a:t>Ch07. OOP</a:t>
             </a:r>
-            <a:endParaRPr lang="en-US" altLang="ko-KR" sz="1000" dirty="0">
-              <a:solidFill>
-                <a:schemeClr val="bg1"/>
-              </a:solidFill>
-            </a:endParaRPr>
           </a:p>
         </p:txBody>
       </p:sp>
@@ -23859,7 +22941,7 @@
           <a:p>
             <a:pPr algn="ctr"/>
             <a:r>
-              <a:rPr lang="en-US" altLang="ko-KR" sz="1000" dirty="0" smtClean="0">
+              <a:rPr lang="en-US" altLang="ko-KR" sz="1000" dirty="0">
                 <a:solidFill>
                   <a:schemeClr val="bg1"/>
                 </a:solidFill>
@@ -23867,7 +22949,7 @@
               <a:t>2016 </a:t>
             </a:r>
             <a:r>
-              <a:rPr lang="ko-KR" altLang="en-US" sz="1000" dirty="0" smtClean="0">
+              <a:rPr lang="ko-KR" altLang="en-US" sz="1000" dirty="0">
                 <a:solidFill>
                   <a:schemeClr val="bg1"/>
                 </a:solidFill>
@@ -23875,7 +22957,7 @@
               <a:t>중앙대학교</a:t>
             </a:r>
             <a:r>
-              <a:rPr lang="en-US" sz="1000" dirty="0" smtClean="0">
+              <a:rPr lang="en-US" sz="1000" dirty="0">
                 <a:solidFill>
                   <a:schemeClr val="bg1"/>
                 </a:solidFill>
@@ -23883,7 +22965,7 @@
               <a:t> Python </a:t>
             </a:r>
             <a:r>
-              <a:rPr lang="ko-KR" altLang="en-US" sz="1000" dirty="0" smtClean="0">
+              <a:rPr lang="ko-KR" altLang="en-US" sz="1000" dirty="0">
                 <a:solidFill>
                   <a:schemeClr val="bg1"/>
                 </a:solidFill>
@@ -23922,7 +23004,7 @@
           <a:p>
             <a:pPr algn="r"/>
             <a:r>
-              <a:rPr lang="en-US" altLang="ko-KR" sz="800" b="1" spc="-30" dirty="0" smtClean="0">
+              <a:rPr lang="en-US" altLang="ko-KR" sz="800" b="1" spc="-30" dirty="0">
                 <a:solidFill>
                   <a:schemeClr val="bg1"/>
                 </a:solidFill>
@@ -23943,7 +23025,7 @@
               <a:t>32</a:t>
             </a:fld>
             <a:r>
-              <a:rPr lang="en-US" altLang="ko-KR" sz="800" b="1" spc="-30" dirty="0" smtClean="0">
+              <a:rPr lang="en-US" altLang="ko-KR" sz="800" b="1" spc="-30" dirty="0">
                 <a:solidFill>
                   <a:schemeClr val="bg1"/>
                 </a:solidFill>
@@ -23952,13 +23034,6 @@
               </a:rPr>
               <a:t> -</a:t>
             </a:r>
-            <a:endParaRPr lang="en-US" altLang="ko-KR" sz="800" b="1" spc="-30" dirty="0">
-              <a:solidFill>
-                <a:schemeClr val="bg1"/>
-              </a:solidFill>
-              <a:latin typeface="맑은 고딕" panose="020B0503020000020004" pitchFamily="50" charset="-127"/>
-              <a:ea typeface="맑은 고딕" panose="020B0503020000020004" pitchFamily="50" charset="-127"/>
-            </a:endParaRPr>
           </a:p>
         </p:txBody>
       </p:sp>
@@ -24013,7 +23088,7 @@
               </a:lnSpc>
             </a:pPr>
             <a:r>
-              <a:rPr lang="en-US" altLang="ko-KR" sz="1600" b="1" spc="-150" dirty="0" err="1" smtClean="0">
+              <a:rPr lang="en-US" altLang="ko-KR" sz="1600" b="1" spc="-150" dirty="0" err="1">
                 <a:solidFill>
                   <a:srgbClr val="000000"/>
                 </a:solidFill>
@@ -24028,118 +23103,109 @@
                 </a:solidFill>
                 <a:latin typeface="맑은 고딕" pitchFamily="50" charset="-127"/>
               </a:rPr>
+              <a:t> 클래스는 </a:t>
+            </a:r>
+            <a:r>
+              <a:rPr lang="en-US" altLang="ko-KR" sz="1600" b="1" spc="-150" dirty="0">
+                <a:solidFill>
+                  <a:srgbClr val="000000"/>
+                </a:solidFill>
+                <a:latin typeface="맑은 고딕" pitchFamily="50" charset="-127"/>
+              </a:rPr>
+              <a:t>filling</a:t>
+            </a:r>
+            <a:r>
+              <a:rPr lang="ko-KR" altLang="en-US" sz="1600" b="1" spc="-150" dirty="0">
+                <a:solidFill>
+                  <a:srgbClr val="000000"/>
+                </a:solidFill>
+                <a:latin typeface="맑은 고딕" pitchFamily="50" charset="-127"/>
+              </a:rPr>
+              <a:t>으로 </a:t>
+            </a:r>
+            <a:r>
+              <a:rPr lang="en-US" altLang="ko-KR" sz="1600" b="1" spc="-150" dirty="0" err="1">
+                <a:solidFill>
+                  <a:srgbClr val="000000"/>
+                </a:solidFill>
+                <a:latin typeface="맑은 고딕" pitchFamily="50" charset="-127"/>
+              </a:rPr>
+              <a:t>sweet_red_bean_jam</a:t>
+            </a:r>
+            <a:r>
+              <a:rPr lang="ko-KR" altLang="en-US" sz="1600" b="1" spc="-150" dirty="0">
+                <a:solidFill>
+                  <a:srgbClr val="000000"/>
+                </a:solidFill>
+                <a:latin typeface="맑은 고딕" pitchFamily="50" charset="-127"/>
+              </a:rPr>
+              <a:t>을</a:t>
+            </a:r>
+            <a:r>
+              <a:rPr lang="en-US" altLang="ko-KR" sz="1600" b="1" spc="-150" dirty="0">
+                <a:solidFill>
+                  <a:srgbClr val="000000"/>
+                </a:solidFill>
+                <a:latin typeface="맑은 고딕" pitchFamily="50" charset="-127"/>
+              </a:rPr>
+              <a:t>, </a:t>
+            </a:r>
+            <a:r>
+              <a:rPr lang="en-US" altLang="ko-KR" sz="1600" b="1" spc="-150" dirty="0" err="1">
+                <a:solidFill>
+                  <a:srgbClr val="000000"/>
+                </a:solidFill>
+                <a:latin typeface="맑은 고딕" pitchFamily="50" charset="-127"/>
+              </a:rPr>
+              <a:t>fish_shape</a:t>
+            </a:r>
+            <a:r>
+              <a:rPr lang="ko-KR" altLang="en-US" sz="1600" b="1" spc="-150" dirty="0">
+                <a:solidFill>
+                  <a:srgbClr val="000000"/>
+                </a:solidFill>
+                <a:latin typeface="맑은 고딕" pitchFamily="50" charset="-127"/>
+              </a:rPr>
+              <a:t>은 </a:t>
+            </a:r>
+            <a:r>
+              <a:rPr lang="en-US" altLang="ko-KR" sz="1600" b="1" spc="-150" dirty="0">
+                <a:solidFill>
+                  <a:srgbClr val="000000"/>
+                </a:solidFill>
+                <a:latin typeface="맑은 고딕" pitchFamily="50" charset="-127"/>
+              </a:rPr>
+              <a:t>‘gold fish’</a:t>
+            </a:r>
+            <a:r>
+              <a:rPr lang="ko-KR" altLang="en-US" sz="1600" b="1" spc="-150" dirty="0">
+                <a:solidFill>
+                  <a:srgbClr val="000000"/>
+                </a:solidFill>
+                <a:latin typeface="맑은 고딕" pitchFamily="50" charset="-127"/>
+              </a:rPr>
+              <a:t>를</a:t>
+            </a:r>
+            <a:r>
+              <a:rPr lang="en-US" altLang="ko-KR" sz="1600" b="1" spc="-150" dirty="0">
+                <a:solidFill>
+                  <a:srgbClr val="000000"/>
+                </a:solidFill>
+                <a:latin typeface="맑은 고딕" pitchFamily="50" charset="-127"/>
+              </a:rPr>
               <a:t> </a:t>
             </a:r>
             <a:r>
-              <a:rPr lang="ko-KR" altLang="en-US" sz="1600" b="1" spc="-150" dirty="0" smtClean="0">
+              <a:rPr lang="ko-KR" altLang="en-US" sz="1600" b="1" spc="-150" dirty="0">
                 <a:solidFill>
                   <a:srgbClr val="000000"/>
                 </a:solidFill>
                 <a:latin typeface="맑은 고딕" pitchFamily="50" charset="-127"/>
               </a:rPr>
-              <a:t>클래스는 </a:t>
-            </a:r>
-            <a:r>
-              <a:rPr lang="en-US" altLang="ko-KR" sz="1600" b="1" spc="-150" dirty="0" smtClean="0">
-                <a:solidFill>
-                  <a:srgbClr val="000000"/>
-                </a:solidFill>
-                <a:latin typeface="맑은 고딕" pitchFamily="50" charset="-127"/>
-              </a:rPr>
-              <a:t>filling</a:t>
-            </a:r>
-            <a:r>
-              <a:rPr lang="ko-KR" altLang="en-US" sz="1600" b="1" spc="-150" dirty="0" smtClean="0">
-                <a:solidFill>
-                  <a:srgbClr val="000000"/>
-                </a:solidFill>
-                <a:latin typeface="맑은 고딕" pitchFamily="50" charset="-127"/>
-              </a:rPr>
-              <a:t>으로 </a:t>
-            </a:r>
-            <a:r>
-              <a:rPr lang="en-US" altLang="ko-KR" sz="1600" b="1" spc="-150" dirty="0" err="1" smtClean="0">
-                <a:solidFill>
-                  <a:srgbClr val="000000"/>
-                </a:solidFill>
-                <a:latin typeface="맑은 고딕" pitchFamily="50" charset="-127"/>
-              </a:rPr>
-              <a:t>sweet_red_bean_jam</a:t>
-            </a:r>
-            <a:r>
-              <a:rPr lang="ko-KR" altLang="en-US" sz="1600" b="1" spc="-150" dirty="0" smtClean="0">
-                <a:solidFill>
-                  <a:srgbClr val="000000"/>
-                </a:solidFill>
-                <a:latin typeface="맑은 고딕" pitchFamily="50" charset="-127"/>
-              </a:rPr>
-              <a:t>을</a:t>
-            </a:r>
-            <a:r>
-              <a:rPr lang="en-US" altLang="ko-KR" sz="1600" b="1" spc="-150" dirty="0" smtClean="0">
-                <a:solidFill>
-                  <a:srgbClr val="000000"/>
-                </a:solidFill>
-                <a:latin typeface="맑은 고딕" pitchFamily="50" charset="-127"/>
-              </a:rPr>
-              <a:t>, </a:t>
-            </a:r>
-            <a:r>
-              <a:rPr lang="en-US" altLang="ko-KR" sz="1600" b="1" spc="-150" dirty="0" err="1" smtClean="0">
-                <a:solidFill>
-                  <a:srgbClr val="000000"/>
-                </a:solidFill>
-                <a:latin typeface="맑은 고딕" pitchFamily="50" charset="-127"/>
-              </a:rPr>
-              <a:t>fish_shape</a:t>
-            </a:r>
-            <a:r>
-              <a:rPr lang="ko-KR" altLang="en-US" sz="1600" b="1" spc="-150" dirty="0" smtClean="0">
-                <a:solidFill>
-                  <a:srgbClr val="000000"/>
-                </a:solidFill>
-                <a:latin typeface="맑은 고딕" pitchFamily="50" charset="-127"/>
-              </a:rPr>
-              <a:t>은 </a:t>
-            </a:r>
-            <a:r>
-              <a:rPr lang="en-US" altLang="ko-KR" sz="1600" b="1" spc="-150" dirty="0" smtClean="0">
-                <a:solidFill>
-                  <a:srgbClr val="000000"/>
-                </a:solidFill>
-                <a:latin typeface="맑은 고딕" pitchFamily="50" charset="-127"/>
-              </a:rPr>
-              <a:t>‘gold fish’</a:t>
-            </a:r>
-            <a:r>
-              <a:rPr lang="ko-KR" altLang="en-US" sz="1600" b="1" spc="-150" dirty="0" smtClean="0">
-                <a:solidFill>
-                  <a:srgbClr val="000000"/>
-                </a:solidFill>
-                <a:latin typeface="맑은 고딕" pitchFamily="50" charset="-127"/>
-              </a:rPr>
-              <a:t>를</a:t>
-            </a:r>
-            <a:r>
-              <a:rPr lang="en-US" altLang="ko-KR" sz="1600" b="1" spc="-150" dirty="0" smtClean="0">
-                <a:solidFill>
-                  <a:srgbClr val="000000"/>
-                </a:solidFill>
-                <a:latin typeface="맑은 고딕" pitchFamily="50" charset="-127"/>
-              </a:rPr>
-              <a:t> </a:t>
-            </a:r>
-            <a:r>
-              <a:rPr lang="ko-KR" altLang="en-US" sz="1600" b="1" spc="-150" dirty="0" smtClean="0">
-                <a:solidFill>
-                  <a:srgbClr val="000000"/>
-                </a:solidFill>
-                <a:latin typeface="맑은 고딕" pitchFamily="50" charset="-127"/>
-              </a:rPr>
               <a:t>가지고 있다</a:t>
             </a:r>
             <a:r>
-              <a:rPr lang="en-US" altLang="ko-KR" sz="1600" b="1" spc="-150" dirty="0" smtClean="0">
+              <a:rPr lang="en-US" altLang="ko-KR" sz="1600" b="1" spc="-150" dirty="0">
                 <a:solidFill>
                   <a:srgbClr val="000000"/>
                 </a:solidFill>
@@ -24183,7 +23249,7 @@
               <a:buChar char="ü"/>
             </a:pPr>
             <a:r>
-              <a:rPr lang="en-US" altLang="ko-KR" sz="1600" spc="-150" dirty="0" smtClean="0">
+              <a:rPr lang="en-US" altLang="ko-KR" sz="1600" spc="-150" dirty="0">
                 <a:ln w="0"/>
                 <a:effectLst>
                   <a:outerShdw blurRad="38100" dist="19050" dir="2700000" algn="tl" rotWithShape="0">
@@ -24196,7 +23262,7 @@
               <a:t>filling</a:t>
             </a:r>
             <a:r>
-              <a:rPr lang="ko-KR" altLang="en-US" sz="1600" spc="-150" dirty="0" smtClean="0">
+              <a:rPr lang="ko-KR" altLang="en-US" sz="1600" spc="-150" dirty="0">
                 <a:ln w="0"/>
                 <a:effectLst>
                   <a:outerShdw blurRad="38100" dist="19050" dir="2700000" algn="tl" rotWithShape="0">
@@ -24209,7 +23275,7 @@
               <a:t>에 </a:t>
             </a:r>
             <a:r>
-              <a:rPr lang="en-US" altLang="ko-KR" sz="1600" spc="-150" dirty="0" err="1" smtClean="0">
+              <a:rPr lang="en-US" altLang="ko-KR" sz="1600" spc="-150" dirty="0" err="1">
                 <a:ln w="0"/>
                 <a:effectLst>
                   <a:outerShdw blurRad="38100" dist="19050" dir="2700000" algn="tl" rotWithShape="0">
@@ -24222,7 +23288,7 @@
               <a:t>cream_cheese</a:t>
             </a:r>
             <a:r>
-              <a:rPr lang="en-US" altLang="ko-KR" sz="1600" spc="-150" dirty="0" smtClean="0">
+              <a:rPr lang="en-US" altLang="ko-KR" sz="1600" spc="-150" dirty="0">
                 <a:ln w="0"/>
                 <a:effectLst>
                   <a:outerShdw blurRad="38100" dist="19050" dir="2700000" algn="tl" rotWithShape="0">
@@ -24235,7 +23301,7 @@
               <a:t>, </a:t>
             </a:r>
             <a:r>
-              <a:rPr lang="en-US" altLang="ko-KR" sz="1600" spc="-150" dirty="0" err="1" smtClean="0">
+              <a:rPr lang="en-US" altLang="ko-KR" sz="1600" spc="-150" dirty="0" err="1">
                 <a:ln w="0"/>
                 <a:effectLst>
                   <a:outerShdw blurRad="38100" dist="19050" dir="2700000" algn="tl" rotWithShape="0">
@@ -24248,7 +23314,7 @@
               <a:t>pizza_topping</a:t>
             </a:r>
             <a:r>
-              <a:rPr lang="ko-KR" altLang="en-US" sz="1600" spc="-150" dirty="0" smtClean="0">
+              <a:rPr lang="ko-KR" altLang="en-US" sz="1600" spc="-150" dirty="0">
                 <a:ln w="0"/>
                 <a:effectLst>
                   <a:outerShdw blurRad="38100" dist="19050" dir="2700000" algn="tl" rotWithShape="0">
@@ -24261,7 +23327,7 @@
               <a:t>이 들어간 붕어빵을 제조하시오</a:t>
             </a:r>
             <a:r>
-              <a:rPr lang="en-US" altLang="ko-KR" sz="1600" spc="-150" dirty="0" smtClean="0">
+              <a:rPr lang="en-US" altLang="ko-KR" sz="1600" spc="-150" dirty="0">
                 <a:ln w="0"/>
                 <a:effectLst>
                   <a:outerShdw blurRad="38100" dist="19050" dir="2700000" algn="tl" rotWithShape="0">
@@ -24280,7 +23346,7 @@
               <a:buChar char="ü"/>
             </a:pPr>
             <a:r>
-              <a:rPr lang="en-US" altLang="ko-KR" sz="1600" spc="-150" dirty="0" err="1" smtClean="0">
+              <a:rPr lang="en-US" altLang="ko-KR" sz="1600" spc="-150" dirty="0" err="1">
                 <a:ln w="0"/>
                 <a:effectLst>
                   <a:outerShdw blurRad="38100" dist="19050" dir="2700000" algn="tl" rotWithShape="0">
@@ -24293,7 +23359,7 @@
               <a:t>fish_shape</a:t>
             </a:r>
             <a:r>
-              <a:rPr lang="ko-KR" altLang="en-US" sz="1600" spc="-150" dirty="0" smtClean="0">
+              <a:rPr lang="ko-KR" altLang="en-US" sz="1600" spc="-150" dirty="0">
                 <a:ln w="0"/>
                 <a:effectLst>
                   <a:outerShdw blurRad="38100" dist="19050" dir="2700000" algn="tl" rotWithShape="0">
@@ -24306,7 +23372,7 @@
               <a:t>에 </a:t>
             </a:r>
             <a:r>
-              <a:rPr lang="en-US" altLang="ko-KR" sz="1600" spc="-150" dirty="0" smtClean="0">
+              <a:rPr lang="en-US" altLang="ko-KR" sz="1600" spc="-150" dirty="0">
                 <a:ln w="0"/>
                 <a:effectLst>
                   <a:outerShdw blurRad="38100" dist="19050" dir="2700000" algn="tl" rotWithShape="0">
@@ -24319,7 +23385,7 @@
               <a:t>‘mini gold fish’</a:t>
             </a:r>
             <a:r>
-              <a:rPr lang="ko-KR" altLang="en-US" sz="1600" spc="-150" dirty="0" smtClean="0">
+              <a:rPr lang="ko-KR" altLang="en-US" sz="1600" spc="-150" dirty="0">
                 <a:ln w="0"/>
                 <a:effectLst>
                   <a:outerShdw blurRad="38100" dist="19050" dir="2700000" algn="tl" rotWithShape="0">
@@ -24332,7 +23398,7 @@
               <a:t>인 붕어빵을 제조하시오</a:t>
             </a:r>
             <a:r>
-              <a:rPr lang="en-US" altLang="ko-KR" sz="1600" spc="-150" dirty="0" smtClean="0">
+              <a:rPr lang="en-US" altLang="ko-KR" sz="1600" spc="-150" dirty="0">
                 <a:ln w="0"/>
                 <a:effectLst>
                   <a:outerShdw blurRad="38100" dist="19050" dir="2700000" algn="tl" rotWithShape="0">
@@ -24344,16 +23410,6 @@
               </a:rPr>
               <a:t>.</a:t>
             </a:r>
-            <a:endParaRPr lang="en-US" altLang="ko-KR" sz="1600" spc="-150" dirty="0">
-              <a:ln w="0"/>
-              <a:effectLst>
-                <a:outerShdw blurRad="38100" dist="19050" dir="2700000" algn="tl" rotWithShape="0">
-                  <a:schemeClr val="dk1">
-                    <a:alpha val="40000"/>
-                  </a:schemeClr>
-                </a:outerShdw>
-              </a:effectLst>
-            </a:endParaRPr>
           </a:p>
         </p:txBody>
       </p:sp>
@@ -24369,7 +23425,7 @@
           <a:blip r:embed="rId3">
             <a:extLst>
               <a:ext uri="{28A0092B-C50C-407E-A947-70E740481C1C}">
-                <a14:useLocalDpi xmlns:a14="http://schemas.microsoft.com/office/drawing/2010/main" xmlns="" val="0"/>
+                <a14:useLocalDpi xmlns:a14="http://schemas.microsoft.com/office/drawing/2010/main" val="0"/>
               </a:ext>
             </a:extLst>
           </a:blip>
@@ -24389,7 +23445,7 @@
           <a:noFill/>
           <a:extLst>
             <a:ext uri="{909E8E84-426E-40DD-AFC4-6F175D3DCCD1}">
-              <a14:hiddenFill xmlns:a14="http://schemas.microsoft.com/office/drawing/2010/main" xmlns="">
+              <a14:hiddenFill xmlns:a14="http://schemas.microsoft.com/office/drawing/2010/main">
                 <a:solidFill>
                   <a:srgbClr val="FFFFFF"/>
                 </a:solidFill>
@@ -24401,20 +23457,13 @@
     </p:spTree>
     <p:extLst>
       <p:ext uri="{BB962C8B-B14F-4D97-AF65-F5344CB8AC3E}">
-        <p14:creationId xmlns:p14="http://schemas.microsoft.com/office/powerpoint/2010/main" xmlns="" val="2432010350"/>
+        <p14:creationId xmlns:p14="http://schemas.microsoft.com/office/powerpoint/2010/main" val="2432010350"/>
       </p:ext>
     </p:extLst>
   </p:cSld>
   <p:clrMapOvr>
     <a:masterClrMapping/>
   </p:clrMapOvr>
-  <p:timing>
-    <p:tnLst>
-      <p:par>
-        <p:cTn id="1" dur="indefinite" restart="never" nodeType="tmRoot"/>
-      </p:par>
-    </p:tnLst>
-  </p:timing>
 </p:sld>
 </file>
 
@@ -24496,7 +23545,7 @@
           <a:p>
             <a:pPr algn="l"/>
             <a:r>
-              <a:rPr lang="ko-KR" altLang="en-US" sz="2400" b="1" spc="-150" dirty="0" err="1" smtClean="0">
+              <a:rPr lang="ko-KR" altLang="en-US" sz="2400" b="1" spc="-150" dirty="0" err="1">
                 <a:solidFill>
                   <a:schemeClr val="accent4">
                     <a:lumMod val="50000"/>
@@ -24506,7 +23555,7 @@
               <a:t>하이브리드</a:t>
             </a:r>
             <a:r>
-              <a:rPr lang="ko-KR" altLang="en-US" sz="2400" b="1" spc="-150" dirty="0" smtClean="0">
+              <a:rPr lang="ko-KR" altLang="en-US" sz="2400" b="1" spc="-150" dirty="0">
                 <a:solidFill>
                   <a:schemeClr val="accent4">
                     <a:lumMod val="50000"/>
@@ -24515,13 +23564,6 @@
               </a:rPr>
               <a:t> 자동차 만들기</a:t>
             </a:r>
-            <a:endParaRPr lang="ko-KR" altLang="en-US" sz="2400" b="1" spc="-150" dirty="0">
-              <a:solidFill>
-                <a:schemeClr val="accent4">
-                  <a:lumMod val="50000"/>
-                </a:schemeClr>
-              </a:solidFill>
-            </a:endParaRPr>
           </a:p>
         </p:txBody>
       </p:sp>
@@ -24590,18 +23632,13 @@
           <a:lstStyle/>
           <a:p>
             <a:r>
-              <a:rPr lang="en-US" altLang="ko-KR" sz="1000" dirty="0" smtClean="0">
+              <a:rPr lang="en-US" altLang="ko-KR" sz="1000" dirty="0">
                 <a:solidFill>
                   <a:schemeClr val="bg1"/>
                 </a:solidFill>
               </a:rPr>
               <a:t>Ch07. OOP</a:t>
             </a:r>
-            <a:endParaRPr lang="en-US" altLang="ko-KR" sz="1000" dirty="0">
-              <a:solidFill>
-                <a:schemeClr val="bg1"/>
-              </a:solidFill>
-            </a:endParaRPr>
           </a:p>
         </p:txBody>
       </p:sp>
@@ -24629,7 +23666,7 @@
           <a:p>
             <a:pPr algn="ctr"/>
             <a:r>
-              <a:rPr lang="en-US" altLang="ko-KR" sz="1000" dirty="0" smtClean="0">
+              <a:rPr lang="en-US" altLang="ko-KR" sz="1000" dirty="0">
                 <a:solidFill>
                   <a:schemeClr val="bg1"/>
                 </a:solidFill>
@@ -24637,7 +23674,7 @@
               <a:t>2016 </a:t>
             </a:r>
             <a:r>
-              <a:rPr lang="ko-KR" altLang="en-US" sz="1000" dirty="0" smtClean="0">
+              <a:rPr lang="ko-KR" altLang="en-US" sz="1000" dirty="0">
                 <a:solidFill>
                   <a:schemeClr val="bg1"/>
                 </a:solidFill>
@@ -24645,7 +23682,7 @@
               <a:t>중앙대학교</a:t>
             </a:r>
             <a:r>
-              <a:rPr lang="en-US" sz="1000" dirty="0" smtClean="0">
+              <a:rPr lang="en-US" sz="1000" dirty="0">
                 <a:solidFill>
                   <a:schemeClr val="bg1"/>
                 </a:solidFill>
@@ -24653,7 +23690,7 @@
               <a:t> Python </a:t>
             </a:r>
             <a:r>
-              <a:rPr lang="ko-KR" altLang="en-US" sz="1000" dirty="0" smtClean="0">
+              <a:rPr lang="ko-KR" altLang="en-US" sz="1000" dirty="0">
                 <a:solidFill>
                   <a:schemeClr val="bg1"/>
                 </a:solidFill>
@@ -24692,7 +23729,7 @@
           <a:p>
             <a:pPr algn="r"/>
             <a:r>
-              <a:rPr lang="en-US" altLang="ko-KR" sz="800" b="1" spc="-30" dirty="0" smtClean="0">
+              <a:rPr lang="en-US" altLang="ko-KR" sz="800" b="1" spc="-30" dirty="0">
                 <a:solidFill>
                   <a:schemeClr val="bg1"/>
                 </a:solidFill>
@@ -24713,7 +23750,7 @@
               <a:t>33</a:t>
             </a:fld>
             <a:r>
-              <a:rPr lang="en-US" altLang="ko-KR" sz="800" b="1" spc="-30" dirty="0" smtClean="0">
+              <a:rPr lang="en-US" altLang="ko-KR" sz="800" b="1" spc="-30" dirty="0">
                 <a:solidFill>
                   <a:schemeClr val="bg1"/>
                 </a:solidFill>
@@ -24722,13 +23759,6 @@
               </a:rPr>
               <a:t> -</a:t>
             </a:r>
-            <a:endParaRPr lang="en-US" altLang="ko-KR" sz="800" b="1" spc="-30" dirty="0">
-              <a:solidFill>
-                <a:schemeClr val="bg1"/>
-              </a:solidFill>
-              <a:latin typeface="맑은 고딕" panose="020B0503020000020004" pitchFamily="50" charset="-127"/>
-              <a:ea typeface="맑은 고딕" panose="020B0503020000020004" pitchFamily="50" charset="-127"/>
-            </a:endParaRPr>
           </a:p>
         </p:txBody>
       </p:sp>
@@ -24783,7 +23813,7 @@
               </a:lnSpc>
             </a:pPr>
             <a:r>
-              <a:rPr lang="en-US" altLang="ko-KR" sz="1600" b="1" spc="-150" dirty="0" smtClean="0">
+              <a:rPr lang="en-US" altLang="ko-KR" sz="1600" b="1" spc="-150" dirty="0">
                 <a:solidFill>
                   <a:srgbClr val="000000"/>
                 </a:solidFill>
@@ -24793,7 +23823,7 @@
               <a:t>Car </a:t>
             </a:r>
             <a:r>
-              <a:rPr lang="ko-KR" altLang="en-US" sz="1600" b="1" spc="-150" dirty="0" smtClean="0">
+              <a:rPr lang="ko-KR" altLang="en-US" sz="1600" b="1" spc="-150" dirty="0">
                 <a:solidFill>
                   <a:srgbClr val="000000"/>
                 </a:solidFill>
@@ -24803,7 +23833,7 @@
               <a:t>클래스와 </a:t>
             </a:r>
             <a:r>
-              <a:rPr lang="en-US" altLang="ko-KR" sz="1600" b="1" spc="-150" dirty="0" err="1" smtClean="0">
+              <a:rPr lang="en-US" altLang="ko-KR" sz="1600" b="1" spc="-150" dirty="0" err="1">
                 <a:solidFill>
                   <a:srgbClr val="000000"/>
                 </a:solidFill>
@@ -24813,7 +23843,7 @@
               <a:t>ElectricCar</a:t>
             </a:r>
             <a:r>
-              <a:rPr lang="ko-KR" altLang="en-US" sz="1600" b="1" spc="-150" dirty="0" smtClean="0">
+              <a:rPr lang="ko-KR" altLang="en-US" sz="1600" b="1" spc="-150" dirty="0">
                 <a:solidFill>
                   <a:srgbClr val="000000"/>
                 </a:solidFill>
@@ -24823,7 +23853,7 @@
               <a:t>클래스를 다중 상속하여 </a:t>
             </a:r>
             <a:r>
-              <a:rPr lang="en-US" altLang="ko-KR" sz="1600" b="1" spc="-150" dirty="0" err="1" smtClean="0">
+              <a:rPr lang="en-US" altLang="ko-KR" sz="1600" b="1" spc="-150" dirty="0" err="1">
                 <a:solidFill>
                   <a:srgbClr val="000000"/>
                 </a:solidFill>
@@ -24833,7 +23863,7 @@
               <a:t>HibridCar</a:t>
             </a:r>
             <a:r>
-              <a:rPr lang="en-US" altLang="ko-KR" sz="1600" b="1" spc="-150" dirty="0" smtClean="0">
+              <a:rPr lang="en-US" altLang="ko-KR" sz="1600" b="1" spc="-150" dirty="0">
                 <a:solidFill>
                   <a:srgbClr val="000000"/>
                 </a:solidFill>
@@ -24843,7 +23873,7 @@
               <a:t> </a:t>
             </a:r>
             <a:r>
-              <a:rPr lang="ko-KR" altLang="en-US" sz="1600" b="1" spc="-150" dirty="0" smtClean="0">
+              <a:rPr lang="ko-KR" altLang="en-US" sz="1600" b="1" spc="-150" dirty="0">
                 <a:solidFill>
                   <a:srgbClr val="000000"/>
                 </a:solidFill>
@@ -24852,13 +23882,6 @@
               </a:rPr>
               <a:t>만들기</a:t>
             </a:r>
-            <a:endParaRPr lang="ko-KR" altLang="en-US" sz="1600" b="1" spc="-150" dirty="0">
-              <a:solidFill>
-                <a:srgbClr val="000000"/>
-              </a:solidFill>
-              <a:latin typeface="맑은 고딕" pitchFamily="50" charset="-127"/>
-              <a:ea typeface="맑은 고딕" pitchFamily="50" charset="-127"/>
-            </a:endParaRPr>
           </a:p>
         </p:txBody>
       </p:sp>
@@ -24953,7 +23976,7 @@
               <a:t>를 생성하여 시운전 하시오</a:t>
             </a:r>
             <a:r>
-              <a:rPr lang="en-US" altLang="ko-KR" sz="1600" spc="-150" dirty="0" smtClean="0">
+              <a:rPr lang="en-US" altLang="ko-KR" sz="1600" spc="-150" dirty="0">
                 <a:ln w="0"/>
                 <a:effectLst>
                   <a:outerShdw blurRad="38100" dist="19050" dir="2700000" algn="tl" rotWithShape="0">
@@ -24966,46 +23989,20 @@
               <a:t>. (</a:t>
             </a:r>
             <a:r>
-              <a:rPr lang="ko-KR" altLang="en-US" sz="1600" spc="-150" dirty="0" smtClean="0">
-                <a:ln w="0"/>
-                <a:effectLst>
-                  <a:outerShdw blurRad="38100" dist="19050" dir="2700000" algn="tl" rotWithShape="0">
-                    <a:schemeClr val="dk1">
-                      <a:alpha val="40000"/>
-                    </a:schemeClr>
-                  </a:outerShdw>
-                </a:effectLst>
-              </a:rPr>
-              <a:t>가솔린 자동차는 출발 및 </a:t>
-            </a:r>
-            <a:r>
-              <a:rPr lang="ko-KR" altLang="en-US" sz="1600" spc="-150" dirty="0" smtClean="0">
-                <a:ln w="0"/>
-                <a:effectLst>
-                  <a:outerShdw blurRad="38100" dist="19050" dir="2700000" algn="tl" rotWithShape="0">
-                    <a:schemeClr val="dk1">
-                      <a:alpha val="40000"/>
-                    </a:schemeClr>
-                  </a:outerShdw>
-                </a:effectLst>
-              </a:rPr>
-              <a:t>가속 시 </a:t>
-            </a:r>
-            <a:r>
-              <a:rPr lang="ko-KR" altLang="en-US" sz="1600" spc="-150" dirty="0" smtClean="0">
-                <a:ln w="0"/>
-                <a:effectLst>
-                  <a:outerShdw blurRad="38100" dist="19050" dir="2700000" algn="tl" rotWithShape="0">
-                    <a:schemeClr val="dk1">
-                      <a:alpha val="40000"/>
-                    </a:schemeClr>
-                  </a:outerShdw>
-                </a:effectLst>
-              </a:rPr>
-              <a:t>엔진만 작동하며</a:t>
-            </a:r>
-            <a:r>
-              <a:rPr lang="en-US" altLang="ko-KR" sz="1600" spc="-150" dirty="0" smtClean="0">
+              <a:rPr lang="ko-KR" altLang="en-US" sz="1600" spc="-150" dirty="0">
+                <a:ln w="0"/>
+                <a:effectLst>
+                  <a:outerShdw blurRad="38100" dist="19050" dir="2700000" algn="tl" rotWithShape="0">
+                    <a:schemeClr val="dk1">
+                      <a:alpha val="40000"/>
+                    </a:schemeClr>
+                  </a:outerShdw>
+                </a:effectLst>
+              </a:rPr>
+              <a:t>가솔린 자동차는 출발 및 가속 시 엔진만 작동하며</a:t>
+            </a:r>
+            <a:r>
+              <a:rPr lang="en-US" altLang="ko-KR" sz="1600" spc="-150" dirty="0">
                 <a:ln w="0"/>
                 <a:effectLst>
                   <a:outerShdw blurRad="38100" dist="19050" dir="2700000" algn="tl" rotWithShape="0">
@@ -25018,33 +24015,20 @@
               <a:t>, </a:t>
             </a:r>
             <a:r>
-              <a:rPr lang="ko-KR" altLang="en-US" sz="1600" spc="-150" dirty="0" smtClean="0">
-                <a:ln w="0"/>
-                <a:effectLst>
-                  <a:outerShdw blurRad="38100" dist="19050" dir="2700000" algn="tl" rotWithShape="0">
-                    <a:schemeClr val="dk1">
-                      <a:alpha val="40000"/>
-                    </a:schemeClr>
-                  </a:outerShdw>
-                </a:effectLst>
-              </a:rPr>
-              <a:t>감속 시 </a:t>
-            </a:r>
-            <a:r>
-              <a:rPr lang="ko-KR" altLang="en-US" sz="1600" spc="-150" dirty="0" smtClean="0">
-                <a:ln w="0"/>
-                <a:effectLst>
-                  <a:outerShdw blurRad="38100" dist="19050" dir="2700000" algn="tl" rotWithShape="0">
-                    <a:schemeClr val="dk1">
-                      <a:alpha val="40000"/>
-                    </a:schemeClr>
-                  </a:outerShdw>
-                </a:effectLst>
-              </a:rPr>
-              <a:t>브레이크만 작동함</a:t>
-            </a:r>
-            <a:r>
-              <a:rPr lang="en-US" altLang="ko-KR" sz="1600" spc="-150" dirty="0" smtClean="0">
+              <a:rPr lang="ko-KR" altLang="en-US" sz="1600" spc="-150" dirty="0">
+                <a:ln w="0"/>
+                <a:effectLst>
+                  <a:outerShdw blurRad="38100" dist="19050" dir="2700000" algn="tl" rotWithShape="0">
+                    <a:schemeClr val="dk1">
+                      <a:alpha val="40000"/>
+                    </a:schemeClr>
+                  </a:outerShdw>
+                </a:effectLst>
+              </a:rPr>
+              <a:t>감속 시 브레이크만 작동함</a:t>
+            </a:r>
+            <a:r>
+              <a:rPr lang="en-US" altLang="ko-KR" sz="1600" spc="-150" dirty="0">
                 <a:ln w="0"/>
                 <a:effectLst>
                   <a:outerShdw blurRad="38100" dist="19050" dir="2700000" algn="tl" rotWithShape="0">
@@ -25063,7 +24047,7 @@
               <a:buChar char="ü"/>
             </a:pPr>
             <a:r>
-              <a:rPr lang="ko-KR" altLang="en-US" sz="1600" spc="-150" dirty="0" smtClean="0">
+              <a:rPr lang="ko-KR" altLang="en-US" sz="1600" spc="-150" dirty="0">
                 <a:ln w="0"/>
                 <a:effectLst>
                   <a:outerShdw blurRad="38100" dist="19050" dir="2700000" algn="tl" rotWithShape="0">
@@ -25180,7 +24164,7 @@
               <a:t>를 생성하여 시운전 하시오</a:t>
             </a:r>
             <a:r>
-              <a:rPr lang="en-US" altLang="ko-KR" sz="1600" spc="-150" dirty="0" smtClean="0">
+              <a:rPr lang="en-US" altLang="ko-KR" sz="1600" spc="-150" dirty="0">
                 <a:ln w="0"/>
                 <a:effectLst>
                   <a:outerShdw blurRad="38100" dist="19050" dir="2700000" algn="tl" rotWithShape="0">
@@ -25193,7 +24177,7 @@
               <a:t>. (</a:t>
             </a:r>
             <a:r>
-              <a:rPr lang="ko-KR" altLang="en-US" sz="1600" spc="-150" dirty="0" err="1" smtClean="0">
+              <a:rPr lang="ko-KR" altLang="en-US" sz="1600" spc="-150" dirty="0" err="1">
                 <a:ln w="0"/>
                 <a:effectLst>
                   <a:outerShdw blurRad="38100" dist="19050" dir="2700000" algn="tl" rotWithShape="0">
@@ -25206,7 +24190,7 @@
               <a:t>전기차는</a:t>
             </a:r>
             <a:r>
-              <a:rPr lang="ko-KR" altLang="en-US" sz="1600" spc="-150" dirty="0" smtClean="0">
+              <a:rPr lang="ko-KR" altLang="en-US" sz="1600" spc="-150" dirty="0">
                 <a:ln w="0"/>
                 <a:effectLst>
                   <a:outerShdw blurRad="38100" dist="19050" dir="2700000" algn="tl" rotWithShape="0">
@@ -25219,7 +24203,7 @@
               <a:t> 출발 및 </a:t>
             </a:r>
             <a:r>
-              <a:rPr lang="ko-KR" altLang="en-US" sz="1600" spc="-150" dirty="0" err="1" smtClean="0">
+              <a:rPr lang="ko-KR" altLang="en-US" sz="1600" spc="-150" dirty="0" err="1">
                 <a:ln w="0"/>
                 <a:effectLst>
                   <a:outerShdw blurRad="38100" dist="19050" dir="2700000" algn="tl" rotWithShape="0">
@@ -25232,7 +24216,7 @@
               <a:t>가속시</a:t>
             </a:r>
             <a:r>
-              <a:rPr lang="ko-KR" altLang="en-US" sz="1600" spc="-150" dirty="0" smtClean="0">
+              <a:rPr lang="ko-KR" altLang="en-US" sz="1600" spc="-150" dirty="0">
                 <a:ln w="0"/>
                 <a:effectLst>
                   <a:outerShdw blurRad="38100" dist="19050" dir="2700000" algn="tl" rotWithShape="0">
@@ -25245,7 +24229,7 @@
               <a:t> 모터만 작동하며</a:t>
             </a:r>
             <a:r>
-              <a:rPr lang="en-US" altLang="ko-KR" sz="1600" spc="-150" dirty="0" smtClean="0">
+              <a:rPr lang="en-US" altLang="ko-KR" sz="1600" spc="-150" dirty="0">
                 <a:ln w="0"/>
                 <a:effectLst>
                   <a:outerShdw blurRad="38100" dist="19050" dir="2700000" algn="tl" rotWithShape="0">
@@ -25258,7 +24242,7 @@
               <a:t>, </a:t>
             </a:r>
             <a:r>
-              <a:rPr lang="ko-KR" altLang="en-US" sz="1600" spc="-150" dirty="0" err="1" smtClean="0">
+              <a:rPr lang="ko-KR" altLang="en-US" sz="1600" spc="-150" dirty="0" err="1">
                 <a:ln w="0"/>
                 <a:effectLst>
                   <a:outerShdw blurRad="38100" dist="19050" dir="2700000" algn="tl" rotWithShape="0">
@@ -25271,7 +24255,7 @@
               <a:t>감속시</a:t>
             </a:r>
             <a:r>
-              <a:rPr lang="ko-KR" altLang="en-US" sz="1600" spc="-150" dirty="0" smtClean="0">
+              <a:rPr lang="ko-KR" altLang="en-US" sz="1600" spc="-150" dirty="0">
                 <a:ln w="0"/>
                 <a:effectLst>
                   <a:outerShdw blurRad="38100" dist="19050" dir="2700000" algn="tl" rotWithShape="0">
@@ -25284,7 +24268,7 @@
               <a:t> 브레이크와 배터리 충전이 함께 이루어짐</a:t>
             </a:r>
             <a:r>
-              <a:rPr lang="en-US" altLang="ko-KR" sz="1600" spc="-150" dirty="0" smtClean="0">
+              <a:rPr lang="en-US" altLang="ko-KR" sz="1600" spc="-150" dirty="0">
                 <a:ln w="0"/>
                 <a:effectLst>
                   <a:outerShdw blurRad="38100" dist="19050" dir="2700000" algn="tl" rotWithShape="0">
@@ -25303,19 +24287,6 @@
               <a:buChar char="ü"/>
             </a:pPr>
             <a:r>
-              <a:rPr lang="ko-KR" altLang="en-US" sz="1600" spc="-150" dirty="0" smtClean="0">
-                <a:ln w="0"/>
-                <a:effectLst>
-                  <a:outerShdw blurRad="38100" dist="19050" dir="2700000" algn="tl" rotWithShape="0">
-                    <a:schemeClr val="dk1">
-                      <a:alpha val="40000"/>
-                    </a:schemeClr>
-                  </a:outerShdw>
-                </a:effectLst>
-              </a:rPr>
-              <a:t>가솔린 </a:t>
-            </a:r>
-            <a:r>
               <a:rPr lang="ko-KR" altLang="en-US" sz="1600" spc="-150" dirty="0">
                 <a:ln w="0"/>
                 <a:effectLst>
@@ -25326,7 +24297,7 @@
                   </a:outerShdw>
                 </a:effectLst>
               </a:rPr>
-              <a:t>자동차와 </a:t>
+              <a:t>가솔린 자동차와 </a:t>
             </a:r>
             <a:r>
               <a:rPr lang="ko-KR" altLang="en-US" sz="1600" spc="-150" dirty="0" err="1">
@@ -25433,7 +24404,7 @@
               <a:t>를 생성하여 시운전 하시오</a:t>
             </a:r>
             <a:r>
-              <a:rPr lang="en-US" altLang="ko-KR" sz="1600" spc="-150" dirty="0" smtClean="0">
+              <a:rPr lang="en-US" altLang="ko-KR" sz="1600" spc="-150" dirty="0">
                 <a:ln w="0"/>
                 <a:effectLst>
                   <a:outerShdw blurRad="38100" dist="19050" dir="2700000" algn="tl" rotWithShape="0">
@@ -25445,16 +24416,6 @@
               </a:rPr>
               <a:t>.</a:t>
             </a:r>
-            <a:endParaRPr lang="en-US" altLang="ko-KR" sz="1600" spc="-150" dirty="0">
-              <a:ln w="0"/>
-              <a:effectLst>
-                <a:outerShdw blurRad="38100" dist="19050" dir="2700000" algn="tl" rotWithShape="0">
-                  <a:schemeClr val="dk1">
-                    <a:alpha val="40000"/>
-                  </a:schemeClr>
-                </a:outerShdw>
-              </a:effectLst>
-            </a:endParaRPr>
           </a:p>
         </p:txBody>
       </p:sp>
@@ -25470,7 +24431,7 @@
           <a:blip r:embed="rId3">
             <a:extLst>
               <a:ext uri="{28A0092B-C50C-407E-A947-70E740481C1C}">
-                <a14:useLocalDpi xmlns:a14="http://schemas.microsoft.com/office/drawing/2010/main" xmlns="" val="0"/>
+                <a14:useLocalDpi xmlns:a14="http://schemas.microsoft.com/office/drawing/2010/main" val="0"/>
               </a:ext>
             </a:extLst>
           </a:blip>
@@ -25490,7 +24451,7 @@
           <a:noFill/>
           <a:extLst>
             <a:ext uri="{909E8E84-426E-40DD-AFC4-6F175D3DCCD1}">
-              <a14:hiddenFill xmlns:a14="http://schemas.microsoft.com/office/drawing/2010/main" xmlns="">
+              <a14:hiddenFill xmlns:a14="http://schemas.microsoft.com/office/drawing/2010/main">
                 <a:solidFill>
                   <a:srgbClr val="FFFFFF"/>
                 </a:solidFill>
@@ -25511,7 +24472,7 @@
           <a:blip r:embed="rId4">
             <a:extLst>
               <a:ext uri="{28A0092B-C50C-407E-A947-70E740481C1C}">
-                <a14:useLocalDpi xmlns:a14="http://schemas.microsoft.com/office/drawing/2010/main" xmlns="" val="0"/>
+                <a14:useLocalDpi xmlns:a14="http://schemas.microsoft.com/office/drawing/2010/main" val="0"/>
               </a:ext>
             </a:extLst>
           </a:blip>
@@ -25531,7 +24492,7 @@
           <a:noFill/>
           <a:extLst>
             <a:ext uri="{909E8E84-426E-40DD-AFC4-6F175D3DCCD1}">
-              <a14:hiddenFill xmlns:a14="http://schemas.microsoft.com/office/drawing/2010/main" xmlns="">
+              <a14:hiddenFill xmlns:a14="http://schemas.microsoft.com/office/drawing/2010/main">
                 <a:solidFill>
                   <a:srgbClr val="FFFFFF"/>
                 </a:solidFill>
@@ -25543,20 +24504,13 @@
     </p:spTree>
     <p:extLst>
       <p:ext uri="{BB962C8B-B14F-4D97-AF65-F5344CB8AC3E}">
-        <p14:creationId xmlns:p14="http://schemas.microsoft.com/office/powerpoint/2010/main" xmlns="" val="1198475738"/>
+        <p14:creationId xmlns:p14="http://schemas.microsoft.com/office/powerpoint/2010/main" val="1198475738"/>
       </p:ext>
     </p:extLst>
   </p:cSld>
   <p:clrMapOvr>
     <a:masterClrMapping/>
   </p:clrMapOvr>
-  <p:timing>
-    <p:tnLst>
-      <p:par>
-        <p:cTn id="1" dur="indefinite" restart="never" nodeType="tmRoot"/>
-      </p:par>
-    </p:tnLst>
-  </p:timing>
 </p:sld>
 </file>
 
@@ -25600,7 +24554,7 @@
           <a:lstStyle/>
           <a:p>
             <a:r>
-              <a:rPr lang="ko-KR" altLang="en-US" sz="4000" b="1" spc="-150" dirty="0" smtClean="0">
+              <a:rPr lang="ko-KR" altLang="en-US" sz="4000" b="1" spc="-150" dirty="0">
                 <a:solidFill>
                   <a:schemeClr val="accent4">
                     <a:lumMod val="50000"/>
@@ -25609,13 +24563,6 @@
               </a:rPr>
               <a:t>감사합니다</a:t>
             </a:r>
-            <a:endParaRPr lang="ko-KR" altLang="en-US" sz="4000" b="1" spc="-150" dirty="0">
-              <a:solidFill>
-                <a:schemeClr val="accent4">
-                  <a:lumMod val="50000"/>
-                </a:schemeClr>
-              </a:solidFill>
-            </a:endParaRPr>
           </a:p>
         </p:txBody>
       </p:sp>
@@ -25659,20 +24606,13 @@
     </p:spTree>
     <p:extLst>
       <p:ext uri="{BB962C8B-B14F-4D97-AF65-F5344CB8AC3E}">
-        <p14:creationId xmlns:p14="http://schemas.microsoft.com/office/powerpoint/2010/main" xmlns="" val="3444039648"/>
+        <p14:creationId xmlns:p14="http://schemas.microsoft.com/office/powerpoint/2010/main" val="3444039648"/>
       </p:ext>
     </p:extLst>
   </p:cSld>
   <p:clrMapOvr>
     <a:masterClrMapping/>
   </p:clrMapOvr>
-  <p:timing>
-    <p:tnLst>
-      <p:par>
-        <p:cTn id="1" dur="indefinite" restart="never" nodeType="tmRoot"/>
-      </p:par>
-    </p:tnLst>
-  </p:timing>
 </p:sld>
 </file>
 
@@ -25838,18 +24778,13 @@
           <a:lstStyle/>
           <a:p>
             <a:r>
-              <a:rPr lang="en-US" altLang="ko-KR" sz="1000" dirty="0" smtClean="0">
+              <a:rPr lang="en-US" altLang="ko-KR" sz="1000" dirty="0">
                 <a:solidFill>
                   <a:schemeClr val="bg1"/>
                 </a:solidFill>
               </a:rPr>
               <a:t>Ch06. Data Structure</a:t>
             </a:r>
-            <a:endParaRPr lang="en-US" altLang="ko-KR" sz="1000" dirty="0">
-              <a:solidFill>
-                <a:schemeClr val="bg1"/>
-              </a:solidFill>
-            </a:endParaRPr>
           </a:p>
         </p:txBody>
       </p:sp>
@@ -25877,7 +24812,7 @@
           <a:p>
             <a:pPr algn="ctr"/>
             <a:r>
-              <a:rPr lang="en-US" altLang="ko-KR" sz="1000" dirty="0" smtClean="0">
+              <a:rPr lang="en-US" altLang="ko-KR" sz="1000" dirty="0">
                 <a:solidFill>
                   <a:schemeClr val="bg1"/>
                 </a:solidFill>
@@ -25885,7 +24820,7 @@
               <a:t>2016 </a:t>
             </a:r>
             <a:r>
-              <a:rPr lang="ko-KR" altLang="en-US" sz="1000" dirty="0" smtClean="0">
+              <a:rPr lang="ko-KR" altLang="en-US" sz="1000" dirty="0">
                 <a:solidFill>
                   <a:schemeClr val="bg1"/>
                 </a:solidFill>
@@ -25893,7 +24828,7 @@
               <a:t>중앙대학교</a:t>
             </a:r>
             <a:r>
-              <a:rPr lang="en-US" sz="1000" dirty="0" smtClean="0">
+              <a:rPr lang="en-US" sz="1000" dirty="0">
                 <a:solidFill>
                   <a:schemeClr val="bg1"/>
                 </a:solidFill>
@@ -25901,7 +24836,7 @@
               <a:t> Python </a:t>
             </a:r>
             <a:r>
-              <a:rPr lang="ko-KR" altLang="en-US" sz="1000" dirty="0" smtClean="0">
+              <a:rPr lang="ko-KR" altLang="en-US" sz="1000" dirty="0">
                 <a:solidFill>
                   <a:schemeClr val="bg1"/>
                 </a:solidFill>
@@ -25940,7 +24875,7 @@
           <a:p>
             <a:pPr algn="r"/>
             <a:r>
-              <a:rPr lang="en-US" altLang="ko-KR" sz="800" b="1" spc="-30" dirty="0" smtClean="0">
+              <a:rPr lang="en-US" altLang="ko-KR" sz="800" b="1" spc="-30" dirty="0">
                 <a:solidFill>
                   <a:schemeClr val="bg1"/>
                 </a:solidFill>
@@ -25961,7 +24896,7 @@
               <a:t>4</a:t>
             </a:fld>
             <a:r>
-              <a:rPr lang="en-US" altLang="ko-KR" sz="800" b="1" spc="-30" dirty="0" smtClean="0">
+              <a:rPr lang="en-US" altLang="ko-KR" sz="800" b="1" spc="-30" dirty="0">
                 <a:solidFill>
                   <a:schemeClr val="bg1"/>
                 </a:solidFill>
@@ -25970,13 +24905,6 @@
               </a:rPr>
               <a:t> -</a:t>
             </a:r>
-            <a:endParaRPr lang="en-US" altLang="ko-KR" sz="800" b="1" spc="-30" dirty="0">
-              <a:solidFill>
-                <a:schemeClr val="bg1"/>
-              </a:solidFill>
-              <a:latin typeface="맑은 고딕" panose="020B0503020000020004" pitchFamily="50" charset="-127"/>
-              <a:ea typeface="맑은 고딕" panose="020B0503020000020004" pitchFamily="50" charset="-127"/>
-            </a:endParaRPr>
           </a:p>
         </p:txBody>
       </p:sp>
@@ -26031,7 +24959,7 @@
               </a:lnSpc>
             </a:pPr>
             <a:r>
-              <a:rPr lang="en-US" altLang="ko-KR" sz="1600" b="1" spc="-150" dirty="0" smtClean="0">
+              <a:rPr lang="en-US" altLang="ko-KR" sz="1600" b="1" spc="-150" dirty="0">
                 <a:solidFill>
                   <a:srgbClr val="000000"/>
                 </a:solidFill>
@@ -26040,7 +24968,7 @@
               <a:t>Ch06&gt;code</a:t>
             </a:r>
             <a:r>
-              <a:rPr lang="ko-KR" altLang="en-US" sz="1600" b="1" spc="-150" dirty="0" smtClean="0">
+              <a:rPr lang="ko-KR" altLang="en-US" sz="1600" b="1" spc="-150" dirty="0">
                 <a:solidFill>
                   <a:srgbClr val="000000"/>
                 </a:solidFill>
@@ -26055,16 +24983,7 @@
                 </a:solidFill>
                 <a:latin typeface="맑은 고딕" pitchFamily="50" charset="-127"/>
               </a:rPr>
-              <a:t>&gt; </a:t>
-            </a:r>
-            <a:r>
-              <a:rPr lang="en-US" altLang="ko-KR" sz="1600" b="1" spc="-150" dirty="0" smtClean="0">
-                <a:solidFill>
-                  <a:srgbClr val="000000"/>
-                </a:solidFill>
-                <a:latin typeface="맑은 고딕" pitchFamily="50" charset="-127"/>
-              </a:rPr>
-              <a:t>ds_using_list.py</a:t>
+              <a:t>&gt; ds_using_list.py</a:t>
             </a:r>
             <a:endParaRPr lang="ko-KR" altLang="en-US" sz="1600" b="1" spc="-150" dirty="0">
               <a:solidFill>
@@ -26101,7 +25020,7 @@
               <a:buChar char="ü"/>
             </a:pPr>
             <a:r>
-              <a:rPr lang="ko-KR" altLang="en-US" sz="1600" spc="-150" dirty="0" smtClean="0">
+              <a:rPr lang="ko-KR" altLang="en-US" sz="1600" spc="-150" dirty="0">
                 <a:ln w="0"/>
                 <a:effectLst>
                   <a:outerShdw blurRad="38100" dist="19050" dir="2700000" algn="tl" rotWithShape="0">
@@ -26115,7 +25034,7 @@
               <a:t>순서대로 정리된 비정적</a:t>
             </a:r>
             <a:r>
-              <a:rPr lang="en-US" altLang="ko-KR" sz="1600" spc="-150" dirty="0" smtClean="0">
+              <a:rPr lang="en-US" altLang="ko-KR" sz="1600" spc="-150" dirty="0">
                 <a:ln w="0"/>
                 <a:effectLst>
                   <a:outerShdw blurRad="38100" dist="19050" dir="2700000" algn="tl" rotWithShape="0">
@@ -26129,7 +25048,7 @@
               <a:t>mutable </a:t>
             </a:r>
             <a:r>
-              <a:rPr lang="ko-KR" altLang="en-US" sz="1600" spc="-150" dirty="0" smtClean="0">
+              <a:rPr lang="ko-KR" altLang="en-US" sz="1600" spc="-150" dirty="0">
                 <a:ln w="0"/>
                 <a:effectLst>
                   <a:outerShdw blurRad="38100" dist="19050" dir="2700000" algn="tl" rotWithShape="0">
@@ -26143,7 +25062,7 @@
               <a:t>자료구조</a:t>
             </a:r>
             <a:r>
-              <a:rPr lang="en-US" altLang="ko-KR" sz="1600" spc="-150" dirty="0" smtClean="0">
+              <a:rPr lang="en-US" altLang="ko-KR" sz="1600" spc="-150" dirty="0">
                 <a:ln w="0"/>
                 <a:effectLst>
                   <a:outerShdw blurRad="38100" dist="19050" dir="2700000" algn="tl" rotWithShape="0">
@@ -26163,7 +25082,7 @@
               <a:buChar char="ü"/>
             </a:pPr>
             <a:r>
-              <a:rPr lang="en-US" altLang="ko-KR" sz="1600" spc="-150" dirty="0" smtClean="0">
+              <a:rPr lang="en-US" altLang="ko-KR" sz="1600" spc="-150" dirty="0">
                 <a:ln w="0"/>
                 <a:effectLst>
                   <a:outerShdw blurRad="38100" dist="19050" dir="2700000" algn="tl" rotWithShape="0">
@@ -26177,7 +25096,7 @@
               <a:t>List </a:t>
             </a:r>
             <a:r>
-              <a:rPr lang="ko-KR" altLang="en-US" sz="1600" spc="-150" dirty="0" smtClean="0">
+              <a:rPr lang="ko-KR" altLang="en-US" sz="1600" spc="-150" dirty="0">
                 <a:ln w="0"/>
                 <a:effectLst>
                   <a:outerShdw blurRad="38100" dist="19050" dir="2700000" algn="tl" rotWithShape="0">
@@ -26191,7 +25110,7 @@
               <a:t>초기화 시 </a:t>
             </a:r>
             <a:r>
-              <a:rPr lang="en-US" altLang="ko-KR" sz="1600" spc="-150" dirty="0" smtClean="0">
+              <a:rPr lang="en-US" altLang="ko-KR" sz="1600" spc="-150" dirty="0">
                 <a:ln w="0"/>
                 <a:effectLst>
                   <a:outerShdw blurRad="38100" dist="19050" dir="2700000" algn="tl" rotWithShape="0">
@@ -26205,7 +25124,7 @@
               <a:t>[ ] </a:t>
             </a:r>
             <a:r>
-              <a:rPr lang="ko-KR" altLang="en-US" sz="1600" spc="-150" dirty="0" smtClean="0">
+              <a:rPr lang="ko-KR" altLang="en-US" sz="1600" spc="-150" dirty="0">
                 <a:ln w="0"/>
                 <a:effectLst>
                   <a:outerShdw blurRad="38100" dist="19050" dir="2700000" algn="tl" rotWithShape="0">
@@ -26217,85 +25136,6 @@
                 <a:ea typeface="맑은 고딕" panose="020B0503020000020004" pitchFamily="50" charset="-127"/>
               </a:rPr>
               <a:t>사용 </a:t>
-            </a:r>
-            <a:endParaRPr lang="en-US" altLang="ko-KR" sz="1600" spc="-150" dirty="0" smtClean="0">
-              <a:ln w="0"/>
-              <a:effectLst>
-                <a:outerShdw blurRad="38100" dist="19050" dir="2700000" algn="tl" rotWithShape="0">
-                  <a:schemeClr val="dk1">
-                    <a:alpha val="40000"/>
-                  </a:schemeClr>
-                </a:outerShdw>
-              </a:effectLst>
-              <a:ea typeface="맑은 고딕" panose="020B0503020000020004" pitchFamily="50" charset="-127"/>
-            </a:endParaRPr>
-          </a:p>
-          <a:p>
-            <a:pPr marL="285750" indent="-285750">
-              <a:buFont typeface="Wingdings" panose="05000000000000000000" pitchFamily="2" charset="2"/>
-              <a:buChar char="ü"/>
-            </a:pPr>
-            <a:r>
-              <a:rPr lang="en-US" altLang="ko-KR" sz="1600" spc="-150" dirty="0" smtClean="0">
-                <a:ln w="0"/>
-                <a:effectLst>
-                  <a:outerShdw blurRad="38100" dist="19050" dir="2700000" algn="tl" rotWithShape="0">
-                    <a:schemeClr val="dk1">
-                      <a:alpha val="40000"/>
-                    </a:schemeClr>
-                  </a:outerShdw>
-                </a:effectLst>
-                <a:ea typeface="맑은 고딕" panose="020B0503020000020004" pitchFamily="50" charset="-127"/>
-              </a:rPr>
-              <a:t>append()</a:t>
-            </a:r>
-            <a:r>
-              <a:rPr lang="ko-KR" altLang="en-US" sz="1600" spc="-150" dirty="0" smtClean="0">
-                <a:ln w="0"/>
-                <a:effectLst>
-                  <a:outerShdw blurRad="38100" dist="19050" dir="2700000" algn="tl" rotWithShape="0">
-                    <a:schemeClr val="dk1">
-                      <a:alpha val="40000"/>
-                    </a:schemeClr>
-                  </a:outerShdw>
-                </a:effectLst>
-                <a:ea typeface="맑은 고딕" panose="020B0503020000020004" pitchFamily="50" charset="-127"/>
-              </a:rPr>
-              <a:t>와 </a:t>
-            </a:r>
-            <a:r>
-              <a:rPr lang="en-US" altLang="ko-KR" sz="1600" spc="-150" dirty="0" smtClean="0">
-                <a:ln w="0"/>
-                <a:effectLst>
-                  <a:outerShdw blurRad="38100" dist="19050" dir="2700000" algn="tl" rotWithShape="0">
-                    <a:schemeClr val="dk1">
-                      <a:alpha val="40000"/>
-                    </a:schemeClr>
-                  </a:outerShdw>
-                </a:effectLst>
-                <a:ea typeface="맑은 고딕" panose="020B0503020000020004" pitchFamily="50" charset="-127"/>
-              </a:rPr>
-              <a:t>sort() </a:t>
-            </a:r>
-          </a:p>
-          <a:p>
-            <a:pPr marL="285750" indent="-285750">
-              <a:buFont typeface="Wingdings" panose="05000000000000000000" pitchFamily="2" charset="2"/>
-              <a:buChar char="ü"/>
-            </a:pPr>
-            <a:r>
-              <a:rPr lang="en-US" altLang="ko-KR" sz="1600" spc="-150" dirty="0" smtClean="0">
-                <a:ln w="0"/>
-                <a:effectLst>
-                  <a:outerShdw blurRad="38100" dist="19050" dir="2700000" algn="tl" rotWithShape="0">
-                    <a:schemeClr val="dk1">
-                      <a:alpha val="40000"/>
-                    </a:schemeClr>
-                  </a:outerShdw>
-                </a:effectLst>
-                <a:ea typeface="맑은 고딕" panose="020B0503020000020004" pitchFamily="50" charset="-127"/>
-              </a:rPr>
-              <a:t>del</a:t>
             </a:r>
             <a:endParaRPr lang="en-US" altLang="ko-KR" sz="1600" spc="-150" dirty="0">
               <a:ln w="0"/>
@@ -26308,6 +25148,74 @@
               </a:effectLst>
               <a:ea typeface="맑은 고딕" panose="020B0503020000020004" pitchFamily="50" charset="-127"/>
             </a:endParaRPr>
+          </a:p>
+          <a:p>
+            <a:pPr marL="285750" indent="-285750">
+              <a:buFont typeface="Wingdings" panose="05000000000000000000" pitchFamily="2" charset="2"/>
+              <a:buChar char="ü"/>
+            </a:pPr>
+            <a:r>
+              <a:rPr lang="en-US" altLang="ko-KR" sz="1600" spc="-150" dirty="0">
+                <a:ln w="0"/>
+                <a:effectLst>
+                  <a:outerShdw blurRad="38100" dist="19050" dir="2700000" algn="tl" rotWithShape="0">
+                    <a:schemeClr val="dk1">
+                      <a:alpha val="40000"/>
+                    </a:schemeClr>
+                  </a:outerShdw>
+                </a:effectLst>
+                <a:ea typeface="맑은 고딕" panose="020B0503020000020004" pitchFamily="50" charset="-127"/>
+              </a:rPr>
+              <a:t>append()</a:t>
+            </a:r>
+            <a:r>
+              <a:rPr lang="ko-KR" altLang="en-US" sz="1600" spc="-150" dirty="0">
+                <a:ln w="0"/>
+                <a:effectLst>
+                  <a:outerShdw blurRad="38100" dist="19050" dir="2700000" algn="tl" rotWithShape="0">
+                    <a:schemeClr val="dk1">
+                      <a:alpha val="40000"/>
+                    </a:schemeClr>
+                  </a:outerShdw>
+                </a:effectLst>
+                <a:ea typeface="맑은 고딕" panose="020B0503020000020004" pitchFamily="50" charset="-127"/>
+              </a:rPr>
+              <a:t>와 </a:t>
+            </a:r>
+            <a:r>
+              <a:rPr lang="en-US" altLang="ko-KR" sz="1600" spc="-150" dirty="0">
+                <a:ln w="0"/>
+                <a:effectLst>
+                  <a:outerShdw blurRad="38100" dist="19050" dir="2700000" algn="tl" rotWithShape="0">
+                    <a:schemeClr val="dk1">
+                      <a:alpha val="40000"/>
+                    </a:schemeClr>
+                  </a:outerShdw>
+                </a:effectLst>
+                <a:ea typeface="맑은 고딕" panose="020B0503020000020004" pitchFamily="50" charset="-127"/>
+              </a:rPr>
+              <a:t>sort() </a:t>
+            </a:r>
+          </a:p>
+          <a:p>
+            <a:pPr marL="285750" indent="-285750">
+              <a:buFont typeface="Wingdings" panose="05000000000000000000" pitchFamily="2" charset="2"/>
+              <a:buChar char="ü"/>
+            </a:pPr>
+            <a:r>
+              <a:rPr lang="en-US" altLang="ko-KR" sz="1600" spc="-150" dirty="0">
+                <a:ln w="0"/>
+                <a:effectLst>
+                  <a:outerShdw blurRad="38100" dist="19050" dir="2700000" algn="tl" rotWithShape="0">
+                    <a:schemeClr val="dk1">
+                      <a:alpha val="40000"/>
+                    </a:schemeClr>
+                  </a:outerShdw>
+                </a:effectLst>
+                <a:ea typeface="맑은 고딕" panose="020B0503020000020004" pitchFamily="50" charset="-127"/>
+              </a:rPr>
+              <a:t>del</a:t>
+            </a:r>
           </a:p>
         </p:txBody>
       </p:sp>
@@ -26338,20 +25246,13 @@
     </p:spTree>
     <p:extLst>
       <p:ext uri="{BB962C8B-B14F-4D97-AF65-F5344CB8AC3E}">
-        <p14:creationId xmlns:p14="http://schemas.microsoft.com/office/powerpoint/2010/main" xmlns="" val="3474930652"/>
+        <p14:creationId xmlns:p14="http://schemas.microsoft.com/office/powerpoint/2010/main" val="3474930652"/>
       </p:ext>
     </p:extLst>
   </p:cSld>
   <p:clrMapOvr>
     <a:masterClrMapping/>
   </p:clrMapOvr>
-  <p:timing>
-    <p:tnLst>
-      <p:par>
-        <p:cTn id="1" dur="indefinite" restart="never" nodeType="tmRoot"/>
-      </p:par>
-    </p:tnLst>
-  </p:timing>
 </p:sld>
 </file>
 
@@ -26517,18 +25418,13 @@
           <a:lstStyle/>
           <a:p>
             <a:r>
-              <a:rPr lang="en-US" altLang="ko-KR" sz="1000" dirty="0" smtClean="0">
+              <a:rPr lang="en-US" altLang="ko-KR" sz="1000" dirty="0">
                 <a:solidFill>
                   <a:schemeClr val="bg1"/>
                 </a:solidFill>
               </a:rPr>
               <a:t>Ch06. Data Structure</a:t>
             </a:r>
-            <a:endParaRPr lang="en-US" altLang="ko-KR" sz="1000" dirty="0">
-              <a:solidFill>
-                <a:schemeClr val="bg1"/>
-              </a:solidFill>
-            </a:endParaRPr>
           </a:p>
         </p:txBody>
       </p:sp>
@@ -26556,7 +25452,7 @@
           <a:p>
             <a:pPr algn="ctr"/>
             <a:r>
-              <a:rPr lang="en-US" altLang="ko-KR" sz="1000" dirty="0" smtClean="0">
+              <a:rPr lang="en-US" altLang="ko-KR" sz="1000" dirty="0">
                 <a:solidFill>
                   <a:schemeClr val="bg1"/>
                 </a:solidFill>
@@ -26564,7 +25460,7 @@
               <a:t>2016 </a:t>
             </a:r>
             <a:r>
-              <a:rPr lang="ko-KR" altLang="en-US" sz="1000" dirty="0" smtClean="0">
+              <a:rPr lang="ko-KR" altLang="en-US" sz="1000" dirty="0">
                 <a:solidFill>
                   <a:schemeClr val="bg1"/>
                 </a:solidFill>
@@ -26572,7 +25468,7 @@
               <a:t>중앙대학교</a:t>
             </a:r>
             <a:r>
-              <a:rPr lang="en-US" sz="1000" dirty="0" smtClean="0">
+              <a:rPr lang="en-US" sz="1000" dirty="0">
                 <a:solidFill>
                   <a:schemeClr val="bg1"/>
                 </a:solidFill>
@@ -26580,7 +25476,7 @@
               <a:t> Python </a:t>
             </a:r>
             <a:r>
-              <a:rPr lang="ko-KR" altLang="en-US" sz="1000" dirty="0" smtClean="0">
+              <a:rPr lang="ko-KR" altLang="en-US" sz="1000" dirty="0">
                 <a:solidFill>
                   <a:schemeClr val="bg1"/>
                 </a:solidFill>
@@ -26619,7 +25515,7 @@
           <a:p>
             <a:pPr algn="r"/>
             <a:r>
-              <a:rPr lang="en-US" altLang="ko-KR" sz="800" b="1" spc="-30" dirty="0" smtClean="0">
+              <a:rPr lang="en-US" altLang="ko-KR" sz="800" b="1" spc="-30" dirty="0">
                 <a:solidFill>
                   <a:schemeClr val="bg1"/>
                 </a:solidFill>
@@ -26640,7 +25536,7 @@
               <a:t>5</a:t>
             </a:fld>
             <a:r>
-              <a:rPr lang="en-US" altLang="ko-KR" sz="800" b="1" spc="-30" dirty="0" smtClean="0">
+              <a:rPr lang="en-US" altLang="ko-KR" sz="800" b="1" spc="-30" dirty="0">
                 <a:solidFill>
                   <a:schemeClr val="bg1"/>
                 </a:solidFill>
@@ -26649,13 +25545,6 @@
               </a:rPr>
               <a:t> -</a:t>
             </a:r>
-            <a:endParaRPr lang="en-US" altLang="ko-KR" sz="800" b="1" spc="-30" dirty="0">
-              <a:solidFill>
-                <a:schemeClr val="bg1"/>
-              </a:solidFill>
-              <a:latin typeface="맑은 고딕" panose="020B0503020000020004" pitchFamily="50" charset="-127"/>
-              <a:ea typeface="맑은 고딕" panose="020B0503020000020004" pitchFamily="50" charset="-127"/>
-            </a:endParaRPr>
           </a:p>
         </p:txBody>
       </p:sp>
@@ -26710,7 +25599,7 @@
               </a:lnSpc>
             </a:pPr>
             <a:r>
-              <a:rPr lang="en-US" altLang="ko-KR" sz="1600" b="1" spc="-150" dirty="0" smtClean="0">
+              <a:rPr lang="en-US" altLang="ko-KR" sz="1600" b="1" spc="-150" dirty="0">
                 <a:solidFill>
                   <a:srgbClr val="000000"/>
                 </a:solidFill>
@@ -26719,7 +25608,7 @@
               <a:t>Ch06&gt;code</a:t>
             </a:r>
             <a:r>
-              <a:rPr lang="ko-KR" altLang="en-US" sz="1600" b="1" spc="-150" dirty="0" smtClean="0">
+              <a:rPr lang="ko-KR" altLang="en-US" sz="1600" b="1" spc="-150" dirty="0">
                 <a:solidFill>
                   <a:srgbClr val="000000"/>
                 </a:solidFill>
@@ -26734,16 +25623,7 @@
                 </a:solidFill>
                 <a:latin typeface="맑은 고딕" pitchFamily="50" charset="-127"/>
               </a:rPr>
-              <a:t>&gt; </a:t>
-            </a:r>
-            <a:r>
-              <a:rPr lang="en-US" altLang="ko-KR" sz="1600" b="1" spc="-150" dirty="0" smtClean="0">
-                <a:solidFill>
-                  <a:srgbClr val="000000"/>
-                </a:solidFill>
-                <a:latin typeface="맑은 고딕" pitchFamily="50" charset="-127"/>
-              </a:rPr>
-              <a:t>ds_making_stack.py</a:t>
+              <a:t>&gt; ds_making_stack.py</a:t>
             </a:r>
             <a:endParaRPr lang="ko-KR" altLang="en-US" sz="1600" b="1" spc="-150" dirty="0">
               <a:solidFill>
@@ -27001,7 +25881,7 @@
               <a:t>구조라고 한다</a:t>
             </a:r>
             <a:r>
-              <a:rPr lang="en-US" altLang="ko-KR" sz="1600" spc="-150" dirty="0" smtClean="0">
+              <a:rPr lang="en-US" altLang="ko-KR" sz="1600" spc="-150" dirty="0">
                 <a:ln w="0"/>
                 <a:effectLst>
                   <a:outerShdw blurRad="38100" dist="19050" dir="2700000" algn="tl" rotWithShape="0">
@@ -27435,7 +26315,7 @@
           <a:blip r:embed="rId3">
             <a:extLst>
               <a:ext uri="{28A0092B-C50C-407E-A947-70E740481C1C}">
-                <a14:useLocalDpi xmlns:a14="http://schemas.microsoft.com/office/drawing/2010/main" xmlns="" val="0"/>
+                <a14:useLocalDpi xmlns:a14="http://schemas.microsoft.com/office/drawing/2010/main" val="0"/>
               </a:ext>
             </a:extLst>
           </a:blip>
@@ -27455,7 +26335,7 @@
           <a:noFill/>
           <a:extLst>
             <a:ext uri="{909E8E84-426E-40DD-AFC4-6F175D3DCCD1}">
-              <a14:hiddenFill xmlns:a14="http://schemas.microsoft.com/office/drawing/2010/main" xmlns="">
+              <a14:hiddenFill xmlns:a14="http://schemas.microsoft.com/office/drawing/2010/main">
                 <a:solidFill>
                   <a:srgbClr val="FFFFFF"/>
                 </a:solidFill>
@@ -27476,7 +26356,7 @@
           <a:blip r:embed="rId4">
             <a:extLst>
               <a:ext uri="{28A0092B-C50C-407E-A947-70E740481C1C}">
-                <a14:useLocalDpi xmlns:a14="http://schemas.microsoft.com/office/drawing/2010/main" xmlns="" val="0"/>
+                <a14:useLocalDpi xmlns:a14="http://schemas.microsoft.com/office/drawing/2010/main" val="0"/>
               </a:ext>
             </a:extLst>
           </a:blip>
@@ -27496,7 +26376,7 @@
           <a:noFill/>
           <a:extLst>
             <a:ext uri="{909E8E84-426E-40DD-AFC4-6F175D3DCCD1}">
-              <a14:hiddenFill xmlns:a14="http://schemas.microsoft.com/office/drawing/2010/main" xmlns="">
+              <a14:hiddenFill xmlns:a14="http://schemas.microsoft.com/office/drawing/2010/main">
                 <a:solidFill>
                   <a:srgbClr val="FFFFFF"/>
                 </a:solidFill>
@@ -27531,7 +26411,7 @@
               <a:buChar char="ü"/>
             </a:pPr>
             <a:r>
-              <a:rPr lang="en-US" altLang="ko-KR" sz="1600" spc="-150" dirty="0" smtClean="0">
+              <a:rPr lang="en-US" altLang="ko-KR" sz="1600" spc="-150" dirty="0">
                 <a:ln w="0"/>
                 <a:effectLst>
                   <a:outerShdw blurRad="38100" dist="19050" dir="2700000" algn="tl" rotWithShape="0">
@@ -27545,7 +26425,7 @@
               <a:t>Stack</a:t>
             </a:r>
             <a:r>
-              <a:rPr lang="ko-KR" altLang="en-US" sz="1600" spc="-150" dirty="0" smtClean="0">
+              <a:rPr lang="ko-KR" altLang="en-US" sz="1600" spc="-150" dirty="0">
                 <a:ln w="0"/>
                 <a:effectLst>
                   <a:outerShdw blurRad="38100" dist="19050" dir="2700000" algn="tl" rotWithShape="0">
@@ -27620,39 +26500,25 @@
               <a:rPr lang="ko-KR" altLang="en-US" sz="900" dirty="0">
                 <a:hlinkClick r:id="rId6"/>
               </a:rPr>
-              <a:t>http://</a:t>
-            </a:r>
-            <a:r>
-              <a:rPr lang="ko-KR" altLang="en-US" sz="900" dirty="0" smtClean="0">
-                <a:hlinkClick r:id="rId6"/>
-              </a:rPr>
-              <a:t>onestep.tistory.com/39</a:t>
-            </a:r>
-            <a:r>
-              <a:rPr lang="ko-KR" altLang="en-US" sz="900" dirty="0" smtClean="0"/>
+              <a:t>http://onestep.tistory.com/39</a:t>
+            </a:r>
+            <a:r>
+              <a:rPr lang="ko-KR" altLang="en-US" sz="900" dirty="0"/>
               <a:t> </a:t>
             </a:r>
-            <a:endParaRPr lang="ko-KR" altLang="en-US" sz="900" dirty="0"/>
           </a:p>
         </p:txBody>
       </p:sp>
     </p:spTree>
     <p:extLst>
       <p:ext uri="{BB962C8B-B14F-4D97-AF65-F5344CB8AC3E}">
-        <p14:creationId xmlns:p14="http://schemas.microsoft.com/office/powerpoint/2010/main" xmlns="" val="4060782527"/>
+        <p14:creationId xmlns:p14="http://schemas.microsoft.com/office/powerpoint/2010/main" val="4060782527"/>
       </p:ext>
     </p:extLst>
   </p:cSld>
   <p:clrMapOvr>
     <a:masterClrMapping/>
   </p:clrMapOvr>
-  <p:timing>
-    <p:tnLst>
-      <p:par>
-        <p:cTn id="1" dur="indefinite" restart="never" nodeType="tmRoot"/>
-      </p:par>
-    </p:tnLst>
-  </p:timing>
 </p:sld>
 </file>
 
@@ -27818,18 +26684,13 @@
           <a:lstStyle/>
           <a:p>
             <a:r>
-              <a:rPr lang="en-US" altLang="ko-KR" sz="1000" dirty="0" smtClean="0">
+              <a:rPr lang="en-US" altLang="ko-KR" sz="1000" dirty="0">
                 <a:solidFill>
                   <a:schemeClr val="bg1"/>
                 </a:solidFill>
               </a:rPr>
               <a:t>Ch06. Data Structure</a:t>
             </a:r>
-            <a:endParaRPr lang="en-US" altLang="ko-KR" sz="1000" dirty="0">
-              <a:solidFill>
-                <a:schemeClr val="bg1"/>
-              </a:solidFill>
-            </a:endParaRPr>
           </a:p>
         </p:txBody>
       </p:sp>
@@ -27857,7 +26718,7 @@
           <a:p>
             <a:pPr algn="ctr"/>
             <a:r>
-              <a:rPr lang="en-US" altLang="ko-KR" sz="1000" dirty="0" smtClean="0">
+              <a:rPr lang="en-US" altLang="ko-KR" sz="1000" dirty="0">
                 <a:solidFill>
                   <a:schemeClr val="bg1"/>
                 </a:solidFill>
@@ -27865,7 +26726,7 @@
               <a:t>2016 </a:t>
             </a:r>
             <a:r>
-              <a:rPr lang="ko-KR" altLang="en-US" sz="1000" dirty="0" smtClean="0">
+              <a:rPr lang="ko-KR" altLang="en-US" sz="1000" dirty="0">
                 <a:solidFill>
                   <a:schemeClr val="bg1"/>
                 </a:solidFill>
@@ -27873,7 +26734,7 @@
               <a:t>중앙대학교</a:t>
             </a:r>
             <a:r>
-              <a:rPr lang="en-US" sz="1000" dirty="0" smtClean="0">
+              <a:rPr lang="en-US" sz="1000" dirty="0">
                 <a:solidFill>
                   <a:schemeClr val="bg1"/>
                 </a:solidFill>
@@ -27881,7 +26742,7 @@
               <a:t> Python </a:t>
             </a:r>
             <a:r>
-              <a:rPr lang="ko-KR" altLang="en-US" sz="1000" dirty="0" smtClean="0">
+              <a:rPr lang="ko-KR" altLang="en-US" sz="1000" dirty="0">
                 <a:solidFill>
                   <a:schemeClr val="bg1"/>
                 </a:solidFill>
@@ -27920,7 +26781,7 @@
           <a:p>
             <a:pPr algn="r"/>
             <a:r>
-              <a:rPr lang="en-US" altLang="ko-KR" sz="800" b="1" spc="-30" dirty="0" smtClean="0">
+              <a:rPr lang="en-US" altLang="ko-KR" sz="800" b="1" spc="-30" dirty="0">
                 <a:solidFill>
                   <a:schemeClr val="bg1"/>
                 </a:solidFill>
@@ -27941,7 +26802,7 @@
               <a:t>6</a:t>
             </a:fld>
             <a:r>
-              <a:rPr lang="en-US" altLang="ko-KR" sz="800" b="1" spc="-30" dirty="0" smtClean="0">
+              <a:rPr lang="en-US" altLang="ko-KR" sz="800" b="1" spc="-30" dirty="0">
                 <a:solidFill>
                   <a:schemeClr val="bg1"/>
                 </a:solidFill>
@@ -27950,13 +26811,6 @@
               </a:rPr>
               <a:t> -</a:t>
             </a:r>
-            <a:endParaRPr lang="en-US" altLang="ko-KR" sz="800" b="1" spc="-30" dirty="0">
-              <a:solidFill>
-                <a:schemeClr val="bg1"/>
-              </a:solidFill>
-              <a:latin typeface="맑은 고딕" panose="020B0503020000020004" pitchFamily="50" charset="-127"/>
-              <a:ea typeface="맑은 고딕" panose="020B0503020000020004" pitchFamily="50" charset="-127"/>
-            </a:endParaRPr>
           </a:p>
         </p:txBody>
       </p:sp>
@@ -28011,7 +26865,7 @@
               </a:lnSpc>
             </a:pPr>
             <a:r>
-              <a:rPr lang="en-US" altLang="ko-KR" sz="1600" b="1" spc="-150" dirty="0" smtClean="0">
+              <a:rPr lang="en-US" altLang="ko-KR" sz="1600" b="1" spc="-150" dirty="0">
                 <a:solidFill>
                   <a:srgbClr val="000000"/>
                 </a:solidFill>
@@ -28020,7 +26874,7 @@
               <a:t>Ch06&gt;code</a:t>
             </a:r>
             <a:r>
-              <a:rPr lang="ko-KR" altLang="en-US" sz="1600" b="1" spc="-150" dirty="0" smtClean="0">
+              <a:rPr lang="ko-KR" altLang="en-US" sz="1600" b="1" spc="-150" dirty="0">
                 <a:solidFill>
                   <a:srgbClr val="000000"/>
                 </a:solidFill>
@@ -28035,16 +26889,7 @@
                 </a:solidFill>
                 <a:latin typeface="맑은 고딕" pitchFamily="50" charset="-127"/>
               </a:rPr>
-              <a:t>&gt; </a:t>
-            </a:r>
-            <a:r>
-              <a:rPr lang="en-US" altLang="ko-KR" sz="1600" b="1" spc="-150" dirty="0" smtClean="0">
-                <a:solidFill>
-                  <a:srgbClr val="000000"/>
-                </a:solidFill>
-                <a:latin typeface="맑은 고딕" pitchFamily="50" charset="-127"/>
-              </a:rPr>
-              <a:t>ds_making_queue.py</a:t>
+              <a:t>&gt; ds_making_queue.py</a:t>
             </a:r>
             <a:endParaRPr lang="ko-KR" altLang="en-US" sz="1600" b="1" spc="-150" dirty="0">
               <a:solidFill>
@@ -28364,33 +27209,7 @@
                   </a:outerShdw>
                 </a:effectLst>
               </a:rPr>
-              <a:t>큐는 양쪽 모두 </a:t>
-            </a:r>
-            <a:r>
-              <a:rPr lang="ko-KR" altLang="en-US" sz="1600" spc="-150" dirty="0" smtClean="0">
-                <a:ln w="0"/>
-                <a:effectLst>
-                  <a:outerShdw blurRad="38100" dist="19050" dir="2700000" algn="tl" rotWithShape="0">
-                    <a:schemeClr val="dk1">
-                      <a:alpha val="40000"/>
-                    </a:schemeClr>
-                  </a:outerShdw>
-                </a:effectLst>
-              </a:rPr>
-              <a:t>뚫</a:t>
-            </a:r>
-            <a:r>
-              <a:rPr lang="ko-KR" altLang="en-US" sz="1600" spc="-150" dirty="0" smtClean="0">
-                <a:ln w="0"/>
-                <a:effectLst>
-                  <a:outerShdw blurRad="38100" dist="19050" dir="2700000" algn="tl" rotWithShape="0">
-                    <a:schemeClr val="dk1">
-                      <a:alpha val="40000"/>
-                    </a:schemeClr>
-                  </a:outerShdw>
-                </a:effectLst>
-              </a:rPr>
-              <a:t>려있다</a:t>
+              <a:t>큐는 양쪽 모두 뚫려있다</a:t>
             </a:r>
             <a:r>
               <a:rPr lang="en-US" altLang="ko-KR" sz="1600" spc="-150" dirty="0">
@@ -28405,16 +27224,6 @@
               </a:rPr>
               <a:t>. </a:t>
             </a:r>
-            <a:endParaRPr lang="en-US" altLang="ko-KR" sz="1600" spc="-150" dirty="0" smtClean="0">
-              <a:ln w="0"/>
-              <a:effectLst>
-                <a:outerShdw blurRad="38100" dist="19050" dir="2700000" algn="tl" rotWithShape="0">
-                  <a:schemeClr val="dk1">
-                    <a:alpha val="40000"/>
-                  </a:schemeClr>
-                </a:outerShdw>
-              </a:effectLst>
-            </a:endParaRPr>
           </a:p>
           <a:p>
             <a:pPr marL="285750" indent="-285750">
@@ -28422,7 +27231,7 @@
               <a:buChar char="ü"/>
             </a:pPr>
             <a:r>
-              <a:rPr lang="ko-KR" altLang="en-US" sz="1600" spc="-150" dirty="0" smtClean="0">
+              <a:rPr lang="ko-KR" altLang="en-US" sz="1600" spc="-150" dirty="0">
                 <a:ln w="0"/>
                 <a:effectLst>
                   <a:outerShdw blurRad="38100" dist="19050" dir="2700000" algn="tl" rotWithShape="0">
@@ -28474,7 +27283,7 @@
               <a:t>, </a:t>
             </a:r>
             <a:r>
-              <a:rPr lang="ko-KR" altLang="en-US" sz="1600" spc="-150" dirty="0" smtClean="0">
+              <a:rPr lang="ko-KR" altLang="en-US" sz="1600" spc="-150" dirty="0">
                 <a:ln w="0"/>
                 <a:effectLst>
                   <a:outerShdw blurRad="38100" dist="19050" dir="2700000" algn="tl" rotWithShape="0">
@@ -28695,7 +27504,7 @@
               <a:buChar char="ü"/>
             </a:pPr>
             <a:r>
-              <a:rPr lang="en-US" altLang="ko-KR" sz="1600" spc="-150" dirty="0" smtClean="0">
+              <a:rPr lang="en-US" altLang="ko-KR" sz="1600" spc="-150" dirty="0">
                 <a:ln w="0"/>
                 <a:effectLst>
                   <a:outerShdw blurRad="38100" dist="19050" dir="2700000" algn="tl" rotWithShape="0">
@@ -28709,7 +27518,7 @@
               <a:t>Queue</a:t>
             </a:r>
             <a:r>
-              <a:rPr lang="ko-KR" altLang="en-US" sz="1600" spc="-150" dirty="0" smtClean="0">
+              <a:rPr lang="ko-KR" altLang="en-US" sz="1600" spc="-150" dirty="0">
                 <a:ln w="0"/>
                 <a:effectLst>
                   <a:outerShdw blurRad="38100" dist="19050" dir="2700000" algn="tl" rotWithShape="0">
@@ -28761,19 +27570,12 @@
               <a:rPr lang="ko-KR" altLang="en-US" sz="900" dirty="0">
                 <a:hlinkClick r:id="rId3"/>
               </a:rPr>
-              <a:t>http://</a:t>
-            </a:r>
-            <a:r>
-              <a:rPr lang="ko-KR" altLang="en-US" sz="900" dirty="0" smtClean="0">
-                <a:hlinkClick r:id="rId3"/>
-              </a:rPr>
-              <a:t>onestep.tistory.com/39</a:t>
-            </a:r>
-            <a:r>
-              <a:rPr lang="ko-KR" altLang="en-US" sz="900" dirty="0" smtClean="0"/>
+              <a:t>http://onestep.tistory.com/39</a:t>
+            </a:r>
+            <a:r>
+              <a:rPr lang="ko-KR" altLang="en-US" sz="900" dirty="0"/>
               <a:t> </a:t>
             </a:r>
-            <a:endParaRPr lang="ko-KR" altLang="en-US" sz="900" dirty="0"/>
           </a:p>
         </p:txBody>
       </p:sp>
@@ -28789,7 +27591,7 @@
           <a:blip r:embed="rId4">
             <a:extLst>
               <a:ext uri="{28A0092B-C50C-407E-A947-70E740481C1C}">
-                <a14:useLocalDpi xmlns:a14="http://schemas.microsoft.com/office/drawing/2010/main" xmlns="" val="0"/>
+                <a14:useLocalDpi xmlns:a14="http://schemas.microsoft.com/office/drawing/2010/main" val="0"/>
               </a:ext>
             </a:extLst>
           </a:blip>
@@ -28809,7 +27611,7 @@
           <a:noFill/>
           <a:extLst>
             <a:ext uri="{909E8E84-426E-40DD-AFC4-6F175D3DCCD1}">
-              <a14:hiddenFill xmlns:a14="http://schemas.microsoft.com/office/drawing/2010/main" xmlns="">
+              <a14:hiddenFill xmlns:a14="http://schemas.microsoft.com/office/drawing/2010/main">
                 <a:solidFill>
                   <a:srgbClr val="FFFFFF"/>
                 </a:solidFill>
@@ -28845,20 +27647,13 @@
     </p:spTree>
     <p:extLst>
       <p:ext uri="{BB962C8B-B14F-4D97-AF65-F5344CB8AC3E}">
-        <p14:creationId xmlns:p14="http://schemas.microsoft.com/office/powerpoint/2010/main" xmlns="" val="1268581250"/>
+        <p14:creationId xmlns:p14="http://schemas.microsoft.com/office/powerpoint/2010/main" val="1268581250"/>
       </p:ext>
     </p:extLst>
   </p:cSld>
   <p:clrMapOvr>
     <a:masterClrMapping/>
   </p:clrMapOvr>
-  <p:timing>
-    <p:tnLst>
-      <p:par>
-        <p:cTn id="1" dur="indefinite" restart="never" nodeType="tmRoot"/>
-      </p:par>
-    </p:tnLst>
-  </p:timing>
 </p:sld>
 </file>
 
@@ -29024,18 +27819,13 @@
           <a:lstStyle/>
           <a:p>
             <a:r>
-              <a:rPr lang="en-US" altLang="ko-KR" sz="1000" dirty="0" smtClean="0">
+              <a:rPr lang="en-US" altLang="ko-KR" sz="1000" dirty="0">
                 <a:solidFill>
                   <a:schemeClr val="bg1"/>
                 </a:solidFill>
               </a:rPr>
               <a:t>Ch06. Data Structure</a:t>
             </a:r>
-            <a:endParaRPr lang="en-US" altLang="ko-KR" sz="1000" dirty="0">
-              <a:solidFill>
-                <a:schemeClr val="bg1"/>
-              </a:solidFill>
-            </a:endParaRPr>
           </a:p>
         </p:txBody>
       </p:sp>
@@ -29063,7 +27853,7 @@
           <a:p>
             <a:pPr algn="ctr"/>
             <a:r>
-              <a:rPr lang="en-US" altLang="ko-KR" sz="1000" dirty="0" smtClean="0">
+              <a:rPr lang="en-US" altLang="ko-KR" sz="1000" dirty="0">
                 <a:solidFill>
                   <a:schemeClr val="bg1"/>
                 </a:solidFill>
@@ -29071,7 +27861,7 @@
               <a:t>2016 </a:t>
             </a:r>
             <a:r>
-              <a:rPr lang="ko-KR" altLang="en-US" sz="1000" dirty="0" smtClean="0">
+              <a:rPr lang="ko-KR" altLang="en-US" sz="1000" dirty="0">
                 <a:solidFill>
                   <a:schemeClr val="bg1"/>
                 </a:solidFill>
@@ -29079,7 +27869,7 @@
               <a:t>중앙대학교</a:t>
             </a:r>
             <a:r>
-              <a:rPr lang="en-US" sz="1000" dirty="0" smtClean="0">
+              <a:rPr lang="en-US" sz="1000" dirty="0">
                 <a:solidFill>
                   <a:schemeClr val="bg1"/>
                 </a:solidFill>
@@ -29087,7 +27877,7 @@
               <a:t> Python </a:t>
             </a:r>
             <a:r>
-              <a:rPr lang="ko-KR" altLang="en-US" sz="1000" dirty="0" smtClean="0">
+              <a:rPr lang="ko-KR" altLang="en-US" sz="1000" dirty="0">
                 <a:solidFill>
                   <a:schemeClr val="bg1"/>
                 </a:solidFill>
@@ -29126,7 +27916,7 @@
           <a:p>
             <a:pPr algn="r"/>
             <a:r>
-              <a:rPr lang="en-US" altLang="ko-KR" sz="800" b="1" spc="-30" dirty="0" smtClean="0">
+              <a:rPr lang="en-US" altLang="ko-KR" sz="800" b="1" spc="-30" dirty="0">
                 <a:solidFill>
                   <a:schemeClr val="bg1"/>
                 </a:solidFill>
@@ -29147,7 +27937,7 @@
               <a:t>7</a:t>
             </a:fld>
             <a:r>
-              <a:rPr lang="en-US" altLang="ko-KR" sz="800" b="1" spc="-30" dirty="0" smtClean="0">
+              <a:rPr lang="en-US" altLang="ko-KR" sz="800" b="1" spc="-30" dirty="0">
                 <a:solidFill>
                   <a:schemeClr val="bg1"/>
                 </a:solidFill>
@@ -29156,13 +27946,6 @@
               </a:rPr>
               <a:t> -</a:t>
             </a:r>
-            <a:endParaRPr lang="en-US" altLang="ko-KR" sz="800" b="1" spc="-30" dirty="0">
-              <a:solidFill>
-                <a:schemeClr val="bg1"/>
-              </a:solidFill>
-              <a:latin typeface="맑은 고딕" panose="020B0503020000020004" pitchFamily="50" charset="-127"/>
-              <a:ea typeface="맑은 고딕" panose="020B0503020000020004" pitchFamily="50" charset="-127"/>
-            </a:endParaRPr>
           </a:p>
         </p:txBody>
       </p:sp>
@@ -29217,7 +28000,7 @@
               </a:lnSpc>
             </a:pPr>
             <a:r>
-              <a:rPr lang="en-US" altLang="ko-KR" sz="1600" b="1" spc="-150" dirty="0" smtClean="0">
+              <a:rPr lang="en-US" altLang="ko-KR" sz="1600" b="1" spc="-150" dirty="0">
                 <a:solidFill>
                   <a:srgbClr val="000000"/>
                 </a:solidFill>
@@ -29226,7 +28009,7 @@
               <a:t>Ch06&gt;code</a:t>
             </a:r>
             <a:r>
-              <a:rPr lang="ko-KR" altLang="en-US" sz="1600" b="1" spc="-150" dirty="0" smtClean="0">
+              <a:rPr lang="ko-KR" altLang="en-US" sz="1600" b="1" spc="-150" dirty="0">
                 <a:solidFill>
                   <a:srgbClr val="000000"/>
                 </a:solidFill>
@@ -29241,16 +28024,7 @@
                 </a:solidFill>
                 <a:latin typeface="맑은 고딕" pitchFamily="50" charset="-127"/>
               </a:rPr>
-              <a:t>&gt; </a:t>
-            </a:r>
-            <a:r>
-              <a:rPr lang="en-US" altLang="ko-KR" sz="1600" b="1" spc="-150" dirty="0" smtClean="0">
-                <a:solidFill>
-                  <a:srgbClr val="000000"/>
-                </a:solidFill>
-                <a:latin typeface="맑은 고딕" pitchFamily="50" charset="-127"/>
-              </a:rPr>
-              <a:t>ds_using_dict.py</a:t>
+              <a:t>&gt; ds_using_dict.py</a:t>
             </a:r>
             <a:endParaRPr lang="ko-KR" altLang="en-US" sz="1600" b="1" spc="-150" dirty="0">
               <a:solidFill>
@@ -29287,7 +28061,7 @@
               <a:buChar char="ü"/>
             </a:pPr>
             <a:r>
-              <a:rPr lang="en-US" altLang="ko-KR" sz="1600" spc="-150" dirty="0" smtClean="0">
+              <a:rPr lang="en-US" altLang="ko-KR" sz="1600" spc="-150" dirty="0">
                 <a:ln w="0"/>
                 <a:effectLst>
                   <a:outerShdw blurRad="38100" dist="19050" dir="2700000" algn="tl" rotWithShape="0">
@@ -29301,7 +28075,7 @@
               <a:t>Dictionary </a:t>
             </a:r>
             <a:r>
-              <a:rPr lang="ko-KR" altLang="en-US" sz="1600" spc="-150" dirty="0" smtClean="0">
+              <a:rPr lang="ko-KR" altLang="en-US" sz="1600" spc="-150" dirty="0">
                 <a:ln w="0"/>
                 <a:effectLst>
                   <a:outerShdw blurRad="38100" dist="19050" dir="2700000" algn="tl" rotWithShape="0">
@@ -29315,7 +28089,7 @@
               <a:t>초기화에 </a:t>
             </a:r>
             <a:r>
-              <a:rPr lang="en-US" altLang="ko-KR" sz="1600" spc="-150" dirty="0" smtClean="0">
+              <a:rPr lang="en-US" altLang="ko-KR" sz="1600" spc="-150" dirty="0">
                 <a:ln w="0"/>
                 <a:effectLst>
                   <a:outerShdw blurRad="38100" dist="19050" dir="2700000" algn="tl" rotWithShape="0">
@@ -29329,7 +28103,7 @@
               <a:t>{ } </a:t>
             </a:r>
             <a:r>
-              <a:rPr lang="ko-KR" altLang="en-US" sz="1600" spc="-150" dirty="0" smtClean="0">
+              <a:rPr lang="ko-KR" altLang="en-US" sz="1600" spc="-150" dirty="0">
                 <a:ln w="0"/>
                 <a:effectLst>
                   <a:outerShdw blurRad="38100" dist="19050" dir="2700000" algn="tl" rotWithShape="0">
@@ -29343,7 +28117,7 @@
               <a:t>사용하며 </a:t>
             </a:r>
             <a:r>
-              <a:rPr lang="en-US" altLang="ko-KR" sz="1600" spc="-150" dirty="0" smtClean="0">
+              <a:rPr lang="en-US" altLang="ko-KR" sz="1600" spc="-150" dirty="0">
                 <a:ln w="0"/>
                 <a:effectLst>
                   <a:outerShdw blurRad="38100" dist="19050" dir="2700000" algn="tl" rotWithShape="0">
@@ -29357,7 +28131,7 @@
               <a:t>key : value</a:t>
             </a:r>
             <a:r>
-              <a:rPr lang="ko-KR" altLang="en-US" sz="1600" spc="-150" dirty="0" smtClean="0">
+              <a:rPr lang="ko-KR" altLang="en-US" sz="1600" spc="-150" dirty="0">
                 <a:ln w="0"/>
                 <a:effectLst>
                   <a:outerShdw blurRad="38100" dist="19050" dir="2700000" algn="tl" rotWithShape="0">
@@ -29371,7 +28145,7 @@
               <a:t>의 쌍으로 이루어진 것을 알 수 있다</a:t>
             </a:r>
             <a:r>
-              <a:rPr lang="en-US" altLang="ko-KR" sz="1600" spc="-150" dirty="0" smtClean="0">
+              <a:rPr lang="en-US" altLang="ko-KR" sz="1600" spc="-150" dirty="0">
                 <a:ln w="0"/>
                 <a:effectLst>
                   <a:outerShdw blurRad="38100" dist="19050" dir="2700000" algn="tl" rotWithShape="0">
@@ -29404,7 +28178,7 @@
               <a:t>{key1 : value1, key2 : value2}</a:t>
             </a:r>
             <a:r>
-              <a:rPr lang="ko-KR" altLang="en-US" sz="1600" spc="-150" dirty="0" smtClean="0">
+              <a:rPr lang="ko-KR" altLang="en-US" sz="1600" spc="-150" dirty="0">
                 <a:ln w="0"/>
                 <a:effectLst>
                   <a:outerShdw blurRad="38100" dist="19050" dir="2700000" algn="tl" rotWithShape="0">
@@ -29458,20 +28232,13 @@
     </p:spTree>
     <p:extLst>
       <p:ext uri="{BB962C8B-B14F-4D97-AF65-F5344CB8AC3E}">
-        <p14:creationId xmlns:p14="http://schemas.microsoft.com/office/powerpoint/2010/main" xmlns="" val="2527965050"/>
+        <p14:creationId xmlns:p14="http://schemas.microsoft.com/office/powerpoint/2010/main" val="2527965050"/>
       </p:ext>
     </p:extLst>
   </p:cSld>
   <p:clrMapOvr>
     <a:masterClrMapping/>
   </p:clrMapOvr>
-  <p:timing>
-    <p:tnLst>
-      <p:par>
-        <p:cTn id="1" dur="indefinite" restart="never" nodeType="tmRoot"/>
-      </p:par>
-    </p:tnLst>
-  </p:timing>
 </p:sld>
 </file>
 
@@ -29637,18 +28404,13 @@
           <a:lstStyle/>
           <a:p>
             <a:r>
-              <a:rPr lang="en-US" altLang="ko-KR" sz="1000" dirty="0" smtClean="0">
+              <a:rPr lang="en-US" altLang="ko-KR" sz="1000" dirty="0">
                 <a:solidFill>
                   <a:schemeClr val="bg1"/>
                 </a:solidFill>
               </a:rPr>
               <a:t>Ch06. Data Structure</a:t>
             </a:r>
-            <a:endParaRPr lang="en-US" altLang="ko-KR" sz="1000" dirty="0">
-              <a:solidFill>
-                <a:schemeClr val="bg1"/>
-              </a:solidFill>
-            </a:endParaRPr>
           </a:p>
         </p:txBody>
       </p:sp>
@@ -29676,7 +28438,7 @@
           <a:p>
             <a:pPr algn="ctr"/>
             <a:r>
-              <a:rPr lang="en-US" altLang="ko-KR" sz="1000" dirty="0" smtClean="0">
+              <a:rPr lang="en-US" altLang="ko-KR" sz="1000" dirty="0">
                 <a:solidFill>
                   <a:schemeClr val="bg1"/>
                 </a:solidFill>
@@ -29684,7 +28446,7 @@
               <a:t>2016 </a:t>
             </a:r>
             <a:r>
-              <a:rPr lang="ko-KR" altLang="en-US" sz="1000" dirty="0" smtClean="0">
+              <a:rPr lang="ko-KR" altLang="en-US" sz="1000" dirty="0">
                 <a:solidFill>
                   <a:schemeClr val="bg1"/>
                 </a:solidFill>
@@ -29692,7 +28454,7 @@
               <a:t>중앙대학교</a:t>
             </a:r>
             <a:r>
-              <a:rPr lang="en-US" sz="1000" dirty="0" smtClean="0">
+              <a:rPr lang="en-US" sz="1000" dirty="0">
                 <a:solidFill>
                   <a:schemeClr val="bg1"/>
                 </a:solidFill>
@@ -29700,7 +28462,7 @@
               <a:t> Python </a:t>
             </a:r>
             <a:r>
-              <a:rPr lang="ko-KR" altLang="en-US" sz="1000" dirty="0" smtClean="0">
+              <a:rPr lang="ko-KR" altLang="en-US" sz="1000" dirty="0">
                 <a:solidFill>
                   <a:schemeClr val="bg1"/>
                 </a:solidFill>
@@ -29739,7 +28501,7 @@
           <a:p>
             <a:pPr algn="r"/>
             <a:r>
-              <a:rPr lang="en-US" altLang="ko-KR" sz="800" b="1" spc="-30" dirty="0" smtClean="0">
+              <a:rPr lang="en-US" altLang="ko-KR" sz="800" b="1" spc="-30" dirty="0">
                 <a:solidFill>
                   <a:schemeClr val="bg1"/>
                 </a:solidFill>
@@ -29760,7 +28522,7 @@
               <a:t>8</a:t>
             </a:fld>
             <a:r>
-              <a:rPr lang="en-US" altLang="ko-KR" sz="800" b="1" spc="-30" dirty="0" smtClean="0">
+              <a:rPr lang="en-US" altLang="ko-KR" sz="800" b="1" spc="-30" dirty="0">
                 <a:solidFill>
                   <a:schemeClr val="bg1"/>
                 </a:solidFill>
@@ -29769,13 +28531,6 @@
               </a:rPr>
               <a:t> -</a:t>
             </a:r>
-            <a:endParaRPr lang="en-US" altLang="ko-KR" sz="800" b="1" spc="-30" dirty="0">
-              <a:solidFill>
-                <a:schemeClr val="bg1"/>
-              </a:solidFill>
-              <a:latin typeface="맑은 고딕" panose="020B0503020000020004" pitchFamily="50" charset="-127"/>
-              <a:ea typeface="맑은 고딕" panose="020B0503020000020004" pitchFamily="50" charset="-127"/>
-            </a:endParaRPr>
           </a:p>
         </p:txBody>
       </p:sp>
@@ -29830,7 +28585,7 @@
               </a:lnSpc>
             </a:pPr>
             <a:r>
-              <a:rPr lang="en-US" altLang="ko-KR" sz="1600" b="1" spc="-150" dirty="0" smtClean="0">
+              <a:rPr lang="en-US" altLang="ko-KR" sz="1600" b="1" spc="-150" dirty="0">
                 <a:solidFill>
                   <a:srgbClr val="000000"/>
                 </a:solidFill>
@@ -29839,7 +28594,7 @@
               <a:t>Ch06&gt;code</a:t>
             </a:r>
             <a:r>
-              <a:rPr lang="ko-KR" altLang="en-US" sz="1600" b="1" spc="-150" dirty="0" smtClean="0">
+              <a:rPr lang="ko-KR" altLang="en-US" sz="1600" b="1" spc="-150" dirty="0">
                 <a:solidFill>
                   <a:srgbClr val="000000"/>
                 </a:solidFill>
@@ -29854,16 +28609,7 @@
                 </a:solidFill>
                 <a:latin typeface="맑은 고딕" pitchFamily="50" charset="-127"/>
               </a:rPr>
-              <a:t>&gt; </a:t>
-            </a:r>
-            <a:r>
-              <a:rPr lang="en-US" altLang="ko-KR" sz="1600" b="1" spc="-150" dirty="0" smtClean="0">
-                <a:solidFill>
-                  <a:srgbClr val="000000"/>
-                </a:solidFill>
-                <a:latin typeface="맑은 고딕" pitchFamily="50" charset="-127"/>
-              </a:rPr>
-              <a:t>ds_using_set.py</a:t>
+              <a:t>&gt; ds_using_set.py</a:t>
             </a:r>
             <a:endParaRPr lang="ko-KR" altLang="en-US" sz="1600" b="1" spc="-150" dirty="0">
               <a:solidFill>
@@ -29900,7 +28646,7 @@
               <a:buChar char="ü"/>
             </a:pPr>
             <a:r>
-              <a:rPr lang="ko-KR" altLang="en-US" sz="1600" spc="-150" dirty="0" smtClean="0">
+              <a:rPr lang="ko-KR" altLang="en-US" sz="1600" spc="-150" dirty="0">
                 <a:ln w="0"/>
                 <a:effectLst>
                   <a:outerShdw blurRad="38100" dist="19050" dir="2700000" algn="tl" rotWithShape="0">
@@ -29914,7 +28660,7 @@
               <a:t>집합은 정렬되지 않은 단순 객체의 묶음</a:t>
             </a:r>
             <a:r>
-              <a:rPr lang="en-US" altLang="ko-KR" sz="1600" spc="-150" dirty="0" smtClean="0">
+              <a:rPr lang="en-US" altLang="ko-KR" sz="1600" spc="-150" dirty="0">
                 <a:ln w="0"/>
                 <a:effectLst>
                   <a:outerShdw blurRad="38100" dist="19050" dir="2700000" algn="tl" rotWithShape="0">
@@ -29928,7 +28674,7 @@
               <a:t>, </a:t>
             </a:r>
             <a:r>
-              <a:rPr lang="ko-KR" altLang="en-US" sz="1600" spc="-150" dirty="0" smtClean="0">
+              <a:rPr lang="ko-KR" altLang="en-US" sz="1600" spc="-150" dirty="0">
                 <a:ln w="0"/>
                 <a:effectLst>
                   <a:outerShdw blurRad="38100" dist="19050" dir="2700000" algn="tl" rotWithShape="0">
@@ -29942,7 +28688,7 @@
               <a:t>중복을 허용하지 않음</a:t>
             </a:r>
             <a:r>
-              <a:rPr lang="en-US" altLang="ko-KR" sz="1600" spc="-150" dirty="0" smtClean="0">
+              <a:rPr lang="en-US" altLang="ko-KR" sz="1600" spc="-150" dirty="0">
                 <a:ln w="0"/>
                 <a:effectLst>
                   <a:outerShdw blurRad="38100" dist="19050" dir="2700000" algn="tl" rotWithShape="0">
@@ -29962,7 +28708,7 @@
               <a:buChar char="ü"/>
             </a:pPr>
             <a:r>
-              <a:rPr lang="ko-KR" altLang="en-US" sz="1600" spc="-150" dirty="0" smtClean="0">
+              <a:rPr lang="ko-KR" altLang="en-US" sz="1600" spc="-150" dirty="0">
                 <a:ln w="0"/>
                 <a:effectLst>
                   <a:outerShdw blurRad="38100" dist="19050" dir="2700000" algn="tl" rotWithShape="0">
@@ -29976,7 +28722,7 @@
               <a:t>멤버십 테스트를 수행할 수 있으며</a:t>
             </a:r>
             <a:r>
-              <a:rPr lang="en-US" altLang="ko-KR" sz="1600" spc="-150" dirty="0" smtClean="0">
+              <a:rPr lang="en-US" altLang="ko-KR" sz="1600" spc="-150" dirty="0">
                 <a:ln w="0"/>
                 <a:effectLst>
                   <a:outerShdw blurRad="38100" dist="19050" dir="2700000" algn="tl" rotWithShape="0">
@@ -29990,7 +28736,7 @@
               <a:t>, </a:t>
             </a:r>
             <a:r>
-              <a:rPr lang="ko-KR" altLang="en-US" sz="1600" spc="-150" dirty="0" smtClean="0">
+              <a:rPr lang="ko-KR" altLang="en-US" sz="1600" spc="-150" dirty="0">
                 <a:ln w="0"/>
                 <a:effectLst>
                   <a:outerShdw blurRad="38100" dist="19050" dir="2700000" algn="tl" rotWithShape="0">
@@ -30004,7 +28750,7 @@
               <a:t>한 집합이 다른 집합의 부분집합인지 알 수 있으며</a:t>
             </a:r>
             <a:r>
-              <a:rPr lang="en-US" altLang="ko-KR" sz="1600" spc="-150" dirty="0" smtClean="0">
+              <a:rPr lang="en-US" altLang="ko-KR" sz="1600" spc="-150" dirty="0">
                 <a:ln w="0"/>
                 <a:effectLst>
                   <a:outerShdw blurRad="38100" dist="19050" dir="2700000" algn="tl" rotWithShape="0">
@@ -30018,7 +28764,7 @@
               <a:t>, </a:t>
             </a:r>
             <a:r>
-              <a:rPr lang="ko-KR" altLang="en-US" sz="1600" spc="-150" dirty="0" smtClean="0">
+              <a:rPr lang="ko-KR" altLang="en-US" sz="1600" spc="-150" dirty="0">
                 <a:ln w="0"/>
                 <a:effectLst>
                   <a:outerShdw blurRad="38100" dist="19050" dir="2700000" algn="tl" rotWithShape="0">
@@ -30032,7 +28778,7 @@
               <a:t>교집합을 구할 수 있음</a:t>
             </a:r>
             <a:r>
-              <a:rPr lang="en-US" altLang="ko-KR" sz="1600" spc="-150" dirty="0" smtClean="0">
+              <a:rPr lang="en-US" altLang="ko-KR" sz="1600" spc="-150" dirty="0">
                 <a:ln w="0"/>
                 <a:effectLst>
                   <a:outerShdw blurRad="38100" dist="19050" dir="2700000" algn="tl" rotWithShape="0">
@@ -30045,17 +28791,6 @@
               </a:rPr>
               <a:t>.</a:t>
             </a:r>
-            <a:endParaRPr lang="en-US" altLang="ko-KR" sz="1600" spc="-150" dirty="0">
-              <a:ln w="0"/>
-              <a:effectLst>
-                <a:outerShdw blurRad="38100" dist="19050" dir="2700000" algn="tl" rotWithShape="0">
-                  <a:schemeClr val="dk1">
-                    <a:alpha val="40000"/>
-                  </a:schemeClr>
-                </a:outerShdw>
-              </a:effectLst>
-              <a:ea typeface="맑은 고딕" panose="020B0503020000020004" pitchFamily="50" charset="-127"/>
-            </a:endParaRPr>
           </a:p>
         </p:txBody>
       </p:sp>
@@ -30086,20 +28821,13 @@
     </p:spTree>
     <p:extLst>
       <p:ext uri="{BB962C8B-B14F-4D97-AF65-F5344CB8AC3E}">
-        <p14:creationId xmlns:p14="http://schemas.microsoft.com/office/powerpoint/2010/main" xmlns="" val="555679285"/>
+        <p14:creationId xmlns:p14="http://schemas.microsoft.com/office/powerpoint/2010/main" val="555679285"/>
       </p:ext>
     </p:extLst>
   </p:cSld>
   <p:clrMapOvr>
     <a:masterClrMapping/>
   </p:clrMapOvr>
-  <p:timing>
-    <p:tnLst>
-      <p:par>
-        <p:cTn id="1" dur="indefinite" restart="never" nodeType="tmRoot"/>
-      </p:par>
-    </p:tnLst>
-  </p:timing>
 </p:sld>
 </file>
 
@@ -30143,7 +28871,7 @@
           <a:lstStyle/>
           <a:p>
             <a:r>
-              <a:rPr lang="en-US" altLang="ko-KR" sz="4000" b="1" spc="-250" dirty="0" smtClean="0">
+              <a:rPr lang="en-US" altLang="ko-KR" sz="4000" b="1" spc="-250" dirty="0">
                 <a:solidFill>
                   <a:schemeClr val="accent4">
                     <a:lumMod val="50000"/>
@@ -30202,20 +28930,13 @@
     </p:spTree>
     <p:extLst>
       <p:ext uri="{BB962C8B-B14F-4D97-AF65-F5344CB8AC3E}">
-        <p14:creationId xmlns:p14="http://schemas.microsoft.com/office/powerpoint/2010/main" xmlns="" val="1081644103"/>
+        <p14:creationId xmlns:p14="http://schemas.microsoft.com/office/powerpoint/2010/main" val="1081644103"/>
       </p:ext>
     </p:extLst>
   </p:cSld>
   <p:clrMapOvr>
     <a:masterClrMapping/>
   </p:clrMapOvr>
-  <p:timing>
-    <p:tnLst>
-      <p:par>
-        <p:cTn id="1" dur="indefinite" restart="never" nodeType="tmRoot"/>
-      </p:par>
-    </p:tnLst>
-  </p:timing>
 </p:sld>
 </file>
 
